--- a/ECE411 - Final Presentation.pptx
+++ b/ECE411 - Final Presentation.pptx
@@ -4,6 +4,9 @@
   <p:sldMasterIdLst>
     <p:sldMasterId id="2147484400" r:id="rId1"/>
   </p:sldMasterIdLst>
+  <p:notesMasterIdLst>
+    <p:notesMasterId r:id="rId23"/>
+  </p:notesMasterIdLst>
   <p:sldIdLst>
     <p:sldId id="256" r:id="rId2"/>
     <p:sldId id="258" r:id="rId3"/>
@@ -11,7 +14,21 @@
     <p:sldId id="260" r:id="rId5"/>
     <p:sldId id="261" r:id="rId6"/>
     <p:sldId id="262" r:id="rId7"/>
-    <p:sldId id="263" r:id="rId8"/>
+    <p:sldId id="264" r:id="rId8"/>
+    <p:sldId id="263" r:id="rId9"/>
+    <p:sldId id="265" r:id="rId10"/>
+    <p:sldId id="267" r:id="rId11"/>
+    <p:sldId id="268" r:id="rId12"/>
+    <p:sldId id="266" r:id="rId13"/>
+    <p:sldId id="269" r:id="rId14"/>
+    <p:sldId id="270" r:id="rId15"/>
+    <p:sldId id="271" r:id="rId16"/>
+    <p:sldId id="272" r:id="rId17"/>
+    <p:sldId id="273" r:id="rId18"/>
+    <p:sldId id="274" r:id="rId19"/>
+    <p:sldId id="275" r:id="rId20"/>
+    <p:sldId id="276" r:id="rId21"/>
+    <p:sldId id="277" r:id="rId22"/>
   </p:sldIdLst>
   <p:sldSz cx="12192000" cy="6858000"/>
   <p:notesSz cx="6858000" cy="9144000"/>
@@ -110,7 +127,362 @@
       </a:defRPr>
     </a:lvl9pPr>
   </p:defaultTextStyle>
+  <p:extLst>
+    <p:ext uri="{EFAFB233-063F-42B5-8137-9DF3F51BA10A}">
+      <p15:sldGuideLst xmlns:p15="http://schemas.microsoft.com/office/powerpoint/2012/main"/>
+    </p:ext>
+  </p:extLst>
 </p:presentation>
+</file>
+
+<file path=ppt/notesMasters/notesMaster1.xml><?xml version="1.0" encoding="utf-8"?>
+<p:notesMaster xmlns:a="http://schemas.openxmlformats.org/drawingml/2006/main" xmlns:r="http://schemas.openxmlformats.org/officeDocument/2006/relationships" xmlns:p="http://schemas.openxmlformats.org/presentationml/2006/main">
+  <p:cSld>
+    <p:bg>
+      <p:bgRef idx="1001">
+        <a:schemeClr val="bg1"/>
+      </p:bgRef>
+    </p:bg>
+    <p:spTree>
+      <p:nvGrpSpPr>
+        <p:cNvPr id="1" name=""/>
+        <p:cNvGrpSpPr/>
+        <p:nvPr/>
+      </p:nvGrpSpPr>
+      <p:grpSpPr>
+        <a:xfrm>
+          <a:off x="0" y="0"/>
+          <a:ext cx="0" cy="0"/>
+          <a:chOff x="0" y="0"/>
+          <a:chExt cx="0" cy="0"/>
+        </a:xfrm>
+      </p:grpSpPr>
+      <p:sp>
+        <p:nvSpPr>
+          <p:cNvPr id="2" name="Header Placeholder 1"/>
+          <p:cNvSpPr>
+            <a:spLocks noGrp="1"/>
+          </p:cNvSpPr>
+          <p:nvPr>
+            <p:ph type="hdr" sz="quarter"/>
+          </p:nvPr>
+        </p:nvSpPr>
+        <p:spPr>
+          <a:xfrm>
+            <a:off x="0" y="0"/>
+            <a:ext cx="2971800" cy="458788"/>
+          </a:xfrm>
+          <a:prstGeom prst="rect">
+            <a:avLst/>
+          </a:prstGeom>
+        </p:spPr>
+        <p:txBody>
+          <a:bodyPr vert="horz" lIns="91440" tIns="45720" rIns="91440" bIns="45720" rtlCol="0"/>
+          <a:lstStyle>
+            <a:lvl1pPr algn="l">
+              <a:defRPr sz="1200"/>
+            </a:lvl1pPr>
+          </a:lstStyle>
+          <a:p>
+            <a:endParaRPr lang="en-US"/>
+          </a:p>
+        </p:txBody>
+      </p:sp>
+      <p:sp>
+        <p:nvSpPr>
+          <p:cNvPr id="3" name="Date Placeholder 2"/>
+          <p:cNvSpPr>
+            <a:spLocks noGrp="1"/>
+          </p:cNvSpPr>
+          <p:nvPr>
+            <p:ph type="dt" idx="1"/>
+          </p:nvPr>
+        </p:nvSpPr>
+        <p:spPr>
+          <a:xfrm>
+            <a:off x="3884613" y="0"/>
+            <a:ext cx="2971800" cy="458788"/>
+          </a:xfrm>
+          <a:prstGeom prst="rect">
+            <a:avLst/>
+          </a:prstGeom>
+        </p:spPr>
+        <p:txBody>
+          <a:bodyPr vert="horz" lIns="91440" tIns="45720" rIns="91440" bIns="45720" rtlCol="0"/>
+          <a:lstStyle>
+            <a:lvl1pPr algn="r">
+              <a:defRPr sz="1200"/>
+            </a:lvl1pPr>
+          </a:lstStyle>
+          <a:p>
+            <a:fld id="{AF9CE80A-28B5-E142-9734-8F3A89166F8B}" type="datetimeFigureOut">
+              <a:rPr lang="en-US" smtClean="0"/>
+              <a:t>12/7/16</a:t>
+            </a:fld>
+            <a:endParaRPr lang="en-US"/>
+          </a:p>
+        </p:txBody>
+      </p:sp>
+      <p:sp>
+        <p:nvSpPr>
+          <p:cNvPr id="4" name="Slide Image Placeholder 3"/>
+          <p:cNvSpPr>
+            <a:spLocks noGrp="1" noRot="1" noChangeAspect="1"/>
+          </p:cNvSpPr>
+          <p:nvPr>
+            <p:ph type="sldImg" idx="2"/>
+          </p:nvPr>
+        </p:nvSpPr>
+        <p:spPr>
+          <a:xfrm>
+            <a:off x="685800" y="1143000"/>
+            <a:ext cx="5486400" cy="3086100"/>
+          </a:xfrm>
+          <a:prstGeom prst="rect">
+            <a:avLst/>
+          </a:prstGeom>
+          <a:noFill/>
+          <a:ln w="12700">
+            <a:solidFill>
+              <a:prstClr val="black"/>
+            </a:solidFill>
+          </a:ln>
+        </p:spPr>
+        <p:txBody>
+          <a:bodyPr vert="horz" lIns="91440" tIns="45720" rIns="91440" bIns="45720" rtlCol="0" anchor="ctr"/>
+          <a:lstStyle/>
+          <a:p>
+            <a:endParaRPr lang="en-US"/>
+          </a:p>
+        </p:txBody>
+      </p:sp>
+      <p:sp>
+        <p:nvSpPr>
+          <p:cNvPr id="5" name="Notes Placeholder 4"/>
+          <p:cNvSpPr>
+            <a:spLocks noGrp="1"/>
+          </p:cNvSpPr>
+          <p:nvPr>
+            <p:ph type="body" sz="quarter" idx="3"/>
+          </p:nvPr>
+        </p:nvSpPr>
+        <p:spPr>
+          <a:xfrm>
+            <a:off x="685800" y="4400550"/>
+            <a:ext cx="5486400" cy="3600450"/>
+          </a:xfrm>
+          <a:prstGeom prst="rect">
+            <a:avLst/>
+          </a:prstGeom>
+        </p:spPr>
+        <p:txBody>
+          <a:bodyPr vert="horz" lIns="91440" tIns="45720" rIns="91440" bIns="45720" rtlCol="0"/>
+          <a:lstStyle/>
+          <a:p>
+            <a:pPr lvl="0"/>
+            <a:r>
+              <a:rPr lang="en-US" smtClean="0"/>
+              <a:t>Click to edit Master text styles</a:t>
+            </a:r>
+          </a:p>
+          <a:p>
+            <a:pPr lvl="1"/>
+            <a:r>
+              <a:rPr lang="en-US" smtClean="0"/>
+              <a:t>Second level</a:t>
+            </a:r>
+          </a:p>
+          <a:p>
+            <a:pPr lvl="2"/>
+            <a:r>
+              <a:rPr lang="en-US" smtClean="0"/>
+              <a:t>Third level</a:t>
+            </a:r>
+          </a:p>
+          <a:p>
+            <a:pPr lvl="3"/>
+            <a:r>
+              <a:rPr lang="en-US" smtClean="0"/>
+              <a:t>Fourth level</a:t>
+            </a:r>
+          </a:p>
+          <a:p>
+            <a:pPr lvl="4"/>
+            <a:r>
+              <a:rPr lang="en-US" smtClean="0"/>
+              <a:t>Fifth level</a:t>
+            </a:r>
+            <a:endParaRPr lang="en-US"/>
+          </a:p>
+        </p:txBody>
+      </p:sp>
+      <p:sp>
+        <p:nvSpPr>
+          <p:cNvPr id="6" name="Footer Placeholder 5"/>
+          <p:cNvSpPr>
+            <a:spLocks noGrp="1"/>
+          </p:cNvSpPr>
+          <p:nvPr>
+            <p:ph type="ftr" sz="quarter" idx="4"/>
+          </p:nvPr>
+        </p:nvSpPr>
+        <p:spPr>
+          <a:xfrm>
+            <a:off x="0" y="8685213"/>
+            <a:ext cx="2971800" cy="458787"/>
+          </a:xfrm>
+          <a:prstGeom prst="rect">
+            <a:avLst/>
+          </a:prstGeom>
+        </p:spPr>
+        <p:txBody>
+          <a:bodyPr vert="horz" lIns="91440" tIns="45720" rIns="91440" bIns="45720" rtlCol="0" anchor="b"/>
+          <a:lstStyle>
+            <a:lvl1pPr algn="l">
+              <a:defRPr sz="1200"/>
+            </a:lvl1pPr>
+          </a:lstStyle>
+          <a:p>
+            <a:endParaRPr lang="en-US"/>
+          </a:p>
+        </p:txBody>
+      </p:sp>
+      <p:sp>
+        <p:nvSpPr>
+          <p:cNvPr id="7" name="Slide Number Placeholder 6"/>
+          <p:cNvSpPr>
+            <a:spLocks noGrp="1"/>
+          </p:cNvSpPr>
+          <p:nvPr>
+            <p:ph type="sldNum" sz="quarter" idx="5"/>
+          </p:nvPr>
+        </p:nvSpPr>
+        <p:spPr>
+          <a:xfrm>
+            <a:off x="3884613" y="8685213"/>
+            <a:ext cx="2971800" cy="458787"/>
+          </a:xfrm>
+          <a:prstGeom prst="rect">
+            <a:avLst/>
+          </a:prstGeom>
+        </p:spPr>
+        <p:txBody>
+          <a:bodyPr vert="horz" lIns="91440" tIns="45720" rIns="91440" bIns="45720" rtlCol="0" anchor="b"/>
+          <a:lstStyle>
+            <a:lvl1pPr algn="r">
+              <a:defRPr sz="1200"/>
+            </a:lvl1pPr>
+          </a:lstStyle>
+          <a:p>
+            <a:fld id="{340E0903-6BE0-5F4D-A28B-FF7C7FC9A731}" type="slidenum">
+              <a:rPr lang="en-US" smtClean="0"/>
+              <a:t>‹#›</a:t>
+            </a:fld>
+            <a:endParaRPr lang="en-US"/>
+          </a:p>
+        </p:txBody>
+      </p:sp>
+    </p:spTree>
+    <p:extLst>
+      <p:ext uri="{BB962C8B-B14F-4D97-AF65-F5344CB8AC3E}">
+        <p14:creationId xmlns:p14="http://schemas.microsoft.com/office/powerpoint/2010/main" val="530648044"/>
+      </p:ext>
+    </p:extLst>
+  </p:cSld>
+  <p:clrMap bg1="lt1" tx1="dk1" bg2="lt2" tx2="dk2" accent1="accent1" accent2="accent2" accent3="accent3" accent4="accent4" accent5="accent5" accent6="accent6" hlink="hlink" folHlink="folHlink"/>
+  <p:notesStyle>
+    <a:lvl1pPr marL="0" algn="l" defTabSz="914400" rtl="0" eaLnBrk="1" latinLnBrk="0" hangingPunct="1">
+      <a:defRPr sz="1200" kern="1200">
+        <a:solidFill>
+          <a:schemeClr val="tx1"/>
+        </a:solidFill>
+        <a:latin typeface="+mn-lt"/>
+        <a:ea typeface="+mn-ea"/>
+        <a:cs typeface="+mn-cs"/>
+      </a:defRPr>
+    </a:lvl1pPr>
+    <a:lvl2pPr marL="457200" algn="l" defTabSz="914400" rtl="0" eaLnBrk="1" latinLnBrk="0" hangingPunct="1">
+      <a:defRPr sz="1200" kern="1200">
+        <a:solidFill>
+          <a:schemeClr val="tx1"/>
+        </a:solidFill>
+        <a:latin typeface="+mn-lt"/>
+        <a:ea typeface="+mn-ea"/>
+        <a:cs typeface="+mn-cs"/>
+      </a:defRPr>
+    </a:lvl2pPr>
+    <a:lvl3pPr marL="914400" algn="l" defTabSz="914400" rtl="0" eaLnBrk="1" latinLnBrk="0" hangingPunct="1">
+      <a:defRPr sz="1200" kern="1200">
+        <a:solidFill>
+          <a:schemeClr val="tx1"/>
+        </a:solidFill>
+        <a:latin typeface="+mn-lt"/>
+        <a:ea typeface="+mn-ea"/>
+        <a:cs typeface="+mn-cs"/>
+      </a:defRPr>
+    </a:lvl3pPr>
+    <a:lvl4pPr marL="1371600" algn="l" defTabSz="914400" rtl="0" eaLnBrk="1" latinLnBrk="0" hangingPunct="1">
+      <a:defRPr sz="1200" kern="1200">
+        <a:solidFill>
+          <a:schemeClr val="tx1"/>
+        </a:solidFill>
+        <a:latin typeface="+mn-lt"/>
+        <a:ea typeface="+mn-ea"/>
+        <a:cs typeface="+mn-cs"/>
+      </a:defRPr>
+    </a:lvl4pPr>
+    <a:lvl5pPr marL="1828800" algn="l" defTabSz="914400" rtl="0" eaLnBrk="1" latinLnBrk="0" hangingPunct="1">
+      <a:defRPr sz="1200" kern="1200">
+        <a:solidFill>
+          <a:schemeClr val="tx1"/>
+        </a:solidFill>
+        <a:latin typeface="+mn-lt"/>
+        <a:ea typeface="+mn-ea"/>
+        <a:cs typeface="+mn-cs"/>
+      </a:defRPr>
+    </a:lvl5pPr>
+    <a:lvl6pPr marL="2286000" algn="l" defTabSz="914400" rtl="0" eaLnBrk="1" latinLnBrk="0" hangingPunct="1">
+      <a:defRPr sz="1200" kern="1200">
+        <a:solidFill>
+          <a:schemeClr val="tx1"/>
+        </a:solidFill>
+        <a:latin typeface="+mn-lt"/>
+        <a:ea typeface="+mn-ea"/>
+        <a:cs typeface="+mn-cs"/>
+      </a:defRPr>
+    </a:lvl6pPr>
+    <a:lvl7pPr marL="2743200" algn="l" defTabSz="914400" rtl="0" eaLnBrk="1" latinLnBrk="0" hangingPunct="1">
+      <a:defRPr sz="1200" kern="1200">
+        <a:solidFill>
+          <a:schemeClr val="tx1"/>
+        </a:solidFill>
+        <a:latin typeface="+mn-lt"/>
+        <a:ea typeface="+mn-ea"/>
+        <a:cs typeface="+mn-cs"/>
+      </a:defRPr>
+    </a:lvl7pPr>
+    <a:lvl8pPr marL="3200400" algn="l" defTabSz="914400" rtl="0" eaLnBrk="1" latinLnBrk="0" hangingPunct="1">
+      <a:defRPr sz="1200" kern="1200">
+        <a:solidFill>
+          <a:schemeClr val="tx1"/>
+        </a:solidFill>
+        <a:latin typeface="+mn-lt"/>
+        <a:ea typeface="+mn-ea"/>
+        <a:cs typeface="+mn-cs"/>
+      </a:defRPr>
+    </a:lvl8pPr>
+    <a:lvl9pPr marL="3657600" algn="l" defTabSz="914400" rtl="0" eaLnBrk="1" latinLnBrk="0" hangingPunct="1">
+      <a:defRPr sz="1200" kern="1200">
+        <a:solidFill>
+          <a:schemeClr val="tx1"/>
+        </a:solidFill>
+        <a:latin typeface="+mn-lt"/>
+        <a:ea typeface="+mn-ea"/>
+        <a:cs typeface="+mn-cs"/>
+      </a:defRPr>
+    </a:lvl9pPr>
+  </p:notesStyle>
+</p:notesMaster>
 </file>
 
 <file path=ppt/slideLayouts/slideLayout1.xml><?xml version="1.0" encoding="utf-8"?>
@@ -387,7 +759,7 @@
           <a:p>
             <a:fld id="{CEF241BB-F2B7-4B67-A396-DB168B131349}" type="datetimeFigureOut">
               <a:rPr lang="en-US" smtClean="0"/>
-              <a:t>12/6/2016</a:t>
+              <a:t>12/7/16</a:t>
             </a:fld>
             <a:endParaRPr lang="en-US"/>
           </a:p>
@@ -806,7 +1178,7 @@
           <a:p>
             <a:fld id="{CEF241BB-F2B7-4B67-A396-DB168B131349}" type="datetimeFigureOut">
               <a:rPr lang="en-US" smtClean="0"/>
-              <a:t>12/6/2016</a:t>
+              <a:t>12/7/16</a:t>
             </a:fld>
             <a:endParaRPr lang="en-US"/>
           </a:p>
@@ -1142,7 +1514,7 @@
           <a:p>
             <a:fld id="{CEF241BB-F2B7-4B67-A396-DB168B131349}" type="datetimeFigureOut">
               <a:rPr lang="en-US" smtClean="0"/>
-              <a:t>12/6/2016</a:t>
+              <a:t>12/7/16</a:t>
             </a:fld>
             <a:endParaRPr lang="en-US"/>
           </a:p>
@@ -1547,7 +1919,7 @@
           <a:p>
             <a:fld id="{CEF241BB-F2B7-4B67-A396-DB168B131349}" type="datetimeFigureOut">
               <a:rPr lang="en-US" smtClean="0"/>
-              <a:t>12/6/2016</a:t>
+              <a:t>12/7/16</a:t>
             </a:fld>
             <a:endParaRPr lang="en-US"/>
           </a:p>
@@ -2115,7 +2487,7 @@
           <a:p>
             <a:fld id="{CEF241BB-F2B7-4B67-A396-DB168B131349}" type="datetimeFigureOut">
               <a:rPr lang="en-US" smtClean="0"/>
-              <a:t>12/6/2016</a:t>
+              <a:t>12/7/16</a:t>
             </a:fld>
             <a:endParaRPr lang="en-US"/>
           </a:p>
@@ -2796,7 +3168,7 @@
           <a:p>
             <a:fld id="{CEF241BB-F2B7-4B67-A396-DB168B131349}" type="datetimeFigureOut">
               <a:rPr lang="en-US" smtClean="0"/>
-              <a:t>12/6/2016</a:t>
+              <a:t>12/7/16</a:t>
             </a:fld>
             <a:endParaRPr lang="en-US"/>
           </a:p>
@@ -3709,7 +4081,7 @@
           <a:p>
             <a:fld id="{CEF241BB-F2B7-4B67-A396-DB168B131349}" type="datetimeFigureOut">
               <a:rPr lang="en-US" smtClean="0"/>
-              <a:t>12/6/2016</a:t>
+              <a:t>12/7/16</a:t>
             </a:fld>
             <a:endParaRPr lang="en-US"/>
           </a:p>
@@ -4022,7 +4394,7 @@
           <a:p>
             <a:fld id="{CEF241BB-F2B7-4B67-A396-DB168B131349}" type="datetimeFigureOut">
               <a:rPr lang="en-US" smtClean="0"/>
-              <a:t>12/6/2016</a:t>
+              <a:t>12/7/16</a:t>
             </a:fld>
             <a:endParaRPr lang="en-US"/>
           </a:p>
@@ -4286,7 +4658,7 @@
           <a:p>
             <a:fld id="{CEF241BB-F2B7-4B67-A396-DB168B131349}" type="datetimeFigureOut">
               <a:rPr lang="en-US" smtClean="0"/>
-              <a:t>12/6/2016</a:t>
+              <a:t>12/7/16</a:t>
             </a:fld>
             <a:endParaRPr lang="en-US"/>
           </a:p>
@@ -4609,7 +4981,7 @@
           <a:p>
             <a:fld id="{CEF241BB-F2B7-4B67-A396-DB168B131349}" type="datetimeFigureOut">
               <a:rPr lang="en-US" smtClean="0"/>
-              <a:t>12/6/2016</a:t>
+              <a:t>12/7/16</a:t>
             </a:fld>
             <a:endParaRPr lang="en-US"/>
           </a:p>
@@ -4998,7 +5370,7 @@
           <a:p>
             <a:fld id="{CEF241BB-F2B7-4B67-A396-DB168B131349}" type="datetimeFigureOut">
               <a:rPr lang="en-US" smtClean="0"/>
-              <a:t>12/6/2016</a:t>
+              <a:t>12/7/16</a:t>
             </a:fld>
             <a:endParaRPr lang="en-US"/>
           </a:p>
@@ -5374,7 +5746,7 @@
           <a:p>
             <a:fld id="{CEF241BB-F2B7-4B67-A396-DB168B131349}" type="datetimeFigureOut">
               <a:rPr lang="en-US" smtClean="0"/>
-              <a:t>12/6/2016</a:t>
+              <a:t>12/7/16</a:t>
             </a:fld>
             <a:endParaRPr lang="en-US"/>
           </a:p>
@@ -5885,7 +6257,7 @@
           <a:p>
             <a:fld id="{CEF241BB-F2B7-4B67-A396-DB168B131349}" type="datetimeFigureOut">
               <a:rPr lang="en-US" smtClean="0"/>
-              <a:t>12/6/2016</a:t>
+              <a:t>12/7/16</a:t>
             </a:fld>
             <a:endParaRPr lang="en-US"/>
           </a:p>
@@ -6147,7 +6519,7 @@
           <a:p>
             <a:fld id="{CEF241BB-F2B7-4B67-A396-DB168B131349}" type="datetimeFigureOut">
               <a:rPr lang="en-US" smtClean="0"/>
-              <a:t>12/6/2016</a:t>
+              <a:t>12/7/16</a:t>
             </a:fld>
             <a:endParaRPr lang="en-US"/>
           </a:p>
@@ -6310,7 +6682,7 @@
           <a:p>
             <a:fld id="{CEF241BB-F2B7-4B67-A396-DB168B131349}" type="datetimeFigureOut">
               <a:rPr lang="en-US" smtClean="0"/>
-              <a:t>12/6/2016</a:t>
+              <a:t>12/7/16</a:t>
             </a:fld>
             <a:endParaRPr lang="en-US"/>
           </a:p>
@@ -6705,7 +7077,7 @@
           <a:p>
             <a:fld id="{CEF241BB-F2B7-4B67-A396-DB168B131349}" type="datetimeFigureOut">
               <a:rPr lang="en-US" smtClean="0"/>
-              <a:t>12/6/2016</a:t>
+              <a:t>12/7/16</a:t>
             </a:fld>
             <a:endParaRPr lang="en-US"/>
           </a:p>
@@ -7119,7 +7491,7 @@
           <a:p>
             <a:fld id="{CEF241BB-F2B7-4B67-A396-DB168B131349}" type="datetimeFigureOut">
               <a:rPr lang="en-US" smtClean="0"/>
-              <a:t>12/6/2016</a:t>
+              <a:t>12/7/16</a:t>
             </a:fld>
             <a:endParaRPr lang="en-US"/>
           </a:p>
@@ -7363,7 +7735,7 @@
           <a:p>
             <a:fld id="{CEF241BB-F2B7-4B67-A396-DB168B131349}" type="datetimeFigureOut">
               <a:rPr lang="en-US" smtClean="0"/>
-              <a:t>12/6/2016</a:t>
+              <a:t>12/7/16</a:t>
             </a:fld>
             <a:endParaRPr lang="en-US"/>
           </a:p>
@@ -7853,6 +8225,908 @@
 </p:sld>
 </file>
 
+<file path=ppt/slides/slide10.xml><?xml version="1.0" encoding="utf-8"?>
+<p:sld xmlns:a="http://schemas.openxmlformats.org/drawingml/2006/main" xmlns:r="http://schemas.openxmlformats.org/officeDocument/2006/relationships" xmlns:p="http://schemas.openxmlformats.org/presentationml/2006/main">
+  <p:cSld>
+    <p:spTree>
+      <p:nvGrpSpPr>
+        <p:cNvPr id="1" name=""/>
+        <p:cNvGrpSpPr/>
+        <p:nvPr/>
+      </p:nvGrpSpPr>
+      <p:grpSpPr>
+        <a:xfrm>
+          <a:off x="0" y="0"/>
+          <a:ext cx="0" cy="0"/>
+          <a:chOff x="0" y="0"/>
+          <a:chExt cx="0" cy="0"/>
+        </a:xfrm>
+      </p:grpSpPr>
+      <p:sp>
+        <p:nvSpPr>
+          <p:cNvPr id="2" name="Title 1"/>
+          <p:cNvSpPr>
+            <a:spLocks noGrp="1"/>
+          </p:cNvSpPr>
+          <p:nvPr>
+            <p:ph type="title"/>
+          </p:nvPr>
+        </p:nvSpPr>
+        <p:spPr/>
+        <p:txBody>
+          <a:bodyPr/>
+          <a:lstStyle/>
+          <a:p>
+            <a:r>
+              <a:rPr lang="en-US" dirty="0" smtClean="0"/>
+              <a:t>Design Process</a:t>
+            </a:r>
+            <a:endParaRPr lang="en-US" dirty="0"/>
+          </a:p>
+        </p:txBody>
+      </p:sp>
+      <p:sp>
+        <p:nvSpPr>
+          <p:cNvPr id="3" name="Content Placeholder 2"/>
+          <p:cNvSpPr>
+            <a:spLocks noGrp="1"/>
+          </p:cNvSpPr>
+          <p:nvPr>
+            <p:ph idx="1"/>
+          </p:nvPr>
+        </p:nvSpPr>
+        <p:spPr/>
+        <p:txBody>
+          <a:bodyPr/>
+          <a:lstStyle/>
+          <a:p>
+            <a:endParaRPr lang="en-US"/>
+          </a:p>
+        </p:txBody>
+      </p:sp>
+    </p:spTree>
+    <p:extLst>
+      <p:ext uri="{BB962C8B-B14F-4D97-AF65-F5344CB8AC3E}">
+        <p14:creationId xmlns:p14="http://schemas.microsoft.com/office/powerpoint/2010/main" val="329449977"/>
+      </p:ext>
+    </p:extLst>
+  </p:cSld>
+  <p:clrMapOvr>
+    <a:masterClrMapping/>
+  </p:clrMapOvr>
+</p:sld>
+</file>
+
+<file path=ppt/slides/slide11.xml><?xml version="1.0" encoding="utf-8"?>
+<p:sld xmlns:a="http://schemas.openxmlformats.org/drawingml/2006/main" xmlns:r="http://schemas.openxmlformats.org/officeDocument/2006/relationships" xmlns:p="http://schemas.openxmlformats.org/presentationml/2006/main">
+  <p:cSld>
+    <p:spTree>
+      <p:nvGrpSpPr>
+        <p:cNvPr id="1" name=""/>
+        <p:cNvGrpSpPr/>
+        <p:nvPr/>
+      </p:nvGrpSpPr>
+      <p:grpSpPr>
+        <a:xfrm>
+          <a:off x="0" y="0"/>
+          <a:ext cx="0" cy="0"/>
+          <a:chOff x="0" y="0"/>
+          <a:chExt cx="0" cy="0"/>
+        </a:xfrm>
+      </p:grpSpPr>
+      <p:sp>
+        <p:nvSpPr>
+          <p:cNvPr id="2" name="Title 1"/>
+          <p:cNvSpPr>
+            <a:spLocks noGrp="1"/>
+          </p:cNvSpPr>
+          <p:nvPr>
+            <p:ph type="title"/>
+          </p:nvPr>
+        </p:nvSpPr>
+        <p:spPr/>
+        <p:txBody>
+          <a:bodyPr/>
+          <a:lstStyle/>
+          <a:p>
+            <a:r>
+              <a:rPr lang="en-US" dirty="0" smtClean="0"/>
+              <a:t>Design Process</a:t>
+            </a:r>
+            <a:endParaRPr lang="en-US" dirty="0"/>
+          </a:p>
+        </p:txBody>
+      </p:sp>
+      <p:sp>
+        <p:nvSpPr>
+          <p:cNvPr id="3" name="Content Placeholder 2"/>
+          <p:cNvSpPr>
+            <a:spLocks noGrp="1"/>
+          </p:cNvSpPr>
+          <p:nvPr>
+            <p:ph idx="1"/>
+          </p:nvPr>
+        </p:nvSpPr>
+        <p:spPr/>
+        <p:txBody>
+          <a:bodyPr/>
+          <a:lstStyle/>
+          <a:p>
+            <a:endParaRPr lang="en-US"/>
+          </a:p>
+        </p:txBody>
+      </p:sp>
+    </p:spTree>
+    <p:extLst>
+      <p:ext uri="{BB962C8B-B14F-4D97-AF65-F5344CB8AC3E}">
+        <p14:creationId xmlns:p14="http://schemas.microsoft.com/office/powerpoint/2010/main" val="852921473"/>
+      </p:ext>
+    </p:extLst>
+  </p:cSld>
+  <p:clrMapOvr>
+    <a:masterClrMapping/>
+  </p:clrMapOvr>
+</p:sld>
+</file>
+
+<file path=ppt/slides/slide12.xml><?xml version="1.0" encoding="utf-8"?>
+<p:sld xmlns:a="http://schemas.openxmlformats.org/drawingml/2006/main" xmlns:r="http://schemas.openxmlformats.org/officeDocument/2006/relationships" xmlns:p="http://schemas.openxmlformats.org/presentationml/2006/main">
+  <p:cSld>
+    <p:spTree>
+      <p:nvGrpSpPr>
+        <p:cNvPr id="1" name=""/>
+        <p:cNvGrpSpPr/>
+        <p:nvPr/>
+      </p:nvGrpSpPr>
+      <p:grpSpPr>
+        <a:xfrm>
+          <a:off x="0" y="0"/>
+          <a:ext cx="0" cy="0"/>
+          <a:chOff x="0" y="0"/>
+          <a:chExt cx="0" cy="0"/>
+        </a:xfrm>
+      </p:grpSpPr>
+      <p:sp>
+        <p:nvSpPr>
+          <p:cNvPr id="2" name="Title 1"/>
+          <p:cNvSpPr>
+            <a:spLocks noGrp="1"/>
+          </p:cNvSpPr>
+          <p:nvPr>
+            <p:ph type="title"/>
+          </p:nvPr>
+        </p:nvSpPr>
+        <p:spPr/>
+        <p:txBody>
+          <a:bodyPr/>
+          <a:lstStyle/>
+          <a:p>
+            <a:r>
+              <a:rPr lang="en-US" dirty="0" smtClean="0"/>
+              <a:t>Trade-off and Decision Making</a:t>
+            </a:r>
+            <a:endParaRPr lang="en-US" dirty="0"/>
+          </a:p>
+        </p:txBody>
+      </p:sp>
+      <p:sp>
+        <p:nvSpPr>
+          <p:cNvPr id="3" name="Content Placeholder 2"/>
+          <p:cNvSpPr>
+            <a:spLocks noGrp="1"/>
+          </p:cNvSpPr>
+          <p:nvPr>
+            <p:ph idx="1"/>
+          </p:nvPr>
+        </p:nvSpPr>
+        <p:spPr/>
+        <p:txBody>
+          <a:bodyPr/>
+          <a:lstStyle/>
+          <a:p>
+            <a:endParaRPr lang="en-US"/>
+          </a:p>
+        </p:txBody>
+      </p:sp>
+    </p:spTree>
+    <p:extLst>
+      <p:ext uri="{BB962C8B-B14F-4D97-AF65-F5344CB8AC3E}">
+        <p14:creationId xmlns:p14="http://schemas.microsoft.com/office/powerpoint/2010/main" val="742892805"/>
+      </p:ext>
+    </p:extLst>
+  </p:cSld>
+  <p:clrMapOvr>
+    <a:masterClrMapping/>
+  </p:clrMapOvr>
+</p:sld>
+</file>
+
+<file path=ppt/slides/slide13.xml><?xml version="1.0" encoding="utf-8"?>
+<p:sld xmlns:a="http://schemas.openxmlformats.org/drawingml/2006/main" xmlns:r="http://schemas.openxmlformats.org/officeDocument/2006/relationships" xmlns:p="http://schemas.openxmlformats.org/presentationml/2006/main">
+  <p:cSld>
+    <p:spTree>
+      <p:nvGrpSpPr>
+        <p:cNvPr id="1" name=""/>
+        <p:cNvGrpSpPr/>
+        <p:nvPr/>
+      </p:nvGrpSpPr>
+      <p:grpSpPr>
+        <a:xfrm>
+          <a:off x="0" y="0"/>
+          <a:ext cx="0" cy="0"/>
+          <a:chOff x="0" y="0"/>
+          <a:chExt cx="0" cy="0"/>
+        </a:xfrm>
+      </p:grpSpPr>
+      <p:sp>
+        <p:nvSpPr>
+          <p:cNvPr id="2" name="Title 1"/>
+          <p:cNvSpPr>
+            <a:spLocks noGrp="1"/>
+          </p:cNvSpPr>
+          <p:nvPr>
+            <p:ph type="title"/>
+          </p:nvPr>
+        </p:nvSpPr>
+        <p:spPr/>
+        <p:txBody>
+          <a:bodyPr/>
+          <a:lstStyle/>
+          <a:p>
+            <a:r>
+              <a:rPr lang="en-US" dirty="0" smtClean="0"/>
+              <a:t>Implementation</a:t>
+            </a:r>
+            <a:endParaRPr lang="en-US" dirty="0"/>
+          </a:p>
+        </p:txBody>
+      </p:sp>
+      <p:sp>
+        <p:nvSpPr>
+          <p:cNvPr id="3" name="Content Placeholder 2"/>
+          <p:cNvSpPr>
+            <a:spLocks noGrp="1"/>
+          </p:cNvSpPr>
+          <p:nvPr>
+            <p:ph idx="1"/>
+          </p:nvPr>
+        </p:nvSpPr>
+        <p:spPr/>
+        <p:txBody>
+          <a:bodyPr/>
+          <a:lstStyle/>
+          <a:p>
+            <a:pPr marL="0" marR="0" lvl="0" indent="0" defTabSz="914400" eaLnBrk="1" fontAlgn="auto" latinLnBrk="0" hangingPunct="1">
+              <a:lnSpc>
+                <a:spcPct val="100000"/>
+              </a:lnSpc>
+              <a:spcBef>
+                <a:spcPts val="0"/>
+              </a:spcBef>
+              <a:spcAft>
+                <a:spcPts val="0"/>
+              </a:spcAft>
+              <a:buClrTx/>
+              <a:buSzTx/>
+              <a:buFontTx/>
+              <a:buNone/>
+              <a:tabLst/>
+              <a:defRPr/>
+            </a:pPr>
+            <a:r>
+              <a:rPr lang="en-US" dirty="0" smtClean="0"/>
+              <a:t>Major components:</a:t>
+            </a:r>
+          </a:p>
+          <a:p>
+            <a:pPr marR="0" lvl="0" defTabSz="914400" eaLnBrk="1" fontAlgn="auto" latinLnBrk="0" hangingPunct="1">
+              <a:lnSpc>
+                <a:spcPct val="100000"/>
+              </a:lnSpc>
+              <a:spcBef>
+                <a:spcPts val="0"/>
+              </a:spcBef>
+              <a:spcAft>
+                <a:spcPts val="0"/>
+              </a:spcAft>
+              <a:buClrTx/>
+              <a:buSzTx/>
+              <a:buFont typeface="Arial" charset="0"/>
+              <a:buChar char="•"/>
+              <a:tabLst/>
+              <a:defRPr/>
+            </a:pPr>
+            <a:r>
+              <a:rPr lang="en-US" dirty="0" smtClean="0"/>
+              <a:t>Microprocessor: ATmega328P</a:t>
+            </a:r>
+          </a:p>
+          <a:p>
+            <a:pPr marR="0" lvl="0" defTabSz="914400" eaLnBrk="1" fontAlgn="auto" latinLnBrk="0" hangingPunct="1">
+              <a:lnSpc>
+                <a:spcPct val="100000"/>
+              </a:lnSpc>
+              <a:spcBef>
+                <a:spcPts val="0"/>
+              </a:spcBef>
+              <a:spcAft>
+                <a:spcPts val="0"/>
+              </a:spcAft>
+              <a:buClrTx/>
+              <a:buSzTx/>
+              <a:buFont typeface="Arial" charset="0"/>
+              <a:buChar char="•"/>
+              <a:tabLst/>
+              <a:defRPr/>
+            </a:pPr>
+            <a:r>
+              <a:rPr lang="en-US" dirty="0" smtClean="0"/>
+              <a:t>Locking Mechanism:</a:t>
+            </a:r>
+          </a:p>
+          <a:p>
+            <a:pPr lvl="1">
+              <a:lnSpc>
+                <a:spcPct val="100000"/>
+              </a:lnSpc>
+              <a:spcBef>
+                <a:spcPts val="0"/>
+              </a:spcBef>
+              <a:buFont typeface="Arial" charset="0"/>
+              <a:buChar char="•"/>
+            </a:pPr>
+            <a:r>
+              <a:rPr lang="en-US" dirty="0" smtClean="0"/>
+              <a:t>Key Pad</a:t>
+            </a:r>
+          </a:p>
+          <a:p>
+            <a:pPr lvl="1">
+              <a:lnSpc>
+                <a:spcPct val="100000"/>
+              </a:lnSpc>
+              <a:spcBef>
+                <a:spcPts val="0"/>
+              </a:spcBef>
+              <a:buFont typeface="Arial" charset="0"/>
+              <a:buChar char="•"/>
+            </a:pPr>
+            <a:r>
+              <a:rPr lang="en-US" dirty="0" smtClean="0"/>
+              <a:t>16x2 LCD Display</a:t>
+            </a:r>
+          </a:p>
+          <a:p>
+            <a:pPr lvl="1">
+              <a:lnSpc>
+                <a:spcPct val="100000"/>
+              </a:lnSpc>
+              <a:spcBef>
+                <a:spcPts val="0"/>
+              </a:spcBef>
+              <a:buFont typeface="Arial" charset="0"/>
+              <a:buChar char="•"/>
+            </a:pPr>
+            <a:r>
+              <a:rPr lang="en-US" dirty="0" smtClean="0"/>
+              <a:t>Solenoid</a:t>
+            </a:r>
+          </a:p>
+          <a:p>
+            <a:pPr>
+              <a:lnSpc>
+                <a:spcPct val="100000"/>
+              </a:lnSpc>
+              <a:spcBef>
+                <a:spcPts val="0"/>
+              </a:spcBef>
+            </a:pPr>
+            <a:r>
+              <a:rPr lang="en-US" dirty="0" smtClean="0"/>
+              <a:t>Useless Box Mechanism:</a:t>
+            </a:r>
+          </a:p>
+          <a:p>
+            <a:pPr lvl="1">
+              <a:lnSpc>
+                <a:spcPct val="100000"/>
+              </a:lnSpc>
+              <a:spcBef>
+                <a:spcPts val="0"/>
+              </a:spcBef>
+            </a:pPr>
+            <a:r>
+              <a:rPr lang="en-US" dirty="0" smtClean="0"/>
+              <a:t>Switch</a:t>
+            </a:r>
+          </a:p>
+          <a:p>
+            <a:pPr lvl="1">
+              <a:lnSpc>
+                <a:spcPct val="100000"/>
+              </a:lnSpc>
+              <a:spcBef>
+                <a:spcPts val="0"/>
+              </a:spcBef>
+            </a:pPr>
+            <a:r>
+              <a:rPr lang="en-US" dirty="0" smtClean="0"/>
+              <a:t>Servo</a:t>
+            </a:r>
+            <a:endParaRPr lang="en-US" dirty="0"/>
+          </a:p>
+        </p:txBody>
+      </p:sp>
+    </p:spTree>
+    <p:extLst>
+      <p:ext uri="{BB962C8B-B14F-4D97-AF65-F5344CB8AC3E}">
+        <p14:creationId xmlns:p14="http://schemas.microsoft.com/office/powerpoint/2010/main" val="887398941"/>
+      </p:ext>
+    </p:extLst>
+  </p:cSld>
+  <p:clrMapOvr>
+    <a:masterClrMapping/>
+  </p:clrMapOvr>
+</p:sld>
+</file>
+
+<file path=ppt/slides/slide14.xml><?xml version="1.0" encoding="utf-8"?>
+<p:sld xmlns:a="http://schemas.openxmlformats.org/drawingml/2006/main" xmlns:r="http://schemas.openxmlformats.org/officeDocument/2006/relationships" xmlns:p="http://schemas.openxmlformats.org/presentationml/2006/main">
+  <p:cSld>
+    <p:spTree>
+      <p:nvGrpSpPr>
+        <p:cNvPr id="1" name=""/>
+        <p:cNvGrpSpPr/>
+        <p:nvPr/>
+      </p:nvGrpSpPr>
+      <p:grpSpPr>
+        <a:xfrm>
+          <a:off x="0" y="0"/>
+          <a:ext cx="0" cy="0"/>
+          <a:chOff x="0" y="0"/>
+          <a:chExt cx="0" cy="0"/>
+        </a:xfrm>
+      </p:grpSpPr>
+      <p:sp>
+        <p:nvSpPr>
+          <p:cNvPr id="2" name="Title 1"/>
+          <p:cNvSpPr>
+            <a:spLocks noGrp="1"/>
+          </p:cNvSpPr>
+          <p:nvPr>
+            <p:ph type="title"/>
+          </p:nvPr>
+        </p:nvSpPr>
+        <p:spPr>
+          <a:xfrm>
+            <a:off x="320701" y="719361"/>
+            <a:ext cx="3485281" cy="1080938"/>
+          </a:xfrm>
+        </p:spPr>
+        <p:txBody>
+          <a:bodyPr/>
+          <a:lstStyle/>
+          <a:p>
+            <a:r>
+              <a:rPr lang="en-US" dirty="0" smtClean="0"/>
+              <a:t>Implementation - Schematic</a:t>
+            </a:r>
+            <a:endParaRPr lang="en-US" dirty="0"/>
+          </a:p>
+        </p:txBody>
+      </p:sp>
+      <p:pic>
+        <p:nvPicPr>
+          <p:cNvPr id="4" name="Content Placeholder 3"/>
+          <p:cNvPicPr>
+            <a:picLocks noGrp="1" noChangeAspect="1"/>
+          </p:cNvPicPr>
+          <p:nvPr>
+            <p:ph idx="1"/>
+          </p:nvPr>
+        </p:nvPicPr>
+        <p:blipFill>
+          <a:blip r:embed="rId2">
+            <a:extLst>
+              <a:ext uri="{28A0092B-C50C-407E-A947-70E740481C1C}">
+                <a14:useLocalDpi xmlns:a14="http://schemas.microsoft.com/office/drawing/2010/main" val="0"/>
+              </a:ext>
+            </a:extLst>
+          </a:blip>
+          <a:stretch>
+            <a:fillRect/>
+          </a:stretch>
+        </p:blipFill>
+        <p:spPr>
+          <a:xfrm>
+            <a:off x="3805982" y="355600"/>
+            <a:ext cx="7995264" cy="6179914"/>
+          </a:xfrm>
+        </p:spPr>
+      </p:pic>
+    </p:spTree>
+    <p:extLst>
+      <p:ext uri="{BB962C8B-B14F-4D97-AF65-F5344CB8AC3E}">
+        <p14:creationId xmlns:p14="http://schemas.microsoft.com/office/powerpoint/2010/main" val="240072972"/>
+      </p:ext>
+    </p:extLst>
+  </p:cSld>
+  <p:clrMapOvr>
+    <a:masterClrMapping/>
+  </p:clrMapOvr>
+</p:sld>
+</file>
+
+<file path=ppt/slides/slide15.xml><?xml version="1.0" encoding="utf-8"?>
+<p:sld xmlns:a="http://schemas.openxmlformats.org/drawingml/2006/main" xmlns:r="http://schemas.openxmlformats.org/officeDocument/2006/relationships" xmlns:p="http://schemas.openxmlformats.org/presentationml/2006/main">
+  <p:cSld>
+    <p:spTree>
+      <p:nvGrpSpPr>
+        <p:cNvPr id="1" name=""/>
+        <p:cNvGrpSpPr/>
+        <p:nvPr/>
+      </p:nvGrpSpPr>
+      <p:grpSpPr>
+        <a:xfrm>
+          <a:off x="0" y="0"/>
+          <a:ext cx="0" cy="0"/>
+          <a:chOff x="0" y="0"/>
+          <a:chExt cx="0" cy="0"/>
+        </a:xfrm>
+      </p:grpSpPr>
+      <p:sp>
+        <p:nvSpPr>
+          <p:cNvPr id="2" name="Title 1"/>
+          <p:cNvSpPr>
+            <a:spLocks noGrp="1"/>
+          </p:cNvSpPr>
+          <p:nvPr>
+            <p:ph type="title"/>
+          </p:nvPr>
+        </p:nvSpPr>
+        <p:spPr/>
+        <p:txBody>
+          <a:bodyPr/>
+          <a:lstStyle/>
+          <a:p>
+            <a:r>
+              <a:rPr lang="en-US" dirty="0" smtClean="0"/>
+              <a:t>Implementation – Board Layout</a:t>
+            </a:r>
+            <a:endParaRPr lang="en-US" dirty="0"/>
+          </a:p>
+        </p:txBody>
+      </p:sp>
+      <p:pic>
+        <p:nvPicPr>
+          <p:cNvPr id="4" name="Content Placeholder 3"/>
+          <p:cNvPicPr>
+            <a:picLocks noGrp="1" noChangeAspect="1"/>
+          </p:cNvPicPr>
+          <p:nvPr>
+            <p:ph idx="1"/>
+          </p:nvPr>
+        </p:nvPicPr>
+        <p:blipFill>
+          <a:blip r:embed="rId2">
+            <a:extLst>
+              <a:ext uri="{28A0092B-C50C-407E-A947-70E740481C1C}">
+                <a14:useLocalDpi xmlns:a14="http://schemas.microsoft.com/office/drawing/2010/main" val="0"/>
+              </a:ext>
+            </a:extLst>
+          </a:blip>
+          <a:stretch>
+            <a:fillRect/>
+          </a:stretch>
+        </p:blipFill>
+        <p:spPr>
+          <a:xfrm>
+            <a:off x="3956000" y="2336800"/>
+            <a:ext cx="3063975" cy="3598863"/>
+          </a:xfrm>
+        </p:spPr>
+      </p:pic>
+    </p:spTree>
+    <p:extLst>
+      <p:ext uri="{BB962C8B-B14F-4D97-AF65-F5344CB8AC3E}">
+        <p14:creationId xmlns:p14="http://schemas.microsoft.com/office/powerpoint/2010/main" val="1932151338"/>
+      </p:ext>
+    </p:extLst>
+  </p:cSld>
+  <p:clrMapOvr>
+    <a:masterClrMapping/>
+  </p:clrMapOvr>
+</p:sld>
+</file>
+
+<file path=ppt/slides/slide16.xml><?xml version="1.0" encoding="utf-8"?>
+<p:sld xmlns:a="http://schemas.openxmlformats.org/drawingml/2006/main" xmlns:r="http://schemas.openxmlformats.org/officeDocument/2006/relationships" xmlns:p="http://schemas.openxmlformats.org/presentationml/2006/main">
+  <p:cSld>
+    <p:spTree>
+      <p:nvGrpSpPr>
+        <p:cNvPr id="1" name=""/>
+        <p:cNvGrpSpPr/>
+        <p:nvPr/>
+      </p:nvGrpSpPr>
+      <p:grpSpPr>
+        <a:xfrm>
+          <a:off x="0" y="0"/>
+          <a:ext cx="0" cy="0"/>
+          <a:chOff x="0" y="0"/>
+          <a:chExt cx="0" cy="0"/>
+        </a:xfrm>
+      </p:grpSpPr>
+      <p:sp>
+        <p:nvSpPr>
+          <p:cNvPr id="2" name="Title 1"/>
+          <p:cNvSpPr>
+            <a:spLocks noGrp="1"/>
+          </p:cNvSpPr>
+          <p:nvPr>
+            <p:ph type="title"/>
+          </p:nvPr>
+        </p:nvSpPr>
+        <p:spPr/>
+        <p:txBody>
+          <a:bodyPr/>
+          <a:lstStyle/>
+          <a:p>
+            <a:r>
+              <a:rPr lang="en-US" dirty="0" smtClean="0"/>
+              <a:t>Implementation – Code</a:t>
+            </a:r>
+            <a:endParaRPr lang="en-US" dirty="0"/>
+          </a:p>
+        </p:txBody>
+      </p:sp>
+      <p:sp>
+        <p:nvSpPr>
+          <p:cNvPr id="3" name="Content Placeholder 2"/>
+          <p:cNvSpPr>
+            <a:spLocks noGrp="1"/>
+          </p:cNvSpPr>
+          <p:nvPr>
+            <p:ph idx="1"/>
+          </p:nvPr>
+        </p:nvSpPr>
+        <p:spPr/>
+        <p:txBody>
+          <a:bodyPr/>
+          <a:lstStyle/>
+          <a:p>
+            <a:endParaRPr lang="en-US"/>
+          </a:p>
+        </p:txBody>
+      </p:sp>
+    </p:spTree>
+    <p:extLst>
+      <p:ext uri="{BB962C8B-B14F-4D97-AF65-F5344CB8AC3E}">
+        <p14:creationId xmlns:p14="http://schemas.microsoft.com/office/powerpoint/2010/main" val="1414518878"/>
+      </p:ext>
+    </p:extLst>
+  </p:cSld>
+  <p:clrMapOvr>
+    <a:masterClrMapping/>
+  </p:clrMapOvr>
+</p:sld>
+</file>
+
+<file path=ppt/slides/slide17.xml><?xml version="1.0" encoding="utf-8"?>
+<p:sld xmlns:a="http://schemas.openxmlformats.org/drawingml/2006/main" xmlns:r="http://schemas.openxmlformats.org/officeDocument/2006/relationships" xmlns:p="http://schemas.openxmlformats.org/presentationml/2006/main">
+  <p:cSld>
+    <p:spTree>
+      <p:nvGrpSpPr>
+        <p:cNvPr id="1" name=""/>
+        <p:cNvGrpSpPr/>
+        <p:nvPr/>
+      </p:nvGrpSpPr>
+      <p:grpSpPr>
+        <a:xfrm>
+          <a:off x="0" y="0"/>
+          <a:ext cx="0" cy="0"/>
+          <a:chOff x="0" y="0"/>
+          <a:chExt cx="0" cy="0"/>
+        </a:xfrm>
+      </p:grpSpPr>
+      <p:sp>
+        <p:nvSpPr>
+          <p:cNvPr id="2" name="Title 1"/>
+          <p:cNvSpPr>
+            <a:spLocks noGrp="1"/>
+          </p:cNvSpPr>
+          <p:nvPr>
+            <p:ph type="title"/>
+          </p:nvPr>
+        </p:nvSpPr>
+        <p:spPr/>
+        <p:txBody>
+          <a:bodyPr/>
+          <a:lstStyle/>
+          <a:p>
+            <a:r>
+              <a:rPr lang="en-US" dirty="0" smtClean="0"/>
+              <a:t>IP and Prior Work</a:t>
+            </a:r>
+            <a:endParaRPr lang="en-US" dirty="0"/>
+          </a:p>
+        </p:txBody>
+      </p:sp>
+      <p:sp>
+        <p:nvSpPr>
+          <p:cNvPr id="3" name="Content Placeholder 2"/>
+          <p:cNvSpPr>
+            <a:spLocks noGrp="1"/>
+          </p:cNvSpPr>
+          <p:nvPr>
+            <p:ph idx="1"/>
+          </p:nvPr>
+        </p:nvSpPr>
+        <p:spPr/>
+        <p:txBody>
+          <a:bodyPr/>
+          <a:lstStyle/>
+          <a:p>
+            <a:endParaRPr lang="en-US"/>
+          </a:p>
+        </p:txBody>
+      </p:sp>
+    </p:spTree>
+    <p:extLst>
+      <p:ext uri="{BB962C8B-B14F-4D97-AF65-F5344CB8AC3E}">
+        <p14:creationId xmlns:p14="http://schemas.microsoft.com/office/powerpoint/2010/main" val="1174810256"/>
+      </p:ext>
+    </p:extLst>
+  </p:cSld>
+  <p:clrMapOvr>
+    <a:masterClrMapping/>
+  </p:clrMapOvr>
+</p:sld>
+</file>
+
+<file path=ppt/slides/slide18.xml><?xml version="1.0" encoding="utf-8"?>
+<p:sld xmlns:a="http://schemas.openxmlformats.org/drawingml/2006/main" xmlns:r="http://schemas.openxmlformats.org/officeDocument/2006/relationships" xmlns:p="http://schemas.openxmlformats.org/presentationml/2006/main">
+  <p:cSld>
+    <p:spTree>
+      <p:nvGrpSpPr>
+        <p:cNvPr id="1" name=""/>
+        <p:cNvGrpSpPr/>
+        <p:nvPr/>
+      </p:nvGrpSpPr>
+      <p:grpSpPr>
+        <a:xfrm>
+          <a:off x="0" y="0"/>
+          <a:ext cx="0" cy="0"/>
+          <a:chOff x="0" y="0"/>
+          <a:chExt cx="0" cy="0"/>
+        </a:xfrm>
+      </p:grpSpPr>
+      <p:sp>
+        <p:nvSpPr>
+          <p:cNvPr id="2" name="Title 1"/>
+          <p:cNvSpPr>
+            <a:spLocks noGrp="1"/>
+          </p:cNvSpPr>
+          <p:nvPr>
+            <p:ph type="title"/>
+          </p:nvPr>
+        </p:nvSpPr>
+        <p:spPr/>
+        <p:txBody>
+          <a:bodyPr/>
+          <a:lstStyle/>
+          <a:p>
+            <a:r>
+              <a:rPr lang="en-US" dirty="0" smtClean="0"/>
+              <a:t>Testing</a:t>
+            </a:r>
+            <a:endParaRPr lang="en-US" dirty="0"/>
+          </a:p>
+        </p:txBody>
+      </p:sp>
+      <p:sp>
+        <p:nvSpPr>
+          <p:cNvPr id="3" name="Content Placeholder 2"/>
+          <p:cNvSpPr>
+            <a:spLocks noGrp="1"/>
+          </p:cNvSpPr>
+          <p:nvPr>
+            <p:ph idx="1"/>
+          </p:nvPr>
+        </p:nvSpPr>
+        <p:spPr/>
+        <p:txBody>
+          <a:bodyPr/>
+          <a:lstStyle/>
+          <a:p>
+            <a:endParaRPr lang="en-US"/>
+          </a:p>
+        </p:txBody>
+      </p:sp>
+    </p:spTree>
+    <p:extLst>
+      <p:ext uri="{BB962C8B-B14F-4D97-AF65-F5344CB8AC3E}">
+        <p14:creationId xmlns:p14="http://schemas.microsoft.com/office/powerpoint/2010/main" val="1071322074"/>
+      </p:ext>
+    </p:extLst>
+  </p:cSld>
+  <p:clrMapOvr>
+    <a:masterClrMapping/>
+  </p:clrMapOvr>
+</p:sld>
+</file>
+
+<file path=ppt/slides/slide19.xml><?xml version="1.0" encoding="utf-8"?>
+<p:sld xmlns:a="http://schemas.openxmlformats.org/drawingml/2006/main" xmlns:r="http://schemas.openxmlformats.org/officeDocument/2006/relationships" xmlns:p="http://schemas.openxmlformats.org/presentationml/2006/main">
+  <p:cSld>
+    <p:spTree>
+      <p:nvGrpSpPr>
+        <p:cNvPr id="1" name=""/>
+        <p:cNvGrpSpPr/>
+        <p:nvPr/>
+      </p:nvGrpSpPr>
+      <p:grpSpPr>
+        <a:xfrm>
+          <a:off x="0" y="0"/>
+          <a:ext cx="0" cy="0"/>
+          <a:chOff x="0" y="0"/>
+          <a:chExt cx="0" cy="0"/>
+        </a:xfrm>
+      </p:grpSpPr>
+      <p:sp>
+        <p:nvSpPr>
+          <p:cNvPr id="2" name="Title 1"/>
+          <p:cNvSpPr>
+            <a:spLocks noGrp="1"/>
+          </p:cNvSpPr>
+          <p:nvPr>
+            <p:ph type="title"/>
+          </p:nvPr>
+        </p:nvSpPr>
+        <p:spPr/>
+        <p:txBody>
+          <a:bodyPr/>
+          <a:lstStyle/>
+          <a:p>
+            <a:r>
+              <a:rPr lang="en-US" dirty="0" smtClean="0"/>
+              <a:t>Result</a:t>
+            </a:r>
+            <a:endParaRPr lang="en-US" dirty="0"/>
+          </a:p>
+        </p:txBody>
+      </p:sp>
+      <p:sp>
+        <p:nvSpPr>
+          <p:cNvPr id="3" name="Content Placeholder 2"/>
+          <p:cNvSpPr>
+            <a:spLocks noGrp="1"/>
+          </p:cNvSpPr>
+          <p:nvPr>
+            <p:ph idx="1"/>
+          </p:nvPr>
+        </p:nvSpPr>
+        <p:spPr/>
+        <p:txBody>
+          <a:bodyPr/>
+          <a:lstStyle/>
+          <a:p>
+            <a:endParaRPr lang="en-US"/>
+          </a:p>
+        </p:txBody>
+      </p:sp>
+    </p:spTree>
+    <p:extLst>
+      <p:ext uri="{BB962C8B-B14F-4D97-AF65-F5344CB8AC3E}">
+        <p14:creationId xmlns:p14="http://schemas.microsoft.com/office/powerpoint/2010/main" val="946589840"/>
+      </p:ext>
+    </p:extLst>
+  </p:cSld>
+  <p:clrMapOvr>
+    <a:masterClrMapping/>
+  </p:clrMapOvr>
+</p:sld>
+</file>
+
 <file path=ppt/slides/slide2.xml><?xml version="1.0" encoding="utf-8"?>
 <p:sld xmlns:a="http://schemas.openxmlformats.org/drawingml/2006/main" xmlns:r="http://schemas.openxmlformats.org/officeDocument/2006/relationships" xmlns:p="http://schemas.openxmlformats.org/presentationml/2006/main">
   <p:cSld>
@@ -7887,7 +9161,7 @@
           <a:p>
             <a:r>
               <a:rPr lang="en-US" dirty="0" smtClean="0"/>
-              <a:t>Motivation</a:t>
+              <a:t>Need and Motivation</a:t>
             </a:r>
             <a:endParaRPr lang="en-US" dirty="0"/>
           </a:p>
@@ -7906,67 +9180,91 @@
         <p:spPr/>
         <p:txBody>
           <a:bodyPr>
-            <a:normAutofit/>
+            <a:normAutofit fontScale="62500" lnSpcReduction="20000"/>
           </a:bodyPr>
           <a:lstStyle/>
           <a:p>
+            <a:pPr algn="just"/>
+            <a:r>
+              <a:rPr lang="en-US" dirty="0"/>
+              <a:t>Privacy and security have become major concerns in society today. Whether it be a teenager trying to keep a diary hidden or an adult keeping money away from a less than trustworthy roommate, a lockbox is a good way to go. </a:t>
+            </a:r>
+            <a:endParaRPr lang="en-US" dirty="0" smtClean="0"/>
+          </a:p>
+          <a:p>
+            <a:pPr algn="just"/>
             <a:r>
               <a:rPr lang="en-US" dirty="0" smtClean="0"/>
+              <a:t>Unfortunately</a:t>
+            </a:r>
+            <a:r>
+              <a:rPr lang="en-US" dirty="0"/>
+              <a:t>, lockboxes are obvious and sometimes bring with them curiosity as to what is inside. An interesting and elegant way to keep a lockbox without arousing much suspicion is needed.</a:t>
+            </a:r>
+          </a:p>
+          <a:p>
+            <a:r>
+              <a:rPr lang="en-US" dirty="0"/>
               <a:t>Privacy</a:t>
             </a:r>
           </a:p>
           <a:p>
             <a:pPr lvl="1"/>
             <a:r>
-              <a:rPr lang="en-US" dirty="0" smtClean="0"/>
+              <a:rPr lang="en-US" dirty="0"/>
               <a:t>Teenagers</a:t>
             </a:r>
           </a:p>
           <a:p>
             <a:pPr lvl="1"/>
             <a:r>
-              <a:rPr lang="en-US" dirty="0" smtClean="0"/>
+              <a:rPr lang="en-US" dirty="0"/>
               <a:t>Roommates</a:t>
             </a:r>
           </a:p>
           <a:p>
             <a:r>
-              <a:rPr lang="en-US" dirty="0" smtClean="0"/>
+              <a:rPr lang="en-US" dirty="0"/>
               <a:t>Entertaining</a:t>
             </a:r>
           </a:p>
           <a:p>
             <a:pPr lvl="1"/>
             <a:r>
-              <a:rPr lang="en-US" dirty="0" smtClean="0"/>
+              <a:rPr lang="en-US" dirty="0"/>
               <a:t>Not identifiable as lockbox at first glance</a:t>
             </a:r>
           </a:p>
           <a:p>
             <a:r>
-              <a:rPr lang="en-US" dirty="0" smtClean="0"/>
+              <a:rPr lang="en-US" dirty="0"/>
               <a:t>Environmentally friendly</a:t>
             </a:r>
           </a:p>
           <a:p>
             <a:pPr lvl="1"/>
             <a:r>
-              <a:rPr lang="en-US" dirty="0" smtClean="0"/>
+              <a:rPr lang="en-US" dirty="0"/>
               <a:t>Wood design</a:t>
             </a:r>
           </a:p>
           <a:p>
             <a:r>
-              <a:rPr lang="en-US" dirty="0" smtClean="0"/>
+              <a:rPr lang="en-US" dirty="0"/>
               <a:t>Aesthetically pleasing</a:t>
             </a:r>
           </a:p>
           <a:p>
             <a:pPr lvl="1"/>
             <a:r>
-              <a:rPr lang="en-US" dirty="0" smtClean="0"/>
+              <a:rPr lang="en-US" dirty="0"/>
               <a:t>Side table decoration</a:t>
             </a:r>
+          </a:p>
+          <a:p>
+            <a:endParaRPr lang="en-US" dirty="0"/>
+          </a:p>
+          <a:p>
             <a:endParaRPr lang="en-US" dirty="0"/>
           </a:p>
           <a:p>
@@ -7978,6 +9276,150 @@
     <p:extLst>
       <p:ext uri="{BB962C8B-B14F-4D97-AF65-F5344CB8AC3E}">
         <p14:creationId xmlns:p14="http://schemas.microsoft.com/office/powerpoint/2010/main" val="4040699978"/>
+      </p:ext>
+    </p:extLst>
+  </p:cSld>
+  <p:clrMapOvr>
+    <a:masterClrMapping/>
+  </p:clrMapOvr>
+</p:sld>
+</file>
+
+<file path=ppt/slides/slide20.xml><?xml version="1.0" encoding="utf-8"?>
+<p:sld xmlns:a="http://schemas.openxmlformats.org/drawingml/2006/main" xmlns:r="http://schemas.openxmlformats.org/officeDocument/2006/relationships" xmlns:p="http://schemas.openxmlformats.org/presentationml/2006/main">
+  <p:cSld>
+    <p:spTree>
+      <p:nvGrpSpPr>
+        <p:cNvPr id="1" name=""/>
+        <p:cNvGrpSpPr/>
+        <p:nvPr/>
+      </p:nvGrpSpPr>
+      <p:grpSpPr>
+        <a:xfrm>
+          <a:off x="0" y="0"/>
+          <a:ext cx="0" cy="0"/>
+          <a:chOff x="0" y="0"/>
+          <a:chExt cx="0" cy="0"/>
+        </a:xfrm>
+      </p:grpSpPr>
+      <p:sp>
+        <p:nvSpPr>
+          <p:cNvPr id="2" name="Title 1"/>
+          <p:cNvSpPr>
+            <a:spLocks noGrp="1"/>
+          </p:cNvSpPr>
+          <p:nvPr>
+            <p:ph type="title"/>
+          </p:nvPr>
+        </p:nvSpPr>
+        <p:spPr/>
+        <p:txBody>
+          <a:bodyPr/>
+          <a:lstStyle/>
+          <a:p>
+            <a:r>
+              <a:rPr lang="en-US" dirty="0" smtClean="0"/>
+              <a:t>Contribution and Lessons Learning</a:t>
+            </a:r>
+            <a:endParaRPr lang="en-US" dirty="0"/>
+          </a:p>
+        </p:txBody>
+      </p:sp>
+      <p:sp>
+        <p:nvSpPr>
+          <p:cNvPr id="3" name="Content Placeholder 2"/>
+          <p:cNvSpPr>
+            <a:spLocks noGrp="1"/>
+          </p:cNvSpPr>
+          <p:nvPr>
+            <p:ph idx="1"/>
+          </p:nvPr>
+        </p:nvSpPr>
+        <p:spPr/>
+        <p:txBody>
+          <a:bodyPr/>
+          <a:lstStyle/>
+          <a:p>
+            <a:endParaRPr lang="en-US" dirty="0"/>
+          </a:p>
+        </p:txBody>
+      </p:sp>
+    </p:spTree>
+    <p:extLst>
+      <p:ext uri="{BB962C8B-B14F-4D97-AF65-F5344CB8AC3E}">
+        <p14:creationId xmlns:p14="http://schemas.microsoft.com/office/powerpoint/2010/main" val="41290262"/>
+      </p:ext>
+    </p:extLst>
+  </p:cSld>
+  <p:clrMapOvr>
+    <a:masterClrMapping/>
+  </p:clrMapOvr>
+</p:sld>
+</file>
+
+<file path=ppt/slides/slide21.xml><?xml version="1.0" encoding="utf-8"?>
+<p:sld xmlns:a="http://schemas.openxmlformats.org/drawingml/2006/main" xmlns:r="http://schemas.openxmlformats.org/officeDocument/2006/relationships" xmlns:p="http://schemas.openxmlformats.org/presentationml/2006/main">
+  <p:cSld>
+    <p:spTree>
+      <p:nvGrpSpPr>
+        <p:cNvPr id="1" name=""/>
+        <p:cNvGrpSpPr/>
+        <p:nvPr/>
+      </p:nvGrpSpPr>
+      <p:grpSpPr>
+        <a:xfrm>
+          <a:off x="0" y="0"/>
+          <a:ext cx="0" cy="0"/>
+          <a:chOff x="0" y="0"/>
+          <a:chExt cx="0" cy="0"/>
+        </a:xfrm>
+      </p:grpSpPr>
+      <p:sp>
+        <p:nvSpPr>
+          <p:cNvPr id="2" name="Title 1"/>
+          <p:cNvSpPr>
+            <a:spLocks noGrp="1"/>
+          </p:cNvSpPr>
+          <p:nvPr>
+            <p:ph type="title"/>
+          </p:nvPr>
+        </p:nvSpPr>
+        <p:spPr/>
+        <p:txBody>
+          <a:bodyPr/>
+          <a:lstStyle/>
+          <a:p>
+            <a:r>
+              <a:rPr lang="en-US" dirty="0" smtClean="0"/>
+              <a:t>Thank you</a:t>
+            </a:r>
+            <a:endParaRPr lang="en-US" dirty="0"/>
+          </a:p>
+        </p:txBody>
+      </p:sp>
+      <p:sp>
+        <p:nvSpPr>
+          <p:cNvPr id="3" name="Content Placeholder 2"/>
+          <p:cNvSpPr>
+            <a:spLocks noGrp="1"/>
+          </p:cNvSpPr>
+          <p:nvPr>
+            <p:ph idx="1"/>
+          </p:nvPr>
+        </p:nvSpPr>
+        <p:spPr/>
+        <p:txBody>
+          <a:bodyPr/>
+          <a:lstStyle/>
+          <a:p>
+            <a:endParaRPr lang="en-US"/>
+          </a:p>
+        </p:txBody>
+      </p:sp>
+    </p:spTree>
+    <p:extLst>
+      <p:ext uri="{BB962C8B-B14F-4D97-AF65-F5344CB8AC3E}">
+        <p14:creationId xmlns:p14="http://schemas.microsoft.com/office/powerpoint/2010/main" val="328215453"/>
       </p:ext>
     </p:extLst>
   </p:cSld>
@@ -8310,23 +9752,110 @@
       </p:sp>
       <p:sp>
         <p:nvSpPr>
-          <p:cNvPr id="3" name="Content Placeholder 2"/>
-          <p:cNvSpPr>
-            <a:spLocks noGrp="1"/>
-          </p:cNvSpPr>
-          <p:nvPr>
-            <p:ph idx="1"/>
-          </p:nvPr>
-        </p:nvSpPr>
-        <p:spPr/>
-        <p:txBody>
-          <a:bodyPr/>
-          <a:lstStyle/>
-          <a:p>
+          <p:cNvPr id="4" name="Content Placeholder 3"/>
+          <p:cNvSpPr>
+            <a:spLocks noGrp="1"/>
+          </p:cNvSpPr>
+          <p:nvPr>
+            <p:ph sz="half" idx="1"/>
+          </p:nvPr>
+        </p:nvSpPr>
+        <p:spPr>
+          <a:xfrm>
+            <a:off x="680319" y="2336873"/>
+            <a:ext cx="5932516" cy="3599316"/>
+          </a:xfrm>
+        </p:spPr>
+        <p:txBody>
+          <a:bodyPr>
+            <a:normAutofit fontScale="92500" lnSpcReduction="10000"/>
+          </a:bodyPr>
+          <a:lstStyle/>
+          <a:p>
+            <a:pPr algn="just"/>
+            <a:r>
+              <a:rPr lang="en-US" dirty="0" smtClean="0"/>
+              <a:t>Useless machine feature incorporation: Simple box with a </a:t>
+            </a:r>
+            <a:r>
+              <a:rPr lang="en-US" dirty="0"/>
+              <a:t>switch and a moving arm. When the switch is </a:t>
+            </a:r>
+            <a:r>
+              <a:rPr lang="en-US" dirty="0" smtClean="0"/>
+              <a:t>flipped, </a:t>
+            </a:r>
+            <a:r>
+              <a:rPr lang="en-US" dirty="0"/>
+              <a:t>the arm moves and flips the switch back to the starting position. </a:t>
+            </a:r>
+            <a:endParaRPr lang="en-US" dirty="0" smtClean="0"/>
+          </a:p>
+          <a:p>
+            <a:pPr algn="just"/>
+            <a:r>
+              <a:rPr lang="en-US" dirty="0" smtClean="0"/>
+              <a:t>Lock box feature: </a:t>
+            </a:r>
+            <a:r>
+              <a:rPr lang="en-US" dirty="0"/>
+              <a:t>The switch will enable a keypad and LCD screen. If the correct </a:t>
+            </a:r>
+            <a:r>
+              <a:rPr lang="en-US" dirty="0" smtClean="0"/>
+              <a:t>passcode </a:t>
+            </a:r>
+            <a:r>
+              <a:rPr lang="en-US" dirty="0"/>
+              <a:t>is entered a solenoid will activate and the “hidden” lockbox compartment will open. If the </a:t>
+            </a:r>
+            <a:r>
+              <a:rPr lang="en-US" dirty="0" smtClean="0"/>
+              <a:t>passcode </a:t>
+            </a:r>
+            <a:r>
+              <a:rPr lang="en-US" dirty="0"/>
+              <a:t>is incorrect a moving arm will flip the switch back to the off position.</a:t>
+            </a:r>
+          </a:p>
+          <a:p>
+            <a:pPr algn="just"/>
             <a:endParaRPr lang="en-US" dirty="0"/>
           </a:p>
         </p:txBody>
       </p:sp>
+      <p:pic>
+        <p:nvPicPr>
+          <p:cNvPr id="6" name="Content Placeholder 5"/>
+          <p:cNvPicPr>
+            <a:picLocks noGrp="1"/>
+          </p:cNvPicPr>
+          <p:nvPr>
+            <p:ph sz="half" idx="2"/>
+          </p:nvPr>
+        </p:nvPicPr>
+        <p:blipFill>
+          <a:blip r:embed="rId2">
+            <a:extLst>
+              <a:ext uri="{28A0092B-C50C-407E-A947-70E740481C1C}">
+                <a14:useLocalDpi xmlns:a14="http://schemas.microsoft.com/office/drawing/2010/main" val="0"/>
+              </a:ext>
+            </a:extLst>
+          </a:blip>
+          <a:stretch>
+            <a:fillRect/>
+          </a:stretch>
+        </p:blipFill>
+        <p:spPr>
+          <a:xfrm>
+            <a:off x="7266270" y="2336873"/>
+            <a:ext cx="3733034" cy="3745875"/>
+          </a:xfrm>
+          <a:prstGeom prst="rect">
+            <a:avLst/>
+          </a:prstGeom>
+        </p:spPr>
+      </p:pic>
     </p:spTree>
     <p:extLst>
       <p:ext uri="{BB962C8B-B14F-4D97-AF65-F5344CB8AC3E}">
@@ -8374,6 +9903,119 @@
           <a:p>
             <a:r>
               <a:rPr lang="en-US" dirty="0" smtClean="0"/>
+              <a:t>Approach</a:t>
+            </a:r>
+            <a:endParaRPr lang="en-US" dirty="0"/>
+          </a:p>
+        </p:txBody>
+      </p:sp>
+      <p:sp>
+        <p:nvSpPr>
+          <p:cNvPr id="4" name="Content Placeholder 3"/>
+          <p:cNvSpPr>
+            <a:spLocks noGrp="1"/>
+          </p:cNvSpPr>
+          <p:nvPr>
+            <p:ph sz="half" idx="1"/>
+          </p:nvPr>
+        </p:nvSpPr>
+        <p:spPr>
+          <a:xfrm>
+            <a:off x="680319" y="2336873"/>
+            <a:ext cx="5127814" cy="3599316"/>
+          </a:xfrm>
+        </p:spPr>
+        <p:txBody>
+          <a:bodyPr>
+            <a:normAutofit/>
+          </a:bodyPr>
+          <a:lstStyle/>
+          <a:p>
+            <a:pPr algn="just"/>
+            <a:r>
+              <a:rPr lang="en-US" dirty="0" smtClean="0"/>
+              <a:t>Some more description here to link to how we schedule the project.</a:t>
+            </a:r>
+            <a:endParaRPr lang="en-US" dirty="0"/>
+          </a:p>
+        </p:txBody>
+      </p:sp>
+      <p:pic>
+        <p:nvPicPr>
+          <p:cNvPr id="5" name="Content Placeholder 4"/>
+          <p:cNvPicPr>
+            <a:picLocks noGrp="1" noChangeAspect="1"/>
+          </p:cNvPicPr>
+          <p:nvPr>
+            <p:ph sz="half" idx="2"/>
+          </p:nvPr>
+        </p:nvPicPr>
+        <p:blipFill>
+          <a:blip r:embed="rId2">
+            <a:extLst>
+              <a:ext uri="{28A0092B-C50C-407E-A947-70E740481C1C}">
+                <a14:useLocalDpi xmlns:a14="http://schemas.microsoft.com/office/drawing/2010/main" val="0"/>
+              </a:ext>
+            </a:extLst>
+          </a:blip>
+          <a:stretch>
+            <a:fillRect/>
+          </a:stretch>
+        </p:blipFill>
+        <p:spPr>
+          <a:xfrm>
+            <a:off x="6358835" y="1834166"/>
+            <a:ext cx="4800232" cy="4371121"/>
+          </a:xfrm>
+        </p:spPr>
+      </p:pic>
+    </p:spTree>
+    <p:extLst>
+      <p:ext uri="{BB962C8B-B14F-4D97-AF65-F5344CB8AC3E}">
+        <p14:creationId xmlns:p14="http://schemas.microsoft.com/office/powerpoint/2010/main" val="102089517"/>
+      </p:ext>
+    </p:extLst>
+  </p:cSld>
+  <p:clrMapOvr>
+    <a:masterClrMapping/>
+  </p:clrMapOvr>
+</p:sld>
+</file>
+
+<file path=ppt/slides/slide8.xml><?xml version="1.0" encoding="utf-8"?>
+<p:sld xmlns:a="http://schemas.openxmlformats.org/drawingml/2006/main" xmlns:r="http://schemas.openxmlformats.org/officeDocument/2006/relationships" xmlns:p="http://schemas.openxmlformats.org/presentationml/2006/main">
+  <p:cSld>
+    <p:spTree>
+      <p:nvGrpSpPr>
+        <p:cNvPr id="1" name=""/>
+        <p:cNvGrpSpPr/>
+        <p:nvPr/>
+      </p:nvGrpSpPr>
+      <p:grpSpPr>
+        <a:xfrm>
+          <a:off x="0" y="0"/>
+          <a:ext cx="0" cy="0"/>
+          <a:chOff x="0" y="0"/>
+          <a:chExt cx="0" cy="0"/>
+        </a:xfrm>
+      </p:grpSpPr>
+      <p:sp>
+        <p:nvSpPr>
+          <p:cNvPr id="2" name="Title 1"/>
+          <p:cNvSpPr>
+            <a:spLocks noGrp="1"/>
+          </p:cNvSpPr>
+          <p:nvPr>
+            <p:ph type="title"/>
+          </p:nvPr>
+        </p:nvSpPr>
+        <p:spPr/>
+        <p:txBody>
+          <a:bodyPr/>
+          <a:lstStyle/>
+          <a:p>
+            <a:r>
+              <a:rPr lang="en-US" dirty="0" smtClean="0"/>
               <a:t>Project Schedule</a:t>
             </a:r>
             <a:endParaRPr lang="en-US" dirty="0"/>
@@ -8403,6 +10045,78 @@
     <p:extLst>
       <p:ext uri="{BB962C8B-B14F-4D97-AF65-F5344CB8AC3E}">
         <p14:creationId xmlns:p14="http://schemas.microsoft.com/office/powerpoint/2010/main" val="2244678551"/>
+      </p:ext>
+    </p:extLst>
+  </p:cSld>
+  <p:clrMapOvr>
+    <a:masterClrMapping/>
+  </p:clrMapOvr>
+</p:sld>
+</file>
+
+<file path=ppt/slides/slide9.xml><?xml version="1.0" encoding="utf-8"?>
+<p:sld xmlns:a="http://schemas.openxmlformats.org/drawingml/2006/main" xmlns:r="http://schemas.openxmlformats.org/officeDocument/2006/relationships" xmlns:p="http://schemas.openxmlformats.org/presentationml/2006/main">
+  <p:cSld>
+    <p:spTree>
+      <p:nvGrpSpPr>
+        <p:cNvPr id="1" name=""/>
+        <p:cNvGrpSpPr/>
+        <p:nvPr/>
+      </p:nvGrpSpPr>
+      <p:grpSpPr>
+        <a:xfrm>
+          <a:off x="0" y="0"/>
+          <a:ext cx="0" cy="0"/>
+          <a:chOff x="0" y="0"/>
+          <a:chExt cx="0" cy="0"/>
+        </a:xfrm>
+      </p:grpSpPr>
+      <p:sp>
+        <p:nvSpPr>
+          <p:cNvPr id="2" name="Title 1"/>
+          <p:cNvSpPr>
+            <a:spLocks noGrp="1"/>
+          </p:cNvSpPr>
+          <p:nvPr>
+            <p:ph type="title"/>
+          </p:nvPr>
+        </p:nvSpPr>
+        <p:spPr/>
+        <p:txBody>
+          <a:bodyPr/>
+          <a:lstStyle/>
+          <a:p>
+            <a:r>
+              <a:rPr lang="en-US" dirty="0" smtClean="0"/>
+              <a:t>Design Process</a:t>
+            </a:r>
+            <a:endParaRPr lang="en-US" dirty="0"/>
+          </a:p>
+        </p:txBody>
+      </p:sp>
+      <p:sp>
+        <p:nvSpPr>
+          <p:cNvPr id="3" name="Content Placeholder 2"/>
+          <p:cNvSpPr>
+            <a:spLocks noGrp="1"/>
+          </p:cNvSpPr>
+          <p:nvPr>
+            <p:ph idx="1"/>
+          </p:nvPr>
+        </p:nvSpPr>
+        <p:spPr/>
+        <p:txBody>
+          <a:bodyPr/>
+          <a:lstStyle/>
+          <a:p>
+            <a:endParaRPr lang="en-US"/>
+          </a:p>
+        </p:txBody>
+      </p:sp>
+    </p:spTree>
+    <p:extLst>
+      <p:ext uri="{BB962C8B-B14F-4D97-AF65-F5344CB8AC3E}">
+        <p14:creationId xmlns:p14="http://schemas.microsoft.com/office/powerpoint/2010/main" val="1045119824"/>
       </p:ext>
     </p:extLst>
   </p:cSld>
@@ -8664,4 +10378,265 @@
     </a:ext>
   </a:extLst>
 </a:theme>
+</file>
+
+<file path=ppt/theme/theme2.xml><?xml version="1.0" encoding="utf-8"?>
+<a:theme xmlns:a="http://schemas.openxmlformats.org/drawingml/2006/main" name="Office Theme">
+  <a:themeElements>
+    <a:clrScheme name="Office">
+      <a:dk1>
+        <a:sysClr val="windowText" lastClr="000000"/>
+      </a:dk1>
+      <a:lt1>
+        <a:sysClr val="window" lastClr="FFFFFF"/>
+      </a:lt1>
+      <a:dk2>
+        <a:srgbClr val="44546A"/>
+      </a:dk2>
+      <a:lt2>
+        <a:srgbClr val="E7E6E6"/>
+      </a:lt2>
+      <a:accent1>
+        <a:srgbClr val="5B9BD5"/>
+      </a:accent1>
+      <a:accent2>
+        <a:srgbClr val="ED7D31"/>
+      </a:accent2>
+      <a:accent3>
+        <a:srgbClr val="A5A5A5"/>
+      </a:accent3>
+      <a:accent4>
+        <a:srgbClr val="FFC000"/>
+      </a:accent4>
+      <a:accent5>
+        <a:srgbClr val="4472C4"/>
+      </a:accent5>
+      <a:accent6>
+        <a:srgbClr val="70AD47"/>
+      </a:accent6>
+      <a:hlink>
+        <a:srgbClr val="0563C1"/>
+      </a:hlink>
+      <a:folHlink>
+        <a:srgbClr val="954F72"/>
+      </a:folHlink>
+    </a:clrScheme>
+    <a:fontScheme name="Office">
+      <a:majorFont>
+        <a:latin typeface="Calibri Light" panose="020F0302020204030204"/>
+        <a:ea typeface=""/>
+        <a:cs typeface=""/>
+        <a:font script="Jpan" typeface="Yu Gothic Light"/>
+        <a:font script="Hang" typeface="맑은 고딕"/>
+        <a:font script="Hans" typeface="DengXian Light"/>
+        <a:font script="Hant" typeface="新細明體"/>
+        <a:font script="Arab" typeface="Times New Roman"/>
+        <a:font script="Hebr" typeface="Times New Roman"/>
+        <a:font script="Thai" typeface="Angsana New"/>
+        <a:font script="Ethi" typeface="Nyala"/>
+        <a:font script="Beng" typeface="Vrinda"/>
+        <a:font script="Gujr" typeface="Shruti"/>
+        <a:font script="Khmr" typeface="MoolBoran"/>
+        <a:font script="Knda" typeface="Tunga"/>
+        <a:font script="Guru" typeface="Raavi"/>
+        <a:font script="Cans" typeface="Euphemia"/>
+        <a:font script="Cher" typeface="Plantagenet Cherokee"/>
+        <a:font script="Yiii" typeface="Microsoft Yi Baiti"/>
+        <a:font script="Tibt" typeface="Microsoft Himalaya"/>
+        <a:font script="Thaa" typeface="MV Boli"/>
+        <a:font script="Deva" typeface="Mangal"/>
+        <a:font script="Telu" typeface="Gautami"/>
+        <a:font script="Taml" typeface="Latha"/>
+        <a:font script="Syrc" typeface="Estrangelo Edessa"/>
+        <a:font script="Orya" typeface="Kalinga"/>
+        <a:font script="Mlym" typeface="Kartika"/>
+        <a:font script="Laoo" typeface="DokChampa"/>
+        <a:font script="Sinh" typeface="Iskoola Pota"/>
+        <a:font script="Mong" typeface="Mongolian Baiti"/>
+        <a:font script="Viet" typeface="Times New Roman"/>
+        <a:font script="Uigh" typeface="Microsoft Uighur"/>
+        <a:font script="Geor" typeface="Sylfaen"/>
+      </a:majorFont>
+      <a:minorFont>
+        <a:latin typeface="Calibri" panose="020F0502020204030204"/>
+        <a:ea typeface=""/>
+        <a:cs typeface=""/>
+        <a:font script="Jpan" typeface="Yu Gothic"/>
+        <a:font script="Hang" typeface="맑은 고딕"/>
+        <a:font script="Hans" typeface="DengXian"/>
+        <a:font script="Hant" typeface="新細明體"/>
+        <a:font script="Arab" typeface="Arial"/>
+        <a:font script="Hebr" typeface="Arial"/>
+        <a:font script="Thai" typeface="Cordia New"/>
+        <a:font script="Ethi" typeface="Nyala"/>
+        <a:font script="Beng" typeface="Vrinda"/>
+        <a:font script="Gujr" typeface="Shruti"/>
+        <a:font script="Khmr" typeface="DaunPenh"/>
+        <a:font script="Knda" typeface="Tunga"/>
+        <a:font script="Guru" typeface="Raavi"/>
+        <a:font script="Cans" typeface="Euphemia"/>
+        <a:font script="Cher" typeface="Plantagenet Cherokee"/>
+        <a:font script="Yiii" typeface="Microsoft Yi Baiti"/>
+        <a:font script="Tibt" typeface="Microsoft Himalaya"/>
+        <a:font script="Thaa" typeface="MV Boli"/>
+        <a:font script="Deva" typeface="Mangal"/>
+        <a:font script="Telu" typeface="Gautami"/>
+        <a:font script="Taml" typeface="Latha"/>
+        <a:font script="Syrc" typeface="Estrangelo Edessa"/>
+        <a:font script="Orya" typeface="Kalinga"/>
+        <a:font script="Mlym" typeface="Kartika"/>
+        <a:font script="Laoo" typeface="DokChampa"/>
+        <a:font script="Sinh" typeface="Iskoola Pota"/>
+        <a:font script="Mong" typeface="Mongolian Baiti"/>
+        <a:font script="Viet" typeface="Arial"/>
+        <a:font script="Uigh" typeface="Microsoft Uighur"/>
+        <a:font script="Geor" typeface="Sylfaen"/>
+      </a:minorFont>
+    </a:fontScheme>
+    <a:fmtScheme name="Office">
+      <a:fillStyleLst>
+        <a:solidFill>
+          <a:schemeClr val="phClr"/>
+        </a:solidFill>
+        <a:gradFill rotWithShape="1">
+          <a:gsLst>
+            <a:gs pos="0">
+              <a:schemeClr val="phClr">
+                <a:lumMod val="110000"/>
+                <a:satMod val="105000"/>
+                <a:tint val="67000"/>
+              </a:schemeClr>
+            </a:gs>
+            <a:gs pos="50000">
+              <a:schemeClr val="phClr">
+                <a:lumMod val="105000"/>
+                <a:satMod val="103000"/>
+                <a:tint val="73000"/>
+              </a:schemeClr>
+            </a:gs>
+            <a:gs pos="100000">
+              <a:schemeClr val="phClr">
+                <a:lumMod val="105000"/>
+                <a:satMod val="109000"/>
+                <a:tint val="81000"/>
+              </a:schemeClr>
+            </a:gs>
+          </a:gsLst>
+          <a:lin ang="5400000" scaled="0"/>
+        </a:gradFill>
+        <a:gradFill rotWithShape="1">
+          <a:gsLst>
+            <a:gs pos="0">
+              <a:schemeClr val="phClr">
+                <a:satMod val="103000"/>
+                <a:lumMod val="102000"/>
+                <a:tint val="94000"/>
+              </a:schemeClr>
+            </a:gs>
+            <a:gs pos="50000">
+              <a:schemeClr val="phClr">
+                <a:satMod val="110000"/>
+                <a:lumMod val="100000"/>
+                <a:shade val="100000"/>
+              </a:schemeClr>
+            </a:gs>
+            <a:gs pos="100000">
+              <a:schemeClr val="phClr">
+                <a:lumMod val="99000"/>
+                <a:satMod val="120000"/>
+                <a:shade val="78000"/>
+              </a:schemeClr>
+            </a:gs>
+          </a:gsLst>
+          <a:lin ang="5400000" scaled="0"/>
+        </a:gradFill>
+      </a:fillStyleLst>
+      <a:lnStyleLst>
+        <a:ln w="6350" cap="flat" cmpd="sng" algn="ctr">
+          <a:solidFill>
+            <a:schemeClr val="phClr"/>
+          </a:solidFill>
+          <a:prstDash val="solid"/>
+          <a:miter lim="800000"/>
+        </a:ln>
+        <a:ln w="12700" cap="flat" cmpd="sng" algn="ctr">
+          <a:solidFill>
+            <a:schemeClr val="phClr"/>
+          </a:solidFill>
+          <a:prstDash val="solid"/>
+          <a:miter lim="800000"/>
+        </a:ln>
+        <a:ln w="19050" cap="flat" cmpd="sng" algn="ctr">
+          <a:solidFill>
+            <a:schemeClr val="phClr"/>
+          </a:solidFill>
+          <a:prstDash val="solid"/>
+          <a:miter lim="800000"/>
+        </a:ln>
+      </a:lnStyleLst>
+      <a:effectStyleLst>
+        <a:effectStyle>
+          <a:effectLst/>
+        </a:effectStyle>
+        <a:effectStyle>
+          <a:effectLst/>
+        </a:effectStyle>
+        <a:effectStyle>
+          <a:effectLst>
+            <a:outerShdw blurRad="57150" dist="19050" dir="5400000" algn="ctr" rotWithShape="0">
+              <a:srgbClr val="000000">
+                <a:alpha val="63000"/>
+              </a:srgbClr>
+            </a:outerShdw>
+          </a:effectLst>
+        </a:effectStyle>
+      </a:effectStyleLst>
+      <a:bgFillStyleLst>
+        <a:solidFill>
+          <a:schemeClr val="phClr"/>
+        </a:solidFill>
+        <a:solidFill>
+          <a:schemeClr val="phClr">
+            <a:tint val="95000"/>
+            <a:satMod val="170000"/>
+          </a:schemeClr>
+        </a:solidFill>
+        <a:gradFill rotWithShape="1">
+          <a:gsLst>
+            <a:gs pos="0">
+              <a:schemeClr val="phClr">
+                <a:tint val="93000"/>
+                <a:satMod val="150000"/>
+                <a:shade val="98000"/>
+                <a:lumMod val="102000"/>
+              </a:schemeClr>
+            </a:gs>
+            <a:gs pos="50000">
+              <a:schemeClr val="phClr">
+                <a:tint val="98000"/>
+                <a:satMod val="130000"/>
+                <a:shade val="90000"/>
+                <a:lumMod val="103000"/>
+              </a:schemeClr>
+            </a:gs>
+            <a:gs pos="100000">
+              <a:schemeClr val="phClr">
+                <a:shade val="63000"/>
+                <a:satMod val="120000"/>
+              </a:schemeClr>
+            </a:gs>
+          </a:gsLst>
+          <a:lin ang="5400000" scaled="0"/>
+        </a:gradFill>
+      </a:bgFillStyleLst>
+    </a:fmtScheme>
+  </a:themeElements>
+  <a:objectDefaults/>
+  <a:extraClrSchemeLst/>
+  <a:extLst>
+    <a:ext uri="{05A4C25C-085E-4340-85A3-A5531E510DB2}">
+      <thm15:themeFamily xmlns:thm15="http://schemas.microsoft.com/office/thememl/2012/main" name="Office Theme" id="{62F939B6-93AF-4DB8-9C6B-D6C7DFDC589F}" vid="{4A3C46E8-61CC-4603-A589-7422A47A8E4A}"/>
+    </a:ext>
+  </a:extLst>
+</a:theme>
 </file>
--- a/ECE411 - Final Presentation.pptx
+++ b/ECE411 - Final Presentation.pptx
@@ -2,10 +2,10 @@
 <file path=ppt/presentation.xml><?xml version="1.0" encoding="utf-8"?>
 <p:presentation xmlns:a="http://schemas.openxmlformats.org/drawingml/2006/main" xmlns:r="http://schemas.openxmlformats.org/officeDocument/2006/relationships" xmlns:p="http://schemas.openxmlformats.org/presentationml/2006/main" saveSubsetFonts="1">
   <p:sldMasterIdLst>
-    <p:sldMasterId id="2147484400" r:id="rId1"/>
+    <p:sldMasterId id="2147484508" r:id="rId1"/>
   </p:sldMasterIdLst>
   <p:notesMasterIdLst>
-    <p:notesMasterId r:id="rId23"/>
+    <p:notesMasterId r:id="rId24"/>
   </p:notesMasterIdLst>
   <p:sldIdLst>
     <p:sldId id="256" r:id="rId2"/>
@@ -17,18 +17,19 @@
     <p:sldId id="264" r:id="rId8"/>
     <p:sldId id="263" r:id="rId9"/>
     <p:sldId id="265" r:id="rId10"/>
-    <p:sldId id="267" r:id="rId11"/>
-    <p:sldId id="268" r:id="rId12"/>
-    <p:sldId id="266" r:id="rId13"/>
-    <p:sldId id="269" r:id="rId14"/>
-    <p:sldId id="270" r:id="rId15"/>
-    <p:sldId id="271" r:id="rId16"/>
-    <p:sldId id="272" r:id="rId17"/>
-    <p:sldId id="273" r:id="rId18"/>
-    <p:sldId id="274" r:id="rId19"/>
-    <p:sldId id="275" r:id="rId20"/>
-    <p:sldId id="276" r:id="rId21"/>
-    <p:sldId id="277" r:id="rId22"/>
+    <p:sldId id="281" r:id="rId11"/>
+    <p:sldId id="266" r:id="rId12"/>
+    <p:sldId id="269" r:id="rId13"/>
+    <p:sldId id="270" r:id="rId14"/>
+    <p:sldId id="272" r:id="rId15"/>
+    <p:sldId id="280" r:id="rId16"/>
+    <p:sldId id="283" r:id="rId17"/>
+    <p:sldId id="282" r:id="rId18"/>
+    <p:sldId id="273" r:id="rId19"/>
+    <p:sldId id="274" r:id="rId20"/>
+    <p:sldId id="275" r:id="rId21"/>
+    <p:sldId id="276" r:id="rId22"/>
+    <p:sldId id="277" r:id="rId23"/>
   </p:sldIdLst>
   <p:sldSz cx="12192000" cy="6858000"/>
   <p:notesSz cx="6858000" cy="9144000"/>
@@ -217,7 +218,7 @@
           <a:p>
             <a:fld id="{AF9CE80A-28B5-E142-9734-8F3A89166F8B}" type="datetimeFigureOut">
               <a:rPr lang="en-US" smtClean="0"/>
-              <a:t>12/7/16</a:t>
+              <a:t>12/8/16</a:t>
             </a:fld>
             <a:endParaRPr lang="en-US"/>
           </a:p>
@@ -568,7 +569,7 @@
           <p:cNvSpPr/>
           <p:nvPr/>
         </p:nvSpPr>
-        <p:spPr bwMode="ltGray">
+        <p:spPr>
           <a:xfrm>
             <a:off x="0" y="2590078"/>
             <a:ext cx="8968085" cy="1660332"/>
@@ -759,7 +760,7 @@
           <a:p>
             <a:fld id="{CEF241BB-F2B7-4B67-A396-DB168B131349}" type="datetimeFigureOut">
               <a:rPr lang="en-US" smtClean="0"/>
-              <a:t>12/7/16</a:t>
+              <a:t>12/8/16</a:t>
             </a:fld>
             <a:endParaRPr lang="en-US"/>
           </a:p>
@@ -813,11 +814,6 @@
         </p:txBody>
       </p:sp>
     </p:spTree>
-    <p:extLst>
-      <p:ext uri="{BB962C8B-B14F-4D97-AF65-F5344CB8AC3E}">
-        <p14:creationId xmlns:p14="http://schemas.microsoft.com/office/powerpoint/2010/main" val="466634885"/>
-      </p:ext>
-    </p:extLst>
   </p:cSld>
   <p:clrMapOvr>
     <a:masterClrMapping/>
@@ -886,7 +882,7 @@
           <p:nvPr/>
         </p:nvPicPr>
         <p:blipFill>
-          <a:blip r:embed="rId3" cstate="print">
+          <a:blip r:embed="rId3">
             <a:extLst>
               <a:ext uri="{28A0092B-C50C-407E-A947-70E740481C1C}">
                 <a14:useLocalDpi xmlns:a14="http://schemas.microsoft.com/office/drawing/2010/main" val="0"/>
@@ -913,7 +909,7 @@
           <p:cNvSpPr/>
           <p:nvPr/>
         </p:nvSpPr>
-        <p:spPr bwMode="ltGray">
+        <p:spPr>
           <a:xfrm>
             <a:off x="0" y="4567988"/>
             <a:ext cx="10437812" cy="1368198"/>
@@ -1090,7 +1086,7 @@
           <a:p>
             <a:r>
               <a:rPr lang="en-US" smtClean="0"/>
-              <a:t>Click icon to add picture</a:t>
+              <a:t>Drag picture to placeholder or click icon to add</a:t>
             </a:r>
             <a:endParaRPr lang="en-US" dirty="0"/>
           </a:p>
@@ -1156,7 +1152,7 @@
             <a:pPr lvl="0"/>
             <a:r>
               <a:rPr lang="en-US" smtClean="0"/>
-              <a:t>Edit Master text styles</a:t>
+              <a:t>Click to edit Master text styles</a:t>
             </a:r>
           </a:p>
         </p:txBody>
@@ -1178,7 +1174,7 @@
           <a:p>
             <a:fld id="{CEF241BB-F2B7-4B67-A396-DB168B131349}" type="datetimeFigureOut">
               <a:rPr lang="en-US" smtClean="0"/>
-              <a:t>12/7/16</a:t>
+              <a:t>12/8/16</a:t>
             </a:fld>
             <a:endParaRPr lang="en-US"/>
           </a:p>
@@ -1232,11 +1228,6 @@
         </p:txBody>
       </p:sp>
     </p:spTree>
-    <p:extLst>
-      <p:ext uri="{BB962C8B-B14F-4D97-AF65-F5344CB8AC3E}">
-        <p14:creationId xmlns:p14="http://schemas.microsoft.com/office/powerpoint/2010/main" val="3385299926"/>
-      </p:ext>
-    </p:extLst>
   </p:cSld>
   <p:clrMapOvr>
     <a:masterClrMapping/>
@@ -1300,7 +1291,7 @@
           <p:nvPr/>
         </p:nvPicPr>
         <p:blipFill>
-          <a:blip r:embed="rId3" cstate="print">
+          <a:blip r:embed="rId3">
             <a:extLst>
               <a:ext uri="{28A0092B-C50C-407E-A947-70E740481C1C}">
                 <a14:useLocalDpi xmlns:a14="http://schemas.microsoft.com/office/drawing/2010/main" val="0"/>
@@ -1327,7 +1318,7 @@
           <p:cNvSpPr/>
           <p:nvPr/>
         </p:nvSpPr>
-        <p:spPr bwMode="ltGray">
+        <p:spPr>
           <a:xfrm>
             <a:off x="0" y="4567988"/>
             <a:ext cx="10437812" cy="1368198"/>
@@ -1492,7 +1483,7 @@
             <a:pPr lvl="0"/>
             <a:r>
               <a:rPr lang="en-US" smtClean="0"/>
-              <a:t>Edit Master text styles</a:t>
+              <a:t>Click to edit Master text styles</a:t>
             </a:r>
           </a:p>
         </p:txBody>
@@ -1514,7 +1505,7 @@
           <a:p>
             <a:fld id="{CEF241BB-F2B7-4B67-A396-DB168B131349}" type="datetimeFigureOut">
               <a:rPr lang="en-US" smtClean="0"/>
-              <a:t>12/7/16</a:t>
+              <a:t>12/8/16</a:t>
             </a:fld>
             <a:endParaRPr lang="en-US"/>
           </a:p>
@@ -1568,11 +1559,6 @@
         </p:txBody>
       </p:sp>
     </p:spTree>
-    <p:extLst>
-      <p:ext uri="{BB962C8B-B14F-4D97-AF65-F5344CB8AC3E}">
-        <p14:creationId xmlns:p14="http://schemas.microsoft.com/office/powerpoint/2010/main" val="483853765"/>
-      </p:ext>
-    </p:extLst>
   </p:cSld>
   <p:clrMapOvr>
     <a:masterClrMapping/>
@@ -1636,7 +1622,7 @@
           <p:nvPr/>
         </p:nvPicPr>
         <p:blipFill>
-          <a:blip r:embed="rId3" cstate="print">
+          <a:blip r:embed="rId3">
             <a:extLst>
               <a:ext uri="{28A0092B-C50C-407E-A947-70E740481C1C}">
                 <a14:useLocalDpi xmlns:a14="http://schemas.microsoft.com/office/drawing/2010/main" val="0"/>
@@ -1663,7 +1649,7 @@
           <p:cNvSpPr/>
           <p:nvPr/>
         </p:nvSpPr>
-        <p:spPr bwMode="ltGray">
+        <p:spPr>
           <a:xfrm>
             <a:off x="0" y="4567988"/>
             <a:ext cx="10437812" cy="1368198"/>
@@ -1830,7 +1816,7 @@
             <a:pPr lvl="0"/>
             <a:r>
               <a:rPr lang="en-US" smtClean="0"/>
-              <a:t>Edit Master text styles</a:t>
+              <a:t>Click to edit Master text styles</a:t>
             </a:r>
           </a:p>
         </p:txBody>
@@ -1897,7 +1883,7 @@
             <a:pPr lvl="0"/>
             <a:r>
               <a:rPr lang="en-US" smtClean="0"/>
-              <a:t>Edit Master text styles</a:t>
+              <a:t>Click to edit Master text styles</a:t>
             </a:r>
           </a:p>
         </p:txBody>
@@ -1919,7 +1905,7 @@
           <a:p>
             <a:fld id="{CEF241BB-F2B7-4B67-A396-DB168B131349}" type="datetimeFigureOut">
               <a:rPr lang="en-US" smtClean="0"/>
-              <a:t>12/7/16</a:t>
+              <a:t>12/8/16</a:t>
             </a:fld>
             <a:endParaRPr lang="en-US"/>
           </a:p>
@@ -2205,11 +2191,6 @@
         </p:txBody>
       </p:sp>
     </p:spTree>
-    <p:extLst>
-      <p:ext uri="{BB962C8B-B14F-4D97-AF65-F5344CB8AC3E}">
-        <p14:creationId xmlns:p14="http://schemas.microsoft.com/office/powerpoint/2010/main" val="1557732700"/>
-      </p:ext>
-    </p:extLst>
   </p:cSld>
   <p:clrMapOvr>
     <a:masterClrMapping/>
@@ -2273,7 +2254,7 @@
           <p:nvPr/>
         </p:nvPicPr>
         <p:blipFill>
-          <a:blip r:embed="rId3" cstate="print">
+          <a:blip r:embed="rId3">
             <a:extLst>
               <a:ext uri="{28A0092B-C50C-407E-A947-70E740481C1C}">
                 <a14:useLocalDpi xmlns:a14="http://schemas.microsoft.com/office/drawing/2010/main" val="0"/>
@@ -2300,7 +2281,7 @@
           <p:cNvSpPr/>
           <p:nvPr/>
         </p:nvSpPr>
-        <p:spPr bwMode="ltGray">
+        <p:spPr>
           <a:xfrm>
             <a:off x="0" y="4567988"/>
             <a:ext cx="10437812" cy="1368198"/>
@@ -2465,7 +2446,7 @@
             <a:pPr lvl="0"/>
             <a:r>
               <a:rPr lang="en-US" smtClean="0"/>
-              <a:t>Edit Master text styles</a:t>
+              <a:t>Click to edit Master text styles</a:t>
             </a:r>
           </a:p>
         </p:txBody>
@@ -2487,7 +2468,7 @@
           <a:p>
             <a:fld id="{CEF241BB-F2B7-4B67-A396-DB168B131349}" type="datetimeFigureOut">
               <a:rPr lang="en-US" smtClean="0"/>
-              <a:t>12/7/16</a:t>
+              <a:t>12/8/16</a:t>
             </a:fld>
             <a:endParaRPr lang="en-US"/>
           </a:p>
@@ -2541,11 +2522,6 @@
         </p:txBody>
       </p:sp>
     </p:spTree>
-    <p:extLst>
-      <p:ext uri="{BB962C8B-B14F-4D97-AF65-F5344CB8AC3E}">
-        <p14:creationId xmlns:p14="http://schemas.microsoft.com/office/powerpoint/2010/main" val="4251651642"/>
-      </p:ext>
-    </p:extLst>
   </p:cSld>
   <p:clrMapOvr>
     <a:masterClrMapping/>
@@ -2609,7 +2585,7 @@
           <p:nvPr/>
         </p:nvPicPr>
         <p:blipFill>
-          <a:blip r:embed="rId3" cstate="print">
+          <a:blip r:embed="rId3">
             <a:extLst>
               <a:ext uri="{28A0092B-C50C-407E-A947-70E740481C1C}">
                 <a14:useLocalDpi xmlns:a14="http://schemas.microsoft.com/office/drawing/2010/main" val="0"/>
@@ -2636,7 +2612,7 @@
           <p:cNvSpPr/>
           <p:nvPr/>
         </p:nvSpPr>
-        <p:spPr bwMode="ltGray">
+        <p:spPr>
           <a:xfrm>
             <a:off x="0" y="609600"/>
             <a:ext cx="10437812" cy="1368198"/>
@@ -2803,7 +2779,7 @@
             <a:pPr lvl="0"/>
             <a:r>
               <a:rPr lang="en-US" smtClean="0"/>
-              <a:t>Edit Master text styles</a:t>
+              <a:t>Click to edit Master text styles</a:t>
             </a:r>
           </a:p>
         </p:txBody>
@@ -2870,7 +2846,7 @@
             <a:pPr lvl="0"/>
             <a:r>
               <a:rPr lang="en-US" smtClean="0"/>
-              <a:t>Edit Master text styles</a:t>
+              <a:t>Click to edit Master text styles</a:t>
             </a:r>
           </a:p>
         </p:txBody>
@@ -2941,7 +2917,7 @@
             <a:pPr lvl="0"/>
             <a:r>
               <a:rPr lang="en-US" smtClean="0"/>
-              <a:t>Edit Master text styles</a:t>
+              <a:t>Click to edit Master text styles</a:t>
             </a:r>
           </a:p>
         </p:txBody>
@@ -3008,7 +2984,7 @@
             <a:pPr lvl="0"/>
             <a:r>
               <a:rPr lang="en-US" smtClean="0"/>
-              <a:t>Edit Master text styles</a:t>
+              <a:t>Click to edit Master text styles</a:t>
             </a:r>
           </a:p>
         </p:txBody>
@@ -3079,7 +3055,7 @@
             <a:pPr lvl="0"/>
             <a:r>
               <a:rPr lang="en-US" smtClean="0"/>
-              <a:t>Edit Master text styles</a:t>
+              <a:t>Click to edit Master text styles</a:t>
             </a:r>
           </a:p>
         </p:txBody>
@@ -3146,7 +3122,7 @@
             <a:pPr lvl="0"/>
             <a:r>
               <a:rPr lang="en-US" smtClean="0"/>
-              <a:t>Edit Master text styles</a:t>
+              <a:t>Click to edit Master text styles</a:t>
             </a:r>
           </a:p>
         </p:txBody>
@@ -3168,7 +3144,7 @@
           <a:p>
             <a:fld id="{CEF241BB-F2B7-4B67-A396-DB168B131349}" type="datetimeFigureOut">
               <a:rPr lang="en-US" smtClean="0"/>
-              <a:t>12/7/16</a:t>
+              <a:t>12/8/16</a:t>
             </a:fld>
             <a:endParaRPr lang="en-US"/>
           </a:p>
@@ -3217,11 +3193,6 @@
         </p:txBody>
       </p:sp>
     </p:spTree>
-    <p:extLst>
-      <p:ext uri="{BB962C8B-B14F-4D97-AF65-F5344CB8AC3E}">
-        <p14:creationId xmlns:p14="http://schemas.microsoft.com/office/powerpoint/2010/main" val="2553935495"/>
-      </p:ext>
-    </p:extLst>
   </p:cSld>
   <p:clrMapOvr>
     <a:masterClrMapping/>
@@ -3285,7 +3256,7 @@
           <p:nvPr/>
         </p:nvPicPr>
         <p:blipFill>
-          <a:blip r:embed="rId3" cstate="print">
+          <a:blip r:embed="rId3">
             <a:extLst>
               <a:ext uri="{28A0092B-C50C-407E-A947-70E740481C1C}">
                 <a14:useLocalDpi xmlns:a14="http://schemas.microsoft.com/office/drawing/2010/main" val="0"/>
@@ -3312,7 +3283,7 @@
           <p:cNvSpPr/>
           <p:nvPr/>
         </p:nvSpPr>
-        <p:spPr bwMode="ltGray">
+        <p:spPr>
           <a:xfrm>
             <a:off x="0" y="609600"/>
             <a:ext cx="10437812" cy="1368198"/>
@@ -3479,7 +3450,7 @@
             <a:pPr lvl="0"/>
             <a:r>
               <a:rPr lang="en-US" smtClean="0"/>
-              <a:t>Edit Master text styles</a:t>
+              <a:t>Click to edit Master text styles</a:t>
             </a:r>
           </a:p>
         </p:txBody>
@@ -3557,7 +3528,7 @@
           <a:p>
             <a:r>
               <a:rPr lang="en-US" smtClean="0"/>
-              <a:t>Click icon to add picture</a:t>
+              <a:t>Drag picture to placeholder or click icon to add</a:t>
             </a:r>
             <a:endParaRPr lang="en-US" dirty="0"/>
           </a:p>
@@ -3625,7 +3596,7 @@
             <a:pPr lvl="0"/>
             <a:r>
               <a:rPr lang="en-US" smtClean="0"/>
-              <a:t>Edit Master text styles</a:t>
+              <a:t>Click to edit Master text styles</a:t>
             </a:r>
           </a:p>
         </p:txBody>
@@ -3696,7 +3667,7 @@
             <a:pPr lvl="0"/>
             <a:r>
               <a:rPr lang="en-US" smtClean="0"/>
-              <a:t>Edit Master text styles</a:t>
+              <a:t>Click to edit Master text styles</a:t>
             </a:r>
           </a:p>
         </p:txBody>
@@ -3774,7 +3745,7 @@
           <a:p>
             <a:r>
               <a:rPr lang="en-US" smtClean="0"/>
-              <a:t>Click icon to add picture</a:t>
+              <a:t>Drag picture to placeholder or click icon to add</a:t>
             </a:r>
             <a:endParaRPr lang="en-US" dirty="0"/>
           </a:p>
@@ -3842,7 +3813,7 @@
             <a:pPr lvl="0"/>
             <a:r>
               <a:rPr lang="en-US" smtClean="0"/>
-              <a:t>Edit Master text styles</a:t>
+              <a:t>Click to edit Master text styles</a:t>
             </a:r>
           </a:p>
         </p:txBody>
@@ -3913,7 +3884,7 @@
             <a:pPr lvl="0"/>
             <a:r>
               <a:rPr lang="en-US" smtClean="0"/>
-              <a:t>Edit Master text styles</a:t>
+              <a:t>Click to edit Master text styles</a:t>
             </a:r>
           </a:p>
         </p:txBody>
@@ -3991,7 +3962,7 @@
           <a:p>
             <a:r>
               <a:rPr lang="en-US" smtClean="0"/>
-              <a:t>Click icon to add picture</a:t>
+              <a:t>Drag picture to placeholder or click icon to add</a:t>
             </a:r>
             <a:endParaRPr lang="en-US" dirty="0"/>
           </a:p>
@@ -4059,7 +4030,7 @@
             <a:pPr lvl="0"/>
             <a:r>
               <a:rPr lang="en-US" smtClean="0"/>
-              <a:t>Edit Master text styles</a:t>
+              <a:t>Click to edit Master text styles</a:t>
             </a:r>
           </a:p>
         </p:txBody>
@@ -4081,7 +4052,7 @@
           <a:p>
             <a:fld id="{CEF241BB-F2B7-4B67-A396-DB168B131349}" type="datetimeFigureOut">
               <a:rPr lang="en-US" smtClean="0"/>
-              <a:t>12/7/16</a:t>
+              <a:t>12/8/16</a:t>
             </a:fld>
             <a:endParaRPr lang="en-US"/>
           </a:p>
@@ -4130,11 +4101,6 @@
         </p:txBody>
       </p:sp>
     </p:spTree>
-    <p:extLst>
-      <p:ext uri="{BB962C8B-B14F-4D97-AF65-F5344CB8AC3E}">
-        <p14:creationId xmlns:p14="http://schemas.microsoft.com/office/powerpoint/2010/main" val="1204854258"/>
-      </p:ext>
-    </p:extLst>
   </p:cSld>
   <p:clrMapOvr>
     <a:masterClrMapping/>
@@ -4198,7 +4164,7 @@
           <p:nvPr/>
         </p:nvPicPr>
         <p:blipFill>
-          <a:blip r:embed="rId3" cstate="print">
+          <a:blip r:embed="rId3">
             <a:extLst>
               <a:ext uri="{28A0092B-C50C-407E-A947-70E740481C1C}">
                 <a14:useLocalDpi xmlns:a14="http://schemas.microsoft.com/office/drawing/2010/main" val="0"/>
@@ -4225,7 +4191,7 @@
           <p:cNvSpPr/>
           <p:nvPr/>
         </p:nvSpPr>
-        <p:spPr bwMode="ltGray">
+        <p:spPr>
           <a:xfrm>
             <a:off x="0" y="609600"/>
             <a:ext cx="10437812" cy="1368198"/>
@@ -4343,7 +4309,7 @@
             <a:pPr lvl="0"/>
             <a:r>
               <a:rPr lang="en-US" smtClean="0"/>
-              <a:t>Edit Master text styles</a:t>
+              <a:t>Click to edit Master text styles</a:t>
             </a:r>
           </a:p>
           <a:p>
@@ -4394,7 +4360,7 @@
           <a:p>
             <a:fld id="{CEF241BB-F2B7-4B67-A396-DB168B131349}" type="datetimeFigureOut">
               <a:rPr lang="en-US" smtClean="0"/>
-              <a:t>12/7/16</a:t>
+              <a:t>12/8/16</a:t>
             </a:fld>
             <a:endParaRPr lang="en-US"/>
           </a:p>
@@ -4443,11 +4409,6 @@
         </p:txBody>
       </p:sp>
     </p:spTree>
-    <p:extLst>
-      <p:ext uri="{BB962C8B-B14F-4D97-AF65-F5344CB8AC3E}">
-        <p14:creationId xmlns:p14="http://schemas.microsoft.com/office/powerpoint/2010/main" val="3970980173"/>
-      </p:ext>
-    </p:extLst>
   </p:cSld>
   <p:clrMapOvr>
     <a:masterClrMapping/>
@@ -4478,7 +4439,7 @@
           <p:cNvSpPr/>
           <p:nvPr/>
         </p:nvSpPr>
-        <p:spPr bwMode="ltGray">
+        <p:spPr>
           <a:xfrm rot="5400000">
             <a:off x="8116207" y="1869395"/>
             <a:ext cx="5106988" cy="1368198"/>
@@ -4602,7 +4563,7 @@
             <a:pPr lvl="0"/>
             <a:r>
               <a:rPr lang="en-US" smtClean="0"/>
-              <a:t>Edit Master text styles</a:t>
+              <a:t>Click to edit Master text styles</a:t>
             </a:r>
           </a:p>
           <a:p>
@@ -4658,7 +4619,7 @@
           <a:p>
             <a:fld id="{CEF241BB-F2B7-4B67-A396-DB168B131349}" type="datetimeFigureOut">
               <a:rPr lang="en-US" smtClean="0"/>
-              <a:t>12/7/16</a:t>
+              <a:t>12/8/16</a:t>
             </a:fld>
             <a:endParaRPr lang="en-US"/>
           </a:p>
@@ -4721,11 +4682,6 @@
         </p:txBody>
       </p:sp>
     </p:spTree>
-    <p:extLst>
-      <p:ext uri="{BB962C8B-B14F-4D97-AF65-F5344CB8AC3E}">
-        <p14:creationId xmlns:p14="http://schemas.microsoft.com/office/powerpoint/2010/main" val="1875563381"/>
-      </p:ext>
-    </p:extLst>
   </p:cSld>
   <p:clrMapOvr>
     <a:masterClrMapping/>
@@ -4789,7 +4745,7 @@
           <p:nvPr/>
         </p:nvPicPr>
         <p:blipFill>
-          <a:blip r:embed="rId3" cstate="print">
+          <a:blip r:embed="rId3">
             <a:extLst>
               <a:ext uri="{28A0092B-C50C-407E-A947-70E740481C1C}">
                 <a14:useLocalDpi xmlns:a14="http://schemas.microsoft.com/office/drawing/2010/main" val="0"/>
@@ -4816,7 +4772,7 @@
           <p:cNvSpPr/>
           <p:nvPr/>
         </p:nvSpPr>
-        <p:spPr bwMode="ltGray">
+        <p:spPr>
           <a:xfrm>
             <a:off x="0" y="609600"/>
             <a:ext cx="10437812" cy="1368198"/>
@@ -4930,7 +4886,7 @@
             <a:pPr lvl="0"/>
             <a:r>
               <a:rPr lang="en-US" smtClean="0"/>
-              <a:t>Edit Master text styles</a:t>
+              <a:t>Click to edit Master text styles</a:t>
             </a:r>
           </a:p>
           <a:p>
@@ -4981,7 +4937,7 @@
           <a:p>
             <a:fld id="{CEF241BB-F2B7-4B67-A396-DB168B131349}" type="datetimeFigureOut">
               <a:rPr lang="en-US" smtClean="0"/>
-              <a:t>12/7/16</a:t>
+              <a:t>12/8/16</a:t>
             </a:fld>
             <a:endParaRPr lang="en-US"/>
           </a:p>
@@ -5030,11 +4986,6 @@
         </p:txBody>
       </p:sp>
     </p:spTree>
-    <p:extLst>
-      <p:ext uri="{BB962C8B-B14F-4D97-AF65-F5344CB8AC3E}">
-        <p14:creationId xmlns:p14="http://schemas.microsoft.com/office/powerpoint/2010/main" val="3403329326"/>
-      </p:ext>
-    </p:extLst>
   </p:cSld>
   <p:clrMapOvr>
     <a:masterClrMapping/>
@@ -5098,7 +5049,7 @@
           <p:nvPr/>
         </p:nvPicPr>
         <p:blipFill>
-          <a:blip r:embed="rId3" cstate="print">
+          <a:blip r:embed="rId3">
             <a:extLst>
               <a:ext uri="{28A0092B-C50C-407E-A947-70E740481C1C}">
                 <a14:useLocalDpi xmlns:a14="http://schemas.microsoft.com/office/drawing/2010/main" val="0"/>
@@ -5125,7 +5076,7 @@
           <p:cNvSpPr/>
           <p:nvPr/>
         </p:nvSpPr>
-        <p:spPr bwMode="ltGray">
+        <p:spPr>
           <a:xfrm>
             <a:off x="-2" y="2726267"/>
             <a:ext cx="10437812" cy="1368198"/>
@@ -5348,7 +5299,7 @@
             <a:pPr lvl="0"/>
             <a:r>
               <a:rPr lang="en-US" smtClean="0"/>
-              <a:t>Edit Master text styles</a:t>
+              <a:t>Click to edit Master text styles</a:t>
             </a:r>
           </a:p>
         </p:txBody>
@@ -5370,7 +5321,7 @@
           <a:p>
             <a:fld id="{CEF241BB-F2B7-4B67-A396-DB168B131349}" type="datetimeFigureOut">
               <a:rPr lang="en-US" smtClean="0"/>
-              <a:t>12/7/16</a:t>
+              <a:t>12/8/16</a:t>
             </a:fld>
             <a:endParaRPr lang="en-US"/>
           </a:p>
@@ -5424,11 +5375,6 @@
         </p:txBody>
       </p:sp>
     </p:spTree>
-    <p:extLst>
-      <p:ext uri="{BB962C8B-B14F-4D97-AF65-F5344CB8AC3E}">
-        <p14:creationId xmlns:p14="http://schemas.microsoft.com/office/powerpoint/2010/main" val="4182519186"/>
-      </p:ext>
-    </p:extLst>
   </p:cSld>
   <p:clrMapOvr>
     <a:masterClrMapping/>
@@ -5492,7 +5438,7 @@
           <p:nvPr/>
         </p:nvPicPr>
         <p:blipFill>
-          <a:blip r:embed="rId3" cstate="print">
+          <a:blip r:embed="rId3">
             <a:extLst>
               <a:ext uri="{28A0092B-C50C-407E-A947-70E740481C1C}">
                 <a14:useLocalDpi xmlns:a14="http://schemas.microsoft.com/office/drawing/2010/main" val="0"/>
@@ -5519,7 +5465,7 @@
           <p:cNvSpPr/>
           <p:nvPr/>
         </p:nvSpPr>
-        <p:spPr bwMode="ltGray">
+        <p:spPr>
           <a:xfrm>
             <a:off x="0" y="609600"/>
             <a:ext cx="10437812" cy="1368198"/>
@@ -5638,7 +5584,7 @@
             <a:pPr lvl="0"/>
             <a:r>
               <a:rPr lang="en-US" smtClean="0"/>
-              <a:t>Edit Master text styles</a:t>
+              <a:t>Click to edit Master text styles</a:t>
             </a:r>
           </a:p>
           <a:p>
@@ -5695,7 +5641,7 @@
             <a:pPr lvl="0"/>
             <a:r>
               <a:rPr lang="en-US" smtClean="0"/>
-              <a:t>Edit Master text styles</a:t>
+              <a:t>Click to edit Master text styles</a:t>
             </a:r>
           </a:p>
           <a:p>
@@ -5746,7 +5692,7 @@
           <a:p>
             <a:fld id="{CEF241BB-F2B7-4B67-A396-DB168B131349}" type="datetimeFigureOut">
               <a:rPr lang="en-US" smtClean="0"/>
-              <a:t>12/7/16</a:t>
+              <a:t>12/8/16</a:t>
             </a:fld>
             <a:endParaRPr lang="en-US"/>
           </a:p>
@@ -5795,11 +5741,6 @@
         </p:txBody>
       </p:sp>
     </p:spTree>
-    <p:extLst>
-      <p:ext uri="{BB962C8B-B14F-4D97-AF65-F5344CB8AC3E}">
-        <p14:creationId xmlns:p14="http://schemas.microsoft.com/office/powerpoint/2010/main" val="2740182926"/>
-      </p:ext>
-    </p:extLst>
   </p:cSld>
   <p:clrMapOvr>
     <a:masterClrMapping/>
@@ -5868,7 +5809,7 @@
           <p:nvPr/>
         </p:nvPicPr>
         <p:blipFill>
-          <a:blip r:embed="rId3" cstate="print">
+          <a:blip r:embed="rId3">
             <a:extLst>
               <a:ext uri="{28A0092B-C50C-407E-A947-70E740481C1C}">
                 <a14:useLocalDpi xmlns:a14="http://schemas.microsoft.com/office/drawing/2010/main" val="0"/>
@@ -5895,7 +5836,7 @@
           <p:cNvSpPr/>
           <p:nvPr/>
         </p:nvSpPr>
-        <p:spPr bwMode="ltGray">
+        <p:spPr>
           <a:xfrm>
             <a:off x="0" y="609600"/>
             <a:ext cx="10437812" cy="1368198"/>
@@ -6056,7 +5997,7 @@
             <a:pPr lvl="0"/>
             <a:r>
               <a:rPr lang="en-US" smtClean="0"/>
-              <a:t>Edit Master text styles</a:t>
+              <a:t>Click to edit Master text styles</a:t>
             </a:r>
           </a:p>
         </p:txBody>
@@ -6084,7 +6025,7 @@
             <a:pPr lvl="0"/>
             <a:r>
               <a:rPr lang="en-US" smtClean="0"/>
-              <a:t>Edit Master text styles</a:t>
+              <a:t>Click to edit Master text styles</a:t>
             </a:r>
           </a:p>
           <a:p>
@@ -6178,7 +6119,7 @@
             <a:pPr lvl="0"/>
             <a:r>
               <a:rPr lang="en-US" smtClean="0"/>
-              <a:t>Edit Master text styles</a:t>
+              <a:t>Click to edit Master text styles</a:t>
             </a:r>
           </a:p>
         </p:txBody>
@@ -6206,7 +6147,7 @@
             <a:pPr lvl="0"/>
             <a:r>
               <a:rPr lang="en-US" smtClean="0"/>
-              <a:t>Edit Master text styles</a:t>
+              <a:t>Click to edit Master text styles</a:t>
             </a:r>
           </a:p>
           <a:p>
@@ -6257,7 +6198,7 @@
           <a:p>
             <a:fld id="{CEF241BB-F2B7-4B67-A396-DB168B131349}" type="datetimeFigureOut">
               <a:rPr lang="en-US" smtClean="0"/>
-              <a:t>12/7/16</a:t>
+              <a:t>12/8/16</a:t>
             </a:fld>
             <a:endParaRPr lang="en-US"/>
           </a:p>
@@ -6306,11 +6247,6 @@
         </p:txBody>
       </p:sp>
     </p:spTree>
-    <p:extLst>
-      <p:ext uri="{BB962C8B-B14F-4D97-AF65-F5344CB8AC3E}">
-        <p14:creationId xmlns:p14="http://schemas.microsoft.com/office/powerpoint/2010/main" val="1351971446"/>
-      </p:ext>
-    </p:extLst>
   </p:cSld>
   <p:clrMapOvr>
     <a:masterClrMapping/>
@@ -6379,7 +6315,7 @@
           <p:nvPr/>
         </p:nvPicPr>
         <p:blipFill>
-          <a:blip r:embed="rId3" cstate="print">
+          <a:blip r:embed="rId3">
             <a:extLst>
               <a:ext uri="{28A0092B-C50C-407E-A947-70E740481C1C}">
                 <a14:useLocalDpi xmlns:a14="http://schemas.microsoft.com/office/drawing/2010/main" val="0"/>
@@ -6406,7 +6342,7 @@
           <p:cNvSpPr/>
           <p:nvPr/>
         </p:nvSpPr>
-        <p:spPr bwMode="ltGray">
+        <p:spPr>
           <a:xfrm>
             <a:off x="0" y="609600"/>
             <a:ext cx="10437812" cy="1368198"/>
@@ -6519,7 +6455,7 @@
           <a:p>
             <a:fld id="{CEF241BB-F2B7-4B67-A396-DB168B131349}" type="datetimeFigureOut">
               <a:rPr lang="en-US" smtClean="0"/>
-              <a:t>12/7/16</a:t>
+              <a:t>12/8/16</a:t>
             </a:fld>
             <a:endParaRPr lang="en-US"/>
           </a:p>
@@ -6568,11 +6504,6 @@
         </p:txBody>
       </p:sp>
     </p:spTree>
-    <p:extLst>
-      <p:ext uri="{BB962C8B-B14F-4D97-AF65-F5344CB8AC3E}">
-        <p14:creationId xmlns:p14="http://schemas.microsoft.com/office/powerpoint/2010/main" val="2649805459"/>
-      </p:ext>
-    </p:extLst>
   </p:cSld>
   <p:clrMapOvr>
     <a:masterClrMapping/>
@@ -6606,7 +6537,7 @@
           <p:nvPr/>
         </p:nvPicPr>
         <p:blipFill>
-          <a:blip r:embed="rId2" cstate="print">
+          <a:blip r:embed="rId2">
             <a:extLst>
               <a:ext uri="{28A0092B-C50C-407E-A947-70E740481C1C}">
                 <a14:useLocalDpi xmlns:a14="http://schemas.microsoft.com/office/drawing/2010/main" val="0"/>
@@ -6682,7 +6613,7 @@
           <a:p>
             <a:fld id="{CEF241BB-F2B7-4B67-A396-DB168B131349}" type="datetimeFigureOut">
               <a:rPr lang="en-US" smtClean="0"/>
-              <a:t>12/7/16</a:t>
+              <a:t>12/8/16</a:t>
             </a:fld>
             <a:endParaRPr lang="en-US"/>
           </a:p>
@@ -6731,11 +6662,6 @@
         </p:txBody>
       </p:sp>
     </p:spTree>
-    <p:extLst>
-      <p:ext uri="{BB962C8B-B14F-4D97-AF65-F5344CB8AC3E}">
-        <p14:creationId xmlns:p14="http://schemas.microsoft.com/office/powerpoint/2010/main" val="439565910"/>
-      </p:ext>
-    </p:extLst>
   </p:cSld>
   <p:clrMapOvr>
     <a:masterClrMapping/>
@@ -6804,7 +6730,7 @@
           <p:nvPr/>
         </p:nvPicPr>
         <p:blipFill>
-          <a:blip r:embed="rId3" cstate="print">
+          <a:blip r:embed="rId3">
             <a:extLst>
               <a:ext uri="{28A0092B-C50C-407E-A947-70E740481C1C}">
                 <a14:useLocalDpi xmlns:a14="http://schemas.microsoft.com/office/drawing/2010/main" val="0"/>
@@ -6831,7 +6757,7 @@
           <p:cNvSpPr/>
           <p:nvPr/>
         </p:nvSpPr>
-        <p:spPr bwMode="ltGray">
+        <p:spPr>
           <a:xfrm>
             <a:off x="0" y="609600"/>
             <a:ext cx="10437812" cy="1368198"/>
@@ -6961,7 +6887,7 @@
             <a:pPr lvl="0"/>
             <a:r>
               <a:rPr lang="en-US" smtClean="0"/>
-              <a:t>Edit Master text styles</a:t>
+              <a:t>Click to edit Master text styles</a:t>
             </a:r>
           </a:p>
           <a:p>
@@ -7055,7 +6981,7 @@
             <a:pPr lvl="0"/>
             <a:r>
               <a:rPr lang="en-US" smtClean="0"/>
-              <a:t>Edit Master text styles</a:t>
+              <a:t>Click to edit Master text styles</a:t>
             </a:r>
           </a:p>
         </p:txBody>
@@ -7077,7 +7003,7 @@
           <a:p>
             <a:fld id="{CEF241BB-F2B7-4B67-A396-DB168B131349}" type="datetimeFigureOut">
               <a:rPr lang="en-US" smtClean="0"/>
-              <a:t>12/7/16</a:t>
+              <a:t>12/8/16</a:t>
             </a:fld>
             <a:endParaRPr lang="en-US"/>
           </a:p>
@@ -7126,11 +7052,6 @@
         </p:txBody>
       </p:sp>
     </p:spTree>
-    <p:extLst>
-      <p:ext uri="{BB962C8B-B14F-4D97-AF65-F5344CB8AC3E}">
-        <p14:creationId xmlns:p14="http://schemas.microsoft.com/office/powerpoint/2010/main" val="1984626991"/>
-      </p:ext>
-    </p:extLst>
   </p:cSld>
   <p:clrMapOvr>
     <a:masterClrMapping/>
@@ -7199,7 +7120,7 @@
           <p:nvPr/>
         </p:nvPicPr>
         <p:blipFill>
-          <a:blip r:embed="rId3" cstate="print">
+          <a:blip r:embed="rId3">
             <a:extLst>
               <a:ext uri="{28A0092B-C50C-407E-A947-70E740481C1C}">
                 <a14:useLocalDpi xmlns:a14="http://schemas.microsoft.com/office/drawing/2010/main" val="0"/>
@@ -7226,7 +7147,7 @@
           <p:cNvSpPr/>
           <p:nvPr/>
         </p:nvSpPr>
-        <p:spPr bwMode="ltGray">
+        <p:spPr>
           <a:xfrm>
             <a:off x="0" y="609600"/>
             <a:ext cx="10437812" cy="1368198"/>
@@ -7403,7 +7324,7 @@
           <a:p>
             <a:r>
               <a:rPr lang="en-US" smtClean="0"/>
-              <a:t>Click icon to add picture</a:t>
+              <a:t>Drag picture to placeholder or click icon to add</a:t>
             </a:r>
             <a:endParaRPr lang="en-US" dirty="0"/>
           </a:p>
@@ -7469,7 +7390,7 @@
             <a:pPr lvl="0"/>
             <a:r>
               <a:rPr lang="en-US" smtClean="0"/>
-              <a:t>Edit Master text styles</a:t>
+              <a:t>Click to edit Master text styles</a:t>
             </a:r>
           </a:p>
         </p:txBody>
@@ -7491,7 +7412,7 @@
           <a:p>
             <a:fld id="{CEF241BB-F2B7-4B67-A396-DB168B131349}" type="datetimeFigureOut">
               <a:rPr lang="en-US" smtClean="0"/>
-              <a:t>12/7/16</a:t>
+              <a:t>12/8/16</a:t>
             </a:fld>
             <a:endParaRPr lang="en-US"/>
           </a:p>
@@ -7540,11 +7461,6 @@
         </p:txBody>
       </p:sp>
     </p:spTree>
-    <p:extLst>
-      <p:ext uri="{BB962C8B-B14F-4D97-AF65-F5344CB8AC3E}">
-        <p14:creationId xmlns:p14="http://schemas.microsoft.com/office/powerpoint/2010/main" val="466923208"/>
-      </p:ext>
-    </p:extLst>
   </p:cSld>
   <p:clrMapOvr>
     <a:masterClrMapping/>
@@ -7666,7 +7582,7 @@
             <a:pPr lvl="0"/>
             <a:r>
               <a:rPr lang="en-US" smtClean="0"/>
-              <a:t>Edit Master text styles</a:t>
+              <a:t>Click to edit Master text styles</a:t>
             </a:r>
           </a:p>
           <a:p>
@@ -7735,7 +7651,7 @@
           <a:p>
             <a:fld id="{CEF241BB-F2B7-4B67-A396-DB168B131349}" type="datetimeFigureOut">
               <a:rPr lang="en-US" smtClean="0"/>
-              <a:t>12/7/16</a:t>
+              <a:t>12/8/16</a:t>
             </a:fld>
             <a:endParaRPr lang="en-US"/>
           </a:p>
@@ -7822,29 +7738,29 @@
     </p:spTree>
     <p:extLst>
       <p:ext uri="{BB962C8B-B14F-4D97-AF65-F5344CB8AC3E}">
-        <p14:creationId xmlns:p14="http://schemas.microsoft.com/office/powerpoint/2010/main" val="977459134"/>
+        <p14:creationId xmlns:p14="http://schemas.microsoft.com/office/powerpoint/2010/main" val="140914451"/>
       </p:ext>
     </p:extLst>
   </p:cSld>
   <p:clrMap bg1="dk1" tx1="lt1" bg2="dk2" tx2="lt2" accent1="accent1" accent2="accent2" accent3="accent3" accent4="accent4" accent5="accent5" accent6="accent6" hlink="hlink" folHlink="folHlink"/>
   <p:sldLayoutIdLst>
-    <p:sldLayoutId id="2147484401" r:id="rId1"/>
-    <p:sldLayoutId id="2147484402" r:id="rId2"/>
-    <p:sldLayoutId id="2147484403" r:id="rId3"/>
-    <p:sldLayoutId id="2147484404" r:id="rId4"/>
-    <p:sldLayoutId id="2147484405" r:id="rId5"/>
-    <p:sldLayoutId id="2147484406" r:id="rId6"/>
-    <p:sldLayoutId id="2147484407" r:id="rId7"/>
-    <p:sldLayoutId id="2147484408" r:id="rId8"/>
-    <p:sldLayoutId id="2147484409" r:id="rId9"/>
-    <p:sldLayoutId id="2147484410" r:id="rId10"/>
-    <p:sldLayoutId id="2147484411" r:id="rId11"/>
-    <p:sldLayoutId id="2147484412" r:id="rId12"/>
-    <p:sldLayoutId id="2147484413" r:id="rId13"/>
-    <p:sldLayoutId id="2147484414" r:id="rId14"/>
-    <p:sldLayoutId id="2147484415" r:id="rId15"/>
-    <p:sldLayoutId id="2147484416" r:id="rId16"/>
-    <p:sldLayoutId id="2147484417" r:id="rId17"/>
+    <p:sldLayoutId id="2147484509" r:id="rId1"/>
+    <p:sldLayoutId id="2147484510" r:id="rId2"/>
+    <p:sldLayoutId id="2147484511" r:id="rId3"/>
+    <p:sldLayoutId id="2147484512" r:id="rId4"/>
+    <p:sldLayoutId id="2147484513" r:id="rId5"/>
+    <p:sldLayoutId id="2147484514" r:id="rId6"/>
+    <p:sldLayoutId id="2147484515" r:id="rId7"/>
+    <p:sldLayoutId id="2147484516" r:id="rId8"/>
+    <p:sldLayoutId id="2147484517" r:id="rId9"/>
+    <p:sldLayoutId id="2147484518" r:id="rId10"/>
+    <p:sldLayoutId id="2147484519" r:id="rId11"/>
+    <p:sldLayoutId id="2147484520" r:id="rId12"/>
+    <p:sldLayoutId id="2147484521" r:id="rId13"/>
+    <p:sldLayoutId id="2147484522" r:id="rId14"/>
+    <p:sldLayoutId id="2147484523" r:id="rId15"/>
+    <p:sldLayoutId id="2147484524" r:id="rId16"/>
+    <p:sldLayoutId id="2147484525" r:id="rId17"/>
   </p:sldLayoutIdLst>
   <p:txStyles>
     <p:titleStyle>
@@ -8184,31 +8100,98 @@
             <p:ph type="subTitle" idx="1"/>
           </p:nvPr>
         </p:nvSpPr>
-        <p:spPr/>
-        <p:txBody>
-          <a:bodyPr/>
+        <p:spPr>
+          <a:xfrm>
+            <a:off x="3260785" y="4376786"/>
+            <a:ext cx="3502324" cy="2731380"/>
+          </a:xfrm>
+        </p:spPr>
+        <p:txBody>
+          <a:bodyPr>
+            <a:normAutofit/>
+          </a:bodyPr>
           <a:lstStyle/>
           <a:p>
-            <a:r>
-              <a:rPr lang="en-US" dirty="0" smtClean="0"/>
-              <a:t>Team 9 – Daniel Diaz, Dwayne </a:t>
-            </a:r>
-            <a:r>
-              <a:rPr lang="en-US" dirty="0" err="1" smtClean="0"/>
+            <a:pPr algn="l"/>
+            <a:r>
+              <a:rPr lang="en-US" sz="2400" dirty="0" smtClean="0"/>
+              <a:t>Daniel Diaz </a:t>
+            </a:r>
+          </a:p>
+          <a:p>
+            <a:pPr algn="l"/>
+            <a:r>
+              <a:rPr lang="en-US" sz="2400" dirty="0" smtClean="0"/>
+              <a:t>Dwayne </a:t>
+            </a:r>
+            <a:r>
+              <a:rPr lang="en-US" sz="2400" dirty="0" err="1" smtClean="0"/>
               <a:t>Hoeck</a:t>
             </a:r>
-            <a:r>
-              <a:rPr lang="en-US" dirty="0" smtClean="0"/>
-              <a:t>, Ha Tran, </a:t>
-            </a:r>
-            <a:r>
-              <a:rPr lang="en-US" dirty="0" err="1" smtClean="0"/>
-              <a:t>Thanh</a:t>
-            </a:r>
-            <a:r>
-              <a:rPr lang="en-US" dirty="0" smtClean="0"/>
-              <a:t> Le</a:t>
-            </a:r>
+            <a:endParaRPr lang="en-US" sz="2400" dirty="0" smtClean="0"/>
+          </a:p>
+          <a:p>
+            <a:pPr algn="l"/>
+            <a:r>
+              <a:rPr lang="en-US" sz="2400" dirty="0" smtClean="0"/>
+              <a:t>Ha Tran</a:t>
+            </a:r>
+          </a:p>
+          <a:p>
+            <a:pPr algn="l"/>
+            <a:r>
+              <a:rPr lang="en-US" sz="2400" dirty="0" smtClean="0"/>
+              <a:t>Thanh Le</a:t>
+            </a:r>
+          </a:p>
+        </p:txBody>
+      </p:sp>
+      <p:sp>
+        <p:nvSpPr>
+          <p:cNvPr id="4" name="Title 1"/>
+          <p:cNvSpPr txBox="1">
+            <a:spLocks/>
+          </p:cNvSpPr>
+          <p:nvPr/>
+        </p:nvSpPr>
+        <p:spPr>
+          <a:xfrm>
+            <a:off x="8824456" y="2733709"/>
+            <a:ext cx="3214411" cy="1373070"/>
+          </a:xfrm>
+          <a:prstGeom prst="rect">
+            <a:avLst/>
+          </a:prstGeom>
+        </p:spPr>
+        <p:txBody>
+          <a:bodyPr vert="horz" lIns="91440" tIns="45720" rIns="91440" bIns="45720" rtlCol="0" anchor="b">
+            <a:noAutofit/>
+          </a:bodyPr>
+          <a:lstStyle>
+            <a:lvl1pPr algn="r" defTabSz="914400" rtl="0" eaLnBrk="1" latinLnBrk="0" hangingPunct="1">
+              <a:lnSpc>
+                <a:spcPct val="90000"/>
+              </a:lnSpc>
+              <a:spcBef>
+                <a:spcPct val="0"/>
+              </a:spcBef>
+              <a:buNone/>
+              <a:defRPr sz="5400" kern="1200">
+                <a:solidFill>
+                  <a:schemeClr val="tx1"/>
+                </a:solidFill>
+                <a:latin typeface="+mj-lt"/>
+                <a:ea typeface="+mj-ea"/>
+                <a:cs typeface="+mj-cs"/>
+              </a:defRPr>
+            </a:lvl1pPr>
+          </a:lstStyle>
+          <a:p>
+            <a:r>
+              <a:rPr lang="en-US" smtClean="0"/>
+              <a:t>Team 09</a:t>
+            </a:r>
+            <a:endParaRPr lang="en-US" dirty="0"/>
           </a:p>
         </p:txBody>
       </p:sp>
@@ -8259,41 +8242,59 @@
           <a:p>
             <a:r>
               <a:rPr lang="en-US" dirty="0" smtClean="0"/>
-              <a:t>Design Process</a:t>
+              <a:t>Design Process– Block Diagram</a:t>
             </a:r>
             <a:endParaRPr lang="en-US" dirty="0"/>
           </a:p>
         </p:txBody>
       </p:sp>
-      <p:sp>
-        <p:nvSpPr>
-          <p:cNvPr id="3" name="Content Placeholder 2"/>
-          <p:cNvSpPr>
-            <a:spLocks noGrp="1"/>
-          </p:cNvSpPr>
-          <p:nvPr>
-            <p:ph idx="1"/>
-          </p:nvPr>
-        </p:nvSpPr>
-        <p:spPr/>
-        <p:txBody>
-          <a:bodyPr/>
-          <a:lstStyle/>
-          <a:p>
-            <a:endParaRPr lang="en-US"/>
-          </a:p>
-        </p:txBody>
-      </p:sp>
+      <p:pic>
+        <p:nvPicPr>
+          <p:cNvPr id="4" name="Content Placeholder 3"/>
+          <p:cNvPicPr>
+            <a:picLocks noChangeAspect="1"/>
+          </p:cNvPicPr>
+          <p:nvPr/>
+        </p:nvPicPr>
+        <p:blipFill>
+          <a:blip r:embed="rId2">
+            <a:extLst>
+              <a:ext uri="{28A0092B-C50C-407E-A947-70E740481C1C}">
+                <a14:useLocalDpi xmlns:a14="http://schemas.microsoft.com/office/drawing/2010/main" val="0"/>
+              </a:ext>
+            </a:extLst>
+          </a:blip>
+          <a:stretch>
+            <a:fillRect/>
+          </a:stretch>
+        </p:blipFill>
+        <p:spPr>
+          <a:xfrm>
+            <a:off x="680321" y="2164344"/>
+            <a:ext cx="5630883" cy="4322812"/>
+          </a:xfrm>
+          <a:prstGeom prst="rect">
+            <a:avLst/>
+          </a:prstGeom>
+        </p:spPr>
+      </p:pic>
     </p:spTree>
     <p:extLst>
       <p:ext uri="{BB962C8B-B14F-4D97-AF65-F5344CB8AC3E}">
-        <p14:creationId xmlns:p14="http://schemas.microsoft.com/office/powerpoint/2010/main" val="329449977"/>
+        <p14:creationId xmlns:p14="http://schemas.microsoft.com/office/powerpoint/2010/main" val="322370007"/>
       </p:ext>
     </p:extLst>
   </p:cSld>
   <p:clrMapOvr>
     <a:masterClrMapping/>
   </p:clrMapOvr>
+  <p:timing>
+    <p:tnLst>
+      <p:par>
+        <p:cTn id="1" dur="indefinite" restart="never" nodeType="tmRoot"/>
+      </p:par>
+    </p:tnLst>
+  </p:timing>
 </p:sld>
 </file>
 
@@ -8331,7 +8332,7 @@
           <a:p>
             <a:r>
               <a:rPr lang="en-US" dirty="0" smtClean="0"/>
-              <a:t>Design Process</a:t>
+              <a:t>Design Alternatives and Decision Making</a:t>
             </a:r>
             <a:endParaRPr lang="en-US" dirty="0"/>
           </a:p>
@@ -8344,28 +8345,203 @@
             <a:spLocks noGrp="1"/>
           </p:cNvSpPr>
           <p:nvPr>
-            <p:ph idx="1"/>
-          </p:nvPr>
-        </p:nvSpPr>
-        <p:spPr/>
-        <p:txBody>
-          <a:bodyPr/>
+            <p:ph sz="half" idx="1"/>
+          </p:nvPr>
+        </p:nvSpPr>
+        <p:spPr>
+          <a:xfrm>
+            <a:off x="490540" y="2467155"/>
+            <a:ext cx="5340918" cy="3848596"/>
+          </a:xfrm>
+          <a:ln w="28575">
+            <a:noFill/>
+          </a:ln>
+        </p:spPr>
+        <p:txBody>
+          <a:bodyPr>
+            <a:normAutofit fontScale="92500" lnSpcReduction="20000"/>
+          </a:bodyPr>
           <a:lstStyle/>
           <a:p>
-            <a:endParaRPr lang="en-US"/>
+            <a:r>
+              <a:rPr lang="en-US" sz="2800" dirty="0" smtClean="0"/>
+              <a:t>Design alternative</a:t>
+            </a:r>
+          </a:p>
+          <a:p>
+            <a:pPr lvl="1" algn="just"/>
+            <a:r>
+              <a:rPr lang="en-US" sz="2400" dirty="0" smtClean="0"/>
+              <a:t>Visual studio vs Arduino IDE</a:t>
+            </a:r>
+          </a:p>
+          <a:p>
+            <a:pPr lvl="1" algn="just"/>
+            <a:r>
+              <a:rPr lang="en-US" sz="2400" dirty="0" smtClean="0"/>
+              <a:t>4-bit vs 8-bit interaction for LCD</a:t>
+            </a:r>
+          </a:p>
+          <a:p>
+            <a:pPr lvl="1" algn="just"/>
+            <a:r>
+              <a:rPr lang="en-US" sz="2400" dirty="0" smtClean="0"/>
+              <a:t>Interrupt vs pull-up GPIO for keypad</a:t>
+            </a:r>
+          </a:p>
+          <a:p>
+            <a:pPr lvl="1" algn="just"/>
+            <a:r>
+              <a:rPr lang="en-US" sz="2400" dirty="0"/>
+              <a:t>SOLIDWORKS vs Adobe </a:t>
+            </a:r>
+            <a:r>
+              <a:rPr lang="en-US" sz="2400" dirty="0" smtClean="0"/>
+              <a:t>Reader for box design</a:t>
+            </a:r>
+            <a:endParaRPr lang="en-US" sz="2400" dirty="0"/>
+          </a:p>
+          <a:p>
+            <a:pPr lvl="1" algn="just"/>
+            <a:r>
+              <a:rPr lang="en-US" sz="2400" dirty="0" smtClean="0"/>
+              <a:t>3D-printing vs Laser-cutter for box prototype</a:t>
+            </a:r>
+          </a:p>
+          <a:p>
+            <a:pPr lvl="1"/>
+            <a:endParaRPr lang="en-US" dirty="0"/>
+          </a:p>
+        </p:txBody>
+      </p:sp>
+      <p:sp>
+        <p:nvSpPr>
+          <p:cNvPr id="4" name="Content Placeholder 3"/>
+          <p:cNvSpPr>
+            <a:spLocks noGrp="1"/>
+          </p:cNvSpPr>
+          <p:nvPr>
+            <p:ph sz="half" idx="2"/>
+          </p:nvPr>
+        </p:nvSpPr>
+        <p:spPr>
+          <a:xfrm>
+            <a:off x="6094455" y="2467155"/>
+            <a:ext cx="5137138" cy="3848596"/>
+          </a:xfrm>
+          <a:ln w="28575">
+            <a:noFill/>
+          </a:ln>
+        </p:spPr>
+        <p:txBody>
+          <a:bodyPr>
+            <a:normAutofit fontScale="92500" lnSpcReduction="20000"/>
+          </a:bodyPr>
+          <a:lstStyle/>
+          <a:p>
+            <a:r>
+              <a:rPr lang="en-US" sz="2800" dirty="0" smtClean="0"/>
+              <a:t>Decisions made</a:t>
+            </a:r>
+          </a:p>
+          <a:p>
+            <a:pPr lvl="1"/>
+            <a:r>
+              <a:rPr lang="en-US" sz="2400" dirty="0" smtClean="0"/>
+              <a:t>Visual studio:</a:t>
+            </a:r>
+          </a:p>
+          <a:p>
+            <a:pPr lvl="2"/>
+            <a:r>
+              <a:rPr lang="en-US" sz="2200" dirty="0" smtClean="0"/>
+              <a:t>Available in lab</a:t>
+            </a:r>
+          </a:p>
+          <a:p>
+            <a:pPr lvl="2"/>
+            <a:r>
+              <a:rPr lang="en-US" sz="2200" dirty="0" smtClean="0"/>
+              <a:t>Debugging ability</a:t>
+            </a:r>
+          </a:p>
+          <a:p>
+            <a:pPr lvl="1"/>
+            <a:r>
+              <a:rPr lang="en-US" sz="2400" dirty="0" smtClean="0"/>
+              <a:t>4-bit interaction for LCD:</a:t>
+            </a:r>
+          </a:p>
+          <a:p>
+            <a:pPr lvl="2"/>
+            <a:r>
+              <a:rPr lang="en-US" sz="2200" dirty="0" smtClean="0"/>
+              <a:t>I/O pins saving</a:t>
+            </a:r>
+          </a:p>
+          <a:p>
+            <a:pPr lvl="1"/>
+            <a:r>
+              <a:rPr lang="en-US" sz="2400" dirty="0" smtClean="0"/>
+              <a:t>Interrupt GPIO for Keypad:</a:t>
+            </a:r>
+          </a:p>
+          <a:p>
+            <a:pPr lvl="2"/>
+            <a:r>
+              <a:rPr lang="en-US" sz="2200" dirty="0" smtClean="0"/>
+              <a:t>Common pin usage with ISP pins</a:t>
+            </a:r>
+          </a:p>
+          <a:p>
+            <a:pPr lvl="1"/>
+            <a:r>
+              <a:rPr lang="en-US" sz="2400" dirty="0" smtClean="0"/>
+              <a:t>SOLIDWORKS: More flexible</a:t>
+            </a:r>
+          </a:p>
+          <a:p>
+            <a:pPr lvl="1"/>
+            <a:r>
+              <a:rPr lang="en-US" sz="2400" dirty="0" smtClean="0"/>
+              <a:t>Laser-cutter: </a:t>
+            </a:r>
+          </a:p>
+          <a:p>
+            <a:pPr lvl="2"/>
+            <a:r>
+              <a:rPr lang="en-US" sz="2200" dirty="0" smtClean="0"/>
+              <a:t>Faster</a:t>
+            </a:r>
+            <a:endParaRPr lang="en-US" sz="2200" dirty="0"/>
+          </a:p>
+          <a:p>
+            <a:pPr lvl="2"/>
+            <a:r>
+              <a:rPr lang="en-US" sz="2200" dirty="0" smtClean="0"/>
+              <a:t>Easy to fix</a:t>
+            </a:r>
+            <a:endParaRPr lang="en-US" dirty="0"/>
           </a:p>
         </p:txBody>
       </p:sp>
     </p:spTree>
     <p:extLst>
       <p:ext uri="{BB962C8B-B14F-4D97-AF65-F5344CB8AC3E}">
-        <p14:creationId xmlns:p14="http://schemas.microsoft.com/office/powerpoint/2010/main" val="852921473"/>
+        <p14:creationId xmlns:p14="http://schemas.microsoft.com/office/powerpoint/2010/main" val="742892805"/>
       </p:ext>
     </p:extLst>
   </p:cSld>
   <p:clrMapOvr>
     <a:masterClrMapping/>
   </p:clrMapOvr>
+  <p:timing>
+    <p:tnLst>
+      <p:par>
+        <p:cTn id="1" dur="indefinite" restart="never" nodeType="tmRoot"/>
+      </p:par>
+    </p:tnLst>
+  </p:timing>
 </p:sld>
 </file>
 
@@ -8403,7 +8579,7 @@
           <a:p>
             <a:r>
               <a:rPr lang="en-US" dirty="0" smtClean="0"/>
-              <a:t>Trade-off and Decision Making</a:t>
+              <a:t>Implementation</a:t>
             </a:r>
             <a:endParaRPr lang="en-US" dirty="0"/>
           </a:p>
@@ -8416,7 +8592,7 @@
             <a:spLocks noGrp="1"/>
           </p:cNvSpPr>
           <p:nvPr>
-            <p:ph idx="1"/>
+            <p:ph sz="half" idx="1"/>
           </p:nvPr>
         </p:nvSpPr>
         <p:spPr/>
@@ -8424,20 +8600,207 @@
           <a:bodyPr/>
           <a:lstStyle/>
           <a:p>
-            <a:endParaRPr lang="en-US"/>
+            <a:pPr marL="0" marR="0" lvl="0" indent="0" defTabSz="914400" eaLnBrk="1" fontAlgn="auto" latinLnBrk="0" hangingPunct="1">
+              <a:lnSpc>
+                <a:spcPct val="100000"/>
+              </a:lnSpc>
+              <a:spcBef>
+                <a:spcPts val="0"/>
+              </a:spcBef>
+              <a:spcAft>
+                <a:spcPts val="0"/>
+              </a:spcAft>
+              <a:buClrTx/>
+              <a:buSzTx/>
+              <a:buFontTx/>
+              <a:buNone/>
+              <a:tabLst/>
+              <a:defRPr/>
+            </a:pPr>
+            <a:r>
+              <a:rPr lang="en-US" dirty="0" smtClean="0"/>
+              <a:t>Major components:</a:t>
+            </a:r>
+          </a:p>
+          <a:p>
+            <a:pPr marR="0" lvl="0" defTabSz="914400" eaLnBrk="1" fontAlgn="auto" latinLnBrk="0" hangingPunct="1">
+              <a:lnSpc>
+                <a:spcPct val="100000"/>
+              </a:lnSpc>
+              <a:spcBef>
+                <a:spcPts val="0"/>
+              </a:spcBef>
+              <a:spcAft>
+                <a:spcPts val="0"/>
+              </a:spcAft>
+              <a:buClrTx/>
+              <a:buSzTx/>
+              <a:buFont typeface="Arial" charset="0"/>
+              <a:buChar char="•"/>
+              <a:tabLst/>
+              <a:defRPr/>
+            </a:pPr>
+            <a:r>
+              <a:rPr lang="en-US" dirty="0" smtClean="0"/>
+              <a:t>Microprocessor: ATmega328P</a:t>
+            </a:r>
+          </a:p>
+          <a:p>
+            <a:pPr marR="0" lvl="0" defTabSz="914400" eaLnBrk="1" fontAlgn="auto" latinLnBrk="0" hangingPunct="1">
+              <a:lnSpc>
+                <a:spcPct val="100000"/>
+              </a:lnSpc>
+              <a:spcBef>
+                <a:spcPts val="0"/>
+              </a:spcBef>
+              <a:spcAft>
+                <a:spcPts val="0"/>
+              </a:spcAft>
+              <a:buClrTx/>
+              <a:buSzTx/>
+              <a:buFont typeface="Arial" charset="0"/>
+              <a:buChar char="•"/>
+              <a:tabLst/>
+              <a:defRPr/>
+            </a:pPr>
+            <a:r>
+              <a:rPr lang="en-US" dirty="0" smtClean="0"/>
+              <a:t>Locking Mechanism:</a:t>
+            </a:r>
+          </a:p>
+          <a:p>
+            <a:pPr lvl="1">
+              <a:lnSpc>
+                <a:spcPct val="100000"/>
+              </a:lnSpc>
+              <a:spcBef>
+                <a:spcPts val="0"/>
+              </a:spcBef>
+              <a:buFont typeface="Arial" charset="0"/>
+              <a:buChar char="•"/>
+            </a:pPr>
+            <a:r>
+              <a:rPr lang="en-US" dirty="0" smtClean="0"/>
+              <a:t>Key Pad</a:t>
+            </a:r>
+          </a:p>
+          <a:p>
+            <a:pPr lvl="1">
+              <a:lnSpc>
+                <a:spcPct val="100000"/>
+              </a:lnSpc>
+              <a:spcBef>
+                <a:spcPts val="0"/>
+              </a:spcBef>
+              <a:buFont typeface="Arial" charset="0"/>
+              <a:buChar char="•"/>
+            </a:pPr>
+            <a:r>
+              <a:rPr lang="en-US" dirty="0" smtClean="0"/>
+              <a:t>16x2 LCD Display</a:t>
+            </a:r>
+          </a:p>
+          <a:p>
+            <a:pPr lvl="1">
+              <a:lnSpc>
+                <a:spcPct val="100000"/>
+              </a:lnSpc>
+              <a:spcBef>
+                <a:spcPts val="0"/>
+              </a:spcBef>
+              <a:buFont typeface="Arial" charset="0"/>
+              <a:buChar char="•"/>
+            </a:pPr>
+            <a:r>
+              <a:rPr lang="en-US" dirty="0" smtClean="0"/>
+              <a:t>Solenoid</a:t>
+            </a:r>
+          </a:p>
+          <a:p>
+            <a:pPr>
+              <a:lnSpc>
+                <a:spcPct val="100000"/>
+              </a:lnSpc>
+              <a:spcBef>
+                <a:spcPts val="0"/>
+              </a:spcBef>
+            </a:pPr>
+            <a:r>
+              <a:rPr lang="en-US" dirty="0" smtClean="0"/>
+              <a:t>Useless Box Mechanism:</a:t>
+            </a:r>
+          </a:p>
+          <a:p>
+            <a:pPr lvl="1">
+              <a:lnSpc>
+                <a:spcPct val="100000"/>
+              </a:lnSpc>
+              <a:spcBef>
+                <a:spcPts val="0"/>
+              </a:spcBef>
+            </a:pPr>
+            <a:r>
+              <a:rPr lang="en-US" dirty="0" smtClean="0"/>
+              <a:t>Switch</a:t>
+            </a:r>
+          </a:p>
+          <a:p>
+            <a:pPr lvl="1">
+              <a:lnSpc>
+                <a:spcPct val="100000"/>
+              </a:lnSpc>
+              <a:spcBef>
+                <a:spcPts val="0"/>
+              </a:spcBef>
+            </a:pPr>
+            <a:r>
+              <a:rPr lang="en-US" dirty="0" smtClean="0"/>
+              <a:t>Servo</a:t>
+            </a:r>
+            <a:endParaRPr lang="en-US" dirty="0"/>
+          </a:p>
+        </p:txBody>
+      </p:sp>
+      <p:sp>
+        <p:nvSpPr>
+          <p:cNvPr id="4" name="Content Placeholder 3"/>
+          <p:cNvSpPr>
+            <a:spLocks noGrp="1"/>
+          </p:cNvSpPr>
+          <p:nvPr>
+            <p:ph sz="half" idx="2"/>
+          </p:nvPr>
+        </p:nvSpPr>
+        <p:spPr/>
+        <p:txBody>
+          <a:bodyPr/>
+          <a:lstStyle/>
+          <a:p>
+            <a:r>
+              <a:rPr lang="en-US" dirty="0" smtClean="0"/>
+              <a:t>Picture for main component go hear</a:t>
+            </a:r>
+            <a:endParaRPr lang="en-US" dirty="0"/>
           </a:p>
         </p:txBody>
       </p:sp>
     </p:spTree>
     <p:extLst>
       <p:ext uri="{BB962C8B-B14F-4D97-AF65-F5344CB8AC3E}">
-        <p14:creationId xmlns:p14="http://schemas.microsoft.com/office/powerpoint/2010/main" val="742892805"/>
+        <p14:creationId xmlns:p14="http://schemas.microsoft.com/office/powerpoint/2010/main" val="887398941"/>
       </p:ext>
     </p:extLst>
   </p:cSld>
   <p:clrMapOvr>
     <a:masterClrMapping/>
   </p:clrMapOvr>
+  <p:timing>
+    <p:tnLst>
+      <p:par>
+        <p:cTn id="1" dur="indefinite" restart="never" nodeType="tmRoot"/>
+      </p:par>
+    </p:tnLst>
+  </p:timing>
 </p:sld>
 </file>
 
@@ -8468,205 +8831,72 @@
             <p:ph type="title"/>
           </p:nvPr>
         </p:nvSpPr>
-        <p:spPr/>
-        <p:txBody>
-          <a:bodyPr/>
+        <p:spPr>
+          <a:xfrm>
+            <a:off x="320701" y="719361"/>
+            <a:ext cx="3485281" cy="1080938"/>
+          </a:xfrm>
+        </p:spPr>
+        <p:txBody>
+          <a:bodyPr>
+            <a:normAutofit/>
+          </a:bodyPr>
           <a:lstStyle/>
           <a:p>
             <a:r>
               <a:rPr lang="en-US" dirty="0" smtClean="0"/>
-              <a:t>Implementation</a:t>
+              <a:t>Implementation - Schematic</a:t>
             </a:r>
             <a:endParaRPr lang="en-US" dirty="0"/>
           </a:p>
         </p:txBody>
       </p:sp>
-      <p:sp>
-        <p:nvSpPr>
-          <p:cNvPr id="3" name="Content Placeholder 2"/>
-          <p:cNvSpPr>
-            <a:spLocks noGrp="1"/>
-          </p:cNvSpPr>
+      <p:pic>
+        <p:nvPicPr>
+          <p:cNvPr id="4" name="Content Placeholder 3"/>
+          <p:cNvPicPr>
+            <a:picLocks noGrp="1" noChangeAspect="1"/>
+          </p:cNvPicPr>
           <p:nvPr>
             <p:ph idx="1"/>
           </p:nvPr>
-        </p:nvSpPr>
-        <p:spPr/>
-        <p:txBody>
-          <a:bodyPr/>
-          <a:lstStyle/>
-          <a:p>
-            <a:pPr marL="0" marR="0" lvl="0" indent="0" defTabSz="914400" eaLnBrk="1" fontAlgn="auto" latinLnBrk="0" hangingPunct="1">
-              <a:lnSpc>
-                <a:spcPct val="100000"/>
-              </a:lnSpc>
-              <a:spcBef>
-                <a:spcPts val="0"/>
-              </a:spcBef>
-              <a:spcAft>
-                <a:spcPts val="0"/>
-              </a:spcAft>
-              <a:buClrTx/>
-              <a:buSzTx/>
-              <a:buFontTx/>
-              <a:buNone/>
-              <a:tabLst/>
-              <a:defRPr/>
-            </a:pPr>
-            <a:r>
-              <a:rPr lang="en-US" dirty="0" smtClean="0"/>
-              <a:t>Major components:</a:t>
-            </a:r>
-          </a:p>
-          <a:p>
-            <a:pPr marR="0" lvl="0" defTabSz="914400" eaLnBrk="1" fontAlgn="auto" latinLnBrk="0" hangingPunct="1">
-              <a:lnSpc>
-                <a:spcPct val="100000"/>
-              </a:lnSpc>
-              <a:spcBef>
-                <a:spcPts val="0"/>
-              </a:spcBef>
-              <a:spcAft>
-                <a:spcPts val="0"/>
-              </a:spcAft>
-              <a:buClrTx/>
-              <a:buSzTx/>
-              <a:buFont typeface="Arial" charset="0"/>
-              <a:buChar char="•"/>
-              <a:tabLst/>
-              <a:defRPr/>
-            </a:pPr>
-            <a:r>
-              <a:rPr lang="en-US" dirty="0" smtClean="0"/>
-              <a:t>Microprocessor: ATmega328P</a:t>
-            </a:r>
-          </a:p>
-          <a:p>
-            <a:pPr marR="0" lvl="0" defTabSz="914400" eaLnBrk="1" fontAlgn="auto" latinLnBrk="0" hangingPunct="1">
-              <a:lnSpc>
-                <a:spcPct val="100000"/>
-              </a:lnSpc>
-              <a:spcBef>
-                <a:spcPts val="0"/>
-              </a:spcBef>
-              <a:spcAft>
-                <a:spcPts val="0"/>
-              </a:spcAft>
-              <a:buClrTx/>
-              <a:buSzTx/>
-              <a:buFont typeface="Arial" charset="0"/>
-              <a:buChar char="•"/>
-              <a:tabLst/>
-              <a:defRPr/>
-            </a:pPr>
-            <a:r>
-              <a:rPr lang="en-US" dirty="0" smtClean="0"/>
-              <a:t>Locking Mechanism:</a:t>
-            </a:r>
-          </a:p>
-          <a:p>
-            <a:pPr lvl="1">
-              <a:lnSpc>
-                <a:spcPct val="100000"/>
-              </a:lnSpc>
-              <a:spcBef>
-                <a:spcPts val="0"/>
-              </a:spcBef>
-              <a:buFont typeface="Arial" charset="0"/>
-              <a:buChar char="•"/>
-            </a:pPr>
-            <a:r>
-              <a:rPr lang="en-US" dirty="0" smtClean="0"/>
-              <a:t>Key Pad</a:t>
-            </a:r>
-          </a:p>
-          <a:p>
-            <a:pPr lvl="1">
-              <a:lnSpc>
-                <a:spcPct val="100000"/>
-              </a:lnSpc>
-              <a:spcBef>
-                <a:spcPts val="0"/>
-              </a:spcBef>
-              <a:buFont typeface="Arial" charset="0"/>
-              <a:buChar char="•"/>
-            </a:pPr>
-            <a:r>
-              <a:rPr lang="en-US" dirty="0" smtClean="0"/>
-              <a:t>16x2 LCD Display</a:t>
-            </a:r>
-          </a:p>
-          <a:p>
-            <a:pPr lvl="1">
-              <a:lnSpc>
-                <a:spcPct val="100000"/>
-              </a:lnSpc>
-              <a:spcBef>
-                <a:spcPts val="0"/>
-              </a:spcBef>
-              <a:buFont typeface="Arial" charset="0"/>
-              <a:buChar char="•"/>
-            </a:pPr>
-            <a:r>
-              <a:rPr lang="en-US" dirty="0" smtClean="0"/>
-              <a:t>Solenoid</a:t>
-            </a:r>
-          </a:p>
-          <a:p>
-            <a:pPr>
-              <a:lnSpc>
-                <a:spcPct val="100000"/>
-              </a:lnSpc>
-              <a:spcBef>
-                <a:spcPts val="0"/>
-              </a:spcBef>
-            </a:pPr>
-            <a:r>
-              <a:rPr lang="en-US" dirty="0" smtClean="0"/>
-              <a:t>Useless Box Mechanism:</a:t>
-            </a:r>
-          </a:p>
-          <a:p>
-            <a:pPr lvl="1">
-              <a:lnSpc>
-                <a:spcPct val="100000"/>
-              </a:lnSpc>
-              <a:spcBef>
-                <a:spcPts val="0"/>
-              </a:spcBef>
-            </a:pPr>
-            <a:r>
-              <a:rPr lang="en-US" dirty="0" smtClean="0"/>
-              <a:t>Switch</a:t>
-            </a:r>
-          </a:p>
-          <a:p>
-            <a:pPr lvl="1">
-              <a:lnSpc>
-                <a:spcPct val="100000"/>
-              </a:lnSpc>
-              <a:spcBef>
-                <a:spcPts val="0"/>
-              </a:spcBef>
-            </a:pPr>
-            <a:r>
-              <a:rPr lang="en-US" dirty="0" smtClean="0"/>
-              <a:t>Servo</a:t>
-            </a:r>
-            <a:endParaRPr lang="en-US" dirty="0"/>
-          </a:p>
-        </p:txBody>
-      </p:sp>
+        </p:nvPicPr>
+        <p:blipFill>
+          <a:blip r:embed="rId2">
+            <a:extLst>
+              <a:ext uri="{28A0092B-C50C-407E-A947-70E740481C1C}">
+                <a14:useLocalDpi xmlns:a14="http://schemas.microsoft.com/office/drawing/2010/main" val="0"/>
+              </a:ext>
+            </a:extLst>
+          </a:blip>
+          <a:stretch>
+            <a:fillRect/>
+          </a:stretch>
+        </p:blipFill>
+        <p:spPr>
+          <a:xfrm>
+            <a:off x="3805982" y="355600"/>
+            <a:ext cx="7995264" cy="6179914"/>
+          </a:xfrm>
+        </p:spPr>
+      </p:pic>
     </p:spTree>
     <p:extLst>
       <p:ext uri="{BB962C8B-B14F-4D97-AF65-F5344CB8AC3E}">
-        <p14:creationId xmlns:p14="http://schemas.microsoft.com/office/powerpoint/2010/main" val="887398941"/>
+        <p14:creationId xmlns:p14="http://schemas.microsoft.com/office/powerpoint/2010/main" val="240072972"/>
       </p:ext>
     </p:extLst>
   </p:cSld>
   <p:clrMapOvr>
     <a:masterClrMapping/>
   </p:clrMapOvr>
+  <p:timing>
+    <p:tnLst>
+      <p:par>
+        <p:cTn id="1" dur="indefinite" restart="never" nodeType="tmRoot"/>
+      </p:par>
+    </p:tnLst>
+  </p:timing>
 </p:sld>
 </file>
 
@@ -8697,19 +8927,21 @@
             <p:ph type="title"/>
           </p:nvPr>
         </p:nvSpPr>
-        <p:spPr>
-          <a:xfrm>
-            <a:off x="320701" y="719361"/>
-            <a:ext cx="3485281" cy="1080938"/>
-          </a:xfrm>
-        </p:spPr>
+        <p:spPr/>
         <p:txBody>
           <a:bodyPr/>
           <a:lstStyle/>
           <a:p>
             <a:r>
               <a:rPr lang="en-US" dirty="0" smtClean="0"/>
-              <a:t>Implementation - Schematic</a:t>
+              <a:t>Implementation</a:t>
+            </a:r>
+            <a:br>
+              <a:rPr lang="en-US" dirty="0" smtClean="0"/>
+            </a:br>
+            <a:r>
+              <a:rPr lang="en-US" dirty="0" smtClean="0"/>
+              <a:t>Coding</a:t>
             </a:r>
             <a:endParaRPr lang="en-US" dirty="0"/>
           </a:p>
@@ -8739,15 +8971,15 @@
         </p:blipFill>
         <p:spPr>
           <a:xfrm>
-            <a:off x="3805982" y="355600"/>
-            <a:ext cx="7995264" cy="6179914"/>
+            <a:off x="4177371" y="753227"/>
+            <a:ext cx="7433783" cy="5746459"/>
           </a:xfrm>
         </p:spPr>
       </p:pic>
     </p:spTree>
     <p:extLst>
       <p:ext uri="{BB962C8B-B14F-4D97-AF65-F5344CB8AC3E}">
-        <p14:creationId xmlns:p14="http://schemas.microsoft.com/office/powerpoint/2010/main" val="240072972"/>
+        <p14:creationId xmlns:p14="http://schemas.microsoft.com/office/powerpoint/2010/main" val="1414518878"/>
       </p:ext>
     </p:extLst>
   </p:cSld>
@@ -8791,45 +9023,217 @@
           <a:p>
             <a:r>
               <a:rPr lang="en-US" dirty="0" smtClean="0"/>
-              <a:t>Implementation – Board Layout</a:t>
+              <a:t>Implementation</a:t>
+            </a:r>
+            <a:br>
+              <a:rPr lang="en-US" dirty="0" smtClean="0"/>
+            </a:br>
+            <a:r>
+              <a:rPr lang="en-US" dirty="0" smtClean="0"/>
+              <a:t>Pseudo code</a:t>
             </a:r>
             <a:endParaRPr lang="en-US" dirty="0"/>
           </a:p>
         </p:txBody>
       </p:sp>
-      <p:pic>
-        <p:nvPicPr>
-          <p:cNvPr id="4" name="Content Placeholder 3"/>
-          <p:cNvPicPr>
-            <a:picLocks noGrp="1" noChangeAspect="1"/>
-          </p:cNvPicPr>
+      <p:sp>
+        <p:nvSpPr>
+          <p:cNvPr id="3" name="Content Placeholder 2"/>
+          <p:cNvSpPr>
+            <a:spLocks noGrp="1"/>
+          </p:cNvSpPr>
           <p:nvPr>
             <p:ph idx="1"/>
           </p:nvPr>
-        </p:nvPicPr>
-        <p:blipFill>
-          <a:blip r:embed="rId2">
-            <a:extLst>
-              <a:ext uri="{28A0092B-C50C-407E-A947-70E740481C1C}">
-                <a14:useLocalDpi xmlns:a14="http://schemas.microsoft.com/office/drawing/2010/main" val="0"/>
-              </a:ext>
-            </a:extLst>
-          </a:blip>
-          <a:stretch>
-            <a:fillRect/>
-          </a:stretch>
-        </p:blipFill>
-        <p:spPr>
-          <a:xfrm>
-            <a:off x="3956000" y="2336800"/>
-            <a:ext cx="3063975" cy="3598863"/>
-          </a:xfrm>
-        </p:spPr>
-      </p:pic>
+        </p:nvSpPr>
+        <p:spPr/>
+        <p:txBody>
+          <a:bodyPr/>
+          <a:lstStyle/>
+          <a:p>
+            <a:pPr marL="0" marR="0" lvl="0" indent="0" defTabSz="914400" eaLnBrk="1" fontAlgn="auto" latinLnBrk="0" hangingPunct="1">
+              <a:lnSpc>
+                <a:spcPct val="100000"/>
+              </a:lnSpc>
+              <a:spcBef>
+                <a:spcPts val="0"/>
+              </a:spcBef>
+              <a:spcAft>
+                <a:spcPts val="0"/>
+              </a:spcAft>
+              <a:buClrTx/>
+              <a:buSzTx/>
+              <a:buFontTx/>
+              <a:buNone/>
+              <a:tabLst/>
+              <a:defRPr/>
+            </a:pPr>
+            <a:r>
+              <a:rPr lang="en-US" dirty="0" smtClean="0"/>
+              <a:t>While switch on</a:t>
+            </a:r>
+          </a:p>
+          <a:p>
+            <a:pPr marL="0" marR="0" lvl="0" indent="0" defTabSz="914400" eaLnBrk="1" fontAlgn="auto" latinLnBrk="0" hangingPunct="1">
+              <a:lnSpc>
+                <a:spcPct val="100000"/>
+              </a:lnSpc>
+              <a:spcBef>
+                <a:spcPts val="0"/>
+              </a:spcBef>
+              <a:spcAft>
+                <a:spcPts val="0"/>
+              </a:spcAft>
+              <a:buClrTx/>
+              <a:buSzTx/>
+              <a:buFontTx/>
+              <a:buNone/>
+              <a:tabLst/>
+              <a:defRPr/>
+            </a:pPr>
+            <a:r>
+              <a:rPr lang="en-US" dirty="0"/>
+              <a:t>	</a:t>
+            </a:r>
+            <a:r>
+              <a:rPr lang="en-US" dirty="0" smtClean="0"/>
+              <a:t>Ask for 4-key number code</a:t>
+            </a:r>
+          </a:p>
+          <a:p>
+            <a:pPr marL="0" marR="0" lvl="0" indent="0" defTabSz="914400" eaLnBrk="1" fontAlgn="auto" latinLnBrk="0" hangingPunct="1">
+              <a:lnSpc>
+                <a:spcPct val="100000"/>
+              </a:lnSpc>
+              <a:spcBef>
+                <a:spcPts val="0"/>
+              </a:spcBef>
+              <a:spcAft>
+                <a:spcPts val="0"/>
+              </a:spcAft>
+              <a:buClrTx/>
+              <a:buSzTx/>
+              <a:buFontTx/>
+              <a:buNone/>
+              <a:tabLst/>
+              <a:defRPr/>
+            </a:pPr>
+            <a:r>
+              <a:rPr lang="en-US" dirty="0"/>
+              <a:t>	</a:t>
+            </a:r>
+            <a:r>
+              <a:rPr lang="en-US" dirty="0" smtClean="0"/>
+              <a:t>If the code is the pass code: open the box, flip the switch</a:t>
+            </a:r>
+          </a:p>
+          <a:p>
+            <a:pPr marL="0" marR="0" lvl="0" indent="0" defTabSz="914400" eaLnBrk="1" fontAlgn="auto" latinLnBrk="0" hangingPunct="1">
+              <a:lnSpc>
+                <a:spcPct val="100000"/>
+              </a:lnSpc>
+              <a:spcBef>
+                <a:spcPts val="0"/>
+              </a:spcBef>
+              <a:spcAft>
+                <a:spcPts val="0"/>
+              </a:spcAft>
+              <a:buClrTx/>
+              <a:buSzTx/>
+              <a:buFontTx/>
+              <a:buNone/>
+              <a:tabLst/>
+              <a:defRPr/>
+            </a:pPr>
+            <a:r>
+              <a:rPr lang="en-US" dirty="0"/>
+              <a:t>	</a:t>
+            </a:r>
+            <a:r>
+              <a:rPr lang="en-US" dirty="0" smtClean="0"/>
+              <a:t>Else If the code is the reset code: run the reset sequence</a:t>
+            </a:r>
+          </a:p>
+          <a:p>
+            <a:pPr marL="0" marR="0" lvl="0" indent="0" defTabSz="914400" eaLnBrk="1" fontAlgn="auto" latinLnBrk="0" hangingPunct="1">
+              <a:lnSpc>
+                <a:spcPct val="100000"/>
+              </a:lnSpc>
+              <a:spcBef>
+                <a:spcPts val="0"/>
+              </a:spcBef>
+              <a:spcAft>
+                <a:spcPts val="0"/>
+              </a:spcAft>
+              <a:buClrTx/>
+              <a:buSzTx/>
+              <a:buFontTx/>
+              <a:buNone/>
+              <a:tabLst/>
+              <a:defRPr/>
+            </a:pPr>
+            <a:r>
+              <a:rPr lang="en-US" dirty="0" smtClean="0"/>
+              <a:t>	Else if the code is admin code: run the change sequence</a:t>
+            </a:r>
+          </a:p>
+          <a:p>
+            <a:pPr marL="0" marR="0" lvl="0" indent="0" defTabSz="914400" eaLnBrk="1" fontAlgn="auto" latinLnBrk="0" hangingPunct="1">
+              <a:lnSpc>
+                <a:spcPct val="100000"/>
+              </a:lnSpc>
+              <a:spcBef>
+                <a:spcPts val="0"/>
+              </a:spcBef>
+              <a:spcAft>
+                <a:spcPts val="0"/>
+              </a:spcAft>
+              <a:buClrTx/>
+              <a:buSzTx/>
+              <a:buFontTx/>
+              <a:buNone/>
+              <a:tabLst/>
+              <a:defRPr/>
+            </a:pPr>
+            <a:r>
+              <a:rPr lang="en-US" dirty="0"/>
+              <a:t>	</a:t>
+            </a:r>
+            <a:r>
+              <a:rPr lang="en-US" dirty="0" smtClean="0"/>
+              <a:t>Else flip the switch</a:t>
+            </a:r>
+          </a:p>
+          <a:p>
+            <a:pPr marL="0" marR="0" lvl="0" indent="0" defTabSz="914400" eaLnBrk="1" fontAlgn="auto" latinLnBrk="0" hangingPunct="1">
+              <a:lnSpc>
+                <a:spcPct val="100000"/>
+              </a:lnSpc>
+              <a:spcBef>
+                <a:spcPts val="0"/>
+              </a:spcBef>
+              <a:spcAft>
+                <a:spcPts val="0"/>
+              </a:spcAft>
+              <a:buClrTx/>
+              <a:buSzTx/>
+              <a:buFontTx/>
+              <a:buNone/>
+              <a:tabLst/>
+              <a:defRPr/>
+            </a:pPr>
+            <a:r>
+              <a:rPr lang="en-US" dirty="0"/>
+              <a:t>	</a:t>
+            </a:r>
+            <a:endParaRPr lang="en-US" dirty="0" smtClean="0"/>
+          </a:p>
+        </p:txBody>
+      </p:sp>
     </p:spTree>
     <p:extLst>
       <p:ext uri="{BB962C8B-B14F-4D97-AF65-F5344CB8AC3E}">
-        <p14:creationId xmlns:p14="http://schemas.microsoft.com/office/powerpoint/2010/main" val="1932151338"/>
+        <p14:creationId xmlns:p14="http://schemas.microsoft.com/office/powerpoint/2010/main" val="827441585"/>
       </p:ext>
     </p:extLst>
   </p:cSld>
@@ -8866,42 +9270,91 @@
             <p:ph type="title"/>
           </p:nvPr>
         </p:nvSpPr>
-        <p:spPr/>
+        <p:spPr>
+          <a:xfrm>
+            <a:off x="680321" y="753228"/>
+            <a:ext cx="9809400" cy="1080938"/>
+          </a:xfrm>
+        </p:spPr>
         <p:txBody>
           <a:bodyPr/>
           <a:lstStyle/>
           <a:p>
             <a:r>
-              <a:rPr lang="en-US" dirty="0" smtClean="0"/>
-              <a:t>Implementation – Code</a:t>
+              <a:rPr lang="en-US" smtClean="0"/>
+              <a:t>Implementation </a:t>
+            </a:r>
+            <a:r>
+              <a:rPr lang="en-US" smtClean="0"/>
+              <a:t>- Board Layout and Box Model</a:t>
             </a:r>
             <a:endParaRPr lang="en-US" dirty="0"/>
           </a:p>
         </p:txBody>
       </p:sp>
-      <p:sp>
-        <p:nvSpPr>
-          <p:cNvPr id="3" name="Content Placeholder 2"/>
-          <p:cNvSpPr>
-            <a:spLocks noGrp="1"/>
-          </p:cNvSpPr>
+      <p:pic>
+        <p:nvPicPr>
+          <p:cNvPr id="4" name="Content Placeholder 3"/>
+          <p:cNvPicPr>
+            <a:picLocks noGrp="1" noChangeAspect="1"/>
+          </p:cNvPicPr>
           <p:nvPr>
             <p:ph idx="1"/>
           </p:nvPr>
-        </p:nvSpPr>
-        <p:spPr/>
-        <p:txBody>
-          <a:bodyPr/>
-          <a:lstStyle/>
-          <a:p>
-            <a:endParaRPr lang="en-US"/>
-          </a:p>
-        </p:txBody>
-      </p:sp>
+        </p:nvPicPr>
+        <p:blipFill>
+          <a:blip r:embed="rId2">
+            <a:extLst>
+              <a:ext uri="{28A0092B-C50C-407E-A947-70E740481C1C}">
+                <a14:useLocalDpi xmlns:a14="http://schemas.microsoft.com/office/drawing/2010/main" val="0"/>
+              </a:ext>
+            </a:extLst>
+          </a:blip>
+          <a:stretch>
+            <a:fillRect/>
+          </a:stretch>
+        </p:blipFill>
+        <p:spPr>
+          <a:xfrm>
+            <a:off x="1128895" y="1834166"/>
+            <a:ext cx="4029702" cy="4733180"/>
+          </a:xfrm>
+        </p:spPr>
+      </p:pic>
+      <p:pic>
+        <p:nvPicPr>
+          <p:cNvPr id="3" name="Picture 2"/>
+          <p:cNvPicPr>
+            <a:picLocks noChangeAspect="1"/>
+          </p:cNvPicPr>
+          <p:nvPr/>
+        </p:nvPicPr>
+        <p:blipFill>
+          <a:blip r:embed="rId3">
+            <a:extLst>
+              <a:ext uri="{28A0092B-C50C-407E-A947-70E740481C1C}">
+                <a14:useLocalDpi xmlns:a14="http://schemas.microsoft.com/office/drawing/2010/main" val="0"/>
+              </a:ext>
+            </a:extLst>
+          </a:blip>
+          <a:stretch>
+            <a:fillRect/>
+          </a:stretch>
+        </p:blipFill>
+        <p:spPr>
+          <a:xfrm>
+            <a:off x="6160410" y="1834166"/>
+            <a:ext cx="3949748" cy="4747115"/>
+          </a:xfrm>
+          <a:prstGeom prst="rect">
+            <a:avLst/>
+          </a:prstGeom>
+        </p:spPr>
+      </p:pic>
     </p:spTree>
     <p:extLst>
       <p:ext uri="{BB962C8B-B14F-4D97-AF65-F5344CB8AC3E}">
-        <p14:creationId xmlns:p14="http://schemas.microsoft.com/office/powerpoint/2010/main" val="1414518878"/>
+        <p14:creationId xmlns:p14="http://schemas.microsoft.com/office/powerpoint/2010/main" val="380726199"/>
       </p:ext>
     </p:extLst>
   </p:cSld>
@@ -8945,41 +9398,69 @@
           <a:p>
             <a:r>
               <a:rPr lang="en-US" dirty="0" smtClean="0"/>
-              <a:t>IP and Prior Work</a:t>
+              <a:t>Implementation </a:t>
+            </a:r>
+            <a:r>
+              <a:rPr lang="en-US" dirty="0"/>
+              <a:t/>
+            </a:r>
+            <a:br>
+              <a:rPr lang="en-US" dirty="0"/>
+            </a:br>
+            <a:r>
+              <a:rPr lang="en-US" dirty="0" smtClean="0"/>
+              <a:t>Billing of Materials</a:t>
             </a:r>
             <a:endParaRPr lang="en-US" dirty="0"/>
           </a:p>
         </p:txBody>
       </p:sp>
-      <p:sp>
-        <p:nvSpPr>
-          <p:cNvPr id="3" name="Content Placeholder 2"/>
-          <p:cNvSpPr>
-            <a:spLocks noGrp="1"/>
-          </p:cNvSpPr>
+      <p:pic>
+        <p:nvPicPr>
+          <p:cNvPr id="4" name="Content Placeholder 3"/>
+          <p:cNvPicPr>
+            <a:picLocks noGrp="1" noChangeAspect="1"/>
+          </p:cNvPicPr>
           <p:nvPr>
             <p:ph idx="1"/>
           </p:nvPr>
-        </p:nvSpPr>
-        <p:spPr/>
-        <p:txBody>
-          <a:bodyPr/>
-          <a:lstStyle/>
-          <a:p>
-            <a:endParaRPr lang="en-US"/>
-          </a:p>
-        </p:txBody>
-      </p:sp>
+        </p:nvPicPr>
+        <p:blipFill>
+          <a:blip r:embed="rId2">
+            <a:extLst>
+              <a:ext uri="{28A0092B-C50C-407E-A947-70E740481C1C}">
+                <a14:useLocalDpi xmlns:a14="http://schemas.microsoft.com/office/drawing/2010/main" val="0"/>
+              </a:ext>
+            </a:extLst>
+          </a:blip>
+          <a:stretch>
+            <a:fillRect/>
+          </a:stretch>
+        </p:blipFill>
+        <p:spPr>
+          <a:xfrm>
+            <a:off x="5140800" y="753228"/>
+            <a:ext cx="5348919" cy="5864805"/>
+          </a:xfrm>
+        </p:spPr>
+      </p:pic>
     </p:spTree>
     <p:extLst>
       <p:ext uri="{BB962C8B-B14F-4D97-AF65-F5344CB8AC3E}">
-        <p14:creationId xmlns:p14="http://schemas.microsoft.com/office/powerpoint/2010/main" val="1174810256"/>
+        <p14:creationId xmlns:p14="http://schemas.microsoft.com/office/powerpoint/2010/main" val="2009138562"/>
       </p:ext>
     </p:extLst>
   </p:cSld>
   <p:clrMapOvr>
     <a:masterClrMapping/>
   </p:clrMapOvr>
+  <p:timing>
+    <p:tnLst>
+      <p:par>
+        <p:cTn id="1" dur="indefinite" restart="never" nodeType="tmRoot"/>
+      </p:par>
+    </p:tnLst>
+  </p:timing>
 </p:sld>
 </file>
 
@@ -9017,7 +9498,7 @@
           <a:p>
             <a:r>
               <a:rPr lang="en-US" dirty="0" smtClean="0"/>
-              <a:t>Testing</a:t>
+              <a:t>IP and Prior Work</a:t>
             </a:r>
             <a:endParaRPr lang="en-US" dirty="0"/>
           </a:p>
@@ -9038,14 +9519,31 @@
           <a:bodyPr/>
           <a:lstStyle/>
           <a:p>
-            <a:endParaRPr lang="en-US"/>
+            <a:r>
+              <a:rPr lang="en-US" dirty="0" smtClean="0"/>
+              <a:t>Useless box: Originally designed in 1930s by Italian artist Bruno </a:t>
+            </a:r>
+            <a:r>
+              <a:rPr lang="en-US" dirty="0" err="1" smtClean="0"/>
+              <a:t>Munari</a:t>
+            </a:r>
+            <a:r>
+              <a:rPr lang="en-US" dirty="0" smtClean="0"/>
+              <a:t>. The most famous useless box began in 1952 at Bell Labs by Marvin Minsky.</a:t>
+            </a:r>
+          </a:p>
+          <a:p>
+            <a:r>
+              <a:rPr lang="en-US" dirty="0" smtClean="0"/>
+              <a:t>Lock box: The first key lockbox was invented over 55 years ago by Delbert Williams.</a:t>
+            </a:r>
           </a:p>
         </p:txBody>
       </p:sp>
     </p:spTree>
     <p:extLst>
       <p:ext uri="{BB962C8B-B14F-4D97-AF65-F5344CB8AC3E}">
-        <p14:creationId xmlns:p14="http://schemas.microsoft.com/office/powerpoint/2010/main" val="1071322074"/>
+        <p14:creationId xmlns:p14="http://schemas.microsoft.com/office/powerpoint/2010/main" val="1174810256"/>
       </p:ext>
     </p:extLst>
   </p:cSld>
@@ -9089,7 +9587,7 @@
           <a:p>
             <a:r>
               <a:rPr lang="en-US" dirty="0" smtClean="0"/>
-              <a:t>Result</a:t>
+              <a:t>Testing plan</a:t>
             </a:r>
             <a:endParaRPr lang="en-US" dirty="0"/>
           </a:p>
@@ -9107,17 +9605,83 @@
         </p:nvSpPr>
         <p:spPr/>
         <p:txBody>
-          <a:bodyPr/>
+          <a:bodyPr>
+            <a:normAutofit fontScale="92500" lnSpcReduction="10000"/>
+          </a:bodyPr>
           <a:lstStyle/>
           <a:p>
-            <a:endParaRPr lang="en-US"/>
+            <a:endParaRPr lang="en-US" dirty="0" smtClean="0"/>
+          </a:p>
+          <a:p>
+            <a:r>
+              <a:rPr lang="en-US" dirty="0" smtClean="0"/>
+              <a:t>Individual modules testing: servo, keypad, LCD, switch</a:t>
+            </a:r>
+          </a:p>
+          <a:p>
+            <a:r>
+              <a:rPr lang="en-US" dirty="0" smtClean="0"/>
+              <a:t>Integrations test: Correct code/ Admin code/ Incorrect code enter</a:t>
+            </a:r>
+          </a:p>
+          <a:p>
+            <a:r>
+              <a:rPr lang="en-US" dirty="0" smtClean="0"/>
+              <a:t>Acceptance test: does it meet the condition is PDS</a:t>
+            </a:r>
+          </a:p>
+          <a:p>
+            <a:pPr lvl="1"/>
+            <a:r>
+              <a:rPr lang="en-US" dirty="0" smtClean="0"/>
+              <a:t>Privacy</a:t>
+            </a:r>
+          </a:p>
+          <a:p>
+            <a:pPr lvl="1"/>
+            <a:r>
+              <a:rPr lang="en-US" dirty="0" smtClean="0"/>
+              <a:t>Entertaining</a:t>
+            </a:r>
+          </a:p>
+          <a:p>
+            <a:pPr lvl="1"/>
+            <a:r>
+              <a:rPr lang="en-US" dirty="0" smtClean="0"/>
+              <a:t>Environmentally friendly</a:t>
+            </a:r>
+          </a:p>
+          <a:p>
+            <a:pPr lvl="1"/>
+            <a:r>
+              <a:rPr lang="en-US" dirty="0" smtClean="0"/>
+              <a:t>Authenticity</a:t>
+            </a:r>
+          </a:p>
+          <a:p>
+            <a:pPr lvl="1"/>
+            <a:r>
+              <a:rPr lang="en-US" dirty="0" smtClean="0"/>
+              <a:t>Economic</a:t>
+            </a:r>
+          </a:p>
+          <a:p>
+            <a:pPr lvl="1"/>
+            <a:r>
+              <a:rPr lang="en-US" dirty="0" smtClean="0"/>
+              <a:t>Operational physical environments</a:t>
+            </a:r>
+          </a:p>
+          <a:p>
+            <a:pPr lvl="1"/>
+            <a:endParaRPr lang="en-US" dirty="0"/>
           </a:p>
         </p:txBody>
       </p:sp>
     </p:spTree>
     <p:extLst>
       <p:ext uri="{BB962C8B-B14F-4D97-AF65-F5344CB8AC3E}">
-        <p14:creationId xmlns:p14="http://schemas.microsoft.com/office/powerpoint/2010/main" val="946589840"/>
+        <p14:creationId xmlns:p14="http://schemas.microsoft.com/office/powerpoint/2010/main" val="1071322074"/>
       </p:ext>
     </p:extLst>
   </p:cSld>
@@ -9177,56 +9741,72 @@
             <p:ph idx="1"/>
           </p:nvPr>
         </p:nvSpPr>
-        <p:spPr/>
+        <p:spPr>
+          <a:xfrm>
+            <a:off x="552091" y="2139352"/>
+            <a:ext cx="11197086" cy="4718648"/>
+          </a:xfrm>
+        </p:spPr>
         <p:txBody>
           <a:bodyPr>
-            <a:normAutofit fontScale="62500" lnSpcReduction="20000"/>
+            <a:normAutofit/>
           </a:bodyPr>
           <a:lstStyle/>
           <a:p>
             <a:pPr algn="just"/>
             <a:r>
+              <a:rPr lang="en-US" dirty="0" smtClean="0"/>
+              <a:t>Need:</a:t>
+            </a:r>
+          </a:p>
+          <a:p>
+            <a:pPr lvl="1" algn="just"/>
+            <a:r>
+              <a:rPr lang="en-US" dirty="0" smtClean="0"/>
+              <a:t>Privacy </a:t>
+            </a:r>
+            <a:r>
               <a:rPr lang="en-US" dirty="0"/>
-              <a:t>Privacy and security have become major concerns in society today. Whether it be a teenager trying to keep a diary hidden or an adult keeping money away from a less than trustworthy roommate, a lockbox is a good way to go. </a:t>
+              <a:t>and security have become major concerns in society today. Whether it be a teenager trying to keep a diary hidden or an adult keeping money away from a less than trustworthy roommate, a lockbox is a good way to go. </a:t>
             </a:r>
             <a:endParaRPr lang="en-US" dirty="0" smtClean="0"/>
           </a:p>
           <a:p>
-            <a:pPr algn="just"/>
+            <a:pPr lvl="1" algn="just"/>
             <a:r>
               <a:rPr lang="en-US" dirty="0" smtClean="0"/>
               <a:t>Unfortunately</a:t>
             </a:r>
             <a:r>
               <a:rPr lang="en-US" dirty="0"/>
-              <a:t>, lockboxes are obvious and sometimes bring with them curiosity as to what is inside. An interesting and elegant way to keep a lockbox without arousing much suspicion is needed.</a:t>
-            </a:r>
-          </a:p>
-          <a:p>
-            <a:r>
-              <a:rPr lang="en-US" dirty="0"/>
+              <a:t>, lockboxes are obvious and sometimes bring with them curiosity as to what is inside. An interesting and elegant way to keep a lockbox without arousing much suspicion is needed</a:t>
+            </a:r>
+            <a:r>
+              <a:rPr lang="en-US" dirty="0" smtClean="0"/>
+              <a:t>.</a:t>
+            </a:r>
+          </a:p>
+          <a:p>
+            <a:r>
+              <a:rPr lang="en-US" dirty="0" smtClean="0"/>
+              <a:t>Motivation</a:t>
+            </a:r>
+          </a:p>
+          <a:p>
+            <a:pPr lvl="1"/>
+            <a:r>
+              <a:rPr lang="en-US" dirty="0" smtClean="0"/>
               <a:t>Privacy</a:t>
             </a:r>
+            <a:endParaRPr lang="en-US" dirty="0"/>
           </a:p>
           <a:p>
             <a:pPr lvl="1"/>
             <a:r>
-              <a:rPr lang="en-US" dirty="0"/>
-              <a:t>Teenagers</a:t>
-            </a:r>
-          </a:p>
-          <a:p>
-            <a:pPr lvl="1"/>
-            <a:r>
-              <a:rPr lang="en-US" dirty="0"/>
-              <a:t>Roommates</a:t>
-            </a:r>
-          </a:p>
-          <a:p>
-            <a:r>
-              <a:rPr lang="en-US" dirty="0"/>
+              <a:rPr lang="en-US" dirty="0" smtClean="0"/>
               <a:t>Entertaining</a:t>
             </a:r>
+            <a:endParaRPr lang="en-US" dirty="0"/>
           </a:p>
           <a:p>
             <a:pPr lvl="1"/>
@@ -9236,6 +9816,7 @@
             </a:r>
           </a:p>
           <a:p>
+            <a:pPr lvl="1"/>
             <a:r>
               <a:rPr lang="en-US" dirty="0"/>
               <a:t>Environmentally friendly</a:t>
@@ -9244,21 +9825,12 @@
           <a:p>
             <a:pPr lvl="1"/>
             <a:r>
+              <a:rPr lang="en-US" dirty="0" smtClean="0"/>
+              <a:t>Aesthetically </a:t>
+            </a:r>
+            <a:r>
               <a:rPr lang="en-US" dirty="0"/>
-              <a:t>Wood design</a:t>
-            </a:r>
-          </a:p>
-          <a:p>
-            <a:r>
-              <a:rPr lang="en-US" dirty="0"/>
-              <a:t>Aesthetically pleasing</a:t>
-            </a:r>
-          </a:p>
-          <a:p>
-            <a:pPr lvl="1"/>
-            <a:r>
-              <a:rPr lang="en-US" dirty="0"/>
-              <a:t>Side table decoration</a:t>
+              <a:t>pleasing</a:t>
             </a:r>
           </a:p>
           <a:p>
@@ -9319,7 +9891,7 @@
           <a:p>
             <a:r>
               <a:rPr lang="en-US" dirty="0" smtClean="0"/>
-              <a:t>Contribution and Lessons Learning</a:t>
+              <a:t>Result</a:t>
             </a:r>
             <a:endParaRPr lang="en-US" dirty="0"/>
           </a:p>
@@ -9340,6 +9912,16 @@
           <a:bodyPr/>
           <a:lstStyle/>
           <a:p>
+            <a:r>
+              <a:rPr lang="en-US" dirty="0" smtClean="0"/>
+              <a:t>A lock box and four working PCBs</a:t>
+            </a:r>
+          </a:p>
+          <a:p>
+            <a:r>
+              <a:rPr lang="en-US" dirty="0" smtClean="0"/>
+              <a:t>Picture of the whole box here</a:t>
+            </a:r>
             <a:endParaRPr lang="en-US" dirty="0"/>
           </a:p>
         </p:txBody>
@@ -9347,7 +9929,7 @@
     </p:spTree>
     <p:extLst>
       <p:ext uri="{BB962C8B-B14F-4D97-AF65-F5344CB8AC3E}">
-        <p14:creationId xmlns:p14="http://schemas.microsoft.com/office/powerpoint/2010/main" val="41290262"/>
+        <p14:creationId xmlns:p14="http://schemas.microsoft.com/office/powerpoint/2010/main" val="946589840"/>
       </p:ext>
     </p:extLst>
   </p:cSld>
@@ -9391,6 +9973,277 @@
           <a:p>
             <a:r>
               <a:rPr lang="en-US" dirty="0" smtClean="0"/>
+              <a:t>Contribution and Lessons Learning</a:t>
+            </a:r>
+            <a:endParaRPr lang="en-US" dirty="0"/>
+          </a:p>
+        </p:txBody>
+      </p:sp>
+      <p:sp>
+        <p:nvSpPr>
+          <p:cNvPr id="3" name="Content Placeholder 2"/>
+          <p:cNvSpPr>
+            <a:spLocks noGrp="1"/>
+          </p:cNvSpPr>
+          <p:nvPr>
+            <p:ph idx="1"/>
+          </p:nvPr>
+        </p:nvSpPr>
+        <p:spPr>
+          <a:xfrm>
+            <a:off x="680321" y="2336873"/>
+            <a:ext cx="10102698" cy="4201950"/>
+          </a:xfrm>
+        </p:spPr>
+        <p:txBody>
+          <a:bodyPr>
+            <a:normAutofit/>
+          </a:bodyPr>
+          <a:lstStyle/>
+          <a:p>
+            <a:pPr>
+              <a:lnSpc>
+                <a:spcPct val="100000"/>
+              </a:lnSpc>
+              <a:spcBef>
+                <a:spcPts val="0"/>
+              </a:spcBef>
+            </a:pPr>
+            <a:r>
+              <a:rPr lang="en-US" dirty="0" smtClean="0"/>
+              <a:t>Contribution: All members are involved in the whole design process. </a:t>
+            </a:r>
+          </a:p>
+          <a:p>
+            <a:pPr lvl="1">
+              <a:lnSpc>
+                <a:spcPct val="100000"/>
+              </a:lnSpc>
+              <a:spcBef>
+                <a:spcPts val="0"/>
+              </a:spcBef>
+            </a:pPr>
+            <a:r>
+              <a:rPr lang="en-US" dirty="0" smtClean="0"/>
+              <a:t>Box printing</a:t>
+            </a:r>
+          </a:p>
+          <a:p>
+            <a:pPr lvl="1">
+              <a:lnSpc>
+                <a:spcPct val="100000"/>
+              </a:lnSpc>
+              <a:spcBef>
+                <a:spcPts val="0"/>
+              </a:spcBef>
+            </a:pPr>
+            <a:r>
+              <a:rPr lang="en-US" dirty="0" smtClean="0"/>
+              <a:t>Schematic/PCB</a:t>
+            </a:r>
+          </a:p>
+          <a:p>
+            <a:pPr lvl="1">
+              <a:lnSpc>
+                <a:spcPct val="100000"/>
+              </a:lnSpc>
+              <a:spcBef>
+                <a:spcPts val="0"/>
+              </a:spcBef>
+            </a:pPr>
+            <a:r>
+              <a:rPr lang="en-US" dirty="0" smtClean="0"/>
+              <a:t>Coding</a:t>
+            </a:r>
+          </a:p>
+          <a:p>
+            <a:pPr lvl="1">
+              <a:lnSpc>
+                <a:spcPct val="100000"/>
+              </a:lnSpc>
+              <a:spcBef>
+                <a:spcPts val="0"/>
+              </a:spcBef>
+            </a:pPr>
+            <a:r>
+              <a:rPr lang="en-US" dirty="0" smtClean="0"/>
+              <a:t>Testing</a:t>
+            </a:r>
+          </a:p>
+          <a:p>
+            <a:pPr lvl="1">
+              <a:lnSpc>
+                <a:spcPct val="100000"/>
+              </a:lnSpc>
+              <a:spcBef>
+                <a:spcPts val="0"/>
+              </a:spcBef>
+            </a:pPr>
+            <a:r>
+              <a:rPr lang="en-US" dirty="0" smtClean="0"/>
+              <a:t>Writing</a:t>
+            </a:r>
+          </a:p>
+          <a:p>
+            <a:pPr>
+              <a:lnSpc>
+                <a:spcPct val="100000"/>
+              </a:lnSpc>
+              <a:spcBef>
+                <a:spcPts val="0"/>
+              </a:spcBef>
+            </a:pPr>
+            <a:r>
+              <a:rPr lang="en-US" dirty="0" smtClean="0"/>
+              <a:t>Lessons learning: Each team member learns more on working in team.</a:t>
+            </a:r>
+          </a:p>
+          <a:p>
+            <a:pPr lvl="1">
+              <a:lnSpc>
+                <a:spcPct val="100000"/>
+              </a:lnSpc>
+              <a:spcBef>
+                <a:spcPts val="0"/>
+              </a:spcBef>
+            </a:pPr>
+            <a:r>
+              <a:rPr lang="en-US" dirty="0"/>
+              <a:t>B</a:t>
+            </a:r>
+            <a:r>
+              <a:rPr lang="en-US" dirty="0" smtClean="0"/>
+              <a:t>rainstorming process </a:t>
+            </a:r>
+          </a:p>
+          <a:p>
+            <a:pPr lvl="1">
+              <a:lnSpc>
+                <a:spcPct val="100000"/>
+              </a:lnSpc>
+              <a:spcBef>
+                <a:spcPts val="0"/>
+              </a:spcBef>
+            </a:pPr>
+            <a:r>
+              <a:rPr lang="en-US" dirty="0" smtClean="0"/>
+              <a:t>Designing </a:t>
+            </a:r>
+          </a:p>
+          <a:p>
+            <a:pPr lvl="1">
+              <a:lnSpc>
+                <a:spcPct val="100000"/>
+              </a:lnSpc>
+              <a:spcBef>
+                <a:spcPts val="0"/>
+              </a:spcBef>
+            </a:pPr>
+            <a:r>
+              <a:rPr lang="en-US" dirty="0"/>
+              <a:t>D</a:t>
+            </a:r>
+            <a:r>
+              <a:rPr lang="en-US" dirty="0" smtClean="0"/>
+              <a:t>ecision making </a:t>
+            </a:r>
+          </a:p>
+          <a:p>
+            <a:pPr lvl="1">
+              <a:lnSpc>
+                <a:spcPct val="100000"/>
+              </a:lnSpc>
+              <a:spcBef>
+                <a:spcPts val="0"/>
+              </a:spcBef>
+            </a:pPr>
+            <a:r>
+              <a:rPr lang="en-US" dirty="0"/>
+              <a:t>I</a:t>
+            </a:r>
+            <a:r>
+              <a:rPr lang="en-US" dirty="0" smtClean="0"/>
+              <a:t>ssues troubleshooting</a:t>
+            </a:r>
+          </a:p>
+          <a:p>
+            <a:pPr lvl="1">
+              <a:lnSpc>
+                <a:spcPct val="100000"/>
+              </a:lnSpc>
+              <a:spcBef>
+                <a:spcPts val="0"/>
+              </a:spcBef>
+            </a:pPr>
+            <a:r>
+              <a:rPr lang="en-US" dirty="0" smtClean="0"/>
+              <a:t>Documentation</a:t>
+            </a:r>
+            <a:endParaRPr lang="en-US" dirty="0"/>
+          </a:p>
+          <a:p>
+            <a:pPr lvl="1">
+              <a:lnSpc>
+                <a:spcPct val="100000"/>
+              </a:lnSpc>
+              <a:spcBef>
+                <a:spcPts val="0"/>
+              </a:spcBef>
+            </a:pPr>
+            <a:r>
+              <a:rPr lang="en-US" dirty="0" smtClean="0"/>
+              <a:t>Communication</a:t>
+            </a:r>
+          </a:p>
+        </p:txBody>
+      </p:sp>
+    </p:spTree>
+    <p:extLst>
+      <p:ext uri="{BB962C8B-B14F-4D97-AF65-F5344CB8AC3E}">
+        <p14:creationId xmlns:p14="http://schemas.microsoft.com/office/powerpoint/2010/main" val="41290262"/>
+      </p:ext>
+    </p:extLst>
+  </p:cSld>
+  <p:clrMapOvr>
+    <a:masterClrMapping/>
+  </p:clrMapOvr>
+</p:sld>
+</file>
+
+<file path=ppt/slides/slide22.xml><?xml version="1.0" encoding="utf-8"?>
+<p:sld xmlns:a="http://schemas.openxmlformats.org/drawingml/2006/main" xmlns:r="http://schemas.openxmlformats.org/officeDocument/2006/relationships" xmlns:p="http://schemas.openxmlformats.org/presentationml/2006/main">
+  <p:cSld>
+    <p:spTree>
+      <p:nvGrpSpPr>
+        <p:cNvPr id="1" name=""/>
+        <p:cNvGrpSpPr/>
+        <p:nvPr/>
+      </p:nvGrpSpPr>
+      <p:grpSpPr>
+        <a:xfrm>
+          <a:off x="0" y="0"/>
+          <a:ext cx="0" cy="0"/>
+          <a:chOff x="0" y="0"/>
+          <a:chExt cx="0" cy="0"/>
+        </a:xfrm>
+      </p:grpSpPr>
+      <p:sp>
+        <p:nvSpPr>
+          <p:cNvPr id="2" name="Title 1"/>
+          <p:cNvSpPr>
+            <a:spLocks noGrp="1"/>
+          </p:cNvSpPr>
+          <p:nvPr>
+            <p:ph type="title"/>
+          </p:nvPr>
+        </p:nvSpPr>
+        <p:spPr/>
+        <p:txBody>
+          <a:bodyPr/>
+          <a:lstStyle/>
+          <a:p>
+            <a:r>
+              <a:rPr lang="en-US" dirty="0" smtClean="0"/>
               <a:t>Thank you</a:t>
             </a:r>
             <a:endParaRPr lang="en-US" dirty="0"/>
@@ -9426,6 +10279,13 @@
   <p:clrMapOvr>
     <a:masterClrMapping/>
   </p:clrMapOvr>
+  <p:timing>
+    <p:tnLst>
+      <p:par>
+        <p:cTn id="1" dur="indefinite" restart="never" nodeType="tmRoot"/>
+      </p:par>
+    </p:tnLst>
+  </p:timing>
 </p:sld>
 </file>
 
@@ -9479,16 +10339,46 @@
             <p:ph idx="1"/>
           </p:nvPr>
         </p:nvSpPr>
-        <p:spPr/>
+        <p:spPr>
+          <a:xfrm>
+            <a:off x="680321" y="2336872"/>
+            <a:ext cx="9613861" cy="4078215"/>
+          </a:xfrm>
+        </p:spPr>
         <p:txBody>
           <a:bodyPr>
-            <a:normAutofit/>
+            <a:normAutofit fontScale="92500" lnSpcReduction="10000"/>
           </a:bodyPr>
           <a:lstStyle/>
           <a:p>
+            <a:pPr algn="just"/>
+            <a:r>
+              <a:rPr lang="en-US" dirty="0"/>
+              <a:t>The </a:t>
+            </a:r>
             <a:r>
               <a:rPr lang="en-US" dirty="0" smtClean="0"/>
-              <a:t>Plan</a:t>
+              <a:t>overall objective </a:t>
+            </a:r>
+            <a:r>
+              <a:rPr lang="en-US" dirty="0"/>
+              <a:t>of this project is </a:t>
+            </a:r>
+            <a:r>
+              <a:rPr lang="en-US" dirty="0" smtClean="0"/>
+              <a:t>designing and prototyping an elegant lockbox. The locking feature should </a:t>
+            </a:r>
+            <a:r>
+              <a:rPr lang="en-US" dirty="0"/>
+              <a:t>not be the most distinguishing </a:t>
+            </a:r>
+            <a:r>
+              <a:rPr lang="en-US" dirty="0" smtClean="0"/>
+              <a:t>feature yet still be a secured box of </a:t>
+            </a:r>
+            <a:r>
+              <a:rPr lang="en-US" dirty="0"/>
+              <a:t>storing items.</a:t>
             </a:r>
           </a:p>
           <a:p>
@@ -9498,6 +10388,27 @@
             </a:r>
           </a:p>
           <a:p>
+            <a:pPr lvl="1"/>
+            <a:r>
+              <a:rPr lang="en-US" dirty="0" smtClean="0"/>
+              <a:t>PCB</a:t>
+            </a:r>
+          </a:p>
+          <a:p>
+            <a:pPr lvl="1"/>
+            <a:r>
+              <a:rPr lang="en-US" dirty="0" smtClean="0"/>
+              <a:t>Unlock program</a:t>
+            </a:r>
+          </a:p>
+          <a:p>
+            <a:pPr lvl="1"/>
+            <a:r>
+              <a:rPr lang="en-US" dirty="0" smtClean="0"/>
+              <a:t>Box</a:t>
+            </a:r>
+          </a:p>
+          <a:p>
             <a:r>
               <a:rPr lang="en-US" dirty="0" smtClean="0"/>
               <a:t>Prototype</a:t>
@@ -9506,21 +10417,32 @@
           <a:p>
             <a:pPr lvl="1"/>
             <a:r>
+              <a:rPr lang="en-US" dirty="0"/>
+              <a:t>H</a:t>
+            </a:r>
+            <a:r>
               <a:rPr lang="en-US" dirty="0" smtClean="0"/>
-              <a:t>Design PCB</a:t>
-            </a:r>
-          </a:p>
-          <a:p>
-            <a:pPr lvl="1"/>
-            <a:r>
-              <a:rPr lang="en-US" dirty="0" smtClean="0"/>
-              <a:t>Create hardware box</a:t>
+              <a:t>ardware box</a:t>
             </a:r>
           </a:p>
           <a:p>
             <a:r>
               <a:rPr lang="en-US" dirty="0" smtClean="0"/>
               <a:t>Test</a:t>
+            </a:r>
+          </a:p>
+          <a:p>
+            <a:pPr lvl="1"/>
+            <a:r>
+              <a:rPr lang="en-US" dirty="0" smtClean="0"/>
+              <a:t>Input correct code/unlocks/disable</a:t>
+            </a:r>
+          </a:p>
+          <a:p>
+            <a:pPr lvl="1"/>
+            <a:r>
+              <a:rPr lang="en-US" dirty="0" smtClean="0"/>
+              <a:t>Input incorrect code/disable</a:t>
             </a:r>
           </a:p>
           <a:p>
@@ -9539,6 +10461,13 @@
   <p:clrMapOvr>
     <a:masterClrMapping/>
   </p:clrMapOvr>
+  <p:timing>
+    <p:tnLst>
+      <p:par>
+        <p:cTn id="1" dur="indefinite" restart="never" nodeType="tmRoot"/>
+      </p:par>
+    </p:tnLst>
+  </p:timing>
 </p:sld>
 </file>
 
@@ -9589,7 +10518,7 @@
             <a:spLocks noGrp="1"/>
           </p:cNvSpPr>
           <p:nvPr>
-            <p:ph idx="1"/>
+            <p:ph sz="half" idx="1"/>
           </p:nvPr>
         </p:nvSpPr>
         <p:spPr/>
@@ -9599,32 +10528,99 @@
           <a:p>
             <a:r>
               <a:rPr lang="en-US" dirty="0" smtClean="0"/>
-              <a:t>Normal lock box</a:t>
-            </a:r>
-          </a:p>
-          <a:p>
-            <a:r>
-              <a:rPr lang="en-US" dirty="0" smtClean="0"/>
-              <a:t>Safe</a:t>
-            </a:r>
-          </a:p>
-          <a:p>
-            <a:r>
-              <a:rPr lang="en-US" dirty="0" smtClean="0"/>
+              <a:t>Conventional lock box</a:t>
+            </a:r>
+          </a:p>
+        </p:txBody>
+      </p:sp>
+      <p:sp>
+        <p:nvSpPr>
+          <p:cNvPr id="4" name="Content Placeholder 3"/>
+          <p:cNvSpPr>
+            <a:spLocks noGrp="1"/>
+          </p:cNvSpPr>
+          <p:nvPr>
+            <p:ph sz="half" idx="2"/>
+          </p:nvPr>
+        </p:nvSpPr>
+        <p:spPr/>
+        <p:txBody>
+          <a:bodyPr/>
+          <a:lstStyle/>
+          <a:p>
+            <a:r>
+              <a:rPr lang="en-US" dirty="0"/>
               <a:t>Conventional useless box</a:t>
             </a:r>
           </a:p>
           <a:p>
-            <a:r>
-              <a:rPr lang="en-US" dirty="0" smtClean="0"/>
-              <a:t>Conventional stash box</a:t>
-            </a:r>
-          </a:p>
-          <a:p>
-            <a:endParaRPr lang="en-US" dirty="0" smtClean="0"/>
-          </a:p>
-        </p:txBody>
-      </p:sp>
+            <a:endParaRPr lang="en-US" dirty="0"/>
+          </a:p>
+        </p:txBody>
+      </p:sp>
+      <p:pic>
+        <p:nvPicPr>
+          <p:cNvPr id="5" name="Picture 4"/>
+          <p:cNvPicPr>
+            <a:picLocks noChangeAspect="1"/>
+          </p:cNvPicPr>
+          <p:nvPr/>
+        </p:nvPicPr>
+        <p:blipFill>
+          <a:blip r:embed="rId4">
+            <a:extLst>
+              <a:ext uri="{28A0092B-C50C-407E-A947-70E740481C1C}">
+                <a14:useLocalDpi xmlns:a14="http://schemas.microsoft.com/office/drawing/2010/main" val="0"/>
+              </a:ext>
+            </a:extLst>
+          </a:blip>
+          <a:stretch>
+            <a:fillRect/>
+          </a:stretch>
+        </p:blipFill>
+        <p:spPr>
+          <a:xfrm>
+            <a:off x="680320" y="2813648"/>
+            <a:ext cx="3753657" cy="3753657"/>
+          </a:xfrm>
+          <a:prstGeom prst="rect">
+            <a:avLst/>
+          </a:prstGeom>
+        </p:spPr>
+      </p:pic>
+      <p:pic>
+        <p:nvPicPr>
+          <p:cNvPr id="6" name="UselessBoxGIF.mp4">
+            <a:hlinkClick r:id="" action="ppaction://media"/>
+          </p:cNvPr>
+          <p:cNvPicPr>
+            <a:picLocks noChangeAspect="1"/>
+          </p:cNvPicPr>
+          <p:nvPr>
+            <a:videoFile r:link="rId2"/>
+            <p:extLst>
+              <p:ext uri="{DAA4B4D4-6D71-4841-9C94-3DE7FCFB9230}">
+                <p14:media xmlns:p14="http://schemas.microsoft.com/office/powerpoint/2010/main" r:embed="rId1"/>
+              </p:ext>
+            </p:extLst>
+          </p:nvPr>
+        </p:nvPicPr>
+        <p:blipFill>
+          <a:blip r:embed="rId5"/>
+          <a:stretch>
+            <a:fillRect/>
+          </a:stretch>
+        </p:blipFill>
+        <p:spPr>
+          <a:xfrm>
+            <a:off x="5060262" y="2813648"/>
+            <a:ext cx="6533640" cy="3677506"/>
+          </a:xfrm>
+          <a:prstGeom prst="rect">
+            <a:avLst/>
+          </a:prstGeom>
+        </p:spPr>
+      </p:pic>
     </p:spTree>
     <p:extLst>
       <p:ext uri="{BB962C8B-B14F-4D97-AF65-F5344CB8AC3E}">
@@ -9635,6 +10631,144 @@
   <p:clrMapOvr>
     <a:masterClrMapping/>
   </p:clrMapOvr>
+  <p:timing>
+    <p:tnLst>
+      <p:par>
+        <p:cTn id="1" dur="indefinite" restart="never" nodeType="tmRoot">
+          <p:childTnLst>
+            <p:seq concurrent="1" nextAc="seek">
+              <p:cTn id="2" dur="indefinite" nodeType="mainSeq">
+                <p:childTnLst>
+                  <p:par>
+                    <p:cTn id="3" fill="hold">
+                      <p:stCondLst>
+                        <p:cond delay="indefinite"/>
+                        <p:cond evt="onBegin" delay="0">
+                          <p:tn val="2"/>
+                        </p:cond>
+                      </p:stCondLst>
+                      <p:childTnLst>
+                        <p:par>
+                          <p:cTn id="4" fill="hold">
+                            <p:stCondLst>
+                              <p:cond delay="0"/>
+                            </p:stCondLst>
+                            <p:childTnLst>
+                              <p:par>
+                                <p:cTn id="5" presetID="1" presetClass="mediacall" presetSubtype="0" fill="hold" nodeType="afterEffect">
+                                  <p:stCondLst>
+                                    <p:cond delay="0"/>
+                                  </p:stCondLst>
+                                  <p:childTnLst>
+                                    <p:cmd type="call" cmd="playFrom(0.0)">
+                                      <p:cBhvr>
+                                        <p:cTn id="6" dur="3840" fill="hold"/>
+                                        <p:tgtEl>
+                                          <p:spTgt spid="6"/>
+                                        </p:tgtEl>
+                                      </p:cBhvr>
+                                    </p:cmd>
+                                  </p:childTnLst>
+                                </p:cTn>
+                              </p:par>
+                            </p:childTnLst>
+                          </p:cTn>
+                        </p:par>
+                      </p:childTnLst>
+                    </p:cTn>
+                  </p:par>
+                </p:childTnLst>
+              </p:cTn>
+              <p:prevCondLst>
+                <p:cond evt="onPrev" delay="0">
+                  <p:tgtEl>
+                    <p:sldTgt/>
+                  </p:tgtEl>
+                </p:cond>
+              </p:prevCondLst>
+              <p:nextCondLst>
+                <p:cond evt="onNext" delay="0">
+                  <p:tgtEl>
+                    <p:sldTgt/>
+                  </p:tgtEl>
+                </p:cond>
+              </p:nextCondLst>
+            </p:seq>
+            <p:video>
+              <p:cMediaNode vol="80000">
+                <p:cTn id="7" fill="hold" display="0">
+                  <p:stCondLst>
+                    <p:cond delay="indefinite"/>
+                  </p:stCondLst>
+                </p:cTn>
+                <p:tgtEl>
+                  <p:spTgt spid="6"/>
+                </p:tgtEl>
+              </p:cMediaNode>
+            </p:video>
+            <p:seq concurrent="1" nextAc="seek">
+              <p:cTn id="8" restart="whenNotActive" fill="hold" evtFilter="cancelBubble" nodeType="interactiveSeq">
+                <p:stCondLst>
+                  <p:cond evt="onClick" delay="0">
+                    <p:tgtEl>
+                      <p:spTgt spid="6"/>
+                    </p:tgtEl>
+                  </p:cond>
+                </p:stCondLst>
+                <p:endSync evt="end" delay="0">
+                  <p:rtn val="all"/>
+                </p:endSync>
+                <p:childTnLst>
+                  <p:par>
+                    <p:cTn id="9" fill="hold">
+                      <p:stCondLst>
+                        <p:cond delay="0"/>
+                      </p:stCondLst>
+                      <p:childTnLst>
+                        <p:par>
+                          <p:cTn id="10" fill="hold">
+                            <p:stCondLst>
+                              <p:cond delay="0"/>
+                            </p:stCondLst>
+                            <p:childTnLst>
+                              <p:par>
+                                <p:cTn id="11" presetID="2" presetClass="mediacall" presetSubtype="0" fill="hold" nodeType="clickEffect">
+                                  <p:stCondLst>
+                                    <p:cond delay="0"/>
+                                  </p:stCondLst>
+                                  <p:childTnLst>
+                                    <p:cmd type="call" cmd="togglePause">
+                                      <p:cBhvr>
+                                        <p:cTn id="12" dur="1" fill="hold"/>
+                                        <p:tgtEl>
+                                          <p:spTgt spid="6"/>
+                                        </p:tgtEl>
+                                      </p:cBhvr>
+                                    </p:cmd>
+                                  </p:childTnLst>
+                                </p:cTn>
+                              </p:par>
+                            </p:childTnLst>
+                          </p:cTn>
+                        </p:par>
+                      </p:childTnLst>
+                    </p:cTn>
+                  </p:par>
+                </p:childTnLst>
+              </p:cTn>
+              <p:nextCondLst>
+                <p:cond evt="onClick" delay="0">
+                  <p:tgtEl>
+                    <p:spTgt spid="6"/>
+                  </p:tgtEl>
+                </p:cond>
+              </p:nextCondLst>
+            </p:seq>
+          </p:childTnLst>
+        </p:cTn>
+      </p:par>
+    </p:tnLst>
+  </p:timing>
 </p:sld>
 </file>
 
@@ -9678,25 +10812,64 @@
           </a:p>
         </p:txBody>
       </p:sp>
-      <p:sp>
-        <p:nvSpPr>
-          <p:cNvPr id="3" name="Content Placeholder 2"/>
-          <p:cNvSpPr>
-            <a:spLocks noGrp="1"/>
-          </p:cNvSpPr>
-          <p:nvPr>
-            <p:ph idx="1"/>
-          </p:nvPr>
-        </p:nvSpPr>
-        <p:spPr/>
-        <p:txBody>
-          <a:bodyPr/>
-          <a:lstStyle/>
-          <a:p>
-            <a:endParaRPr lang="en-US" dirty="0"/>
-          </a:p>
-        </p:txBody>
-      </p:sp>
+      <p:pic>
+        <p:nvPicPr>
+          <p:cNvPr id="8" name="Content Placeholder 7"/>
+          <p:cNvPicPr>
+            <a:picLocks noGrp="1" noChangeAspect="1"/>
+          </p:cNvPicPr>
+          <p:nvPr>
+            <p:ph sz="half" idx="1"/>
+          </p:nvPr>
+        </p:nvPicPr>
+        <p:blipFill>
+          <a:blip r:embed="rId2">
+            <a:extLst>
+              <a:ext uri="{28A0092B-C50C-407E-A947-70E740481C1C}">
+                <a14:useLocalDpi xmlns:a14="http://schemas.microsoft.com/office/drawing/2010/main" val="0"/>
+              </a:ext>
+            </a:extLst>
+          </a:blip>
+          <a:stretch>
+            <a:fillRect/>
+          </a:stretch>
+        </p:blipFill>
+        <p:spPr>
+          <a:xfrm>
+            <a:off x="681038" y="2421930"/>
+            <a:ext cx="4697412" cy="3428603"/>
+          </a:xfrm>
+        </p:spPr>
+      </p:pic>
+      <p:pic>
+        <p:nvPicPr>
+          <p:cNvPr id="9" name="Content Placeholder 8"/>
+          <p:cNvPicPr>
+            <a:picLocks noGrp="1" noChangeAspect="1"/>
+          </p:cNvPicPr>
+          <p:nvPr>
+            <p:ph sz="half" idx="2"/>
+          </p:nvPr>
+        </p:nvPicPr>
+        <p:blipFill>
+          <a:blip r:embed="rId3">
+            <a:extLst>
+              <a:ext uri="{28A0092B-C50C-407E-A947-70E740481C1C}">
+                <a14:useLocalDpi xmlns:a14="http://schemas.microsoft.com/office/drawing/2010/main" val="0"/>
+              </a:ext>
+            </a:extLst>
+          </a:blip>
+          <a:stretch>
+            <a:fillRect/>
+          </a:stretch>
+        </p:blipFill>
+        <p:spPr>
+          <a:xfrm>
+            <a:off x="5593593" y="2421930"/>
+            <a:ext cx="5239355" cy="3428603"/>
+          </a:xfrm>
+        </p:spPr>
+      </p:pic>
     </p:spTree>
     <p:extLst>
       <p:ext uri="{BB962C8B-B14F-4D97-AF65-F5344CB8AC3E}">
@@ -9707,6 +10880,13 @@
   <p:clrMapOvr>
     <a:masterClrMapping/>
   </p:clrMapOvr>
+  <p:timing>
+    <p:tnLst>
+      <p:par>
+        <p:cTn id="1" dur="indefinite" restart="never" nodeType="tmRoot"/>
+      </p:par>
+    </p:tnLst>
+  </p:timing>
 </p:sld>
 </file>
 
@@ -9768,7 +10948,7 @@
         </p:spPr>
         <p:txBody>
           <a:bodyPr>
-            <a:normAutofit fontScale="92500" lnSpcReduction="10000"/>
+            <a:normAutofit fontScale="92500"/>
           </a:bodyPr>
           <a:lstStyle/>
           <a:p>
@@ -9799,7 +10979,15 @@
             </a:r>
             <a:r>
               <a:rPr lang="en-US" dirty="0"/>
-              <a:t>The switch will enable a keypad and LCD screen. If the correct </a:t>
+              <a:t>The switch will enable a </a:t>
+            </a:r>
+            <a:r>
+              <a:rPr lang="en-US" dirty="0" smtClean="0"/>
+              <a:t>keypad. </a:t>
+            </a:r>
+            <a:r>
+              <a:rPr lang="en-US" dirty="0"/>
+              <a:t>If the correct </a:t>
             </a:r>
             <a:r>
               <a:rPr lang="en-US" dirty="0" smtClean="0"/>
@@ -9848,8 +11036,8 @@
         </p:blipFill>
         <p:spPr>
           <a:xfrm>
-            <a:off x="7266270" y="2336873"/>
-            <a:ext cx="3733034" cy="3745875"/>
+            <a:off x="7085990" y="2336873"/>
+            <a:ext cx="3477096" cy="3598863"/>
           </a:xfrm>
           <a:prstGeom prst="rect">
             <a:avLst/>
@@ -9916,59 +11104,93 @@
             <a:spLocks noGrp="1"/>
           </p:cNvSpPr>
           <p:nvPr>
-            <p:ph sz="half" idx="1"/>
-          </p:nvPr>
-        </p:nvSpPr>
-        <p:spPr>
-          <a:xfrm>
-            <a:off x="680319" y="2336873"/>
-            <a:ext cx="5127814" cy="3599316"/>
+            <p:ph idx="1"/>
+          </p:nvPr>
+        </p:nvSpPr>
+        <p:spPr>
+          <a:xfrm>
+            <a:off x="680321" y="2336872"/>
+            <a:ext cx="9613861" cy="4184697"/>
           </a:xfrm>
         </p:spPr>
         <p:txBody>
           <a:bodyPr>
-            <a:normAutofit/>
+            <a:normAutofit lnSpcReduction="10000"/>
           </a:bodyPr>
           <a:lstStyle/>
           <a:p>
-            <a:pPr algn="just"/>
             <a:r>
               <a:rPr lang="en-US" dirty="0" smtClean="0"/>
-              <a:t>Some more description here to link to how we schedule the project.</a:t>
-            </a:r>
-            <a:endParaRPr lang="en-US" dirty="0"/>
-          </a:p>
-        </p:txBody>
-      </p:sp>
-      <p:pic>
-        <p:nvPicPr>
-          <p:cNvPr id="5" name="Content Placeholder 4"/>
-          <p:cNvPicPr>
-            <a:picLocks noGrp="1" noChangeAspect="1"/>
-          </p:cNvPicPr>
-          <p:nvPr>
-            <p:ph sz="half" idx="2"/>
-          </p:nvPr>
-        </p:nvPicPr>
-        <p:blipFill>
-          <a:blip r:embed="rId2">
-            <a:extLst>
-              <a:ext uri="{28A0092B-C50C-407E-A947-70E740481C1C}">
-                <a14:useLocalDpi xmlns:a14="http://schemas.microsoft.com/office/drawing/2010/main" val="0"/>
-              </a:ext>
-            </a:extLst>
-          </a:blip>
-          <a:stretch>
-            <a:fillRect/>
-          </a:stretch>
-        </p:blipFill>
-        <p:spPr>
-          <a:xfrm>
-            <a:off x="6358835" y="1834166"/>
-            <a:ext cx="4800232" cy="4371121"/>
-          </a:xfrm>
-        </p:spPr>
-      </p:pic>
+              <a:t>Split </a:t>
+            </a:r>
+            <a:r>
+              <a:rPr lang="en-US" sz="2600" dirty="0" smtClean="0"/>
+              <a:t>hardware and software</a:t>
+            </a:r>
+          </a:p>
+          <a:p>
+            <a:r>
+              <a:rPr lang="en-US" sz="2600" dirty="0" smtClean="0"/>
+              <a:t>ATmega328P microprocessor interactions:</a:t>
+            </a:r>
+          </a:p>
+          <a:p>
+            <a:pPr lvl="1"/>
+            <a:r>
+              <a:rPr lang="en-US" sz="2600" dirty="0" smtClean="0"/>
+              <a:t>LCD		</a:t>
+            </a:r>
+          </a:p>
+          <a:p>
+            <a:pPr lvl="1"/>
+            <a:r>
+              <a:rPr lang="en-US" sz="2600" dirty="0" smtClean="0"/>
+              <a:t>Keypad</a:t>
+            </a:r>
+          </a:p>
+          <a:p>
+            <a:pPr lvl="1"/>
+            <a:r>
+              <a:rPr lang="en-US" sz="2600" dirty="0" smtClean="0"/>
+              <a:t>Servo</a:t>
+            </a:r>
+          </a:p>
+          <a:p>
+            <a:pPr lvl="1"/>
+            <a:r>
+              <a:rPr lang="en-US" sz="2600" dirty="0" smtClean="0"/>
+              <a:t>Solenoid</a:t>
+            </a:r>
+          </a:p>
+          <a:p>
+            <a:pPr lvl="1"/>
+            <a:r>
+              <a:rPr lang="en-US" sz="2600" dirty="0" smtClean="0"/>
+              <a:t>Switch</a:t>
+            </a:r>
+          </a:p>
+          <a:p>
+            <a:r>
+              <a:rPr lang="en-US" sz="2600" dirty="0" smtClean="0"/>
+              <a:t>Hardware</a:t>
+            </a:r>
+          </a:p>
+          <a:p>
+            <a:pPr lvl="1"/>
+            <a:r>
+              <a:rPr lang="en-US" sz="2600" dirty="0" smtClean="0"/>
+              <a:t>Box/Door</a:t>
+            </a:r>
+          </a:p>
+          <a:p>
+            <a:pPr lvl="1"/>
+            <a:r>
+              <a:rPr lang="en-US" sz="2600" dirty="0" smtClean="0"/>
+              <a:t>PCB</a:t>
+            </a:r>
+          </a:p>
+        </p:txBody>
+      </p:sp>
     </p:spTree>
     <p:extLst>
       <p:ext uri="{BB962C8B-B14F-4D97-AF65-F5344CB8AC3E}">
@@ -10009,38 +11231,62 @@
             <p:ph type="title"/>
           </p:nvPr>
         </p:nvSpPr>
-        <p:spPr/>
-        <p:txBody>
-          <a:bodyPr/>
+        <p:spPr>
+          <a:xfrm>
+            <a:off x="404275" y="781837"/>
+            <a:ext cx="9613861" cy="1080938"/>
+          </a:xfrm>
+        </p:spPr>
+        <p:txBody>
+          <a:bodyPr>
+            <a:normAutofit/>
+          </a:bodyPr>
           <a:lstStyle/>
           <a:p>
             <a:r>
               <a:rPr lang="en-US" dirty="0" smtClean="0"/>
-              <a:t>Project Schedule</a:t>
+              <a:t>Project </a:t>
+            </a:r>
+            <a:br>
+              <a:rPr lang="en-US" dirty="0" smtClean="0"/>
+            </a:br>
+            <a:r>
+              <a:rPr lang="en-US" dirty="0" smtClean="0"/>
+              <a:t>Schedule</a:t>
             </a:r>
             <a:endParaRPr lang="en-US" dirty="0"/>
           </a:p>
         </p:txBody>
       </p:sp>
-      <p:sp>
-        <p:nvSpPr>
-          <p:cNvPr id="3" name="Content Placeholder 2"/>
-          <p:cNvSpPr>
-            <a:spLocks noGrp="1"/>
-          </p:cNvSpPr>
+      <p:pic>
+        <p:nvPicPr>
+          <p:cNvPr id="4" name="Content Placeholder 3"/>
+          <p:cNvPicPr>
+            <a:picLocks noGrp="1" noChangeAspect="1"/>
+          </p:cNvPicPr>
           <p:nvPr>
             <p:ph idx="1"/>
           </p:nvPr>
-        </p:nvSpPr>
-        <p:spPr/>
-        <p:txBody>
-          <a:bodyPr/>
-          <a:lstStyle/>
-          <a:p>
-            <a:endParaRPr lang="en-US"/>
-          </a:p>
-        </p:txBody>
-      </p:sp>
+        </p:nvPicPr>
+        <p:blipFill>
+          <a:blip r:embed="rId2">
+            <a:extLst>
+              <a:ext uri="{28A0092B-C50C-407E-A947-70E740481C1C}">
+                <a14:useLocalDpi xmlns:a14="http://schemas.microsoft.com/office/drawing/2010/main" val="0"/>
+              </a:ext>
+            </a:extLst>
+          </a:blip>
+          <a:stretch>
+            <a:fillRect/>
+          </a:stretch>
+        </p:blipFill>
+        <p:spPr>
+          <a:xfrm>
+            <a:off x="2639683" y="604812"/>
+            <a:ext cx="9379782" cy="6253188"/>
+          </a:xfrm>
+        </p:spPr>
+      </p:pic>
     </p:spTree>
     <p:extLst>
       <p:ext uri="{BB962C8B-B14F-4D97-AF65-F5344CB8AC3E}">
@@ -10104,12 +11350,85 @@
             <p:ph idx="1"/>
           </p:nvPr>
         </p:nvSpPr>
-        <p:spPr/>
-        <p:txBody>
-          <a:bodyPr/>
+        <p:spPr>
+          <a:xfrm>
+            <a:off x="680321" y="2336872"/>
+            <a:ext cx="10430502" cy="4115685"/>
+          </a:xfrm>
+        </p:spPr>
+        <p:txBody>
+          <a:bodyPr>
+            <a:normAutofit/>
+          </a:bodyPr>
           <a:lstStyle/>
           <a:p>
-            <a:endParaRPr lang="en-US"/>
+            <a:r>
+              <a:rPr lang="en-US" dirty="0" smtClean="0"/>
+              <a:t>Atmega328P IDE:</a:t>
+            </a:r>
+          </a:p>
+          <a:p>
+            <a:pPr lvl="1"/>
+            <a:r>
+              <a:rPr lang="en-US" sz="2400" dirty="0" smtClean="0"/>
+              <a:t>Visual studio + AVR Dragon</a:t>
+            </a:r>
+          </a:p>
+          <a:p>
+            <a:r>
+              <a:rPr lang="en-US" dirty="0" smtClean="0"/>
+              <a:t>Software coding:</a:t>
+            </a:r>
+          </a:p>
+          <a:p>
+            <a:pPr lvl="1"/>
+            <a:r>
+              <a:rPr lang="en-US" sz="2400" dirty="0" smtClean="0"/>
+              <a:t>LCD: 4 bits interactions</a:t>
+            </a:r>
+          </a:p>
+          <a:p>
+            <a:pPr lvl="1"/>
+            <a:r>
+              <a:rPr lang="en-US" sz="2400" dirty="0" smtClean="0"/>
+              <a:t>Servo: 16bits counter and interrupt service to produce PWM</a:t>
+            </a:r>
+          </a:p>
+          <a:p>
+            <a:pPr lvl="1"/>
+            <a:r>
+              <a:rPr lang="en-US" sz="2400" dirty="0" smtClean="0"/>
+              <a:t>Keypad: matrix keypad</a:t>
+            </a:r>
+          </a:p>
+          <a:p>
+            <a:r>
+              <a:rPr lang="en-US" dirty="0" smtClean="0"/>
+              <a:t>Hardware:</a:t>
+            </a:r>
+          </a:p>
+          <a:p>
+            <a:pPr lvl="1"/>
+            <a:r>
+              <a:rPr lang="en-US" sz="2400" dirty="0" smtClean="0"/>
+              <a:t>PCB: Eagle and </a:t>
+            </a:r>
+            <a:r>
+              <a:rPr lang="en-US" sz="2400" dirty="0" err="1" smtClean="0"/>
+              <a:t>Oshpark</a:t>
+            </a:r>
+            <a:endParaRPr lang="en-US" sz="2400" dirty="0" smtClean="0"/>
+          </a:p>
+          <a:p>
+            <a:pPr lvl="1"/>
+            <a:r>
+              <a:rPr lang="en-US" sz="2400" dirty="0" smtClean="0"/>
+              <a:t>Box: SOLIDWORK and Laser cutter in L.I.D</a:t>
+            </a:r>
+          </a:p>
+          <a:p>
+            <a:pPr lvl="1"/>
+            <a:endParaRPr lang="en-US" sz="2400" dirty="0" smtClean="0"/>
           </a:p>
         </p:txBody>
       </p:sp>
@@ -10123,6 +11442,13 @@
   <p:clrMapOvr>
     <a:masterClrMapping/>
   </p:clrMapOvr>
+  <p:timing>
+    <p:tnLst>
+      <p:par>
+        <p:cTn id="1" dur="indefinite" restart="never" nodeType="tmRoot"/>
+      </p:par>
+    </p:tnLst>
+  </p:timing>
 </p:sld>
 </file>
 

--- a/ECE411 - Final Presentation.pptx
+++ b/ECE411 - Final Presentation.pptx
@@ -9282,11 +9282,7 @@
           <a:p>
             <a:r>
               <a:rPr lang="en-US" smtClean="0"/>
-              <a:t>Implementation </a:t>
-            </a:r>
-            <a:r>
-              <a:rPr lang="en-US" smtClean="0"/>
-              <a:t>- Board Layout and Box Model</a:t>
+              <a:t>Implementation - Board Layout and Box Model</a:t>
             </a:r>
             <a:endParaRPr lang="en-US" dirty="0"/>
           </a:p>
@@ -10814,12 +10810,12 @@
       </p:sp>
       <p:pic>
         <p:nvPicPr>
-          <p:cNvPr id="8" name="Content Placeholder 7"/>
+          <p:cNvPr id="9" name="Content Placeholder 8"/>
           <p:cNvPicPr>
             <a:picLocks noGrp="1" noChangeAspect="1"/>
           </p:cNvPicPr>
           <p:nvPr>
-            <p:ph sz="half" idx="1"/>
+            <p:ph sz="half" idx="2"/>
           </p:nvPr>
         </p:nvPicPr>
         <p:blipFill>
@@ -10836,19 +10832,19 @@
         </p:blipFill>
         <p:spPr>
           <a:xfrm>
-            <a:off x="681038" y="2421930"/>
-            <a:ext cx="4697412" cy="3428603"/>
+            <a:off x="5593593" y="2421930"/>
+            <a:ext cx="5239355" cy="3428603"/>
           </a:xfrm>
         </p:spPr>
       </p:pic>
       <p:pic>
         <p:nvPicPr>
-          <p:cNvPr id="9" name="Content Placeholder 8"/>
+          <p:cNvPr id="4" name="Content Placeholder 3"/>
           <p:cNvPicPr>
             <a:picLocks noGrp="1" noChangeAspect="1"/>
           </p:cNvPicPr>
           <p:nvPr>
-            <p:ph sz="half" idx="2"/>
+            <p:ph sz="half" idx="1"/>
           </p:nvPr>
         </p:nvPicPr>
         <p:blipFill>
@@ -10865,8 +10861,8 @@
         </p:blipFill>
         <p:spPr>
           <a:xfrm>
-            <a:off x="5593593" y="2421930"/>
-            <a:ext cx="5239355" cy="3428603"/>
+            <a:off x="681038" y="2429373"/>
+            <a:ext cx="4697412" cy="3413717"/>
           </a:xfrm>
         </p:spPr>
       </p:pic>

--- a/ECE411 - Final Presentation.pptx
+++ b/ECE411 - Final Presentation.pptx
@@ -136,6 +136,172 @@
 </p:presentation>
 </file>
 
+<file path=ppt/commentAuthors.xml><?xml version="1.0" encoding="utf-8"?>
+<p:cmAuthorLst xmlns:a="http://schemas.openxmlformats.org/drawingml/2006/main" xmlns:r="http://schemas.openxmlformats.org/officeDocument/2006/relationships" xmlns:p="http://schemas.openxmlformats.org/presentationml/2006/main">
+  <p:cmAuthor id="1" name="Dwayne Hoeck" initials="DH" lastIdx="11" clrIdx="0">
+    <p:extLst>
+      <p:ext uri="{19B8F6BF-5375-455C-9EA6-DF929625EA0E}">
+        <p15:presenceInfo xmlns:p15="http://schemas.microsoft.com/office/powerpoint/2012/main" userId="677f8cdd6cf8b7f7" providerId="Windows Live"/>
+      </p:ext>
+    </p:extLst>
+  </p:cmAuthor>
+</p:cmAuthorLst>
+</file>
+
+<file path=ppt/comments/comment1.xml><?xml version="1.0" encoding="utf-8"?>
+<p:cmLst xmlns:a="http://schemas.openxmlformats.org/drawingml/2006/main" xmlns:r="http://schemas.openxmlformats.org/officeDocument/2006/relationships" xmlns:p="http://schemas.openxmlformats.org/presentationml/2006/main">
+  <p:cm authorId="1" dt="2016-12-08T11:32:40.414" idx="4">
+    <p:pos x="10" y="10"/>
+    <p:text>How are we breaking up who presents what material?</p:text>
+    <p:extLst>
+      <p:ext uri="{C676402C-5697-4E1C-873F-D02D1690AC5C}">
+        <p15:threadingInfo xmlns:p15="http://schemas.microsoft.com/office/powerpoint/2012/main" timeZoneBias="480"/>
+      </p:ext>
+    </p:extLst>
+  </p:cm>
+</p:cmLst>
+</file>
+
+<file path=ppt/comments/comment10.xml><?xml version="1.0" encoding="utf-8"?>
+<p:cmLst xmlns:a="http://schemas.openxmlformats.org/drawingml/2006/main" xmlns:r="http://schemas.openxmlformats.org/officeDocument/2006/relationships" xmlns:p="http://schemas.openxmlformats.org/presentationml/2006/main">
+  <p:cm authorId="1" dt="2016-12-08T11:45:27.270" idx="10">
+    <p:pos x="10" y="10"/>
+    <p:text>Insert pic</p:text>
+    <p:extLst>
+      <p:ext uri="{C676402C-5697-4E1C-873F-D02D1690AC5C}">
+        <p15:threadingInfo xmlns:p15="http://schemas.microsoft.com/office/powerpoint/2012/main" timeZoneBias="480"/>
+      </p:ext>
+    </p:extLst>
+  </p:cm>
+</p:cmLst>
+</file>
+
+<file path=ppt/comments/comment11.xml><?xml version="1.0" encoding="utf-8"?>
+<p:cmLst xmlns:a="http://schemas.openxmlformats.org/drawingml/2006/main" xmlns:r="http://schemas.openxmlformats.org/officeDocument/2006/relationships" xmlns:p="http://schemas.openxmlformats.org/presentationml/2006/main">
+  <p:cm authorId="1" dt="2016-12-08T11:45:42.655" idx="11">
+    <p:pos x="10" y="10"/>
+    <p:text>"Contributions and Lessons Learned"</p:text>
+    <p:extLst>
+      <p:ext uri="{C676402C-5697-4E1C-873F-D02D1690AC5C}">
+        <p15:threadingInfo xmlns:p15="http://schemas.microsoft.com/office/powerpoint/2012/main" timeZoneBias="480"/>
+      </p:ext>
+    </p:extLst>
+  </p:cm>
+</p:cmLst>
+</file>
+
+<file path=ppt/comments/comment2.xml><?xml version="1.0" encoding="utf-8"?>
+<p:cmLst xmlns:a="http://schemas.openxmlformats.org/drawingml/2006/main" xmlns:r="http://schemas.openxmlformats.org/officeDocument/2006/relationships" xmlns:p="http://schemas.openxmlformats.org/presentationml/2006/main">
+  <p:cm authorId="1" dt="2016-12-08T11:28:15.208" idx="2">
+    <p:pos x="10" y="10"/>
+    <p:text>"Need and Motivation" - we should be prepared to answer why this box does not meen the requirement "not identifiable as a lockbox at first glance."</p:text>
+    <p:extLst>
+      <p:ext uri="{C676402C-5697-4E1C-873F-D02D1690AC5C}">
+        <p15:threadingInfo xmlns:p15="http://schemas.microsoft.com/office/powerpoint/2012/main" timeZoneBias="480"/>
+      </p:ext>
+    </p:extLst>
+  </p:cm>
+</p:cmLst>
+</file>
+
+<file path=ppt/comments/comment3.xml><?xml version="1.0" encoding="utf-8"?>
+<p:cmLst xmlns:a="http://schemas.openxmlformats.org/drawingml/2006/main" xmlns:r="http://schemas.openxmlformats.org/officeDocument/2006/relationships" xmlns:p="http://schemas.openxmlformats.org/presentationml/2006/main">
+  <p:cm authorId="1" dt="2016-12-08T11:30:31.126" idx="3">
+    <p:pos x="10" y="10"/>
+    <p:text>"Test" section needs "input admin code" (maybe?)</p:text>
+    <p:extLst>
+      <p:ext uri="{C676402C-5697-4E1C-873F-D02D1690AC5C}">
+        <p15:threadingInfo xmlns:p15="http://schemas.microsoft.com/office/powerpoint/2012/main" timeZoneBias="480"/>
+      </p:ext>
+    </p:extLst>
+  </p:cm>
+</p:cmLst>
+</file>
+
+<file path=ppt/comments/comment4.xml><?xml version="1.0" encoding="utf-8"?>
+<p:cmLst xmlns:a="http://schemas.openxmlformats.org/drawingml/2006/main" xmlns:r="http://schemas.openxmlformats.org/officeDocument/2006/relationships" xmlns:p="http://schemas.openxmlformats.org/presentationml/2006/main">
+  <p:cm authorId="1" dt="2016-12-08T11:33:30.971" idx="5">
+    <p:pos x="10" y="10"/>
+    <p:text>Should we give some details pertaining to how we chose Microsoft Project and how we maintained the schedule?</p:text>
+    <p:extLst>
+      <p:ext uri="{C676402C-5697-4E1C-873F-D02D1690AC5C}">
+        <p15:threadingInfo xmlns:p15="http://schemas.microsoft.com/office/powerpoint/2012/main" timeZoneBias="480"/>
+      </p:ext>
+    </p:extLst>
+  </p:cm>
+</p:cmLst>
+</file>
+
+<file path=ppt/comments/comment5.xml><?xml version="1.0" encoding="utf-8"?>
+<p:cmLst xmlns:a="http://schemas.openxmlformats.org/drawingml/2006/main" xmlns:r="http://schemas.openxmlformats.org/officeDocument/2006/relationships" xmlns:p="http://schemas.openxmlformats.org/presentationml/2006/main">
+  <p:cm authorId="1" dt="2016-12-08T11:34:43.580" idx="6">
+    <p:pos x="10" y="10"/>
+    <p:text>Do we want to specify that it was Atmel Studio? They are almost the same thing, but should we be explicit?</p:text>
+    <p:extLst>
+      <p:ext uri="{C676402C-5697-4E1C-873F-D02D1690AC5C}">
+        <p15:threadingInfo xmlns:p15="http://schemas.microsoft.com/office/powerpoint/2012/main" timeZoneBias="480"/>
+      </p:ext>
+    </p:extLst>
+  </p:cm>
+</p:cmLst>
+</file>
+
+<file path=ppt/comments/comment6.xml><?xml version="1.0" encoding="utf-8"?>
+<p:cmLst xmlns:a="http://schemas.openxmlformats.org/drawingml/2006/main" xmlns:r="http://schemas.openxmlformats.org/officeDocument/2006/relationships" xmlns:p="http://schemas.openxmlformats.org/presentationml/2006/main">
+  <p:cm authorId="1" dt="2016-12-08T11:42:22.565" idx="7">
+    <p:pos x="10" y="10"/>
+    <p:text>"Picture for main component go here"</p:text>
+    <p:extLst>
+      <p:ext uri="{C676402C-5697-4E1C-873F-D02D1690AC5C}">
+        <p15:threadingInfo xmlns:p15="http://schemas.microsoft.com/office/powerpoint/2012/main" timeZoneBias="480"/>
+      </p:ext>
+    </p:extLst>
+  </p:cm>
+</p:cmLst>
+</file>
+
+<file path=ppt/comments/comment7.xml><?xml version="1.0" encoding="utf-8"?>
+<p:cmLst xmlns:a="http://schemas.openxmlformats.org/drawingml/2006/main" xmlns:r="http://schemas.openxmlformats.org/officeDocument/2006/relationships" xmlns:p="http://schemas.openxmlformats.org/presentationml/2006/main">
+  <p:cm authorId="1" dt="2016-12-08T11:27:04.767" idx="1">
+    <p:pos x="964" y="505"/>
+    <p:text>Previous slide has dash: "Implementation - Schematic." We should make them consistent.</p:text>
+    <p:extLst>
+      <p:ext uri="{C676402C-5697-4E1C-873F-D02D1690AC5C}">
+        <p15:threadingInfo xmlns:p15="http://schemas.microsoft.com/office/powerpoint/2012/main" timeZoneBias="480"/>
+      </p:ext>
+    </p:extLst>
+  </p:cm>
+</p:cmLst>
+</file>
+
+<file path=ppt/comments/comment8.xml><?xml version="1.0" encoding="utf-8"?>
+<p:cmLst xmlns:a="http://schemas.openxmlformats.org/drawingml/2006/main" xmlns:r="http://schemas.openxmlformats.org/officeDocument/2006/relationships" xmlns:p="http://schemas.openxmlformats.org/presentationml/2006/main">
+  <p:cm authorId="1" dt="2016-12-08T11:43:42.635" idx="8">
+    <p:pos x="10" y="10"/>
+    <p:text>"Bill of materials" should just be "bill of materials."</p:text>
+    <p:extLst>
+      <p:ext uri="{C676402C-5697-4E1C-873F-D02D1690AC5C}">
+        <p15:threadingInfo xmlns:p15="http://schemas.microsoft.com/office/powerpoint/2012/main" timeZoneBias="480"/>
+      </p:ext>
+    </p:extLst>
+  </p:cm>
+</p:cmLst>
+</file>
+
+<file path=ppt/comments/comment9.xml><?xml version="1.0" encoding="utf-8"?>
+<p:cmLst xmlns:a="http://schemas.openxmlformats.org/drawingml/2006/main" xmlns:r="http://schemas.openxmlformats.org/officeDocument/2006/relationships" xmlns:p="http://schemas.openxmlformats.org/presentationml/2006/main">
+  <p:cm authorId="1" dt="2016-12-08T11:44:34.676" idx="9">
+    <p:pos x="10" y="10"/>
+    <p:text>Was the first lock box really only invented 55 years ago?</p:text>
+    <p:extLst>
+      <p:ext uri="{C676402C-5697-4E1C-873F-D02D1690AC5C}">
+        <p15:threadingInfo xmlns:p15="http://schemas.microsoft.com/office/powerpoint/2012/main" timeZoneBias="480"/>
+      </p:ext>
+    </p:extLst>
+  </p:cm>
+</p:cmLst>
+</file>
+
 <file path=ppt/notesMasters/notesMaster1.xml><?xml version="1.0" encoding="utf-8"?>
 <p:notesMaster xmlns:a="http://schemas.openxmlformats.org/drawingml/2006/main" xmlns:r="http://schemas.openxmlformats.org/officeDocument/2006/relationships" xmlns:p="http://schemas.openxmlformats.org/presentationml/2006/main">
   <p:cSld>
@@ -218,7 +384,7 @@
           <a:p>
             <a:fld id="{AF9CE80A-28B5-E142-9734-8F3A89166F8B}" type="datetimeFigureOut">
               <a:rPr lang="en-US" smtClean="0"/>
-              <a:t>12/8/16</a:t>
+              <a:t>12/8/2016</a:t>
             </a:fld>
             <a:endParaRPr lang="en-US"/>
           </a:p>
@@ -282,38 +448,37 @@
           <a:p>
             <a:pPr lvl="0"/>
             <a:r>
-              <a:rPr lang="en-US" smtClean="0"/>
+              <a:rPr lang="en-US"/>
               <a:t>Click to edit Master text styles</a:t>
             </a:r>
           </a:p>
           <a:p>
             <a:pPr lvl="1"/>
             <a:r>
-              <a:rPr lang="en-US" smtClean="0"/>
+              <a:rPr lang="en-US"/>
               <a:t>Second level</a:t>
             </a:r>
           </a:p>
           <a:p>
             <a:pPr lvl="2"/>
             <a:r>
-              <a:rPr lang="en-US" smtClean="0"/>
+              <a:rPr lang="en-US"/>
               <a:t>Third level</a:t>
             </a:r>
           </a:p>
           <a:p>
             <a:pPr lvl="3"/>
             <a:r>
-              <a:rPr lang="en-US" smtClean="0"/>
+              <a:rPr lang="en-US"/>
               <a:t>Fourth level</a:t>
             </a:r>
           </a:p>
           <a:p>
             <a:pPr lvl="4"/>
             <a:r>
-              <a:rPr lang="en-US" smtClean="0"/>
+              <a:rPr lang="en-US"/>
               <a:t>Fifth level</a:t>
             </a:r>
-            <a:endParaRPr lang="en-US"/>
           </a:p>
         </p:txBody>
       </p:sp>
@@ -669,7 +834,7 @@
           </a:lstStyle>
           <a:p>
             <a:r>
-              <a:rPr lang="en-US" smtClean="0"/>
+              <a:rPr lang="en-US"/>
               <a:t>Click to edit Master title style</a:t>
             </a:r>
             <a:endParaRPr lang="en-US" dirty="0"/>
@@ -736,7 +901,7 @@
           </a:lstStyle>
           <a:p>
             <a:r>
-              <a:rPr lang="en-US" smtClean="0"/>
+              <a:rPr lang="en-US"/>
               <a:t>Click to edit Master subtitle style</a:t>
             </a:r>
             <a:endParaRPr lang="en-US" dirty="0"/>
@@ -760,7 +925,7 @@
           <a:p>
             <a:fld id="{CEF241BB-F2B7-4B67-A396-DB168B131349}" type="datetimeFigureOut">
               <a:rPr lang="en-US" smtClean="0"/>
-              <a:t>12/8/16</a:t>
+              <a:t>12/8/2016</a:t>
             </a:fld>
             <a:endParaRPr lang="en-US"/>
           </a:p>
@@ -882,7 +1047,7 @@
           <p:nvPr/>
         </p:nvPicPr>
         <p:blipFill>
-          <a:blip r:embed="rId3">
+          <a:blip r:embed="rId3" cstate="print">
             <a:extLst>
               <a:ext uri="{28A0092B-C50C-407E-A947-70E740481C1C}">
                 <a14:useLocalDpi xmlns:a14="http://schemas.microsoft.com/office/drawing/2010/main" val="0"/>
@@ -1009,7 +1174,7 @@
           </a:lstStyle>
           <a:p>
             <a:r>
-              <a:rPr lang="en-US" smtClean="0"/>
+              <a:rPr lang="en-US"/>
               <a:t>Click to edit Master title style</a:t>
             </a:r>
             <a:endParaRPr lang="en-US" dirty="0"/>
@@ -1085,7 +1250,7 @@
           </a:lstStyle>
           <a:p>
             <a:r>
-              <a:rPr lang="en-US" smtClean="0"/>
+              <a:rPr lang="en-US"/>
               <a:t>Drag picture to placeholder or click icon to add</a:t>
             </a:r>
             <a:endParaRPr lang="en-US" dirty="0"/>
@@ -1151,7 +1316,7 @@
           <a:p>
             <a:pPr lvl="0"/>
             <a:r>
-              <a:rPr lang="en-US" smtClean="0"/>
+              <a:rPr lang="en-US"/>
               <a:t>Click to edit Master text styles</a:t>
             </a:r>
           </a:p>
@@ -1174,7 +1339,7 @@
           <a:p>
             <a:fld id="{CEF241BB-F2B7-4B67-A396-DB168B131349}" type="datetimeFigureOut">
               <a:rPr lang="en-US" smtClean="0"/>
-              <a:t>12/8/16</a:t>
+              <a:t>12/8/2016</a:t>
             </a:fld>
             <a:endParaRPr lang="en-US"/>
           </a:p>
@@ -1291,7 +1456,7 @@
           <p:nvPr/>
         </p:nvPicPr>
         <p:blipFill>
-          <a:blip r:embed="rId3">
+          <a:blip r:embed="rId3" cstate="print">
             <a:extLst>
               <a:ext uri="{28A0092B-C50C-407E-A947-70E740481C1C}">
                 <a14:useLocalDpi xmlns:a14="http://schemas.microsoft.com/office/drawing/2010/main" val="0"/>
@@ -1416,7 +1581,7 @@
           </a:lstStyle>
           <a:p>
             <a:r>
-              <a:rPr lang="en-US" smtClean="0"/>
+              <a:rPr lang="en-US"/>
               <a:t>Click to edit Master title style</a:t>
             </a:r>
             <a:endParaRPr lang="en-US" dirty="0"/>
@@ -1482,7 +1647,7 @@
           <a:p>
             <a:pPr lvl="0"/>
             <a:r>
-              <a:rPr lang="en-US" smtClean="0"/>
+              <a:rPr lang="en-US"/>
               <a:t>Click to edit Master text styles</a:t>
             </a:r>
           </a:p>
@@ -1505,7 +1670,7 @@
           <a:p>
             <a:fld id="{CEF241BB-F2B7-4B67-A396-DB168B131349}" type="datetimeFigureOut">
               <a:rPr lang="en-US" smtClean="0"/>
-              <a:t>12/8/16</a:t>
+              <a:t>12/8/2016</a:t>
             </a:fld>
             <a:endParaRPr lang="en-US"/>
           </a:p>
@@ -1622,7 +1787,7 @@
           <p:nvPr/>
         </p:nvPicPr>
         <p:blipFill>
-          <a:blip r:embed="rId3">
+          <a:blip r:embed="rId3" cstate="print">
             <a:extLst>
               <a:ext uri="{28A0092B-C50C-407E-A947-70E740481C1C}">
                 <a14:useLocalDpi xmlns:a14="http://schemas.microsoft.com/office/drawing/2010/main" val="0"/>
@@ -1747,7 +1912,7 @@
           </a:lstStyle>
           <a:p>
             <a:r>
-              <a:rPr lang="en-US" smtClean="0"/>
+              <a:rPr lang="en-US"/>
               <a:t>Click to edit Master title style</a:t>
             </a:r>
             <a:endParaRPr lang="en-US" dirty="0"/>
@@ -1815,7 +1980,7 @@
           <a:p>
             <a:pPr lvl="0"/>
             <a:r>
-              <a:rPr lang="en-US" smtClean="0"/>
+              <a:rPr lang="en-US"/>
               <a:t>Click to edit Master text styles</a:t>
             </a:r>
           </a:p>
@@ -1882,7 +2047,7 @@
           <a:p>
             <a:pPr lvl="0"/>
             <a:r>
-              <a:rPr lang="en-US" smtClean="0"/>
+              <a:rPr lang="en-US"/>
               <a:t>Click to edit Master text styles</a:t>
             </a:r>
           </a:p>
@@ -1905,7 +2070,7 @@
           <a:p>
             <a:fld id="{CEF241BB-F2B7-4B67-A396-DB168B131349}" type="datetimeFigureOut">
               <a:rPr lang="en-US" smtClean="0"/>
-              <a:t>12/8/16</a:t>
+              <a:t>12/8/2016</a:t>
             </a:fld>
             <a:endParaRPr lang="en-US"/>
           </a:p>
@@ -2254,7 +2419,7 @@
           <p:nvPr/>
         </p:nvPicPr>
         <p:blipFill>
-          <a:blip r:embed="rId3">
+          <a:blip r:embed="rId3" cstate="print">
             <a:extLst>
               <a:ext uri="{28A0092B-C50C-407E-A947-70E740481C1C}">
                 <a14:useLocalDpi xmlns:a14="http://schemas.microsoft.com/office/drawing/2010/main" val="0"/>
@@ -2379,7 +2544,7 @@
           </a:lstStyle>
           <a:p>
             <a:r>
-              <a:rPr lang="en-US" smtClean="0"/>
+              <a:rPr lang="en-US"/>
               <a:t>Click to edit Master title style</a:t>
             </a:r>
             <a:endParaRPr lang="en-US" dirty="0"/>
@@ -2445,7 +2610,7 @@
           <a:p>
             <a:pPr lvl="0"/>
             <a:r>
-              <a:rPr lang="en-US" smtClean="0"/>
+              <a:rPr lang="en-US"/>
               <a:t>Click to edit Master text styles</a:t>
             </a:r>
           </a:p>
@@ -2468,7 +2633,7 @@
           <a:p>
             <a:fld id="{CEF241BB-F2B7-4B67-A396-DB168B131349}" type="datetimeFigureOut">
               <a:rPr lang="en-US" smtClean="0"/>
-              <a:t>12/8/16</a:t>
+              <a:t>12/8/2016</a:t>
             </a:fld>
             <a:endParaRPr lang="en-US"/>
           </a:p>
@@ -2585,7 +2750,7 @@
           <p:nvPr/>
         </p:nvPicPr>
         <p:blipFill>
-          <a:blip r:embed="rId3">
+          <a:blip r:embed="rId3" cstate="print">
             <a:extLst>
               <a:ext uri="{28A0092B-C50C-407E-A947-70E740481C1C}">
                 <a14:useLocalDpi xmlns:a14="http://schemas.microsoft.com/office/drawing/2010/main" val="0"/>
@@ -2706,7 +2871,7 @@
           <a:lstStyle/>
           <a:p>
             <a:r>
-              <a:rPr lang="en-US" smtClean="0"/>
+              <a:rPr lang="en-US"/>
               <a:t>Click to edit Master title style</a:t>
             </a:r>
             <a:endParaRPr lang="en-US" dirty="0"/>
@@ -2778,7 +2943,7 @@
           <a:p>
             <a:pPr lvl="0"/>
             <a:r>
-              <a:rPr lang="en-US" smtClean="0"/>
+              <a:rPr lang="en-US"/>
               <a:t>Click to edit Master text styles</a:t>
             </a:r>
           </a:p>
@@ -2845,7 +3010,7 @@
           <a:p>
             <a:pPr lvl="0"/>
             <a:r>
-              <a:rPr lang="en-US" smtClean="0"/>
+              <a:rPr lang="en-US"/>
               <a:t>Click to edit Master text styles</a:t>
             </a:r>
           </a:p>
@@ -2916,7 +3081,7 @@
           <a:p>
             <a:pPr lvl="0"/>
             <a:r>
-              <a:rPr lang="en-US" smtClean="0"/>
+              <a:rPr lang="en-US"/>
               <a:t>Click to edit Master text styles</a:t>
             </a:r>
           </a:p>
@@ -2983,7 +3148,7 @@
           <a:p>
             <a:pPr lvl="0"/>
             <a:r>
-              <a:rPr lang="en-US" smtClean="0"/>
+              <a:rPr lang="en-US"/>
               <a:t>Click to edit Master text styles</a:t>
             </a:r>
           </a:p>
@@ -3054,7 +3219,7 @@
           <a:p>
             <a:pPr lvl="0"/>
             <a:r>
-              <a:rPr lang="en-US" smtClean="0"/>
+              <a:rPr lang="en-US"/>
               <a:t>Click to edit Master text styles</a:t>
             </a:r>
           </a:p>
@@ -3121,7 +3286,7 @@
           <a:p>
             <a:pPr lvl="0"/>
             <a:r>
-              <a:rPr lang="en-US" smtClean="0"/>
+              <a:rPr lang="en-US"/>
               <a:t>Click to edit Master text styles</a:t>
             </a:r>
           </a:p>
@@ -3144,7 +3309,7 @@
           <a:p>
             <a:fld id="{CEF241BB-F2B7-4B67-A396-DB168B131349}" type="datetimeFigureOut">
               <a:rPr lang="en-US" smtClean="0"/>
-              <a:t>12/8/16</a:t>
+              <a:t>12/8/2016</a:t>
             </a:fld>
             <a:endParaRPr lang="en-US"/>
           </a:p>
@@ -3256,7 +3421,7 @@
           <p:nvPr/>
         </p:nvPicPr>
         <p:blipFill>
-          <a:blip r:embed="rId3">
+          <a:blip r:embed="rId3" cstate="print">
             <a:extLst>
               <a:ext uri="{28A0092B-C50C-407E-A947-70E740481C1C}">
                 <a14:useLocalDpi xmlns:a14="http://schemas.microsoft.com/office/drawing/2010/main" val="0"/>
@@ -3377,7 +3542,7 @@
           <a:lstStyle/>
           <a:p>
             <a:r>
-              <a:rPr lang="en-US" smtClean="0"/>
+              <a:rPr lang="en-US"/>
               <a:t>Click to edit Master title style</a:t>
             </a:r>
             <a:endParaRPr lang="en-US" dirty="0"/>
@@ -3449,7 +3614,7 @@
           <a:p>
             <a:pPr lvl="0"/>
             <a:r>
-              <a:rPr lang="en-US" smtClean="0"/>
+              <a:rPr lang="en-US"/>
               <a:t>Click to edit Master text styles</a:t>
             </a:r>
           </a:p>
@@ -3527,7 +3692,7 @@
           </a:lstStyle>
           <a:p>
             <a:r>
-              <a:rPr lang="en-US" smtClean="0"/>
+              <a:rPr lang="en-US"/>
               <a:t>Drag picture to placeholder or click icon to add</a:t>
             </a:r>
             <a:endParaRPr lang="en-US" dirty="0"/>
@@ -3595,7 +3760,7 @@
           <a:p>
             <a:pPr lvl="0"/>
             <a:r>
-              <a:rPr lang="en-US" smtClean="0"/>
+              <a:rPr lang="en-US"/>
               <a:t>Click to edit Master text styles</a:t>
             </a:r>
           </a:p>
@@ -3666,7 +3831,7 @@
           <a:p>
             <a:pPr lvl="0"/>
             <a:r>
-              <a:rPr lang="en-US" smtClean="0"/>
+              <a:rPr lang="en-US"/>
               <a:t>Click to edit Master text styles</a:t>
             </a:r>
           </a:p>
@@ -3744,7 +3909,7 @@
           </a:lstStyle>
           <a:p>
             <a:r>
-              <a:rPr lang="en-US" smtClean="0"/>
+              <a:rPr lang="en-US"/>
               <a:t>Drag picture to placeholder or click icon to add</a:t>
             </a:r>
             <a:endParaRPr lang="en-US" dirty="0"/>
@@ -3812,7 +3977,7 @@
           <a:p>
             <a:pPr lvl="0"/>
             <a:r>
-              <a:rPr lang="en-US" smtClean="0"/>
+              <a:rPr lang="en-US"/>
               <a:t>Click to edit Master text styles</a:t>
             </a:r>
           </a:p>
@@ -3883,7 +4048,7 @@
           <a:p>
             <a:pPr lvl="0"/>
             <a:r>
-              <a:rPr lang="en-US" smtClean="0"/>
+              <a:rPr lang="en-US"/>
               <a:t>Click to edit Master text styles</a:t>
             </a:r>
           </a:p>
@@ -3961,7 +4126,7 @@
           </a:lstStyle>
           <a:p>
             <a:r>
-              <a:rPr lang="en-US" smtClean="0"/>
+              <a:rPr lang="en-US"/>
               <a:t>Drag picture to placeholder or click icon to add</a:t>
             </a:r>
             <a:endParaRPr lang="en-US" dirty="0"/>
@@ -4029,7 +4194,7 @@
           <a:p>
             <a:pPr lvl="0"/>
             <a:r>
-              <a:rPr lang="en-US" smtClean="0"/>
+              <a:rPr lang="en-US"/>
               <a:t>Click to edit Master text styles</a:t>
             </a:r>
           </a:p>
@@ -4052,7 +4217,7 @@
           <a:p>
             <a:fld id="{CEF241BB-F2B7-4B67-A396-DB168B131349}" type="datetimeFigureOut">
               <a:rPr lang="en-US" smtClean="0"/>
-              <a:t>12/8/16</a:t>
+              <a:t>12/8/2016</a:t>
             </a:fld>
             <a:endParaRPr lang="en-US"/>
           </a:p>
@@ -4164,7 +4329,7 @@
           <p:nvPr/>
         </p:nvPicPr>
         <p:blipFill>
-          <a:blip r:embed="rId3">
+          <a:blip r:embed="rId3" cstate="print">
             <a:extLst>
               <a:ext uri="{28A0092B-C50C-407E-A947-70E740481C1C}">
                 <a14:useLocalDpi xmlns:a14="http://schemas.microsoft.com/office/drawing/2010/main" val="0"/>
@@ -4284,7 +4449,7 @@
           </a:lstStyle>
           <a:p>
             <a:r>
-              <a:rPr lang="en-US" smtClean="0"/>
+              <a:rPr lang="en-US"/>
               <a:t>Click to edit Master title style</a:t>
             </a:r>
             <a:endParaRPr lang="en-US" dirty="0"/>
@@ -4308,35 +4473,35 @@
           <a:p>
             <a:pPr lvl="0"/>
             <a:r>
-              <a:rPr lang="en-US" smtClean="0"/>
+              <a:rPr lang="en-US"/>
               <a:t>Click to edit Master text styles</a:t>
             </a:r>
           </a:p>
           <a:p>
             <a:pPr lvl="1"/>
             <a:r>
-              <a:rPr lang="en-US" smtClean="0"/>
+              <a:rPr lang="en-US"/>
               <a:t>Second level</a:t>
             </a:r>
           </a:p>
           <a:p>
             <a:pPr lvl="2"/>
             <a:r>
-              <a:rPr lang="en-US" smtClean="0"/>
+              <a:rPr lang="en-US"/>
               <a:t>Third level</a:t>
             </a:r>
           </a:p>
           <a:p>
             <a:pPr lvl="3"/>
             <a:r>
-              <a:rPr lang="en-US" smtClean="0"/>
+              <a:rPr lang="en-US"/>
               <a:t>Fourth level</a:t>
             </a:r>
           </a:p>
           <a:p>
             <a:pPr lvl="4"/>
             <a:r>
-              <a:rPr lang="en-US" smtClean="0"/>
+              <a:rPr lang="en-US"/>
               <a:t>Fifth level</a:t>
             </a:r>
             <a:endParaRPr lang="en-US" dirty="0"/>
@@ -4360,7 +4525,7 @@
           <a:p>
             <a:fld id="{CEF241BB-F2B7-4B67-A396-DB168B131349}" type="datetimeFigureOut">
               <a:rPr lang="en-US" smtClean="0"/>
-              <a:t>12/8/16</a:t>
+              <a:t>12/8/2016</a:t>
             </a:fld>
             <a:endParaRPr lang="en-US"/>
           </a:p>
@@ -4533,7 +4698,7 @@
           <a:lstStyle/>
           <a:p>
             <a:r>
-              <a:rPr lang="en-US" smtClean="0"/>
+              <a:rPr lang="en-US"/>
               <a:t>Click to edit Master title style</a:t>
             </a:r>
             <a:endParaRPr lang="en-US" dirty="0"/>
@@ -4562,35 +4727,35 @@
           <a:p>
             <a:pPr lvl="0"/>
             <a:r>
-              <a:rPr lang="en-US" smtClean="0"/>
+              <a:rPr lang="en-US"/>
               <a:t>Click to edit Master text styles</a:t>
             </a:r>
           </a:p>
           <a:p>
             <a:pPr lvl="1"/>
             <a:r>
-              <a:rPr lang="en-US" smtClean="0"/>
+              <a:rPr lang="en-US"/>
               <a:t>Second level</a:t>
             </a:r>
           </a:p>
           <a:p>
             <a:pPr lvl="2"/>
             <a:r>
-              <a:rPr lang="en-US" smtClean="0"/>
+              <a:rPr lang="en-US"/>
               <a:t>Third level</a:t>
             </a:r>
           </a:p>
           <a:p>
             <a:pPr lvl="3"/>
             <a:r>
-              <a:rPr lang="en-US" smtClean="0"/>
+              <a:rPr lang="en-US"/>
               <a:t>Fourth level</a:t>
             </a:r>
           </a:p>
           <a:p>
             <a:pPr lvl="4"/>
             <a:r>
-              <a:rPr lang="en-US" smtClean="0"/>
+              <a:rPr lang="en-US"/>
               <a:t>Fifth level</a:t>
             </a:r>
             <a:endParaRPr lang="en-US" dirty="0"/>
@@ -4619,7 +4784,7 @@
           <a:p>
             <a:fld id="{CEF241BB-F2B7-4B67-A396-DB168B131349}" type="datetimeFigureOut">
               <a:rPr lang="en-US" smtClean="0"/>
-              <a:t>12/8/16</a:t>
+              <a:t>12/8/2016</a:t>
             </a:fld>
             <a:endParaRPr lang="en-US"/>
           </a:p>
@@ -4745,7 +4910,7 @@
           <p:nvPr/>
         </p:nvPicPr>
         <p:blipFill>
-          <a:blip r:embed="rId3">
+          <a:blip r:embed="rId3" cstate="print">
             <a:extLst>
               <a:ext uri="{28A0092B-C50C-407E-A947-70E740481C1C}">
                 <a14:useLocalDpi xmlns:a14="http://schemas.microsoft.com/office/drawing/2010/main" val="0"/>
@@ -4861,7 +5026,7 @@
           <a:lstStyle/>
           <a:p>
             <a:r>
-              <a:rPr lang="en-US" smtClean="0"/>
+              <a:rPr lang="en-US"/>
               <a:t>Click to edit Master title style</a:t>
             </a:r>
             <a:endParaRPr lang="en-US" dirty="0"/>
@@ -4885,35 +5050,35 @@
           <a:p>
             <a:pPr lvl="0"/>
             <a:r>
-              <a:rPr lang="en-US" smtClean="0"/>
+              <a:rPr lang="en-US"/>
               <a:t>Click to edit Master text styles</a:t>
             </a:r>
           </a:p>
           <a:p>
             <a:pPr lvl="1"/>
             <a:r>
-              <a:rPr lang="en-US" smtClean="0"/>
+              <a:rPr lang="en-US"/>
               <a:t>Second level</a:t>
             </a:r>
           </a:p>
           <a:p>
             <a:pPr lvl="2"/>
             <a:r>
-              <a:rPr lang="en-US" smtClean="0"/>
+              <a:rPr lang="en-US"/>
               <a:t>Third level</a:t>
             </a:r>
           </a:p>
           <a:p>
             <a:pPr lvl="3"/>
             <a:r>
-              <a:rPr lang="en-US" smtClean="0"/>
+              <a:rPr lang="en-US"/>
               <a:t>Fourth level</a:t>
             </a:r>
           </a:p>
           <a:p>
             <a:pPr lvl="4"/>
             <a:r>
-              <a:rPr lang="en-US" smtClean="0"/>
+              <a:rPr lang="en-US"/>
               <a:t>Fifth level</a:t>
             </a:r>
             <a:endParaRPr lang="en-US" dirty="0"/>
@@ -4937,7 +5102,7 @@
           <a:p>
             <a:fld id="{CEF241BB-F2B7-4B67-A396-DB168B131349}" type="datetimeFigureOut">
               <a:rPr lang="en-US" smtClean="0"/>
-              <a:t>12/8/16</a:t>
+              <a:t>12/8/2016</a:t>
             </a:fld>
             <a:endParaRPr lang="en-US"/>
           </a:p>
@@ -5049,7 +5214,7 @@
           <p:nvPr/>
         </p:nvPicPr>
         <p:blipFill>
-          <a:blip r:embed="rId3">
+          <a:blip r:embed="rId3" cstate="print">
             <a:extLst>
               <a:ext uri="{28A0092B-C50C-407E-A947-70E740481C1C}">
                 <a14:useLocalDpi xmlns:a14="http://schemas.microsoft.com/office/drawing/2010/main" val="0"/>
@@ -5176,7 +5341,7 @@
           </a:lstStyle>
           <a:p>
             <a:r>
-              <a:rPr lang="en-US" smtClean="0"/>
+              <a:rPr lang="en-US"/>
               <a:t>Click to edit Master title style</a:t>
             </a:r>
             <a:endParaRPr lang="en-US" dirty="0"/>
@@ -5298,7 +5463,7 @@
           <a:p>
             <a:pPr lvl="0"/>
             <a:r>
-              <a:rPr lang="en-US" smtClean="0"/>
+              <a:rPr lang="en-US"/>
               <a:t>Click to edit Master text styles</a:t>
             </a:r>
           </a:p>
@@ -5321,7 +5486,7 @@
           <a:p>
             <a:fld id="{CEF241BB-F2B7-4B67-A396-DB168B131349}" type="datetimeFigureOut">
               <a:rPr lang="en-US" smtClean="0"/>
-              <a:t>12/8/16</a:t>
+              <a:t>12/8/2016</a:t>
             </a:fld>
             <a:endParaRPr lang="en-US"/>
           </a:p>
@@ -5438,7 +5603,7 @@
           <p:nvPr/>
         </p:nvPicPr>
         <p:blipFill>
-          <a:blip r:embed="rId3">
+          <a:blip r:embed="rId3" cstate="print">
             <a:extLst>
               <a:ext uri="{28A0092B-C50C-407E-A947-70E740481C1C}">
                 <a14:useLocalDpi xmlns:a14="http://schemas.microsoft.com/office/drawing/2010/main" val="0"/>
@@ -5554,7 +5719,7 @@
           <a:lstStyle/>
           <a:p>
             <a:r>
-              <a:rPr lang="en-US" smtClean="0"/>
+              <a:rPr lang="en-US"/>
               <a:t>Click to edit Master title style</a:t>
             </a:r>
             <a:endParaRPr lang="en-US" dirty="0"/>
@@ -5583,35 +5748,35 @@
           <a:p>
             <a:pPr lvl="0"/>
             <a:r>
-              <a:rPr lang="en-US" smtClean="0"/>
+              <a:rPr lang="en-US"/>
               <a:t>Click to edit Master text styles</a:t>
             </a:r>
           </a:p>
           <a:p>
             <a:pPr lvl="1"/>
             <a:r>
-              <a:rPr lang="en-US" smtClean="0"/>
+              <a:rPr lang="en-US"/>
               <a:t>Second level</a:t>
             </a:r>
           </a:p>
           <a:p>
             <a:pPr lvl="2"/>
             <a:r>
-              <a:rPr lang="en-US" smtClean="0"/>
+              <a:rPr lang="en-US"/>
               <a:t>Third level</a:t>
             </a:r>
           </a:p>
           <a:p>
             <a:pPr lvl="3"/>
             <a:r>
-              <a:rPr lang="en-US" smtClean="0"/>
+              <a:rPr lang="en-US"/>
               <a:t>Fourth level</a:t>
             </a:r>
           </a:p>
           <a:p>
             <a:pPr lvl="4"/>
             <a:r>
-              <a:rPr lang="en-US" smtClean="0"/>
+              <a:rPr lang="en-US"/>
               <a:t>Fifth level</a:t>
             </a:r>
             <a:endParaRPr lang="en-US" dirty="0"/>
@@ -5640,35 +5805,35 @@
           <a:p>
             <a:pPr lvl="0"/>
             <a:r>
-              <a:rPr lang="en-US" smtClean="0"/>
+              <a:rPr lang="en-US"/>
               <a:t>Click to edit Master text styles</a:t>
             </a:r>
           </a:p>
           <a:p>
             <a:pPr lvl="1"/>
             <a:r>
-              <a:rPr lang="en-US" smtClean="0"/>
+              <a:rPr lang="en-US"/>
               <a:t>Second level</a:t>
             </a:r>
           </a:p>
           <a:p>
             <a:pPr lvl="2"/>
             <a:r>
-              <a:rPr lang="en-US" smtClean="0"/>
+              <a:rPr lang="en-US"/>
               <a:t>Third level</a:t>
             </a:r>
           </a:p>
           <a:p>
             <a:pPr lvl="3"/>
             <a:r>
-              <a:rPr lang="en-US" smtClean="0"/>
+              <a:rPr lang="en-US"/>
               <a:t>Fourth level</a:t>
             </a:r>
           </a:p>
           <a:p>
             <a:pPr lvl="4"/>
             <a:r>
-              <a:rPr lang="en-US" smtClean="0"/>
+              <a:rPr lang="en-US"/>
               <a:t>Fifth level</a:t>
             </a:r>
             <a:endParaRPr lang="en-US" dirty="0"/>
@@ -5692,7 +5857,7 @@
           <a:p>
             <a:fld id="{CEF241BB-F2B7-4B67-A396-DB168B131349}" type="datetimeFigureOut">
               <a:rPr lang="en-US" smtClean="0"/>
-              <a:t>12/8/16</a:t>
+              <a:t>12/8/2016</a:t>
             </a:fld>
             <a:endParaRPr lang="en-US"/>
           </a:p>
@@ -5809,7 +5974,7 @@
           <p:nvPr/>
         </p:nvPicPr>
         <p:blipFill>
-          <a:blip r:embed="rId3">
+          <a:blip r:embed="rId3" cstate="print">
             <a:extLst>
               <a:ext uri="{28A0092B-C50C-407E-A947-70E740481C1C}">
                 <a14:useLocalDpi xmlns:a14="http://schemas.microsoft.com/office/drawing/2010/main" val="0"/>
@@ -5930,7 +6095,7 @@
           <a:lstStyle/>
           <a:p>
             <a:r>
-              <a:rPr lang="en-US" smtClean="0"/>
+              <a:rPr lang="en-US"/>
               <a:t>Click to edit Master title style</a:t>
             </a:r>
             <a:endParaRPr lang="en-US" dirty="0"/>
@@ -5996,7 +6161,7 @@
           <a:p>
             <a:pPr lvl="0"/>
             <a:r>
-              <a:rPr lang="en-US" smtClean="0"/>
+              <a:rPr lang="en-US"/>
               <a:t>Click to edit Master text styles</a:t>
             </a:r>
           </a:p>
@@ -6024,35 +6189,35 @@
           <a:p>
             <a:pPr lvl="0"/>
             <a:r>
-              <a:rPr lang="en-US" smtClean="0"/>
+              <a:rPr lang="en-US"/>
               <a:t>Click to edit Master text styles</a:t>
             </a:r>
           </a:p>
           <a:p>
             <a:pPr lvl="1"/>
             <a:r>
-              <a:rPr lang="en-US" smtClean="0"/>
+              <a:rPr lang="en-US"/>
               <a:t>Second level</a:t>
             </a:r>
           </a:p>
           <a:p>
             <a:pPr lvl="2"/>
             <a:r>
-              <a:rPr lang="en-US" smtClean="0"/>
+              <a:rPr lang="en-US"/>
               <a:t>Third level</a:t>
             </a:r>
           </a:p>
           <a:p>
             <a:pPr lvl="3"/>
             <a:r>
-              <a:rPr lang="en-US" smtClean="0"/>
+              <a:rPr lang="en-US"/>
               <a:t>Fourth level</a:t>
             </a:r>
           </a:p>
           <a:p>
             <a:pPr lvl="4"/>
             <a:r>
-              <a:rPr lang="en-US" smtClean="0"/>
+              <a:rPr lang="en-US"/>
               <a:t>Fifth level</a:t>
             </a:r>
             <a:endParaRPr lang="en-US" dirty="0"/>
@@ -6118,7 +6283,7 @@
           <a:p>
             <a:pPr lvl="0"/>
             <a:r>
-              <a:rPr lang="en-US" smtClean="0"/>
+              <a:rPr lang="en-US"/>
               <a:t>Click to edit Master text styles</a:t>
             </a:r>
           </a:p>
@@ -6146,35 +6311,35 @@
           <a:p>
             <a:pPr lvl="0"/>
             <a:r>
-              <a:rPr lang="en-US" smtClean="0"/>
+              <a:rPr lang="en-US"/>
               <a:t>Click to edit Master text styles</a:t>
             </a:r>
           </a:p>
           <a:p>
             <a:pPr lvl="1"/>
             <a:r>
-              <a:rPr lang="en-US" smtClean="0"/>
+              <a:rPr lang="en-US"/>
               <a:t>Second level</a:t>
             </a:r>
           </a:p>
           <a:p>
             <a:pPr lvl="2"/>
             <a:r>
-              <a:rPr lang="en-US" smtClean="0"/>
+              <a:rPr lang="en-US"/>
               <a:t>Third level</a:t>
             </a:r>
           </a:p>
           <a:p>
             <a:pPr lvl="3"/>
             <a:r>
-              <a:rPr lang="en-US" smtClean="0"/>
+              <a:rPr lang="en-US"/>
               <a:t>Fourth level</a:t>
             </a:r>
           </a:p>
           <a:p>
             <a:pPr lvl="4"/>
             <a:r>
-              <a:rPr lang="en-US" smtClean="0"/>
+              <a:rPr lang="en-US"/>
               <a:t>Fifth level</a:t>
             </a:r>
             <a:endParaRPr lang="en-US" dirty="0"/>
@@ -6198,7 +6363,7 @@
           <a:p>
             <a:fld id="{CEF241BB-F2B7-4B67-A396-DB168B131349}" type="datetimeFigureOut">
               <a:rPr lang="en-US" smtClean="0"/>
-              <a:t>12/8/16</a:t>
+              <a:t>12/8/2016</a:t>
             </a:fld>
             <a:endParaRPr lang="en-US"/>
           </a:p>
@@ -6315,7 +6480,7 @@
           <p:nvPr/>
         </p:nvPicPr>
         <p:blipFill>
-          <a:blip r:embed="rId3">
+          <a:blip r:embed="rId3" cstate="print">
             <a:extLst>
               <a:ext uri="{28A0092B-C50C-407E-A947-70E740481C1C}">
                 <a14:useLocalDpi xmlns:a14="http://schemas.microsoft.com/office/drawing/2010/main" val="0"/>
@@ -6431,7 +6596,7 @@
           <a:lstStyle/>
           <a:p>
             <a:r>
-              <a:rPr lang="en-US" smtClean="0"/>
+              <a:rPr lang="en-US"/>
               <a:t>Click to edit Master title style</a:t>
             </a:r>
             <a:endParaRPr lang="en-US" dirty="0"/>
@@ -6455,7 +6620,7 @@
           <a:p>
             <a:fld id="{CEF241BB-F2B7-4B67-A396-DB168B131349}" type="datetimeFigureOut">
               <a:rPr lang="en-US" smtClean="0"/>
-              <a:t>12/8/16</a:t>
+              <a:t>12/8/2016</a:t>
             </a:fld>
             <a:endParaRPr lang="en-US"/>
           </a:p>
@@ -6537,7 +6702,7 @@
           <p:nvPr/>
         </p:nvPicPr>
         <p:blipFill>
-          <a:blip r:embed="rId2">
+          <a:blip r:embed="rId2" cstate="print">
             <a:extLst>
               <a:ext uri="{28A0092B-C50C-407E-A947-70E740481C1C}">
                 <a14:useLocalDpi xmlns:a14="http://schemas.microsoft.com/office/drawing/2010/main" val="0"/>
@@ -6613,7 +6778,7 @@
           <a:p>
             <a:fld id="{CEF241BB-F2B7-4B67-A396-DB168B131349}" type="datetimeFigureOut">
               <a:rPr lang="en-US" smtClean="0"/>
-              <a:t>12/8/16</a:t>
+              <a:t>12/8/2016</a:t>
             </a:fld>
             <a:endParaRPr lang="en-US"/>
           </a:p>
@@ -6730,7 +6895,7 @@
           <p:nvPr/>
         </p:nvPicPr>
         <p:blipFill>
-          <a:blip r:embed="rId3">
+          <a:blip r:embed="rId3" cstate="print">
             <a:extLst>
               <a:ext uri="{28A0092B-C50C-407E-A947-70E740481C1C}">
                 <a14:useLocalDpi xmlns:a14="http://schemas.microsoft.com/office/drawing/2010/main" val="0"/>
@@ -6857,7 +7022,7 @@
           </a:lstStyle>
           <a:p>
             <a:r>
-              <a:rPr lang="en-US" smtClean="0"/>
+              <a:rPr lang="en-US"/>
               <a:t>Click to edit Master title style</a:t>
             </a:r>
             <a:endParaRPr lang="en-US" dirty="0"/>
@@ -6886,35 +7051,35 @@
           <a:p>
             <a:pPr lvl="0"/>
             <a:r>
-              <a:rPr lang="en-US" smtClean="0"/>
+              <a:rPr lang="en-US"/>
               <a:t>Click to edit Master text styles</a:t>
             </a:r>
           </a:p>
           <a:p>
             <a:pPr lvl="1"/>
             <a:r>
-              <a:rPr lang="en-US" smtClean="0"/>
+              <a:rPr lang="en-US"/>
               <a:t>Second level</a:t>
             </a:r>
           </a:p>
           <a:p>
             <a:pPr lvl="2"/>
             <a:r>
-              <a:rPr lang="en-US" smtClean="0"/>
+              <a:rPr lang="en-US"/>
               <a:t>Third level</a:t>
             </a:r>
           </a:p>
           <a:p>
             <a:pPr lvl="3"/>
             <a:r>
-              <a:rPr lang="en-US" smtClean="0"/>
+              <a:rPr lang="en-US"/>
               <a:t>Fourth level</a:t>
             </a:r>
           </a:p>
           <a:p>
             <a:pPr lvl="4"/>
             <a:r>
-              <a:rPr lang="en-US" smtClean="0"/>
+              <a:rPr lang="en-US"/>
               <a:t>Fifth level</a:t>
             </a:r>
             <a:endParaRPr lang="en-US" dirty="0"/>
@@ -6980,7 +7145,7 @@
           <a:p>
             <a:pPr lvl="0"/>
             <a:r>
-              <a:rPr lang="en-US" smtClean="0"/>
+              <a:rPr lang="en-US"/>
               <a:t>Click to edit Master text styles</a:t>
             </a:r>
           </a:p>
@@ -7003,7 +7168,7 @@
           <a:p>
             <a:fld id="{CEF241BB-F2B7-4B67-A396-DB168B131349}" type="datetimeFigureOut">
               <a:rPr lang="en-US" smtClean="0"/>
-              <a:t>12/8/16</a:t>
+              <a:t>12/8/2016</a:t>
             </a:fld>
             <a:endParaRPr lang="en-US"/>
           </a:p>
@@ -7120,7 +7285,7 @@
           <p:nvPr/>
         </p:nvPicPr>
         <p:blipFill>
-          <a:blip r:embed="rId3">
+          <a:blip r:embed="rId3" cstate="print">
             <a:extLst>
               <a:ext uri="{28A0092B-C50C-407E-A947-70E740481C1C}">
                 <a14:useLocalDpi xmlns:a14="http://schemas.microsoft.com/office/drawing/2010/main" val="0"/>
@@ -7247,7 +7412,7 @@
           </a:lstStyle>
           <a:p>
             <a:r>
-              <a:rPr lang="en-US" smtClean="0"/>
+              <a:rPr lang="en-US"/>
               <a:t>Click to edit Master title style</a:t>
             </a:r>
             <a:endParaRPr lang="en-US" dirty="0"/>
@@ -7323,7 +7488,7 @@
           </a:lstStyle>
           <a:p>
             <a:r>
-              <a:rPr lang="en-US" smtClean="0"/>
+              <a:rPr lang="en-US"/>
               <a:t>Drag picture to placeholder or click icon to add</a:t>
             </a:r>
             <a:endParaRPr lang="en-US" dirty="0"/>
@@ -7389,7 +7554,7 @@
           <a:p>
             <a:pPr lvl="0"/>
             <a:r>
-              <a:rPr lang="en-US" smtClean="0"/>
+              <a:rPr lang="en-US"/>
               <a:t>Click to edit Master text styles</a:t>
             </a:r>
           </a:p>
@@ -7412,7 +7577,7 @@
           <a:p>
             <a:fld id="{CEF241BB-F2B7-4B67-A396-DB168B131349}" type="datetimeFigureOut">
               <a:rPr lang="en-US" smtClean="0"/>
-              <a:t>12/8/16</a:t>
+              <a:t>12/8/2016</a:t>
             </a:fld>
             <a:endParaRPr lang="en-US"/>
           </a:p>
@@ -7547,7 +7712,7 @@
           <a:lstStyle/>
           <a:p>
             <a:r>
-              <a:rPr lang="en-US" smtClean="0"/>
+              <a:rPr lang="en-US"/>
               <a:t>Click to edit Master title style</a:t>
             </a:r>
             <a:endParaRPr lang="en-US" dirty="0"/>
@@ -7581,35 +7746,35 @@
           <a:p>
             <a:pPr lvl="0"/>
             <a:r>
-              <a:rPr lang="en-US" smtClean="0"/>
+              <a:rPr lang="en-US"/>
               <a:t>Click to edit Master text styles</a:t>
             </a:r>
           </a:p>
           <a:p>
             <a:pPr lvl="1"/>
             <a:r>
-              <a:rPr lang="en-US" smtClean="0"/>
+              <a:rPr lang="en-US"/>
               <a:t>Second level</a:t>
             </a:r>
           </a:p>
           <a:p>
             <a:pPr lvl="2"/>
             <a:r>
-              <a:rPr lang="en-US" smtClean="0"/>
+              <a:rPr lang="en-US"/>
               <a:t>Third level</a:t>
             </a:r>
           </a:p>
           <a:p>
             <a:pPr lvl="3"/>
             <a:r>
-              <a:rPr lang="en-US" smtClean="0"/>
+              <a:rPr lang="en-US"/>
               <a:t>Fourth level</a:t>
             </a:r>
           </a:p>
           <a:p>
             <a:pPr lvl="4"/>
             <a:r>
-              <a:rPr lang="en-US" smtClean="0"/>
+              <a:rPr lang="en-US"/>
               <a:t>Fifth level</a:t>
             </a:r>
             <a:endParaRPr lang="en-US" dirty="0"/>
@@ -7651,7 +7816,7 @@
           <a:p>
             <a:fld id="{CEF241BB-F2B7-4B67-A396-DB168B131349}" type="datetimeFigureOut">
               <a:rPr lang="en-US" smtClean="0"/>
-              <a:t>12/8/16</a:t>
+              <a:t>12/8/2016</a:t>
             </a:fld>
             <a:endParaRPr lang="en-US"/>
           </a:p>
@@ -8083,10 +8248,9 @@
           <a:lstStyle/>
           <a:p>
             <a:r>
-              <a:rPr lang="en-US" dirty="0" smtClean="0"/>
+              <a:rPr lang="en-US" dirty="0"/>
               <a:t>Useless Lockbox	</a:t>
             </a:r>
-            <a:endParaRPr lang="en-US" dirty="0"/>
           </a:p>
         </p:txBody>
       </p:sp>
@@ -8114,33 +8278,33 @@
           <a:p>
             <a:pPr algn="l"/>
             <a:r>
-              <a:rPr lang="en-US" sz="2400" dirty="0" smtClean="0"/>
+              <a:rPr lang="en-US" sz="2400" dirty="0"/>
               <a:t>Daniel Diaz </a:t>
             </a:r>
           </a:p>
           <a:p>
             <a:pPr algn="l"/>
             <a:r>
-              <a:rPr lang="en-US" sz="2400" dirty="0" smtClean="0"/>
+              <a:rPr lang="en-US" sz="2400" dirty="0"/>
               <a:t>Dwayne </a:t>
             </a:r>
             <a:r>
-              <a:rPr lang="en-US" sz="2400" dirty="0" err="1" smtClean="0"/>
+              <a:rPr lang="en-US" sz="2400" dirty="0" err="1"/>
               <a:t>Hoeck</a:t>
             </a:r>
-            <a:endParaRPr lang="en-US" sz="2400" dirty="0" smtClean="0"/>
+            <a:endParaRPr lang="en-US" sz="2400" dirty="0"/>
           </a:p>
           <a:p>
             <a:pPr algn="l"/>
             <a:r>
-              <a:rPr lang="en-US" sz="2400" dirty="0" smtClean="0"/>
+              <a:rPr lang="en-US" sz="2400" dirty="0"/>
               <a:t>Ha Tran</a:t>
             </a:r>
           </a:p>
           <a:p>
             <a:pPr algn="l"/>
             <a:r>
-              <a:rPr lang="en-US" sz="2400" dirty="0" smtClean="0"/>
+              <a:rPr lang="en-US" sz="2400" dirty="0"/>
               <a:t>Thanh Le</a:t>
             </a:r>
           </a:p>
@@ -8188,7 +8352,7 @@
           </a:lstStyle>
           <a:p>
             <a:r>
-              <a:rPr lang="en-US" smtClean="0"/>
+              <a:rPr lang="en-US"/>
               <a:t>Team 09</a:t>
             </a:r>
             <a:endParaRPr lang="en-US" dirty="0"/>
@@ -8241,10 +8405,9 @@
           <a:lstStyle/>
           <a:p>
             <a:r>
-              <a:rPr lang="en-US" dirty="0" smtClean="0"/>
+              <a:rPr lang="en-US" dirty="0"/>
               <a:t>Design Process– Block Diagram</a:t>
             </a:r>
-            <a:endParaRPr lang="en-US" dirty="0"/>
           </a:p>
         </p:txBody>
       </p:sp>
@@ -8288,13 +8451,6 @@
   <p:clrMapOvr>
     <a:masterClrMapping/>
   </p:clrMapOvr>
-  <p:timing>
-    <p:tnLst>
-      <p:par>
-        <p:cTn id="1" dur="indefinite" restart="never" nodeType="tmRoot"/>
-      </p:par>
-    </p:tnLst>
-  </p:timing>
 </p:sld>
 </file>
 
@@ -8331,10 +8487,9 @@
           <a:lstStyle/>
           <a:p>
             <a:r>
-              <a:rPr lang="en-US" dirty="0" smtClean="0"/>
+              <a:rPr lang="en-US" dirty="0"/>
               <a:t>Design Alternatives and Decision Making</a:t>
             </a:r>
-            <a:endParaRPr lang="en-US" dirty="0"/>
           </a:p>
         </p:txBody>
       </p:sp>
@@ -8364,28 +8519,28 @@
           <a:lstStyle/>
           <a:p>
             <a:r>
-              <a:rPr lang="en-US" sz="2800" dirty="0" smtClean="0"/>
+              <a:rPr lang="en-US" sz="2800" dirty="0"/>
               <a:t>Design alternative</a:t>
             </a:r>
           </a:p>
           <a:p>
             <a:pPr lvl="1" algn="just"/>
             <a:r>
-              <a:rPr lang="en-US" sz="2400" dirty="0" smtClean="0"/>
+              <a:rPr lang="en-US" sz="2400" dirty="0"/>
               <a:t>Visual studio vs Arduino IDE</a:t>
             </a:r>
           </a:p>
           <a:p>
             <a:pPr lvl="1" algn="just"/>
             <a:r>
-              <a:rPr lang="en-US" sz="2400" dirty="0" smtClean="0"/>
+              <a:rPr lang="en-US" sz="2400" dirty="0"/>
               <a:t>4-bit vs 8-bit interaction for LCD</a:t>
             </a:r>
           </a:p>
           <a:p>
             <a:pPr lvl="1" algn="just"/>
             <a:r>
-              <a:rPr lang="en-US" sz="2400" dirty="0" smtClean="0"/>
+              <a:rPr lang="en-US" sz="2400" dirty="0"/>
               <a:t>Interrupt vs pull-up GPIO for keypad</a:t>
             </a:r>
           </a:p>
@@ -8393,18 +8548,13 @@
             <a:pPr lvl="1" algn="just"/>
             <a:r>
               <a:rPr lang="en-US" sz="2400" dirty="0"/>
-              <a:t>SOLIDWORKS vs Adobe </a:t>
-            </a:r>
-            <a:r>
-              <a:rPr lang="en-US" sz="2400" dirty="0" smtClean="0"/>
-              <a:t>Reader for box design</a:t>
-            </a:r>
-            <a:endParaRPr lang="en-US" sz="2400" dirty="0"/>
+              <a:t>SOLIDWORKS vs Adobe Reader for box design</a:t>
+            </a:r>
           </a:p>
           <a:p>
             <a:pPr lvl="1" algn="just"/>
             <a:r>
-              <a:rPr lang="en-US" sz="2400" dirty="0" smtClean="0"/>
+              <a:rPr lang="en-US" sz="2400" dirty="0"/>
               <a:t>3D-printing vs Laser-cutter for box prototype</a:t>
             </a:r>
           </a:p>
@@ -8440,85 +8590,84 @@
           <a:lstStyle/>
           <a:p>
             <a:r>
-              <a:rPr lang="en-US" sz="2800" dirty="0" smtClean="0"/>
+              <a:rPr lang="en-US" sz="2800" dirty="0"/>
               <a:t>Decisions made</a:t>
             </a:r>
           </a:p>
           <a:p>
             <a:pPr lvl="1"/>
             <a:r>
-              <a:rPr lang="en-US" sz="2400" dirty="0" smtClean="0"/>
+              <a:rPr lang="en-US" sz="2400" dirty="0"/>
               <a:t>Visual studio:</a:t>
             </a:r>
           </a:p>
           <a:p>
             <a:pPr lvl="2"/>
             <a:r>
-              <a:rPr lang="en-US" sz="2200" dirty="0" smtClean="0"/>
+              <a:rPr lang="en-US" sz="2200" dirty="0"/>
               <a:t>Available in lab</a:t>
             </a:r>
           </a:p>
           <a:p>
             <a:pPr lvl="2"/>
             <a:r>
-              <a:rPr lang="en-US" sz="2200" dirty="0" smtClean="0"/>
+              <a:rPr lang="en-US" sz="2200" dirty="0"/>
               <a:t>Debugging ability</a:t>
             </a:r>
           </a:p>
           <a:p>
             <a:pPr lvl="1"/>
             <a:r>
-              <a:rPr lang="en-US" sz="2400" dirty="0" smtClean="0"/>
+              <a:rPr lang="en-US" sz="2400" dirty="0"/>
               <a:t>4-bit interaction for LCD:</a:t>
             </a:r>
           </a:p>
           <a:p>
             <a:pPr lvl="2"/>
             <a:r>
-              <a:rPr lang="en-US" sz="2200" dirty="0" smtClean="0"/>
+              <a:rPr lang="en-US" sz="2200" dirty="0"/>
               <a:t>I/O pins saving</a:t>
             </a:r>
           </a:p>
           <a:p>
             <a:pPr lvl="1"/>
             <a:r>
-              <a:rPr lang="en-US" sz="2400" dirty="0" smtClean="0"/>
+              <a:rPr lang="en-US" sz="2400" dirty="0"/>
               <a:t>Interrupt GPIO for Keypad:</a:t>
             </a:r>
           </a:p>
           <a:p>
             <a:pPr lvl="2"/>
             <a:r>
-              <a:rPr lang="en-US" sz="2200" dirty="0" smtClean="0"/>
+              <a:rPr lang="en-US" sz="2200" dirty="0"/>
               <a:t>Common pin usage with ISP pins</a:t>
             </a:r>
           </a:p>
           <a:p>
             <a:pPr lvl="1"/>
             <a:r>
-              <a:rPr lang="en-US" sz="2400" dirty="0" smtClean="0"/>
+              <a:rPr lang="en-US" sz="2400" dirty="0"/>
               <a:t>SOLIDWORKS: More flexible</a:t>
             </a:r>
           </a:p>
           <a:p>
             <a:pPr lvl="1"/>
             <a:r>
-              <a:rPr lang="en-US" sz="2400" dirty="0" smtClean="0"/>
+              <a:rPr lang="en-US" sz="2400" dirty="0"/>
               <a:t>Laser-cutter: </a:t>
             </a:r>
           </a:p>
           <a:p>
             <a:pPr lvl="2"/>
             <a:r>
-              <a:rPr lang="en-US" sz="2200" dirty="0" smtClean="0"/>
+              <a:rPr lang="en-US" sz="2200" dirty="0"/>
               <a:t>Faster</a:t>
             </a:r>
-            <a:endParaRPr lang="en-US" sz="2200" dirty="0"/>
           </a:p>
           <a:p>
             <a:pPr lvl="2"/>
             <a:r>
-              <a:rPr lang="en-US" sz="2200" dirty="0" smtClean="0"/>
+              <a:rPr lang="en-US" sz="2200" dirty="0"/>
               <a:t>Easy to fix</a:t>
             </a:r>
             <a:endParaRPr lang="en-US" dirty="0"/>
@@ -8535,13 +8684,6 @@
   <p:clrMapOvr>
     <a:masterClrMapping/>
   </p:clrMapOvr>
-  <p:timing>
-    <p:tnLst>
-      <p:par>
-        <p:cTn id="1" dur="indefinite" restart="never" nodeType="tmRoot"/>
-      </p:par>
-    </p:tnLst>
-  </p:timing>
 </p:sld>
 </file>
 
@@ -8578,10 +8720,9 @@
           <a:lstStyle/>
           <a:p>
             <a:r>
-              <a:rPr lang="en-US" dirty="0" smtClean="0"/>
+              <a:rPr lang="en-US" dirty="0"/>
               <a:t>Implementation</a:t>
             </a:r>
-            <a:endParaRPr lang="en-US" dirty="0"/>
           </a:p>
         </p:txBody>
       </p:sp>
@@ -8618,7 +8759,7 @@
               <a:defRPr/>
             </a:pPr>
             <a:r>
-              <a:rPr lang="en-US" dirty="0" smtClean="0"/>
+              <a:rPr lang="en-US" dirty="0"/>
               <a:t>Major components:</a:t>
             </a:r>
           </a:p>
@@ -8641,7 +8782,7 @@
               <a:defRPr/>
             </a:pPr>
             <a:r>
-              <a:rPr lang="en-US" dirty="0" smtClean="0"/>
+              <a:rPr lang="en-US" dirty="0"/>
               <a:t>Microprocessor: ATmega328P</a:t>
             </a:r>
           </a:p>
@@ -8664,7 +8805,7 @@
               <a:defRPr/>
             </a:pPr>
             <a:r>
-              <a:rPr lang="en-US" dirty="0" smtClean="0"/>
+              <a:rPr lang="en-US" dirty="0"/>
               <a:t>Locking Mechanism:</a:t>
             </a:r>
           </a:p>
@@ -8680,7 +8821,7 @@
               <a:buChar char="•"/>
             </a:pPr>
             <a:r>
-              <a:rPr lang="en-US" dirty="0" smtClean="0"/>
+              <a:rPr lang="en-US" dirty="0"/>
               <a:t>Key Pad</a:t>
             </a:r>
           </a:p>
@@ -8696,7 +8837,7 @@
               <a:buChar char="•"/>
             </a:pPr>
             <a:r>
-              <a:rPr lang="en-US" dirty="0" smtClean="0"/>
+              <a:rPr lang="en-US" dirty="0"/>
               <a:t>16x2 LCD Display</a:t>
             </a:r>
           </a:p>
@@ -8712,7 +8853,7 @@
               <a:buChar char="•"/>
             </a:pPr>
             <a:r>
-              <a:rPr lang="en-US" dirty="0" smtClean="0"/>
+              <a:rPr lang="en-US" dirty="0"/>
               <a:t>Solenoid</a:t>
             </a:r>
           </a:p>
@@ -8726,7 +8867,7 @@
               </a:spcBef>
             </a:pPr>
             <a:r>
-              <a:rPr lang="en-US" dirty="0" smtClean="0"/>
+              <a:rPr lang="en-US" dirty="0"/>
               <a:t>Useless Box Mechanism:</a:t>
             </a:r>
           </a:p>
@@ -8740,7 +8881,7 @@
               </a:spcBef>
             </a:pPr>
             <a:r>
-              <a:rPr lang="en-US" dirty="0" smtClean="0"/>
+              <a:rPr lang="en-US" dirty="0"/>
               <a:t>Switch</a:t>
             </a:r>
           </a:p>
@@ -8754,10 +8895,9 @@
               </a:spcBef>
             </a:pPr>
             <a:r>
-              <a:rPr lang="en-US" dirty="0" smtClean="0"/>
+              <a:rPr lang="en-US" dirty="0"/>
               <a:t>Servo</a:t>
             </a:r>
-            <a:endParaRPr lang="en-US" dirty="0"/>
           </a:p>
         </p:txBody>
       </p:sp>
@@ -8777,10 +8917,9 @@
           <a:lstStyle/>
           <a:p>
             <a:r>
-              <a:rPr lang="en-US" dirty="0" smtClean="0"/>
+              <a:rPr lang="en-US" dirty="0"/>
               <a:t>Picture for main component go hear</a:t>
             </a:r>
-            <a:endParaRPr lang="en-US" dirty="0"/>
           </a:p>
         </p:txBody>
       </p:sp>
@@ -8794,13 +8933,6 @@
   <p:clrMapOvr>
     <a:masterClrMapping/>
   </p:clrMapOvr>
-  <p:timing>
-    <p:tnLst>
-      <p:par>
-        <p:cTn id="1" dur="indefinite" restart="never" nodeType="tmRoot"/>
-      </p:par>
-    </p:tnLst>
-  </p:timing>
 </p:sld>
 </file>
 
@@ -8844,10 +8976,9 @@
           <a:lstStyle/>
           <a:p>
             <a:r>
-              <a:rPr lang="en-US" dirty="0" smtClean="0"/>
+              <a:rPr lang="en-US" dirty="0"/>
               <a:t>Implementation - Schematic</a:t>
             </a:r>
-            <a:endParaRPr lang="en-US" dirty="0"/>
           </a:p>
         </p:txBody>
       </p:sp>
@@ -8890,13 +9021,6 @@
   <p:clrMapOvr>
     <a:masterClrMapping/>
   </p:clrMapOvr>
-  <p:timing>
-    <p:tnLst>
-      <p:par>
-        <p:cTn id="1" dur="indefinite" restart="never" nodeType="tmRoot"/>
-      </p:par>
-    </p:tnLst>
-  </p:timing>
 </p:sld>
 </file>
 
@@ -8933,17 +9057,16 @@
           <a:lstStyle/>
           <a:p>
             <a:r>
-              <a:rPr lang="en-US" dirty="0" smtClean="0"/>
+              <a:rPr lang="en-US" dirty="0"/>
               <a:t>Implementation</a:t>
             </a:r>
             <a:br>
-              <a:rPr lang="en-US" dirty="0" smtClean="0"/>
+              <a:rPr lang="en-US" dirty="0"/>
             </a:br>
             <a:r>
-              <a:rPr lang="en-US" dirty="0" smtClean="0"/>
+              <a:rPr lang="en-US" dirty="0"/>
               <a:t>Coding</a:t>
             </a:r>
-            <a:endParaRPr lang="en-US" dirty="0"/>
           </a:p>
         </p:txBody>
       </p:sp>
@@ -9022,17 +9145,16 @@
           <a:lstStyle/>
           <a:p>
             <a:r>
-              <a:rPr lang="en-US" dirty="0" smtClean="0"/>
+              <a:rPr lang="en-US" dirty="0"/>
               <a:t>Implementation</a:t>
             </a:r>
             <a:br>
-              <a:rPr lang="en-US" dirty="0" smtClean="0"/>
+              <a:rPr lang="en-US" dirty="0"/>
             </a:br>
             <a:r>
-              <a:rPr lang="en-US" dirty="0" smtClean="0"/>
+              <a:rPr lang="en-US" dirty="0"/>
               <a:t>Pseudo code</a:t>
             </a:r>
-            <a:endParaRPr lang="en-US" dirty="0"/>
           </a:p>
         </p:txBody>
       </p:sp>
@@ -9069,7 +9191,7 @@
               <a:defRPr/>
             </a:pPr>
             <a:r>
-              <a:rPr lang="en-US" dirty="0" smtClean="0"/>
+              <a:rPr lang="en-US" dirty="0"/>
               <a:t>While switch on</a:t>
             </a:r>
           </a:p>
@@ -9093,11 +9215,7 @@
             </a:pPr>
             <a:r>
               <a:rPr lang="en-US" dirty="0"/>
-              <a:t>	</a:t>
-            </a:r>
-            <a:r>
-              <a:rPr lang="en-US" dirty="0" smtClean="0"/>
-              <a:t>Ask for 4-key number code</a:t>
+              <a:t>	Ask for 4-key number code</a:t>
             </a:r>
           </a:p>
           <a:p>
@@ -9120,11 +9238,7 @@
             </a:pPr>
             <a:r>
               <a:rPr lang="en-US" dirty="0"/>
-              <a:t>	</a:t>
-            </a:r>
-            <a:r>
-              <a:rPr lang="en-US" dirty="0" smtClean="0"/>
-              <a:t>If the code is the pass code: open the box, flip the switch</a:t>
+              <a:t>	If the code is the pass code: open the box, flip the switch</a:t>
             </a:r>
           </a:p>
           <a:p>
@@ -9147,11 +9261,7 @@
             </a:pPr>
             <a:r>
               <a:rPr lang="en-US" dirty="0"/>
-              <a:t>	</a:t>
-            </a:r>
-            <a:r>
-              <a:rPr lang="en-US" dirty="0" smtClean="0"/>
-              <a:t>Else If the code is the reset code: run the reset sequence</a:t>
+              <a:t>	Else If the code is the reset code: run the reset sequence</a:t>
             </a:r>
           </a:p>
           <a:p>
@@ -9173,7 +9283,7 @@
               <a:defRPr/>
             </a:pPr>
             <a:r>
-              <a:rPr lang="en-US" dirty="0" smtClean="0"/>
+              <a:rPr lang="en-US" dirty="0"/>
               <a:t>	Else if the code is admin code: run the change sequence</a:t>
             </a:r>
           </a:p>
@@ -9197,11 +9307,7 @@
             </a:pPr>
             <a:r>
               <a:rPr lang="en-US" dirty="0"/>
-              <a:t>	</a:t>
-            </a:r>
-            <a:r>
-              <a:rPr lang="en-US" dirty="0" smtClean="0"/>
-              <a:t>Else flip the switch</a:t>
+              <a:t>	Else flip the switch</a:t>
             </a:r>
           </a:p>
           <a:p>
@@ -9226,7 +9332,6 @@
               <a:rPr lang="en-US" dirty="0"/>
               <a:t>	</a:t>
             </a:r>
-            <a:endParaRPr lang="en-US" dirty="0" smtClean="0"/>
           </a:p>
         </p:txBody>
       </p:sp>
@@ -9281,7 +9386,7 @@
           <a:lstStyle/>
           <a:p>
             <a:r>
-              <a:rPr lang="en-US" smtClean="0"/>
+              <a:rPr lang="en-US"/>
               <a:t>Implementation - Board Layout and Box Model</a:t>
             </a:r>
             <a:endParaRPr lang="en-US" dirty="0"/>
@@ -9299,7 +9404,7 @@
           </p:nvPr>
         </p:nvPicPr>
         <p:blipFill>
-          <a:blip r:embed="rId2">
+          <a:blip r:embed="rId2" cstate="print">
             <a:extLst>
               <a:ext uri="{28A0092B-C50C-407E-A947-70E740481C1C}">
                 <a14:useLocalDpi xmlns:a14="http://schemas.microsoft.com/office/drawing/2010/main" val="0"/>
@@ -9393,21 +9498,16 @@
           <a:lstStyle/>
           <a:p>
             <a:r>
-              <a:rPr lang="en-US" dirty="0" smtClean="0"/>
+              <a:rPr lang="en-US" dirty="0"/>
               <a:t>Implementation </a:t>
-            </a:r>
-            <a:r>
-              <a:rPr lang="en-US" dirty="0"/>
-              <a:t/>
             </a:r>
             <a:br>
               <a:rPr lang="en-US" dirty="0"/>
             </a:br>
             <a:r>
-              <a:rPr lang="en-US" dirty="0" smtClean="0"/>
+              <a:rPr lang="en-US" dirty="0"/>
               <a:t>Billing of Materials</a:t>
             </a:r>
-            <a:endParaRPr lang="en-US" dirty="0"/>
           </a:p>
         </p:txBody>
       </p:sp>
@@ -9450,13 +9550,6 @@
   <p:clrMapOvr>
     <a:masterClrMapping/>
   </p:clrMapOvr>
-  <p:timing>
-    <p:tnLst>
-      <p:par>
-        <p:cTn id="1" dur="indefinite" restart="never" nodeType="tmRoot"/>
-      </p:par>
-    </p:tnLst>
-  </p:timing>
 </p:sld>
 </file>
 
@@ -9493,10 +9586,9 @@
           <a:lstStyle/>
           <a:p>
             <a:r>
-              <a:rPr lang="en-US" dirty="0" smtClean="0"/>
+              <a:rPr lang="en-US" dirty="0"/>
               <a:t>IP and Prior Work</a:t>
             </a:r>
-            <a:endParaRPr lang="en-US" dirty="0"/>
           </a:p>
         </p:txBody>
       </p:sp>
@@ -9516,21 +9608,21 @@
           <a:lstStyle/>
           <a:p>
             <a:r>
-              <a:rPr lang="en-US" dirty="0" smtClean="0"/>
+              <a:rPr lang="en-US" dirty="0"/>
               <a:t>Useless box: Originally designed in 1930s by Italian artist Bruno </a:t>
             </a:r>
             <a:r>
-              <a:rPr lang="en-US" dirty="0" err="1" smtClean="0"/>
+              <a:rPr lang="en-US" dirty="0" err="1"/>
               <a:t>Munari</a:t>
             </a:r>
             <a:r>
-              <a:rPr lang="en-US" dirty="0" smtClean="0"/>
+              <a:rPr lang="en-US" dirty="0"/>
               <a:t>. The most famous useless box began in 1952 at Bell Labs by Marvin Minsky.</a:t>
             </a:r>
           </a:p>
           <a:p>
             <a:r>
-              <a:rPr lang="en-US" dirty="0" smtClean="0"/>
+              <a:rPr lang="en-US" dirty="0"/>
               <a:t>Lock box: The first key lockbox was invented over 55 years ago by Delbert Williams.</a:t>
             </a:r>
           </a:p>
@@ -9582,10 +9674,9 @@
           <a:lstStyle/>
           <a:p>
             <a:r>
-              <a:rPr lang="en-US" dirty="0" smtClean="0"/>
+              <a:rPr lang="en-US" dirty="0"/>
               <a:t>Testing plan</a:t>
             </a:r>
-            <a:endParaRPr lang="en-US" dirty="0"/>
           </a:p>
         </p:txBody>
       </p:sp>
@@ -9606,65 +9697,65 @@
           </a:bodyPr>
           <a:lstStyle/>
           <a:p>
-            <a:endParaRPr lang="en-US" dirty="0" smtClean="0"/>
-          </a:p>
-          <a:p>
-            <a:r>
-              <a:rPr lang="en-US" dirty="0" smtClean="0"/>
+            <a:endParaRPr lang="en-US" dirty="0"/>
+          </a:p>
+          <a:p>
+            <a:r>
+              <a:rPr lang="en-US" dirty="0"/>
               <a:t>Individual modules testing: servo, keypad, LCD, switch</a:t>
             </a:r>
           </a:p>
           <a:p>
             <a:r>
-              <a:rPr lang="en-US" dirty="0" smtClean="0"/>
+              <a:rPr lang="en-US" dirty="0"/>
               <a:t>Integrations test: Correct code/ Admin code/ Incorrect code enter</a:t>
             </a:r>
           </a:p>
           <a:p>
             <a:r>
-              <a:rPr lang="en-US" dirty="0" smtClean="0"/>
+              <a:rPr lang="en-US" dirty="0"/>
               <a:t>Acceptance test: does it meet the condition is PDS</a:t>
             </a:r>
           </a:p>
           <a:p>
             <a:pPr lvl="1"/>
             <a:r>
-              <a:rPr lang="en-US" dirty="0" smtClean="0"/>
+              <a:rPr lang="en-US" dirty="0"/>
               <a:t>Privacy</a:t>
             </a:r>
           </a:p>
           <a:p>
             <a:pPr lvl="1"/>
             <a:r>
-              <a:rPr lang="en-US" dirty="0" smtClean="0"/>
+              <a:rPr lang="en-US" dirty="0"/>
               <a:t>Entertaining</a:t>
             </a:r>
           </a:p>
           <a:p>
             <a:pPr lvl="1"/>
             <a:r>
-              <a:rPr lang="en-US" dirty="0" smtClean="0"/>
+              <a:rPr lang="en-US" dirty="0"/>
               <a:t>Environmentally friendly</a:t>
             </a:r>
           </a:p>
           <a:p>
             <a:pPr lvl="1"/>
             <a:r>
-              <a:rPr lang="en-US" dirty="0" smtClean="0"/>
+              <a:rPr lang="en-US" dirty="0"/>
               <a:t>Authenticity</a:t>
             </a:r>
           </a:p>
           <a:p>
             <a:pPr lvl="1"/>
             <a:r>
-              <a:rPr lang="en-US" dirty="0" smtClean="0"/>
+              <a:rPr lang="en-US" dirty="0"/>
               <a:t>Economic</a:t>
             </a:r>
           </a:p>
           <a:p>
             <a:pPr lvl="1"/>
             <a:r>
-              <a:rPr lang="en-US" dirty="0" smtClean="0"/>
+              <a:rPr lang="en-US" dirty="0"/>
               <a:t>Operational physical environments</a:t>
             </a:r>
           </a:p>
@@ -9720,10 +9811,9 @@
           <a:lstStyle/>
           <a:p>
             <a:r>
-              <a:rPr lang="en-US" dirty="0" smtClean="0"/>
+              <a:rPr lang="en-US" dirty="0"/>
               <a:t>Need and Motivation</a:t>
             </a:r>
-            <a:endParaRPr lang="en-US" dirty="0"/>
           </a:p>
         </p:txBody>
       </p:sp>
@@ -9751,58 +9841,43 @@
           <a:p>
             <a:pPr algn="just"/>
             <a:r>
-              <a:rPr lang="en-US" dirty="0" smtClean="0"/>
+              <a:rPr lang="en-US" dirty="0"/>
               <a:t>Need:</a:t>
             </a:r>
           </a:p>
           <a:p>
             <a:pPr lvl="1" algn="just"/>
             <a:r>
-              <a:rPr lang="en-US" dirty="0" smtClean="0"/>
-              <a:t>Privacy </a:t>
-            </a:r>
-            <a:r>
               <a:rPr lang="en-US" dirty="0"/>
-              <a:t>and security have become major concerns in society today. Whether it be a teenager trying to keep a diary hidden or an adult keeping money away from a less than trustworthy roommate, a lockbox is a good way to go. </a:t>
-            </a:r>
-            <a:endParaRPr lang="en-US" dirty="0" smtClean="0"/>
+              <a:t>Privacy and security have become major concerns in society today. Whether it be a teenager trying to keep a diary hidden or an adult keeping money away from a less than trustworthy roommate, a lockbox is a good way to go. </a:t>
+            </a:r>
           </a:p>
           <a:p>
             <a:pPr lvl="1" algn="just"/>
             <a:r>
-              <a:rPr lang="en-US" dirty="0" smtClean="0"/>
-              <a:t>Unfortunately</a:t>
-            </a:r>
-            <a:r>
               <a:rPr lang="en-US" dirty="0"/>
-              <a:t>, lockboxes are obvious and sometimes bring with them curiosity as to what is inside. An interesting and elegant way to keep a lockbox without arousing much suspicion is needed</a:t>
-            </a:r>
-            <a:r>
-              <a:rPr lang="en-US" dirty="0" smtClean="0"/>
-              <a:t>.</a:t>
-            </a:r>
-          </a:p>
-          <a:p>
-            <a:r>
-              <a:rPr lang="en-US" dirty="0" smtClean="0"/>
+              <a:t>Unfortunately, lockboxes are obvious and sometimes bring with them curiosity as to what is inside. An interesting and elegant way to keep a lockbox without arousing much suspicion is needed.</a:t>
+            </a:r>
+          </a:p>
+          <a:p>
+            <a:r>
+              <a:rPr lang="en-US" dirty="0"/>
               <a:t>Motivation</a:t>
             </a:r>
           </a:p>
           <a:p>
             <a:pPr lvl="1"/>
             <a:r>
-              <a:rPr lang="en-US" dirty="0" smtClean="0"/>
+              <a:rPr lang="en-US" dirty="0"/>
               <a:t>Privacy</a:t>
             </a:r>
-            <a:endParaRPr lang="en-US" dirty="0"/>
           </a:p>
           <a:p>
             <a:pPr lvl="1"/>
             <a:r>
-              <a:rPr lang="en-US" dirty="0" smtClean="0"/>
+              <a:rPr lang="en-US" dirty="0"/>
               <a:t>Entertaining</a:t>
             </a:r>
-            <a:endParaRPr lang="en-US" dirty="0"/>
           </a:p>
           <a:p>
             <a:pPr lvl="1"/>
@@ -9821,12 +9896,8 @@
           <a:p>
             <a:pPr lvl="1"/>
             <a:r>
-              <a:rPr lang="en-US" dirty="0" smtClean="0"/>
-              <a:t>Aesthetically </a:t>
-            </a:r>
-            <a:r>
               <a:rPr lang="en-US" dirty="0"/>
-              <a:t>pleasing</a:t>
+              <a:t>Aesthetically pleasing</a:t>
             </a:r>
           </a:p>
           <a:p>
@@ -9836,7 +9907,7 @@
             <a:endParaRPr lang="en-US" dirty="0"/>
           </a:p>
           <a:p>
-            <a:endParaRPr lang="en-US" dirty="0" smtClean="0"/>
+            <a:endParaRPr lang="en-US" dirty="0"/>
           </a:p>
         </p:txBody>
       </p:sp>
@@ -9886,10 +9957,9 @@
           <a:lstStyle/>
           <a:p>
             <a:r>
-              <a:rPr lang="en-US" dirty="0" smtClean="0"/>
+              <a:rPr lang="en-US" dirty="0"/>
               <a:t>Result</a:t>
             </a:r>
-            <a:endParaRPr lang="en-US" dirty="0"/>
           </a:p>
         </p:txBody>
       </p:sp>
@@ -9909,16 +9979,15 @@
           <a:lstStyle/>
           <a:p>
             <a:r>
-              <a:rPr lang="en-US" dirty="0" smtClean="0"/>
+              <a:rPr lang="en-US" dirty="0"/>
               <a:t>A lock box and four working PCBs</a:t>
             </a:r>
           </a:p>
           <a:p>
             <a:r>
-              <a:rPr lang="en-US" dirty="0" smtClean="0"/>
+              <a:rPr lang="en-US" dirty="0"/>
               <a:t>Picture of the whole box here</a:t>
             </a:r>
-            <a:endParaRPr lang="en-US" dirty="0"/>
           </a:p>
         </p:txBody>
       </p:sp>
@@ -9968,10 +10037,9 @@
           <a:lstStyle/>
           <a:p>
             <a:r>
-              <a:rPr lang="en-US" dirty="0" smtClean="0"/>
+              <a:rPr lang="en-US" dirty="0"/>
               <a:t>Contribution and Lessons Learning</a:t>
             </a:r>
-            <a:endParaRPr lang="en-US" dirty="0"/>
           </a:p>
         </p:txBody>
       </p:sp>
@@ -10006,7 +10074,7 @@
               </a:spcBef>
             </a:pPr>
             <a:r>
-              <a:rPr lang="en-US" dirty="0" smtClean="0"/>
+              <a:rPr lang="en-US" dirty="0"/>
               <a:t>Contribution: All members are involved in the whole design process. </a:t>
             </a:r>
           </a:p>
@@ -10020,7 +10088,7 @@
               </a:spcBef>
             </a:pPr>
             <a:r>
-              <a:rPr lang="en-US" dirty="0" smtClean="0"/>
+              <a:rPr lang="en-US" dirty="0"/>
               <a:t>Box printing</a:t>
             </a:r>
           </a:p>
@@ -10034,7 +10102,7 @@
               </a:spcBef>
             </a:pPr>
             <a:r>
-              <a:rPr lang="en-US" dirty="0" smtClean="0"/>
+              <a:rPr lang="en-US" dirty="0"/>
               <a:t>Schematic/PCB</a:t>
             </a:r>
           </a:p>
@@ -10048,7 +10116,7 @@
               </a:spcBef>
             </a:pPr>
             <a:r>
-              <a:rPr lang="en-US" dirty="0" smtClean="0"/>
+              <a:rPr lang="en-US" dirty="0"/>
               <a:t>Coding</a:t>
             </a:r>
           </a:p>
@@ -10062,7 +10130,7 @@
               </a:spcBef>
             </a:pPr>
             <a:r>
-              <a:rPr lang="en-US" dirty="0" smtClean="0"/>
+              <a:rPr lang="en-US" dirty="0"/>
               <a:t>Testing</a:t>
             </a:r>
           </a:p>
@@ -10076,7 +10144,7 @@
               </a:spcBef>
             </a:pPr>
             <a:r>
-              <a:rPr lang="en-US" dirty="0" smtClean="0"/>
+              <a:rPr lang="en-US" dirty="0"/>
               <a:t>Writing</a:t>
             </a:r>
           </a:p>
@@ -10090,7 +10158,7 @@
               </a:spcBef>
             </a:pPr>
             <a:r>
-              <a:rPr lang="en-US" dirty="0" smtClean="0"/>
+              <a:rPr lang="en-US" dirty="0"/>
               <a:t>Lessons learning: Each team member learns more on working in team.</a:t>
             </a:r>
           </a:p>
@@ -10105,11 +10173,7 @@
             </a:pPr>
             <a:r>
               <a:rPr lang="en-US" dirty="0"/>
-              <a:t>B</a:t>
-            </a:r>
-            <a:r>
-              <a:rPr lang="en-US" dirty="0" smtClean="0"/>
-              <a:t>rainstorming process </a:t>
+              <a:t>Brainstorming process </a:t>
             </a:r>
           </a:p>
           <a:p>
@@ -10122,7 +10186,7 @@
               </a:spcBef>
             </a:pPr>
             <a:r>
-              <a:rPr lang="en-US" dirty="0" smtClean="0"/>
+              <a:rPr lang="en-US" dirty="0"/>
               <a:t>Designing </a:t>
             </a:r>
           </a:p>
@@ -10137,11 +10201,7 @@
             </a:pPr>
             <a:r>
               <a:rPr lang="en-US" dirty="0"/>
-              <a:t>D</a:t>
-            </a:r>
-            <a:r>
-              <a:rPr lang="en-US" dirty="0" smtClean="0"/>
-              <a:t>ecision making </a:t>
+              <a:t>Decision making </a:t>
             </a:r>
           </a:p>
           <a:p>
@@ -10155,11 +10215,7 @@
             </a:pPr>
             <a:r>
               <a:rPr lang="en-US" dirty="0"/>
-              <a:t>I</a:t>
-            </a:r>
-            <a:r>
-              <a:rPr lang="en-US" dirty="0" smtClean="0"/>
-              <a:t>ssues troubleshooting</a:t>
+              <a:t>Issues troubleshooting</a:t>
             </a:r>
           </a:p>
           <a:p>
@@ -10172,10 +10228,9 @@
               </a:spcBef>
             </a:pPr>
             <a:r>
-              <a:rPr lang="en-US" dirty="0" smtClean="0"/>
+              <a:rPr lang="en-US" dirty="0"/>
               <a:t>Documentation</a:t>
             </a:r>
-            <a:endParaRPr lang="en-US" dirty="0"/>
           </a:p>
           <a:p>
             <a:pPr lvl="1">
@@ -10187,7 +10242,7 @@
               </a:spcBef>
             </a:pPr>
             <a:r>
-              <a:rPr lang="en-US" dirty="0" smtClean="0"/>
+              <a:rPr lang="en-US" dirty="0"/>
               <a:t>Communication</a:t>
             </a:r>
           </a:p>
@@ -10239,10 +10294,9 @@
           <a:lstStyle/>
           <a:p>
             <a:r>
-              <a:rPr lang="en-US" dirty="0" smtClean="0"/>
+              <a:rPr lang="en-US" dirty="0"/>
               <a:t>Thank you</a:t>
             </a:r>
-            <a:endParaRPr lang="en-US" dirty="0"/>
           </a:p>
         </p:txBody>
       </p:sp>
@@ -10275,13 +10329,6 @@
   <p:clrMapOvr>
     <a:masterClrMapping/>
   </p:clrMapOvr>
-  <p:timing>
-    <p:tnLst>
-      <p:par>
-        <p:cTn id="1" dur="indefinite" restart="never" nodeType="tmRoot"/>
-      </p:par>
-    </p:tnLst>
-  </p:timing>
 </p:sld>
 </file>
 
@@ -10318,10 +10365,9 @@
           <a:lstStyle/>
           <a:p>
             <a:r>
-              <a:rPr lang="en-US" dirty="0" smtClean="0"/>
+              <a:rPr lang="en-US" dirty="0"/>
               <a:t>Objective</a:t>
             </a:r>
-            <a:endParaRPr lang="en-US" dirty="0"/>
           </a:p>
         </p:txBody>
       </p:sp>
@@ -10350,100 +10396,72 @@
             <a:pPr algn="just"/>
             <a:r>
               <a:rPr lang="en-US" dirty="0"/>
-              <a:t>The </a:t>
-            </a:r>
-            <a:r>
-              <a:rPr lang="en-US" dirty="0" smtClean="0"/>
-              <a:t>overall objective </a:t>
-            </a:r>
+              <a:t>The overall objective of this project is designing and prototyping an elegant lockbox. The locking feature should not be the most distinguishing feature yet still be a secured box of storing items.</a:t>
+            </a:r>
+          </a:p>
+          <a:p>
             <a:r>
               <a:rPr lang="en-US" dirty="0"/>
-              <a:t>of this project is </a:t>
-            </a:r>
-            <a:r>
-              <a:rPr lang="en-US" dirty="0" smtClean="0"/>
-              <a:t>designing and prototyping an elegant lockbox. The locking feature should </a:t>
-            </a:r>
+              <a:t>Design</a:t>
+            </a:r>
+          </a:p>
+          <a:p>
+            <a:pPr lvl="1"/>
             <a:r>
               <a:rPr lang="en-US" dirty="0"/>
-              <a:t>not be the most distinguishing </a:t>
-            </a:r>
-            <a:r>
-              <a:rPr lang="en-US" dirty="0" smtClean="0"/>
-              <a:t>feature yet still be a secured box of </a:t>
-            </a:r>
+              <a:t>PCB</a:t>
+            </a:r>
+          </a:p>
+          <a:p>
+            <a:pPr lvl="1"/>
             <a:r>
               <a:rPr lang="en-US" dirty="0"/>
-              <a:t>storing items.</a:t>
-            </a:r>
-          </a:p>
-          <a:p>
-            <a:r>
-              <a:rPr lang="en-US" dirty="0" smtClean="0"/>
-              <a:t>Design</a:t>
+              <a:t>Unlock program</a:t>
             </a:r>
           </a:p>
           <a:p>
             <a:pPr lvl="1"/>
             <a:r>
-              <a:rPr lang="en-US" dirty="0" smtClean="0"/>
-              <a:t>PCB</a:t>
+              <a:rPr lang="en-US" dirty="0"/>
+              <a:t>Box</a:t>
+            </a:r>
+          </a:p>
+          <a:p>
+            <a:r>
+              <a:rPr lang="en-US" dirty="0"/>
+              <a:t>Prototype</a:t>
             </a:r>
           </a:p>
           <a:p>
             <a:pPr lvl="1"/>
             <a:r>
-              <a:rPr lang="en-US" dirty="0" smtClean="0"/>
-              <a:t>Unlock program</a:t>
+              <a:rPr lang="en-US" dirty="0"/>
+              <a:t>Hardware box</a:t>
+            </a:r>
+          </a:p>
+          <a:p>
+            <a:r>
+              <a:rPr lang="en-US" dirty="0"/>
+              <a:t>Test</a:t>
             </a:r>
           </a:p>
           <a:p>
             <a:pPr lvl="1"/>
             <a:r>
-              <a:rPr lang="en-US" dirty="0" smtClean="0"/>
-              <a:t>Box</a:t>
-            </a:r>
-          </a:p>
-          <a:p>
-            <a:r>
-              <a:rPr lang="en-US" dirty="0" smtClean="0"/>
-              <a:t>Prototype</a:t>
+              <a:rPr lang="en-US" dirty="0"/>
+              <a:t>Input correct code/unlocks/disable</a:t>
             </a:r>
           </a:p>
           <a:p>
             <a:pPr lvl="1"/>
             <a:r>
               <a:rPr lang="en-US" dirty="0"/>
-              <a:t>H</a:t>
-            </a:r>
-            <a:r>
-              <a:rPr lang="en-US" dirty="0" smtClean="0"/>
-              <a:t>ardware box</a:t>
-            </a:r>
-          </a:p>
-          <a:p>
-            <a:r>
-              <a:rPr lang="en-US" dirty="0" smtClean="0"/>
-              <a:t>Test</a:t>
+              <a:t>Input incorrect code/disable</a:t>
             </a:r>
           </a:p>
           <a:p>
             <a:pPr lvl="1"/>
-            <a:r>
-              <a:rPr lang="en-US" dirty="0" smtClean="0"/>
-              <a:t>Input correct code/unlocks/disable</a:t>
-            </a:r>
-          </a:p>
-          <a:p>
-            <a:pPr lvl="1"/>
-            <a:r>
-              <a:rPr lang="en-US" dirty="0" smtClean="0"/>
-              <a:t>Input incorrect code/disable</a:t>
-            </a:r>
-          </a:p>
-          <a:p>
-            <a:pPr lvl="1"/>
-            <a:endParaRPr lang="en-US" dirty="0" smtClean="0"/>
+            <a:endParaRPr lang="en-US" dirty="0"/>
           </a:p>
         </p:txBody>
       </p:sp>
@@ -10457,13 +10475,6 @@
   <p:clrMapOvr>
     <a:masterClrMapping/>
   </p:clrMapOvr>
-  <p:timing>
-    <p:tnLst>
-      <p:par>
-        <p:cTn id="1" dur="indefinite" restart="never" nodeType="tmRoot"/>
-      </p:par>
-    </p:tnLst>
-  </p:timing>
 </p:sld>
 </file>
 
@@ -10500,10 +10511,9 @@
           <a:lstStyle/>
           <a:p>
             <a:r>
-              <a:rPr lang="en-US" dirty="0" smtClean="0"/>
+              <a:rPr lang="en-US" dirty="0"/>
               <a:t>Alternatives</a:t>
             </a:r>
-            <a:endParaRPr lang="en-US" dirty="0"/>
           </a:p>
         </p:txBody>
       </p:sp>
@@ -10523,7 +10533,7 @@
           <a:lstStyle/>
           <a:p>
             <a:r>
-              <a:rPr lang="en-US" dirty="0" smtClean="0"/>
+              <a:rPr lang="en-US" dirty="0"/>
               <a:t>Conventional lock box</a:t>
             </a:r>
           </a:p>
@@ -10801,10 +10811,9 @@
           <a:lstStyle/>
           <a:p>
             <a:r>
-              <a:rPr lang="en-US" dirty="0" smtClean="0"/>
+              <a:rPr lang="en-US" dirty="0"/>
               <a:t>Requirements </a:t>
             </a:r>
-            <a:endParaRPr lang="en-US" dirty="0"/>
           </a:p>
         </p:txBody>
       </p:sp>
@@ -10819,7 +10828,7 @@
           </p:nvPr>
         </p:nvPicPr>
         <p:blipFill>
-          <a:blip r:embed="rId2">
+          <a:blip r:embed="rId2" cstate="print">
             <a:extLst>
               <a:ext uri="{28A0092B-C50C-407E-A947-70E740481C1C}">
                 <a14:useLocalDpi xmlns:a14="http://schemas.microsoft.com/office/drawing/2010/main" val="0"/>
@@ -10848,7 +10857,7 @@
           </p:nvPr>
         </p:nvPicPr>
         <p:blipFill>
-          <a:blip r:embed="rId3">
+          <a:blip r:embed="rId3" cstate="print">
             <a:extLst>
               <a:ext uri="{28A0092B-C50C-407E-A947-70E740481C1C}">
                 <a14:useLocalDpi xmlns:a14="http://schemas.microsoft.com/office/drawing/2010/main" val="0"/>
@@ -10876,13 +10885,6 @@
   <p:clrMapOvr>
     <a:masterClrMapping/>
   </p:clrMapOvr>
-  <p:timing>
-    <p:tnLst>
-      <p:par>
-        <p:cTn id="1" dur="indefinite" restart="never" nodeType="tmRoot"/>
-      </p:par>
-    </p:tnLst>
-  </p:timing>
 </p:sld>
 </file>
 
@@ -10919,10 +10921,9 @@
           <a:lstStyle/>
           <a:p>
             <a:r>
-              <a:rPr lang="en-US" dirty="0" smtClean="0"/>
+              <a:rPr lang="en-US" dirty="0"/>
               <a:t>Approach</a:t>
             </a:r>
-            <a:endParaRPr lang="en-US" dirty="0"/>
           </a:p>
         </p:txBody>
       </p:sp>
@@ -10950,56 +10951,15 @@
           <a:p>
             <a:pPr algn="just"/>
             <a:r>
-              <a:rPr lang="en-US" dirty="0" smtClean="0"/>
-              <a:t>Useless machine feature incorporation: Simple box with a </a:t>
-            </a:r>
-            <a:r>
               <a:rPr lang="en-US" dirty="0"/>
-              <a:t>switch and a moving arm. When the switch is </a:t>
-            </a:r>
-            <a:r>
-              <a:rPr lang="en-US" dirty="0" smtClean="0"/>
-              <a:t>flipped, </a:t>
-            </a:r>
+              <a:t>Useless machine feature incorporation: Simple box with a switch and a moving arm. When the switch is flipped, the arm moves and flips the switch back to the starting position. </a:t>
+            </a:r>
+          </a:p>
+          <a:p>
+            <a:pPr algn="just"/>
             <a:r>
               <a:rPr lang="en-US" dirty="0"/>
-              <a:t>the arm moves and flips the switch back to the starting position. </a:t>
-            </a:r>
-            <a:endParaRPr lang="en-US" dirty="0" smtClean="0"/>
-          </a:p>
-          <a:p>
-            <a:pPr algn="just"/>
-            <a:r>
-              <a:rPr lang="en-US" dirty="0" smtClean="0"/>
-              <a:t>Lock box feature: </a:t>
-            </a:r>
-            <a:r>
-              <a:rPr lang="en-US" dirty="0"/>
-              <a:t>The switch will enable a </a:t>
-            </a:r>
-            <a:r>
-              <a:rPr lang="en-US" dirty="0" smtClean="0"/>
-              <a:t>keypad. </a:t>
-            </a:r>
-            <a:r>
-              <a:rPr lang="en-US" dirty="0"/>
-              <a:t>If the correct </a:t>
-            </a:r>
-            <a:r>
-              <a:rPr lang="en-US" dirty="0" smtClean="0"/>
-              <a:t>passcode </a:t>
-            </a:r>
-            <a:r>
-              <a:rPr lang="en-US" dirty="0"/>
-              <a:t>is entered a solenoid will activate and the “hidden” lockbox compartment will open. If the </a:t>
-            </a:r>
-            <a:r>
-              <a:rPr lang="en-US" dirty="0" smtClean="0"/>
-              <a:t>passcode </a:t>
-            </a:r>
-            <a:r>
-              <a:rPr lang="en-US" dirty="0"/>
-              <a:t>is incorrect a moving arm will flip the switch back to the off position.</a:t>
+              <a:t>Lock box feature: The switch will enable a keypad. If the correct passcode is entered a solenoid will activate and the “hidden” lockbox compartment will open. If the passcode is incorrect a moving arm will flip the switch back to the off position.</a:t>
             </a:r>
           </a:p>
           <a:p>
@@ -11086,10 +11046,9 @@
           <a:lstStyle/>
           <a:p>
             <a:r>
-              <a:rPr lang="en-US" dirty="0" smtClean="0"/>
+              <a:rPr lang="en-US" dirty="0"/>
               <a:t>Approach</a:t>
             </a:r>
-            <a:endParaRPr lang="en-US" dirty="0"/>
           </a:p>
         </p:txBody>
       </p:sp>
@@ -11116,72 +11075,72 @@
           <a:lstStyle/>
           <a:p>
             <a:r>
-              <a:rPr lang="en-US" dirty="0" smtClean="0"/>
+              <a:rPr lang="en-US" dirty="0"/>
               <a:t>Split </a:t>
             </a:r>
             <a:r>
-              <a:rPr lang="en-US" sz="2600" dirty="0" smtClean="0"/>
+              <a:rPr lang="en-US" sz="2600" dirty="0"/>
               <a:t>hardware and software</a:t>
             </a:r>
           </a:p>
           <a:p>
             <a:r>
-              <a:rPr lang="en-US" sz="2600" dirty="0" smtClean="0"/>
+              <a:rPr lang="en-US" sz="2600" dirty="0"/>
               <a:t>ATmega328P microprocessor interactions:</a:t>
             </a:r>
           </a:p>
           <a:p>
             <a:pPr lvl="1"/>
             <a:r>
-              <a:rPr lang="en-US" sz="2600" dirty="0" smtClean="0"/>
+              <a:rPr lang="en-US" sz="2600" dirty="0"/>
               <a:t>LCD		</a:t>
             </a:r>
           </a:p>
           <a:p>
             <a:pPr lvl="1"/>
             <a:r>
-              <a:rPr lang="en-US" sz="2600" dirty="0" smtClean="0"/>
+              <a:rPr lang="en-US" sz="2600" dirty="0"/>
               <a:t>Keypad</a:t>
             </a:r>
           </a:p>
           <a:p>
             <a:pPr lvl="1"/>
             <a:r>
-              <a:rPr lang="en-US" sz="2600" dirty="0" smtClean="0"/>
+              <a:rPr lang="en-US" sz="2600" dirty="0"/>
               <a:t>Servo</a:t>
             </a:r>
           </a:p>
           <a:p>
             <a:pPr lvl="1"/>
             <a:r>
-              <a:rPr lang="en-US" sz="2600" dirty="0" smtClean="0"/>
+              <a:rPr lang="en-US" sz="2600" dirty="0"/>
               <a:t>Solenoid</a:t>
             </a:r>
           </a:p>
           <a:p>
             <a:pPr lvl="1"/>
             <a:r>
-              <a:rPr lang="en-US" sz="2600" dirty="0" smtClean="0"/>
+              <a:rPr lang="en-US" sz="2600" dirty="0"/>
               <a:t>Switch</a:t>
             </a:r>
           </a:p>
           <a:p>
             <a:r>
-              <a:rPr lang="en-US" sz="2600" dirty="0" smtClean="0"/>
+              <a:rPr lang="en-US" sz="2600" dirty="0"/>
               <a:t>Hardware</a:t>
             </a:r>
           </a:p>
           <a:p>
             <a:pPr lvl="1"/>
             <a:r>
-              <a:rPr lang="en-US" sz="2600" dirty="0" smtClean="0"/>
+              <a:rPr lang="en-US" sz="2600" dirty="0"/>
               <a:t>Box/Door</a:t>
             </a:r>
           </a:p>
           <a:p>
             <a:pPr lvl="1"/>
             <a:r>
-              <a:rPr lang="en-US" sz="2600" dirty="0" smtClean="0"/>
+              <a:rPr lang="en-US" sz="2600" dirty="0"/>
               <a:t>PCB</a:t>
             </a:r>
           </a:p>
@@ -11240,17 +11199,16 @@
           <a:lstStyle/>
           <a:p>
             <a:r>
-              <a:rPr lang="en-US" dirty="0" smtClean="0"/>
+              <a:rPr lang="en-US" dirty="0"/>
               <a:t>Project </a:t>
             </a:r>
             <a:br>
-              <a:rPr lang="en-US" dirty="0" smtClean="0"/>
+              <a:rPr lang="en-US" dirty="0"/>
             </a:br>
             <a:r>
-              <a:rPr lang="en-US" dirty="0" smtClean="0"/>
+              <a:rPr lang="en-US" dirty="0"/>
               <a:t>Schedule</a:t>
             </a:r>
-            <a:endParaRPr lang="en-US" dirty="0"/>
           </a:p>
         </p:txBody>
       </p:sp>
@@ -11265,7 +11223,7 @@
           </p:nvPr>
         </p:nvPicPr>
         <p:blipFill>
-          <a:blip r:embed="rId2">
+          <a:blip r:embed="rId2" cstate="print">
             <a:extLst>
               <a:ext uri="{28A0092B-C50C-407E-A947-70E740481C1C}">
                 <a14:useLocalDpi xmlns:a14="http://schemas.microsoft.com/office/drawing/2010/main" val="0"/>
@@ -11329,10 +11287,9 @@
           <a:lstStyle/>
           <a:p>
             <a:r>
-              <a:rPr lang="en-US" dirty="0" smtClean="0"/>
+              <a:rPr lang="en-US" dirty="0"/>
               <a:t>Design Process</a:t>
             </a:r>
-            <a:endParaRPr lang="en-US" dirty="0"/>
           </a:p>
         </p:txBody>
       </p:sp>
@@ -11359,72 +11316,72 @@
           <a:lstStyle/>
           <a:p>
             <a:r>
-              <a:rPr lang="en-US" dirty="0" smtClean="0"/>
+              <a:rPr lang="en-US" dirty="0"/>
               <a:t>Atmega328P IDE:</a:t>
             </a:r>
           </a:p>
           <a:p>
             <a:pPr lvl="1"/>
             <a:r>
-              <a:rPr lang="en-US" sz="2400" dirty="0" smtClean="0"/>
+              <a:rPr lang="en-US" sz="2400" dirty="0"/>
               <a:t>Visual studio + AVR Dragon</a:t>
             </a:r>
           </a:p>
           <a:p>
             <a:r>
-              <a:rPr lang="en-US" dirty="0" smtClean="0"/>
+              <a:rPr lang="en-US" dirty="0"/>
               <a:t>Software coding:</a:t>
             </a:r>
           </a:p>
           <a:p>
             <a:pPr lvl="1"/>
             <a:r>
-              <a:rPr lang="en-US" sz="2400" dirty="0" smtClean="0"/>
+              <a:rPr lang="en-US" sz="2400" dirty="0"/>
               <a:t>LCD: 4 bits interactions</a:t>
             </a:r>
           </a:p>
           <a:p>
             <a:pPr lvl="1"/>
             <a:r>
-              <a:rPr lang="en-US" sz="2400" dirty="0" smtClean="0"/>
+              <a:rPr lang="en-US" sz="2400" dirty="0"/>
               <a:t>Servo: 16bits counter and interrupt service to produce PWM</a:t>
             </a:r>
           </a:p>
           <a:p>
             <a:pPr lvl="1"/>
             <a:r>
-              <a:rPr lang="en-US" sz="2400" dirty="0" smtClean="0"/>
+              <a:rPr lang="en-US" sz="2400" dirty="0"/>
               <a:t>Keypad: matrix keypad</a:t>
             </a:r>
           </a:p>
           <a:p>
             <a:r>
-              <a:rPr lang="en-US" dirty="0" smtClean="0"/>
+              <a:rPr lang="en-US" dirty="0"/>
               <a:t>Hardware:</a:t>
             </a:r>
           </a:p>
           <a:p>
             <a:pPr lvl="1"/>
             <a:r>
-              <a:rPr lang="en-US" sz="2400" dirty="0" smtClean="0"/>
+              <a:rPr lang="en-US" sz="2400" dirty="0"/>
               <a:t>PCB: Eagle and </a:t>
             </a:r>
             <a:r>
-              <a:rPr lang="en-US" sz="2400" dirty="0" err="1" smtClean="0"/>
+              <a:rPr lang="en-US" sz="2400" dirty="0" err="1"/>
               <a:t>Oshpark</a:t>
             </a:r>
-            <a:endParaRPr lang="en-US" sz="2400" dirty="0" smtClean="0"/>
+            <a:endParaRPr lang="en-US" sz="2400" dirty="0"/>
           </a:p>
           <a:p>
             <a:pPr lvl="1"/>
             <a:r>
-              <a:rPr lang="en-US" sz="2400" dirty="0" smtClean="0"/>
+              <a:rPr lang="en-US" sz="2400" dirty="0"/>
               <a:t>Box: SOLIDWORK and Laser cutter in L.I.D</a:t>
             </a:r>
           </a:p>
           <a:p>
             <a:pPr lvl="1"/>
-            <a:endParaRPr lang="en-US" sz="2400" dirty="0" smtClean="0"/>
+            <a:endParaRPr lang="en-US" sz="2400" dirty="0"/>
           </a:p>
         </p:txBody>
       </p:sp>
@@ -11438,13 +11395,6 @@
   <p:clrMapOvr>
     <a:masterClrMapping/>
   </p:clrMapOvr>
-  <p:timing>
-    <p:tnLst>
-      <p:par>
-        <p:cTn id="1" dur="indefinite" restart="never" nodeType="tmRoot"/>
-      </p:par>
-    </p:tnLst>
-  </p:timing>
 </p:sld>
 </file>
 

--- a/ECE411 - Final Presentation.pptx
+++ b/ECE411 - Final Presentation.pptx
@@ -20,9 +20,9 @@
     <p:sldId id="281" r:id="rId11"/>
     <p:sldId id="266" r:id="rId12"/>
     <p:sldId id="269" r:id="rId13"/>
-    <p:sldId id="270" r:id="rId14"/>
-    <p:sldId id="272" r:id="rId15"/>
-    <p:sldId id="280" r:id="rId16"/>
+    <p:sldId id="272" r:id="rId14"/>
+    <p:sldId id="280" r:id="rId15"/>
+    <p:sldId id="270" r:id="rId16"/>
     <p:sldId id="283" r:id="rId17"/>
     <p:sldId id="282" r:id="rId18"/>
     <p:sldId id="273" r:id="rId19"/>
@@ -138,7 +138,7 @@
 
 <file path=ppt/commentAuthors.xml><?xml version="1.0" encoding="utf-8"?>
 <p:cmAuthorLst xmlns:a="http://schemas.openxmlformats.org/drawingml/2006/main" xmlns:r="http://schemas.openxmlformats.org/officeDocument/2006/relationships" xmlns:p="http://schemas.openxmlformats.org/presentationml/2006/main">
-  <p:cmAuthor id="1" name="Dwayne Hoeck" initials="DH" lastIdx="11" clrIdx="0">
+  <p:cmAuthor id="1" name="Dwayne Hoeck" initials="DH" lastIdx="12" clrIdx="0">
     <p:extLst>
       <p:ext uri="{19B8F6BF-5375-455C-9EA6-DF929625EA0E}">
         <p15:presenceInfo xmlns:p15="http://schemas.microsoft.com/office/powerpoint/2012/main" userId="677f8cdd6cf8b7f7" providerId="Windows Live"/>
@@ -164,6 +164,20 @@
 
 <file path=ppt/comments/comment10.xml><?xml version="1.0" encoding="utf-8"?>
 <p:cmLst xmlns:a="http://schemas.openxmlformats.org/drawingml/2006/main" xmlns:r="http://schemas.openxmlformats.org/officeDocument/2006/relationships" xmlns:p="http://schemas.openxmlformats.org/presentationml/2006/main">
+  <p:cm authorId="1" dt="2016-12-08T11:44:34.676" idx="9">
+    <p:pos x="10" y="10"/>
+    <p:text>Was the first lock box really only invented 55 years ago?</p:text>
+    <p:extLst>
+      <p:ext uri="{C676402C-5697-4E1C-873F-D02D1690AC5C}">
+        <p15:threadingInfo xmlns:p15="http://schemas.microsoft.com/office/powerpoint/2012/main" timeZoneBias="480"/>
+      </p:ext>
+    </p:extLst>
+  </p:cm>
+</p:cmLst>
+</file>
+
+<file path=ppt/comments/comment11.xml><?xml version="1.0" encoding="utf-8"?>
+<p:cmLst xmlns:a="http://schemas.openxmlformats.org/drawingml/2006/main" xmlns:r="http://schemas.openxmlformats.org/officeDocument/2006/relationships" xmlns:p="http://schemas.openxmlformats.org/presentationml/2006/main">
   <p:cm authorId="1" dt="2016-12-08T11:45:27.270" idx="10">
     <p:pos x="10" y="10"/>
     <p:text>Insert pic</p:text>
@@ -176,7 +190,7 @@
 </p:cmLst>
 </file>
 
-<file path=ppt/comments/comment11.xml><?xml version="1.0" encoding="utf-8"?>
+<file path=ppt/comments/comment12.xml><?xml version="1.0" encoding="utf-8"?>
 <p:cmLst xmlns:a="http://schemas.openxmlformats.org/drawingml/2006/main" xmlns:r="http://schemas.openxmlformats.org/officeDocument/2006/relationships" xmlns:p="http://schemas.openxmlformats.org/presentationml/2006/main">
   <p:cm authorId="1" dt="2016-12-08T11:45:42.655" idx="11">
     <p:pos x="10" y="10"/>
@@ -248,6 +262,20 @@
 
 <file path=ppt/comments/comment6.xml><?xml version="1.0" encoding="utf-8"?>
 <p:cmLst xmlns:a="http://schemas.openxmlformats.org/drawingml/2006/main" xmlns:r="http://schemas.openxmlformats.org/officeDocument/2006/relationships" xmlns:p="http://schemas.openxmlformats.org/presentationml/2006/main">
+  <p:cm authorId="1" dt="2016-12-08T12:05:20.971" idx="12">
+    <p:pos x="10" y="10"/>
+    <p:text>Talk about "Decisions Made" section</p:text>
+    <p:extLst>
+      <p:ext uri="{C676402C-5697-4E1C-873F-D02D1690AC5C}">
+        <p15:threadingInfo xmlns:p15="http://schemas.microsoft.com/office/powerpoint/2012/main" timeZoneBias="480"/>
+      </p:ext>
+    </p:extLst>
+  </p:cm>
+</p:cmLst>
+</file>
+
+<file path=ppt/comments/comment7.xml><?xml version="1.0" encoding="utf-8"?>
+<p:cmLst xmlns:a="http://schemas.openxmlformats.org/drawingml/2006/main" xmlns:r="http://schemas.openxmlformats.org/officeDocument/2006/relationships" xmlns:p="http://schemas.openxmlformats.org/presentationml/2006/main">
   <p:cm authorId="1" dt="2016-12-08T11:42:22.565" idx="7">
     <p:pos x="10" y="10"/>
     <p:text>"Picture for main component go here"</p:text>
@@ -260,7 +288,7 @@
 </p:cmLst>
 </file>
 
-<file path=ppt/comments/comment7.xml><?xml version="1.0" encoding="utf-8"?>
+<file path=ppt/comments/comment8.xml><?xml version="1.0" encoding="utf-8"?>
 <p:cmLst xmlns:a="http://schemas.openxmlformats.org/drawingml/2006/main" xmlns:r="http://schemas.openxmlformats.org/officeDocument/2006/relationships" xmlns:p="http://schemas.openxmlformats.org/presentationml/2006/main">
   <p:cm authorId="1" dt="2016-12-08T11:27:04.767" idx="1">
     <p:pos x="964" y="505"/>
@@ -274,25 +302,11 @@
 </p:cmLst>
 </file>
 
-<file path=ppt/comments/comment8.xml><?xml version="1.0" encoding="utf-8"?>
+<file path=ppt/comments/comment9.xml><?xml version="1.0" encoding="utf-8"?>
 <p:cmLst xmlns:a="http://schemas.openxmlformats.org/drawingml/2006/main" xmlns:r="http://schemas.openxmlformats.org/officeDocument/2006/relationships" xmlns:p="http://schemas.openxmlformats.org/presentationml/2006/main">
   <p:cm authorId="1" dt="2016-12-08T11:43:42.635" idx="8">
     <p:pos x="10" y="10"/>
     <p:text>"Bill of materials" should just be "bill of materials."</p:text>
-    <p:extLst>
-      <p:ext uri="{C676402C-5697-4E1C-873F-D02D1690AC5C}">
-        <p15:threadingInfo xmlns:p15="http://schemas.microsoft.com/office/powerpoint/2012/main" timeZoneBias="480"/>
-      </p:ext>
-    </p:extLst>
-  </p:cm>
-</p:cmLst>
-</file>
-
-<file path=ppt/comments/comment9.xml><?xml version="1.0" encoding="utf-8"?>
-<p:cmLst xmlns:a="http://schemas.openxmlformats.org/drawingml/2006/main" xmlns:r="http://schemas.openxmlformats.org/officeDocument/2006/relationships" xmlns:p="http://schemas.openxmlformats.org/presentationml/2006/main">
-  <p:cm authorId="1" dt="2016-12-08T11:44:34.676" idx="9">
-    <p:pos x="10" y="10"/>
-    <p:text>Was the first lock box really only invented 55 years ago?</p:text>
     <p:extLst>
       <p:ext uri="{C676402C-5697-4E1C-873F-D02D1690AC5C}">
         <p15:threadingInfo xmlns:p15="http://schemas.microsoft.com/office/powerpoint/2012/main" timeZoneBias="480"/>
@@ -8433,8 +8447,32 @@
         </p:blipFill>
         <p:spPr>
           <a:xfrm>
-            <a:off x="680321" y="2164344"/>
-            <a:ext cx="5630883" cy="4322812"/>
+            <a:off x="680321" y="2197596"/>
+            <a:ext cx="5366801" cy="4120077"/>
+          </a:xfrm>
+          <a:prstGeom prst="rect">
+            <a:avLst/>
+          </a:prstGeom>
+        </p:spPr>
+      </p:pic>
+      <p:pic>
+        <p:nvPicPr>
+          <p:cNvPr id="3" name="Picture 2"/>
+          <p:cNvPicPr>
+            <a:picLocks noChangeAspect="1"/>
+          </p:cNvPicPr>
+          <p:nvPr/>
+        </p:nvPicPr>
+        <p:blipFill>
+          <a:blip r:embed="rId3"/>
+          <a:stretch>
+            <a:fillRect/>
+          </a:stretch>
+        </p:blipFill>
+        <p:spPr>
+          <a:xfrm>
+            <a:off x="6825811" y="2197596"/>
+            <a:ext cx="4641383" cy="4127035"/>
           </a:xfrm>
           <a:prstGeom prst="rect">
             <a:avLst/>
@@ -8901,28 +8939,35 @@
           </a:p>
         </p:txBody>
       </p:sp>
-      <p:sp>
-        <p:nvSpPr>
-          <p:cNvPr id="4" name="Content Placeholder 3"/>
-          <p:cNvSpPr>
-            <a:spLocks noGrp="1"/>
-          </p:cNvSpPr>
+      <p:pic>
+        <p:nvPicPr>
+          <p:cNvPr id="5" name="Content Placeholder 4"/>
+          <p:cNvPicPr>
+            <a:picLocks noGrp="1" noChangeAspect="1"/>
+          </p:cNvPicPr>
           <p:nvPr>
             <p:ph sz="half" idx="2"/>
           </p:nvPr>
-        </p:nvSpPr>
-        <p:spPr/>
-        <p:txBody>
-          <a:bodyPr/>
-          <a:lstStyle/>
-          <a:p>
-            <a:r>
-              <a:rPr lang="en-US" dirty="0"/>
-              <a:t>Picture for main component go hear</a:t>
-            </a:r>
-          </a:p>
-        </p:txBody>
-      </p:sp>
+        </p:nvPicPr>
+        <p:blipFill>
+          <a:blip r:embed="rId2" cstate="print">
+            <a:extLst>
+              <a:ext uri="{28A0092B-C50C-407E-A947-70E740481C1C}">
+                <a14:useLocalDpi xmlns:a14="http://schemas.microsoft.com/office/drawing/2010/main" val="0"/>
+              </a:ext>
+            </a:extLst>
+          </a:blip>
+          <a:stretch>
+            <a:fillRect/>
+          </a:stretch>
+        </p:blipFill>
+        <p:spPr>
+          <a:xfrm>
+            <a:off x="5594350" y="2373236"/>
+            <a:ext cx="4700588" cy="3525991"/>
+          </a:xfrm>
+        </p:spPr>
+      </p:pic>
     </p:spTree>
     <p:extLst>
       <p:ext uri="{BB962C8B-B14F-4D97-AF65-F5344CB8AC3E}">
@@ -8963,21 +9008,21 @@
             <p:ph type="title"/>
           </p:nvPr>
         </p:nvSpPr>
-        <p:spPr>
-          <a:xfrm>
-            <a:off x="320701" y="719361"/>
-            <a:ext cx="3485281" cy="1080938"/>
-          </a:xfrm>
-        </p:spPr>
-        <p:txBody>
-          <a:bodyPr>
-            <a:normAutofit/>
-          </a:bodyPr>
+        <p:spPr/>
+        <p:txBody>
+          <a:bodyPr/>
           <a:lstStyle/>
           <a:p>
             <a:r>
               <a:rPr lang="en-US" dirty="0"/>
-              <a:t>Implementation - Schematic</a:t>
+              <a:t>Implementation</a:t>
+            </a:r>
+            <a:br>
+              <a:rPr lang="en-US" dirty="0"/>
+            </a:br>
+            <a:r>
+              <a:rPr lang="en-US" dirty="0"/>
+              <a:t>Coding</a:t>
             </a:r>
           </a:p>
         </p:txBody>
@@ -9006,15 +9051,15 @@
         </p:blipFill>
         <p:spPr>
           <a:xfrm>
-            <a:off x="3805982" y="355600"/>
-            <a:ext cx="7995264" cy="6179914"/>
+            <a:off x="4177371" y="753227"/>
+            <a:ext cx="7433783" cy="5746459"/>
           </a:xfrm>
         </p:spPr>
       </p:pic>
     </p:spTree>
     <p:extLst>
       <p:ext uri="{BB962C8B-B14F-4D97-AF65-F5344CB8AC3E}">
-        <p14:creationId xmlns:p14="http://schemas.microsoft.com/office/powerpoint/2010/main" val="240072972"/>
+        <p14:creationId xmlns:p14="http://schemas.microsoft.com/office/powerpoint/2010/main" val="1414518878"/>
       </p:ext>
     </p:extLst>
   </p:cSld>
@@ -9065,44 +9110,192 @@
             </a:br>
             <a:r>
               <a:rPr lang="en-US" dirty="0"/>
-              <a:t>Coding</a:t>
-            </a:r>
-          </a:p>
-        </p:txBody>
-      </p:sp>
-      <p:pic>
-        <p:nvPicPr>
-          <p:cNvPr id="4" name="Content Placeholder 3"/>
-          <p:cNvPicPr>
-            <a:picLocks noGrp="1" noChangeAspect="1"/>
-          </p:cNvPicPr>
+              <a:t>Pseudo code</a:t>
+            </a:r>
+          </a:p>
+        </p:txBody>
+      </p:sp>
+      <p:sp>
+        <p:nvSpPr>
+          <p:cNvPr id="3" name="Content Placeholder 2"/>
+          <p:cNvSpPr>
+            <a:spLocks noGrp="1"/>
+          </p:cNvSpPr>
           <p:nvPr>
             <p:ph idx="1"/>
           </p:nvPr>
-        </p:nvPicPr>
-        <p:blipFill>
-          <a:blip r:embed="rId2">
-            <a:extLst>
-              <a:ext uri="{28A0092B-C50C-407E-A947-70E740481C1C}">
-                <a14:useLocalDpi xmlns:a14="http://schemas.microsoft.com/office/drawing/2010/main" val="0"/>
-              </a:ext>
-            </a:extLst>
-          </a:blip>
-          <a:stretch>
-            <a:fillRect/>
-          </a:stretch>
-        </p:blipFill>
-        <p:spPr>
-          <a:xfrm>
-            <a:off x="4177371" y="753227"/>
-            <a:ext cx="7433783" cy="5746459"/>
-          </a:xfrm>
-        </p:spPr>
-      </p:pic>
+        </p:nvSpPr>
+        <p:spPr/>
+        <p:txBody>
+          <a:bodyPr/>
+          <a:lstStyle/>
+          <a:p>
+            <a:pPr marL="0" marR="0" lvl="0" indent="0" defTabSz="914400" eaLnBrk="1" fontAlgn="auto" latinLnBrk="0" hangingPunct="1">
+              <a:lnSpc>
+                <a:spcPct val="100000"/>
+              </a:lnSpc>
+              <a:spcBef>
+                <a:spcPts val="0"/>
+              </a:spcBef>
+              <a:spcAft>
+                <a:spcPts val="0"/>
+              </a:spcAft>
+              <a:buClrTx/>
+              <a:buSzTx/>
+              <a:buFontTx/>
+              <a:buNone/>
+              <a:tabLst/>
+              <a:defRPr/>
+            </a:pPr>
+            <a:r>
+              <a:rPr lang="en-US" dirty="0"/>
+              <a:t>While switch on</a:t>
+            </a:r>
+          </a:p>
+          <a:p>
+            <a:pPr marL="0" marR="0" lvl="0" indent="0" defTabSz="914400" eaLnBrk="1" fontAlgn="auto" latinLnBrk="0" hangingPunct="1">
+              <a:lnSpc>
+                <a:spcPct val="100000"/>
+              </a:lnSpc>
+              <a:spcBef>
+                <a:spcPts val="0"/>
+              </a:spcBef>
+              <a:spcAft>
+                <a:spcPts val="0"/>
+              </a:spcAft>
+              <a:buClrTx/>
+              <a:buSzTx/>
+              <a:buFontTx/>
+              <a:buNone/>
+              <a:tabLst/>
+              <a:defRPr/>
+            </a:pPr>
+            <a:r>
+              <a:rPr lang="en-US" dirty="0"/>
+              <a:t>	Ask for 4-key number code</a:t>
+            </a:r>
+          </a:p>
+          <a:p>
+            <a:pPr marL="0" marR="0" lvl="0" indent="0" defTabSz="914400" eaLnBrk="1" fontAlgn="auto" latinLnBrk="0" hangingPunct="1">
+              <a:lnSpc>
+                <a:spcPct val="100000"/>
+              </a:lnSpc>
+              <a:spcBef>
+                <a:spcPts val="0"/>
+              </a:spcBef>
+              <a:spcAft>
+                <a:spcPts val="0"/>
+              </a:spcAft>
+              <a:buClrTx/>
+              <a:buSzTx/>
+              <a:buFontTx/>
+              <a:buNone/>
+              <a:tabLst/>
+              <a:defRPr/>
+            </a:pPr>
+            <a:r>
+              <a:rPr lang="en-US" dirty="0"/>
+              <a:t>	If the code is the pass code: open the box, flip the switch</a:t>
+            </a:r>
+          </a:p>
+          <a:p>
+            <a:pPr marL="0" marR="0" lvl="0" indent="0" defTabSz="914400" eaLnBrk="1" fontAlgn="auto" latinLnBrk="0" hangingPunct="1">
+              <a:lnSpc>
+                <a:spcPct val="100000"/>
+              </a:lnSpc>
+              <a:spcBef>
+                <a:spcPts val="0"/>
+              </a:spcBef>
+              <a:spcAft>
+                <a:spcPts val="0"/>
+              </a:spcAft>
+              <a:buClrTx/>
+              <a:buSzTx/>
+              <a:buFontTx/>
+              <a:buNone/>
+              <a:tabLst/>
+              <a:defRPr/>
+            </a:pPr>
+            <a:r>
+              <a:rPr lang="en-US" dirty="0"/>
+              <a:t>	Else If the code is the reset code: run the reset sequence</a:t>
+            </a:r>
+          </a:p>
+          <a:p>
+            <a:pPr marL="0" marR="0" lvl="0" indent="0" defTabSz="914400" eaLnBrk="1" fontAlgn="auto" latinLnBrk="0" hangingPunct="1">
+              <a:lnSpc>
+                <a:spcPct val="100000"/>
+              </a:lnSpc>
+              <a:spcBef>
+                <a:spcPts val="0"/>
+              </a:spcBef>
+              <a:spcAft>
+                <a:spcPts val="0"/>
+              </a:spcAft>
+              <a:buClrTx/>
+              <a:buSzTx/>
+              <a:buFontTx/>
+              <a:buNone/>
+              <a:tabLst/>
+              <a:defRPr/>
+            </a:pPr>
+            <a:r>
+              <a:rPr lang="en-US" dirty="0"/>
+              <a:t>	Else if the code is admin code: run the change sequence</a:t>
+            </a:r>
+          </a:p>
+          <a:p>
+            <a:pPr marL="0" marR="0" lvl="0" indent="0" defTabSz="914400" eaLnBrk="1" fontAlgn="auto" latinLnBrk="0" hangingPunct="1">
+              <a:lnSpc>
+                <a:spcPct val="100000"/>
+              </a:lnSpc>
+              <a:spcBef>
+                <a:spcPts val="0"/>
+              </a:spcBef>
+              <a:spcAft>
+                <a:spcPts val="0"/>
+              </a:spcAft>
+              <a:buClrTx/>
+              <a:buSzTx/>
+              <a:buFontTx/>
+              <a:buNone/>
+              <a:tabLst/>
+              <a:defRPr/>
+            </a:pPr>
+            <a:r>
+              <a:rPr lang="en-US" dirty="0"/>
+              <a:t>	Else flip the switch</a:t>
+            </a:r>
+          </a:p>
+          <a:p>
+            <a:pPr marL="0" marR="0" lvl="0" indent="0" defTabSz="914400" eaLnBrk="1" fontAlgn="auto" latinLnBrk="0" hangingPunct="1">
+              <a:lnSpc>
+                <a:spcPct val="100000"/>
+              </a:lnSpc>
+              <a:spcBef>
+                <a:spcPts val="0"/>
+              </a:spcBef>
+              <a:spcAft>
+                <a:spcPts val="0"/>
+              </a:spcAft>
+              <a:buClrTx/>
+              <a:buSzTx/>
+              <a:buFontTx/>
+              <a:buNone/>
+              <a:tabLst/>
+              <a:defRPr/>
+            </a:pPr>
+            <a:r>
+              <a:rPr lang="en-US" dirty="0"/>
+              <a:t>	</a:t>
+            </a:r>
+          </a:p>
+        </p:txBody>
+      </p:sp>
     </p:spTree>
     <p:extLst>
       <p:ext uri="{BB962C8B-B14F-4D97-AF65-F5344CB8AC3E}">
-        <p14:creationId xmlns:p14="http://schemas.microsoft.com/office/powerpoint/2010/main" val="1414518878"/>
+        <p14:creationId xmlns:p14="http://schemas.microsoft.com/office/powerpoint/2010/main" val="827441585"/>
       </p:ext>
     </p:extLst>
   </p:cSld>
@@ -9139,206 +9332,58 @@
             <p:ph type="title"/>
           </p:nvPr>
         </p:nvSpPr>
-        <p:spPr/>
-        <p:txBody>
-          <a:bodyPr/>
+        <p:spPr>
+          <a:xfrm>
+            <a:off x="320701" y="719361"/>
+            <a:ext cx="3485281" cy="1080938"/>
+          </a:xfrm>
+        </p:spPr>
+        <p:txBody>
+          <a:bodyPr>
+            <a:normAutofit/>
+          </a:bodyPr>
           <a:lstStyle/>
           <a:p>
             <a:r>
               <a:rPr lang="en-US" dirty="0"/>
-              <a:t>Implementation</a:t>
-            </a:r>
-            <a:br>
-              <a:rPr lang="en-US" dirty="0"/>
-            </a:br>
-            <a:r>
-              <a:rPr lang="en-US" dirty="0"/>
-              <a:t>Pseudo code</a:t>
-            </a:r>
-          </a:p>
-        </p:txBody>
-      </p:sp>
-      <p:sp>
-        <p:nvSpPr>
-          <p:cNvPr id="3" name="Content Placeholder 2"/>
-          <p:cNvSpPr>
-            <a:spLocks noGrp="1"/>
-          </p:cNvSpPr>
+              <a:t>Implementation - Schematic</a:t>
+            </a:r>
+          </a:p>
+        </p:txBody>
+      </p:sp>
+      <p:pic>
+        <p:nvPicPr>
+          <p:cNvPr id="4" name="Content Placeholder 3"/>
+          <p:cNvPicPr>
+            <a:picLocks noGrp="1" noChangeAspect="1"/>
+          </p:cNvPicPr>
           <p:nvPr>
             <p:ph idx="1"/>
           </p:nvPr>
-        </p:nvSpPr>
-        <p:spPr/>
-        <p:txBody>
-          <a:bodyPr/>
-          <a:lstStyle/>
-          <a:p>
-            <a:pPr marL="0" marR="0" lvl="0" indent="0" defTabSz="914400" eaLnBrk="1" fontAlgn="auto" latinLnBrk="0" hangingPunct="1">
-              <a:lnSpc>
-                <a:spcPct val="100000"/>
-              </a:lnSpc>
-              <a:spcBef>
-                <a:spcPts val="0"/>
-              </a:spcBef>
-              <a:spcAft>
-                <a:spcPts val="0"/>
-              </a:spcAft>
-              <a:buClrTx/>
-              <a:buSzTx/>
-              <a:buFontTx/>
-              <a:buNone/>
-              <a:tabLst/>
-              <a:defRPr/>
-            </a:pPr>
-            <a:r>
-              <a:rPr lang="en-US" dirty="0"/>
-              <a:t>While switch on</a:t>
-            </a:r>
-          </a:p>
-          <a:p>
-            <a:pPr marL="0" marR="0" lvl="0" indent="0" defTabSz="914400" eaLnBrk="1" fontAlgn="auto" latinLnBrk="0" hangingPunct="1">
-              <a:lnSpc>
-                <a:spcPct val="100000"/>
-              </a:lnSpc>
-              <a:spcBef>
-                <a:spcPts val="0"/>
-              </a:spcBef>
-              <a:spcAft>
-                <a:spcPts val="0"/>
-              </a:spcAft>
-              <a:buClrTx/>
-              <a:buSzTx/>
-              <a:buFontTx/>
-              <a:buNone/>
-              <a:tabLst/>
-              <a:defRPr/>
-            </a:pPr>
-            <a:r>
-              <a:rPr lang="en-US" dirty="0"/>
-              <a:t>	Ask for 4-key number code</a:t>
-            </a:r>
-          </a:p>
-          <a:p>
-            <a:pPr marL="0" marR="0" lvl="0" indent="0" defTabSz="914400" eaLnBrk="1" fontAlgn="auto" latinLnBrk="0" hangingPunct="1">
-              <a:lnSpc>
-                <a:spcPct val="100000"/>
-              </a:lnSpc>
-              <a:spcBef>
-                <a:spcPts val="0"/>
-              </a:spcBef>
-              <a:spcAft>
-                <a:spcPts val="0"/>
-              </a:spcAft>
-              <a:buClrTx/>
-              <a:buSzTx/>
-              <a:buFontTx/>
-              <a:buNone/>
-              <a:tabLst/>
-              <a:defRPr/>
-            </a:pPr>
-            <a:r>
-              <a:rPr lang="en-US" dirty="0"/>
-              <a:t>	If the code is the pass code: open the box, flip the switch</a:t>
-            </a:r>
-          </a:p>
-          <a:p>
-            <a:pPr marL="0" marR="0" lvl="0" indent="0" defTabSz="914400" eaLnBrk="1" fontAlgn="auto" latinLnBrk="0" hangingPunct="1">
-              <a:lnSpc>
-                <a:spcPct val="100000"/>
-              </a:lnSpc>
-              <a:spcBef>
-                <a:spcPts val="0"/>
-              </a:spcBef>
-              <a:spcAft>
-                <a:spcPts val="0"/>
-              </a:spcAft>
-              <a:buClrTx/>
-              <a:buSzTx/>
-              <a:buFontTx/>
-              <a:buNone/>
-              <a:tabLst/>
-              <a:defRPr/>
-            </a:pPr>
-            <a:r>
-              <a:rPr lang="en-US" dirty="0"/>
-              <a:t>	Else If the code is the reset code: run the reset sequence</a:t>
-            </a:r>
-          </a:p>
-          <a:p>
-            <a:pPr marL="0" marR="0" lvl="0" indent="0" defTabSz="914400" eaLnBrk="1" fontAlgn="auto" latinLnBrk="0" hangingPunct="1">
-              <a:lnSpc>
-                <a:spcPct val="100000"/>
-              </a:lnSpc>
-              <a:spcBef>
-                <a:spcPts val="0"/>
-              </a:spcBef>
-              <a:spcAft>
-                <a:spcPts val="0"/>
-              </a:spcAft>
-              <a:buClrTx/>
-              <a:buSzTx/>
-              <a:buFontTx/>
-              <a:buNone/>
-              <a:tabLst/>
-              <a:defRPr/>
-            </a:pPr>
-            <a:r>
-              <a:rPr lang="en-US" dirty="0"/>
-              <a:t>	Else if the code is admin code: run the change sequence</a:t>
-            </a:r>
-          </a:p>
-          <a:p>
-            <a:pPr marL="0" marR="0" lvl="0" indent="0" defTabSz="914400" eaLnBrk="1" fontAlgn="auto" latinLnBrk="0" hangingPunct="1">
-              <a:lnSpc>
-                <a:spcPct val="100000"/>
-              </a:lnSpc>
-              <a:spcBef>
-                <a:spcPts val="0"/>
-              </a:spcBef>
-              <a:spcAft>
-                <a:spcPts val="0"/>
-              </a:spcAft>
-              <a:buClrTx/>
-              <a:buSzTx/>
-              <a:buFontTx/>
-              <a:buNone/>
-              <a:tabLst/>
-              <a:defRPr/>
-            </a:pPr>
-            <a:r>
-              <a:rPr lang="en-US" dirty="0"/>
-              <a:t>	Else flip the switch</a:t>
-            </a:r>
-          </a:p>
-          <a:p>
-            <a:pPr marL="0" marR="0" lvl="0" indent="0" defTabSz="914400" eaLnBrk="1" fontAlgn="auto" latinLnBrk="0" hangingPunct="1">
-              <a:lnSpc>
-                <a:spcPct val="100000"/>
-              </a:lnSpc>
-              <a:spcBef>
-                <a:spcPts val="0"/>
-              </a:spcBef>
-              <a:spcAft>
-                <a:spcPts val="0"/>
-              </a:spcAft>
-              <a:buClrTx/>
-              <a:buSzTx/>
-              <a:buFontTx/>
-              <a:buNone/>
-              <a:tabLst/>
-              <a:defRPr/>
-            </a:pPr>
-            <a:r>
-              <a:rPr lang="en-US" dirty="0"/>
-              <a:t>	</a:t>
-            </a:r>
-          </a:p>
-        </p:txBody>
-      </p:sp>
+        </p:nvPicPr>
+        <p:blipFill>
+          <a:blip r:embed="rId2">
+            <a:extLst>
+              <a:ext uri="{28A0092B-C50C-407E-A947-70E740481C1C}">
+                <a14:useLocalDpi xmlns:a14="http://schemas.microsoft.com/office/drawing/2010/main" val="0"/>
+              </a:ext>
+            </a:extLst>
+          </a:blip>
+          <a:stretch>
+            <a:fillRect/>
+          </a:stretch>
+        </p:blipFill>
+        <p:spPr>
+          <a:xfrm>
+            <a:off x="3805982" y="355600"/>
+            <a:ext cx="7995264" cy="6179914"/>
+          </a:xfrm>
+        </p:spPr>
+      </p:pic>
     </p:spTree>
     <p:extLst>
       <p:ext uri="{BB962C8B-B14F-4D97-AF65-F5344CB8AC3E}">
-        <p14:creationId xmlns:p14="http://schemas.microsoft.com/office/powerpoint/2010/main" val="827441585"/>
+        <p14:creationId xmlns:p14="http://schemas.microsoft.com/office/powerpoint/2010/main" val="240072972"/>
       </p:ext>
     </p:extLst>
   </p:cSld>
@@ -9973,7 +10018,12 @@
             <p:ph idx="1"/>
           </p:nvPr>
         </p:nvSpPr>
-        <p:spPr/>
+        <p:spPr>
+          <a:xfrm>
+            <a:off x="680322" y="2336873"/>
+            <a:ext cx="5005584" cy="3599316"/>
+          </a:xfrm>
+        </p:spPr>
         <p:txBody>
           <a:bodyPr/>
           <a:lstStyle/>
@@ -9984,13 +10034,73 @@
             </a:r>
           </a:p>
           <a:p>
-            <a:r>
-              <a:rPr lang="en-US" dirty="0"/>
-              <a:t>Picture of the whole box here</a:t>
-            </a:r>
-          </a:p>
-        </p:txBody>
-      </p:sp>
+            <a:pPr marL="0" indent="0">
+              <a:buNone/>
+            </a:pPr>
+            <a:endParaRPr lang="en-US" dirty="0"/>
+          </a:p>
+        </p:txBody>
+      </p:sp>
+      <p:pic>
+        <p:nvPicPr>
+          <p:cNvPr id="7" name="Picture 6"/>
+          <p:cNvPicPr>
+            <a:picLocks noChangeAspect="1"/>
+          </p:cNvPicPr>
+          <p:nvPr/>
+        </p:nvPicPr>
+        <p:blipFill>
+          <a:blip r:embed="rId2" cstate="print">
+            <a:extLst>
+              <a:ext uri="{28A0092B-C50C-407E-A947-70E740481C1C}">
+                <a14:useLocalDpi xmlns:a14="http://schemas.microsoft.com/office/drawing/2010/main" val="0"/>
+              </a:ext>
+            </a:extLst>
+          </a:blip>
+          <a:stretch>
+            <a:fillRect/>
+          </a:stretch>
+        </p:blipFill>
+        <p:spPr>
+          <a:xfrm>
+            <a:off x="8799965" y="2195899"/>
+            <a:ext cx="2538595" cy="4512471"/>
+          </a:xfrm>
+          <a:prstGeom prst="rect">
+            <a:avLst/>
+          </a:prstGeom>
+        </p:spPr>
+      </p:pic>
+      <p:pic>
+        <p:nvPicPr>
+          <p:cNvPr id="8" name="Picture 7"/>
+          <p:cNvPicPr>
+            <a:picLocks noChangeAspect="1"/>
+          </p:cNvPicPr>
+          <p:nvPr/>
+        </p:nvPicPr>
+        <p:blipFill>
+          <a:blip r:embed="rId3" cstate="print">
+            <a:extLst>
+              <a:ext uri="{28A0092B-C50C-407E-A947-70E740481C1C}">
+                <a14:useLocalDpi xmlns:a14="http://schemas.microsoft.com/office/drawing/2010/main" val="0"/>
+              </a:ext>
+            </a:extLst>
+          </a:blip>
+          <a:stretch>
+            <a:fillRect/>
+          </a:stretch>
+        </p:blipFill>
+        <p:spPr>
+          <a:xfrm>
+            <a:off x="5971987" y="2187243"/>
+            <a:ext cx="2541897" cy="4521127"/>
+          </a:xfrm>
+          <a:prstGeom prst="rect">
+            <a:avLst/>
+          </a:prstGeom>
+        </p:spPr>
+      </p:pic>
     </p:spTree>
     <p:extLst>
       <p:ext uri="{BB962C8B-B14F-4D97-AF65-F5344CB8AC3E}">

--- a/ECE411 - Final Presentation.pptx
+++ b/ECE411 - Final Presentation.pptx
@@ -8565,7 +8565,7 @@
             <a:pPr lvl="1" algn="just"/>
             <a:r>
               <a:rPr lang="en-US" sz="2400" dirty="0"/>
-              <a:t>Visual studio vs Arduino IDE</a:t>
+              <a:t>Atmel studio vs Arduino IDE</a:t>
             </a:r>
           </a:p>
           <a:p>
@@ -8636,7 +8636,7 @@
             <a:pPr lvl="1"/>
             <a:r>
               <a:rPr lang="en-US" sz="2400" dirty="0"/>
-              <a:t>Visual studio:</a:t>
+              <a:t>Atmel studio:</a:t>
             </a:r>
           </a:p>
           <a:p>
@@ -8671,14 +8671,14 @@
             <a:pPr lvl="1"/>
             <a:r>
               <a:rPr lang="en-US" sz="2400" dirty="0"/>
-              <a:t>Interrupt GPIO for Keypad:</a:t>
+              <a:t>Pull-ups GPIO for Keypad:</a:t>
             </a:r>
           </a:p>
           <a:p>
             <a:pPr lvl="2"/>
             <a:r>
               <a:rPr lang="en-US" sz="2200" dirty="0"/>
-              <a:t>Common pin usage with ISP pins</a:t>
+              <a:t>Interrupts mean more complex code</a:t>
             </a:r>
           </a:p>
           <a:p>
@@ -9022,7 +9022,7 @@
             </a:br>
             <a:r>
               <a:rPr lang="en-US" dirty="0"/>
-              <a:t>Coding</a:t>
+              <a:t>- Coding</a:t>
             </a:r>
           </a:p>
         </p:txBody>
@@ -9110,7 +9110,7 @@
             </a:br>
             <a:r>
               <a:rPr lang="en-US" dirty="0"/>
-              <a:t>Pseudo code</a:t>
+              <a:t>- Pseudo code</a:t>
             </a:r>
           </a:p>
         </p:txBody>
@@ -9551,7 +9551,7 @@
             </a:br>
             <a:r>
               <a:rPr lang="en-US" dirty="0"/>
-              <a:t>Billing of Materials</a:t>
+              <a:t>- Bill of Materials</a:t>
             </a:r>
           </a:p>
         </p:txBody>
@@ -9668,7 +9668,7 @@
           <a:p>
             <a:r>
               <a:rPr lang="en-US" dirty="0"/>
-              <a:t>Lock box: The first key lockbox was invented over 55 years ago by Delbert Williams.</a:t>
+              <a:t>Lock box: The first modern lockbox was invented over 55 years ago by Delbert Williams.</a:t>
             </a:r>
           </a:p>
         </p:txBody>
@@ -10148,7 +10148,7 @@
           <a:p>
             <a:r>
               <a:rPr lang="en-US" dirty="0"/>
-              <a:t>Contribution and Lessons Learning</a:t>
+              <a:t>Contributions and Lessons Learned</a:t>
             </a:r>
           </a:p>
         </p:txBody>
@@ -10499,7 +10499,7 @@
         </p:spPr>
         <p:txBody>
           <a:bodyPr>
-            <a:normAutofit fontScale="92500" lnSpcReduction="10000"/>
+            <a:normAutofit fontScale="92500" lnSpcReduction="20000"/>
           </a:bodyPr>
           <a:lstStyle/>
           <a:p>
@@ -10567,6 +10567,13 @@
             <a:r>
               <a:rPr lang="en-US" dirty="0"/>
               <a:t>Input incorrect code/disable</a:t>
+            </a:r>
+          </a:p>
+          <a:p>
+            <a:pPr lvl="1"/>
+            <a:r>
+              <a:rPr lang="en-US" dirty="0"/>
+              <a:t>Input admin code to change access code</a:t>
             </a:r>
           </a:p>
           <a:p>
@@ -11296,12 +11303,7 @@
             <p:ph type="title"/>
           </p:nvPr>
         </p:nvSpPr>
-        <p:spPr>
-          <a:xfrm>
-            <a:off x="404275" y="781837"/>
-            <a:ext cx="9613861" cy="1080938"/>
-          </a:xfrm>
-        </p:spPr>
+        <p:spPr/>
         <p:txBody>
           <a:bodyPr>
             <a:normAutofit/>
@@ -11329,7 +11331,7 @@
             <a:picLocks noGrp="1" noChangeAspect="1"/>
           </p:cNvPicPr>
           <p:nvPr>
-            <p:ph idx="1"/>
+            <p:ph sz="half" idx="1"/>
           </p:nvPr>
         </p:nvPicPr>
         <p:blipFill>
@@ -11346,11 +11348,60 @@
         </p:blipFill>
         <p:spPr>
           <a:xfrm>
-            <a:off x="2639683" y="604812"/>
-            <a:ext cx="9379782" cy="6253188"/>
+            <a:off x="681038" y="2570427"/>
+            <a:ext cx="4697412" cy="3131608"/>
           </a:xfrm>
         </p:spPr>
       </p:pic>
+      <p:sp>
+        <p:nvSpPr>
+          <p:cNvPr id="3" name="Content Placeholder 2"/>
+          <p:cNvSpPr>
+            <a:spLocks noGrp="1"/>
+          </p:cNvSpPr>
+          <p:nvPr>
+            <p:ph sz="half" idx="2"/>
+          </p:nvPr>
+        </p:nvSpPr>
+        <p:spPr/>
+        <p:txBody>
+          <a:bodyPr/>
+          <a:lstStyle/>
+          <a:p>
+            <a:r>
+              <a:rPr lang="en-US" dirty="0"/>
+              <a:t>Easy to use</a:t>
+            </a:r>
+          </a:p>
+          <a:p>
+            <a:r>
+              <a:rPr lang="en-US" dirty="0"/>
+              <a:t>Free</a:t>
+            </a:r>
+          </a:p>
+          <a:p>
+            <a:r>
+              <a:rPr lang="en-US" dirty="0"/>
+              <a:t>Shareable</a:t>
+            </a:r>
+          </a:p>
+          <a:p>
+            <a:r>
+              <a:rPr lang="en-US" dirty="0"/>
+              <a:t>Well-known</a:t>
+            </a:r>
+          </a:p>
+          <a:p>
+            <a:r>
+              <a:rPr lang="en-US" dirty="0"/>
+              <a:t>Easily Accessible</a:t>
+            </a:r>
+          </a:p>
+          <a:p>
+            <a:endParaRPr lang="en-US" dirty="0"/>
+          </a:p>
+        </p:txBody>
+      </p:sp>
     </p:spTree>
     <p:extLst>
       <p:ext uri="{BB962C8B-B14F-4D97-AF65-F5344CB8AC3E}">
@@ -11434,7 +11485,7 @@
             <a:pPr lvl="1"/>
             <a:r>
               <a:rPr lang="en-US" sz="2400" dirty="0"/>
-              <a:t>Visual studio + AVR Dragon</a:t>
+              <a:t>Atmel studio + AVR Dragon</a:t>
             </a:r>
           </a:p>
           <a:p>

--- a/ECE411 - Final Presentation.pptx
+++ b/ECE411 - Final Presentation.pptx
@@ -139,11 +139,7 @@
 <file path=ppt/commentAuthors.xml><?xml version="1.0" encoding="utf-8"?>
 <p:cmAuthorLst xmlns:a="http://schemas.openxmlformats.org/drawingml/2006/main" xmlns:r="http://schemas.openxmlformats.org/officeDocument/2006/relationships" xmlns:p="http://schemas.openxmlformats.org/presentationml/2006/main">
   <p:cmAuthor id="1" name="Dwayne Hoeck" initials="DH" lastIdx="12" clrIdx="0">
-    <p:extLst>
-      <p:ext uri="{19B8F6BF-5375-455C-9EA6-DF929625EA0E}">
-        <p15:presenceInfo xmlns:p15="http://schemas.microsoft.com/office/powerpoint/2012/main" userId="677f8cdd6cf8b7f7" providerId="Windows Live"/>
-      </p:ext>
-    </p:extLst>
+    <p:extLst/>
   </p:cmAuthor>
 </p:cmAuthorLst>
 </file>
@@ -398,7 +394,7 @@
           <a:p>
             <a:fld id="{AF9CE80A-28B5-E142-9734-8F3A89166F8B}" type="datetimeFigureOut">
               <a:rPr lang="en-US" smtClean="0"/>
-              <a:t>12/8/2016</a:t>
+              <a:t>12/8/16</a:t>
             </a:fld>
             <a:endParaRPr lang="en-US"/>
           </a:p>
@@ -939,7 +935,7 @@
           <a:p>
             <a:fld id="{CEF241BB-F2B7-4B67-A396-DB168B131349}" type="datetimeFigureOut">
               <a:rPr lang="en-US" smtClean="0"/>
-              <a:t>12/8/2016</a:t>
+              <a:t>12/8/16</a:t>
             </a:fld>
             <a:endParaRPr lang="en-US"/>
           </a:p>
@@ -1353,7 +1349,7 @@
           <a:p>
             <a:fld id="{CEF241BB-F2B7-4B67-A396-DB168B131349}" type="datetimeFigureOut">
               <a:rPr lang="en-US" smtClean="0"/>
-              <a:t>12/8/2016</a:t>
+              <a:t>12/8/16</a:t>
             </a:fld>
             <a:endParaRPr lang="en-US"/>
           </a:p>
@@ -1684,7 +1680,7 @@
           <a:p>
             <a:fld id="{CEF241BB-F2B7-4B67-A396-DB168B131349}" type="datetimeFigureOut">
               <a:rPr lang="en-US" smtClean="0"/>
-              <a:t>12/8/2016</a:t>
+              <a:t>12/8/16</a:t>
             </a:fld>
             <a:endParaRPr lang="en-US"/>
           </a:p>
@@ -2084,7 +2080,7 @@
           <a:p>
             <a:fld id="{CEF241BB-F2B7-4B67-A396-DB168B131349}" type="datetimeFigureOut">
               <a:rPr lang="en-US" smtClean="0"/>
-              <a:t>12/8/2016</a:t>
+              <a:t>12/8/16</a:t>
             </a:fld>
             <a:endParaRPr lang="en-US"/>
           </a:p>
@@ -2647,7 +2643,7 @@
           <a:p>
             <a:fld id="{CEF241BB-F2B7-4B67-A396-DB168B131349}" type="datetimeFigureOut">
               <a:rPr lang="en-US" smtClean="0"/>
-              <a:t>12/8/2016</a:t>
+              <a:t>12/8/16</a:t>
             </a:fld>
             <a:endParaRPr lang="en-US"/>
           </a:p>
@@ -3323,7 +3319,7 @@
           <a:p>
             <a:fld id="{CEF241BB-F2B7-4B67-A396-DB168B131349}" type="datetimeFigureOut">
               <a:rPr lang="en-US" smtClean="0"/>
-              <a:t>12/8/2016</a:t>
+              <a:t>12/8/16</a:t>
             </a:fld>
             <a:endParaRPr lang="en-US"/>
           </a:p>
@@ -4231,7 +4227,7 @@
           <a:p>
             <a:fld id="{CEF241BB-F2B7-4B67-A396-DB168B131349}" type="datetimeFigureOut">
               <a:rPr lang="en-US" smtClean="0"/>
-              <a:t>12/8/2016</a:t>
+              <a:t>12/8/16</a:t>
             </a:fld>
             <a:endParaRPr lang="en-US"/>
           </a:p>
@@ -4539,7 +4535,7 @@
           <a:p>
             <a:fld id="{CEF241BB-F2B7-4B67-A396-DB168B131349}" type="datetimeFigureOut">
               <a:rPr lang="en-US" smtClean="0"/>
-              <a:t>12/8/2016</a:t>
+              <a:t>12/8/16</a:t>
             </a:fld>
             <a:endParaRPr lang="en-US"/>
           </a:p>
@@ -4798,7 +4794,7 @@
           <a:p>
             <a:fld id="{CEF241BB-F2B7-4B67-A396-DB168B131349}" type="datetimeFigureOut">
               <a:rPr lang="en-US" smtClean="0"/>
-              <a:t>12/8/2016</a:t>
+              <a:t>12/8/16</a:t>
             </a:fld>
             <a:endParaRPr lang="en-US"/>
           </a:p>
@@ -5116,7 +5112,7 @@
           <a:p>
             <a:fld id="{CEF241BB-F2B7-4B67-A396-DB168B131349}" type="datetimeFigureOut">
               <a:rPr lang="en-US" smtClean="0"/>
-              <a:t>12/8/2016</a:t>
+              <a:t>12/8/16</a:t>
             </a:fld>
             <a:endParaRPr lang="en-US"/>
           </a:p>
@@ -5500,7 +5496,7 @@
           <a:p>
             <a:fld id="{CEF241BB-F2B7-4B67-A396-DB168B131349}" type="datetimeFigureOut">
               <a:rPr lang="en-US" smtClean="0"/>
-              <a:t>12/8/2016</a:t>
+              <a:t>12/8/16</a:t>
             </a:fld>
             <a:endParaRPr lang="en-US"/>
           </a:p>
@@ -5871,7 +5867,7 @@
           <a:p>
             <a:fld id="{CEF241BB-F2B7-4B67-A396-DB168B131349}" type="datetimeFigureOut">
               <a:rPr lang="en-US" smtClean="0"/>
-              <a:t>12/8/2016</a:t>
+              <a:t>12/8/16</a:t>
             </a:fld>
             <a:endParaRPr lang="en-US"/>
           </a:p>
@@ -6377,7 +6373,7 @@
           <a:p>
             <a:fld id="{CEF241BB-F2B7-4B67-A396-DB168B131349}" type="datetimeFigureOut">
               <a:rPr lang="en-US" smtClean="0"/>
-              <a:t>12/8/2016</a:t>
+              <a:t>12/8/16</a:t>
             </a:fld>
             <a:endParaRPr lang="en-US"/>
           </a:p>
@@ -6634,7 +6630,7 @@
           <a:p>
             <a:fld id="{CEF241BB-F2B7-4B67-A396-DB168B131349}" type="datetimeFigureOut">
               <a:rPr lang="en-US" smtClean="0"/>
-              <a:t>12/8/2016</a:t>
+              <a:t>12/8/16</a:t>
             </a:fld>
             <a:endParaRPr lang="en-US"/>
           </a:p>
@@ -6792,7 +6788,7 @@
           <a:p>
             <a:fld id="{CEF241BB-F2B7-4B67-A396-DB168B131349}" type="datetimeFigureOut">
               <a:rPr lang="en-US" smtClean="0"/>
-              <a:t>12/8/2016</a:t>
+              <a:t>12/8/16</a:t>
             </a:fld>
             <a:endParaRPr lang="en-US"/>
           </a:p>
@@ -7182,7 +7178,7 @@
           <a:p>
             <a:fld id="{CEF241BB-F2B7-4B67-A396-DB168B131349}" type="datetimeFigureOut">
               <a:rPr lang="en-US" smtClean="0"/>
-              <a:t>12/8/2016</a:t>
+              <a:t>12/8/16</a:t>
             </a:fld>
             <a:endParaRPr lang="en-US"/>
           </a:p>
@@ -7591,7 +7587,7 @@
           <a:p>
             <a:fld id="{CEF241BB-F2B7-4B67-A396-DB168B131349}" type="datetimeFigureOut">
               <a:rPr lang="en-US" smtClean="0"/>
-              <a:t>12/8/2016</a:t>
+              <a:t>12/8/16</a:t>
             </a:fld>
             <a:endParaRPr lang="en-US"/>
           </a:p>
@@ -7830,7 +7826,7 @@
           <a:p>
             <a:fld id="{CEF241BB-F2B7-4B67-A396-DB168B131349}" type="datetimeFigureOut">
               <a:rPr lang="en-US" smtClean="0"/>
-              <a:t>12/8/2016</a:t>
+              <a:t>12/8/16</a:t>
             </a:fld>
             <a:endParaRPr lang="en-US"/>
           </a:p>
@@ -8489,6 +8485,13 @@
   <p:clrMapOvr>
     <a:masterClrMapping/>
   </p:clrMapOvr>
+  <p:timing>
+    <p:tnLst>
+      <p:par>
+        <p:cTn id="1" dur="indefinite" restart="never" nodeType="tmRoot"/>
+      </p:par>
+    </p:tnLst>
+  </p:timing>
 </p:sld>
 </file>
 
@@ -8722,6 +8725,13 @@
   <p:clrMapOvr>
     <a:masterClrMapping/>
   </p:clrMapOvr>
+  <p:timing>
+    <p:tnLst>
+      <p:par>
+        <p:cTn id="1" dur="indefinite" restart="never" nodeType="tmRoot"/>
+      </p:par>
+    </p:tnLst>
+  </p:timing>
 </p:sld>
 </file>
 
@@ -9966,6 +9976,13 @@
   <p:clrMapOvr>
     <a:masterClrMapping/>
   </p:clrMapOvr>
+  <p:timing>
+    <p:tnLst>
+      <p:par>
+        <p:cTn id="1" dur="indefinite" restart="never" nodeType="tmRoot"/>
+      </p:par>
+    </p:tnLst>
+  </p:timing>
 </p:sld>
 </file>
 
@@ -10592,6 +10609,13 @@
   <p:clrMapOvr>
     <a:masterClrMapping/>
   </p:clrMapOvr>
+  <p:timing>
+    <p:tnLst>
+      <p:par>
+        <p:cTn id="1" dur="indefinite" restart="never" nodeType="tmRoot"/>
+      </p:par>
+    </p:tnLst>
+  </p:timing>
 </p:sld>
 </file>
 
@@ -10936,12 +10960,12 @@
       </p:sp>
       <p:pic>
         <p:nvPicPr>
-          <p:cNvPr id="9" name="Content Placeholder 8"/>
+          <p:cNvPr id="4" name="Content Placeholder 3"/>
           <p:cNvPicPr>
             <a:picLocks noGrp="1" noChangeAspect="1"/>
           </p:cNvPicPr>
           <p:nvPr>
-            <p:ph sz="half" idx="2"/>
+            <p:ph sz="half" idx="1"/>
           </p:nvPr>
         </p:nvPicPr>
         <p:blipFill>
@@ -10958,23 +10982,23 @@
         </p:blipFill>
         <p:spPr>
           <a:xfrm>
-            <a:off x="5593593" y="2421930"/>
-            <a:ext cx="5239355" cy="3428603"/>
+            <a:off x="681038" y="2429373"/>
+            <a:ext cx="4697412" cy="3413717"/>
           </a:xfrm>
         </p:spPr>
       </p:pic>
       <p:pic>
         <p:nvPicPr>
-          <p:cNvPr id="4" name="Content Placeholder 3"/>
+          <p:cNvPr id="5" name="Content Placeholder 4"/>
           <p:cNvPicPr>
             <a:picLocks noGrp="1" noChangeAspect="1"/>
           </p:cNvPicPr>
           <p:nvPr>
-            <p:ph sz="half" idx="1"/>
+            <p:ph sz="half" idx="2"/>
           </p:nvPr>
         </p:nvPicPr>
         <p:blipFill>
-          <a:blip r:embed="rId3" cstate="print">
+          <a:blip r:embed="rId3">
             <a:extLst>
               <a:ext uri="{28A0092B-C50C-407E-A947-70E740481C1C}">
                 <a14:useLocalDpi xmlns:a14="http://schemas.microsoft.com/office/drawing/2010/main" val="0"/>
@@ -10987,8 +11011,8 @@
         </p:blipFill>
         <p:spPr>
           <a:xfrm>
-            <a:off x="681038" y="2429373"/>
-            <a:ext cx="4697412" cy="3413717"/>
+            <a:off x="5594350" y="2513827"/>
+            <a:ext cx="4700588" cy="3244808"/>
           </a:xfrm>
         </p:spPr>
       </p:pic>
@@ -11002,6 +11026,13 @@
   <p:clrMapOvr>
     <a:masterClrMapping/>
   </p:clrMapOvr>
+  <p:timing>
+    <p:tnLst>
+      <p:par>
+        <p:cTn id="1" dur="indefinite" restart="never" nodeType="tmRoot"/>
+      </p:par>
+    </p:tnLst>
+  </p:timing>
 </p:sld>
 </file>
 
@@ -11127,6 +11158,13 @@
   <p:clrMapOvr>
     <a:masterClrMapping/>
   </p:clrMapOvr>
+  <p:timing>
+    <p:tnLst>
+      <p:par>
+        <p:cTn id="1" dur="indefinite" restart="never" nodeType="tmRoot"/>
+      </p:par>
+    </p:tnLst>
+  </p:timing>
 </p:sld>
 </file>
 
@@ -11273,6 +11311,13 @@
   <p:clrMapOvr>
     <a:masterClrMapping/>
   </p:clrMapOvr>
+  <p:timing>
+    <p:tnLst>
+      <p:par>
+        <p:cTn id="1" dur="indefinite" restart="never" nodeType="tmRoot"/>
+      </p:par>
+    </p:tnLst>
+  </p:timing>
 </p:sld>
 </file>
 
@@ -11412,6 +11457,13 @@
   <p:clrMapOvr>
     <a:masterClrMapping/>
   </p:clrMapOvr>
+  <p:timing>
+    <p:tnLst>
+      <p:par>
+        <p:cTn id="1" dur="indefinite" restart="never" nodeType="tmRoot"/>
+      </p:par>
+    </p:tnLst>
+  </p:timing>
 </p:sld>
 </file>
 
@@ -11556,6 +11608,13 @@
   <p:clrMapOvr>
     <a:masterClrMapping/>
   </p:clrMapOvr>
+  <p:timing>
+    <p:tnLst>
+      <p:par>
+        <p:cTn id="1" dur="indefinite" restart="never" nodeType="tmRoot"/>
+      </p:par>
+    </p:tnLst>
+  </p:timing>
 </p:sld>
 </file>
 
